--- a/ethereum源码.pptx
+++ b/ethereum源码.pptx
@@ -104,6 +104,22 @@
       </a:defRPr>
     </a:lvl9pPr>
   </p:defaultTextStyle>
+  <p:extLst>
+    <p:ext uri="{EFAFB233-063F-42B5-8137-9DF3F51BA10A}">
+      <p15:sldGuideLst xmlns:p15="http://schemas.microsoft.com/office/powerpoint/2012/main">
+        <p15:guide id="1" orient="horz" pos="10207">
+          <p15:clr>
+            <a:srgbClr val="A4A3A4"/>
+          </p15:clr>
+        </p15:guide>
+        <p15:guide id="2" pos="16128">
+          <p15:clr>
+            <a:srgbClr val="A4A3A4"/>
+          </p15:clr>
+        </p15:guide>
+      </p15:sldGuideLst>
+    </p:ext>
+  </p:extLst>
 </p:presentation>
 </file>
 
@@ -288,7 +304,7 @@
           <a:p>
             <a:fld id="{0FEC98C1-A7DC-9244-867F-999528E079BC}" type="datetimeFigureOut">
               <a:rPr kumimoji="1" lang="zh-CN" altLang="en-US" smtClean="0"/>
-              <a:t>19/4/13</a:t>
+              <a:t>2019/4/13</a:t>
             </a:fld>
             <a:endParaRPr kumimoji="1" lang="zh-CN" altLang="en-US"/>
           </a:p>
@@ -458,7 +474,7 @@
           <a:p>
             <a:fld id="{0FEC98C1-A7DC-9244-867F-999528E079BC}" type="datetimeFigureOut">
               <a:rPr kumimoji="1" lang="zh-CN" altLang="en-US" smtClean="0"/>
-              <a:t>19/4/13</a:t>
+              <a:t>2019/4/13</a:t>
             </a:fld>
             <a:endParaRPr kumimoji="1" lang="zh-CN" altLang="en-US"/>
           </a:p>
@@ -638,7 +654,7 @@
           <a:p>
             <a:fld id="{0FEC98C1-A7DC-9244-867F-999528E079BC}" type="datetimeFigureOut">
               <a:rPr kumimoji="1" lang="zh-CN" altLang="en-US" smtClean="0"/>
-              <a:t>19/4/13</a:t>
+              <a:t>2019/4/13</a:t>
             </a:fld>
             <a:endParaRPr kumimoji="1" lang="zh-CN" altLang="en-US"/>
           </a:p>
@@ -808,7 +824,7 @@
           <a:p>
             <a:fld id="{0FEC98C1-A7DC-9244-867F-999528E079BC}" type="datetimeFigureOut">
               <a:rPr kumimoji="1" lang="zh-CN" altLang="en-US" smtClean="0"/>
-              <a:t>19/4/13</a:t>
+              <a:t>2019/4/13</a:t>
             </a:fld>
             <a:endParaRPr kumimoji="1" lang="zh-CN" altLang="en-US"/>
           </a:p>
@@ -1054,7 +1070,7 @@
           <a:p>
             <a:fld id="{0FEC98C1-A7DC-9244-867F-999528E079BC}" type="datetimeFigureOut">
               <a:rPr kumimoji="1" lang="zh-CN" altLang="en-US" smtClean="0"/>
-              <a:t>19/4/13</a:t>
+              <a:t>2019/4/13</a:t>
             </a:fld>
             <a:endParaRPr kumimoji="1" lang="zh-CN" altLang="en-US"/>
           </a:p>
@@ -1342,7 +1358,7 @@
           <a:p>
             <a:fld id="{0FEC98C1-A7DC-9244-867F-999528E079BC}" type="datetimeFigureOut">
               <a:rPr kumimoji="1" lang="zh-CN" altLang="en-US" smtClean="0"/>
-              <a:t>19/4/13</a:t>
+              <a:t>2019/4/13</a:t>
             </a:fld>
             <a:endParaRPr kumimoji="1" lang="zh-CN" altLang="en-US"/>
           </a:p>
@@ -1764,7 +1780,7 @@
           <a:p>
             <a:fld id="{0FEC98C1-A7DC-9244-867F-999528E079BC}" type="datetimeFigureOut">
               <a:rPr kumimoji="1" lang="zh-CN" altLang="en-US" smtClean="0"/>
-              <a:t>19/4/13</a:t>
+              <a:t>2019/4/13</a:t>
             </a:fld>
             <a:endParaRPr kumimoji="1" lang="zh-CN" altLang="en-US"/>
           </a:p>
@@ -1882,7 +1898,7 @@
           <a:p>
             <a:fld id="{0FEC98C1-A7DC-9244-867F-999528E079BC}" type="datetimeFigureOut">
               <a:rPr kumimoji="1" lang="zh-CN" altLang="en-US" smtClean="0"/>
-              <a:t>19/4/13</a:t>
+              <a:t>2019/4/13</a:t>
             </a:fld>
             <a:endParaRPr kumimoji="1" lang="zh-CN" altLang="en-US"/>
           </a:p>
@@ -1977,7 +1993,7 @@
           <a:p>
             <a:fld id="{0FEC98C1-A7DC-9244-867F-999528E079BC}" type="datetimeFigureOut">
               <a:rPr kumimoji="1" lang="zh-CN" altLang="en-US" smtClean="0"/>
-              <a:t>19/4/13</a:t>
+              <a:t>2019/4/13</a:t>
             </a:fld>
             <a:endParaRPr kumimoji="1" lang="zh-CN" altLang="en-US"/>
           </a:p>
@@ -2254,7 +2270,7 @@
           <a:p>
             <a:fld id="{0FEC98C1-A7DC-9244-867F-999528E079BC}" type="datetimeFigureOut">
               <a:rPr kumimoji="1" lang="zh-CN" altLang="en-US" smtClean="0"/>
-              <a:t>19/4/13</a:t>
+              <a:t>2019/4/13</a:t>
             </a:fld>
             <a:endParaRPr kumimoji="1" lang="zh-CN" altLang="en-US"/>
           </a:p>
@@ -2507,7 +2523,7 @@
           <a:p>
             <a:fld id="{0FEC98C1-A7DC-9244-867F-999528E079BC}" type="datetimeFigureOut">
               <a:rPr kumimoji="1" lang="zh-CN" altLang="en-US" smtClean="0"/>
-              <a:t>19/4/13</a:t>
+              <a:t>2019/4/13</a:t>
             </a:fld>
             <a:endParaRPr kumimoji="1" lang="zh-CN" altLang="en-US"/>
           </a:p>
@@ -2720,7 +2736,7 @@
           <a:p>
             <a:fld id="{0FEC98C1-A7DC-9244-867F-999528E079BC}" type="datetimeFigureOut">
               <a:rPr kumimoji="1" lang="zh-CN" altLang="en-US" smtClean="0"/>
-              <a:t>19/4/13</a:t>
+              <a:t>2019/4/13</a:t>
             </a:fld>
             <a:endParaRPr kumimoji="1" lang="zh-CN" altLang="en-US"/>
           </a:p>
@@ -5382,17 +5398,7 @@
                   <a:latin typeface="Minion Pro Bold Cond"/>
                   <a:cs typeface="Minion Pro Bold Cond"/>
                 </a:rPr>
-                <a:t>- </a:t>
-              </a:r>
-              <a:r>
-                <a:rPr lang="en-US" altLang="zh-CN" sz="1200" dirty="0" smtClean="0">
-                  <a:solidFill>
-                    <a:schemeClr val="tx2"/>
-                  </a:solidFill>
-                  <a:latin typeface="Minion Pro Bold Cond"/>
-                  <a:cs typeface="Minion Pro Bold Cond"/>
-                </a:rPr>
-                <a:t>stack</a:t>
+                <a:t>- stack</a:t>
               </a:r>
               <a:endParaRPr lang="zh-CN" altLang="en-US" sz="1200" dirty="0">
                 <a:solidFill>
@@ -5725,11 +5731,7 @@
             </a:r>
             <a:r>
               <a:rPr lang="en-US" altLang="zh-CN" sz="1200" dirty="0"/>
-              <a:t>peer</a:t>
-            </a:r>
-            <a:r>
-              <a:rPr lang="en-US" altLang="zh-CN" sz="1200" dirty="0"/>
-              <a:t>, </a:t>
+              <a:t>peer, </a:t>
             </a:r>
             <a:r>
               <a:rPr lang="en-US" altLang="zh-CN" sz="1200" dirty="0" err="1"/>
@@ -5881,15 +5883,7 @@
             </a:r>
             <a:r>
               <a:rPr lang="en-US" altLang="zh-CN" sz="1200" dirty="0"/>
-              <a:t>_</a:t>
-            </a:r>
-            <a:r>
-              <a:rPr lang="en-US" altLang="zh-CN" sz="1200" dirty="0"/>
-              <a:t>, </a:t>
-            </a:r>
-            <a:r>
-              <a:rPr lang="en-US" altLang="zh-CN" sz="1200" dirty="0"/>
-              <a:t>service := </a:t>
+              <a:t>_, service := </a:t>
             </a:r>
             <a:r>
               <a:rPr lang="en-US" altLang="zh-CN" sz="1200" b="1" dirty="0"/>
@@ -6102,23 +6096,11 @@
             </a:r>
             <a:r>
               <a:rPr lang="en-US" altLang="zh-CN" sz="1200" dirty="0" err="1"/>
-              <a:t>cli.</a:t>
-            </a:r>
-            <a:r>
-              <a:rPr lang="en-US" altLang="zh-CN" sz="1200" dirty="0" err="1"/>
-              <a:t>Context</a:t>
+              <a:t>cli.Context</a:t>
             </a:r>
             <a:r>
               <a:rPr lang="en-US" altLang="zh-CN" sz="1200" dirty="0"/>
-              <a:t>) </a:t>
-            </a:r>
-            <a:r>
-              <a:rPr lang="en-US" altLang="zh-CN" sz="1200" dirty="0"/>
-              <a:t>error </a:t>
-            </a:r>
-            <a:r>
-              <a:rPr lang="en-US" altLang="zh-CN" sz="1200" dirty="0"/>
-              <a:t>{</a:t>
+              <a:t>) error {</a:t>
             </a:r>
             <a:br>
               <a:rPr lang="en-US" altLang="zh-CN" sz="1200" dirty="0"/>
@@ -6168,11 +6150,7 @@
             </a:r>
             <a:r>
               <a:rPr lang="en-US" altLang="zh-CN" sz="1200" dirty="0"/>
-              <a:t>, </a:t>
-            </a:r>
-            <a:r>
-              <a:rPr lang="en-US" altLang="zh-CN" sz="1200" dirty="0"/>
-              <a:t>node</a:t>
+              <a:t>, node</a:t>
             </a:r>
             <a:r>
               <a:rPr lang="en-US" altLang="zh-CN" sz="1200" dirty="0" smtClean="0"/>
@@ -6279,15 +6257,7 @@
           <a:p>
             <a:r>
               <a:rPr lang="en-US" altLang="zh-CN" sz="1200" dirty="0"/>
-              <a:t>running := &amp;p2p.</a:t>
-            </a:r>
-            <a:r>
-              <a:rPr lang="en-US" altLang="zh-CN" sz="1200" dirty="0"/>
-              <a:t>Server</a:t>
-            </a:r>
-            <a:r>
-              <a:rPr lang="en-US" altLang="zh-CN" sz="1200" dirty="0"/>
-              <a:t>{</a:t>
+              <a:t>running := &amp;p2p.Server{</a:t>
             </a:r>
             <a:r>
               <a:rPr lang="en-US" altLang="zh-CN" sz="1200" dirty="0" err="1"/>
@@ -6320,15 +6290,7 @@
             </a:r>
             <a:r>
               <a:rPr lang="en-US" altLang="zh-CN" sz="1200" dirty="0"/>
-              <a:t>_</a:t>
-            </a:r>
-            <a:r>
-              <a:rPr lang="en-US" altLang="zh-CN" sz="1200" dirty="0"/>
-              <a:t>, </a:t>
-            </a:r>
-            <a:r>
-              <a:rPr lang="en-US" altLang="zh-CN" sz="1200" dirty="0"/>
-              <a:t>constructor := </a:t>
+              <a:t>_, constructor := </a:t>
             </a:r>
             <a:r>
               <a:rPr lang="en-US" altLang="zh-CN" sz="1200" b="1" dirty="0"/>
@@ -6354,15 +6316,7 @@
             </a:r>
             <a:r>
               <a:rPr lang="en-US" altLang="zh-CN" sz="1200" dirty="0"/>
-              <a:t>service</a:t>
-            </a:r>
-            <a:r>
-              <a:rPr lang="en-US" altLang="zh-CN" sz="1200" dirty="0"/>
-              <a:t>, </a:t>
-            </a:r>
-            <a:r>
-              <a:rPr lang="en-US" altLang="zh-CN" sz="1200" dirty="0"/>
-              <a:t>err := constructor(</a:t>
+              <a:t>service, err := constructor(</a:t>
             </a:r>
             <a:r>
               <a:rPr lang="en-US" altLang="zh-CN" sz="1200" dirty="0" err="1"/>
@@ -6407,15 +6361,7 @@
             </a:r>
             <a:r>
               <a:rPr lang="en-US" altLang="zh-CN" sz="1200" dirty="0"/>
-              <a:t>_</a:t>
-            </a:r>
-            <a:r>
-              <a:rPr lang="en-US" altLang="zh-CN" sz="1200" dirty="0"/>
-              <a:t>, </a:t>
-            </a:r>
-            <a:r>
-              <a:rPr lang="en-US" altLang="zh-CN" sz="1200" dirty="0"/>
-              <a:t>service := </a:t>
+              <a:t>_, service := </a:t>
             </a:r>
             <a:r>
               <a:rPr lang="en-US" altLang="zh-CN" sz="1200" b="1" dirty="0"/>
@@ -6478,15 +6424,7 @@
             </a:r>
             <a:r>
               <a:rPr lang="en-US" altLang="zh-CN" sz="1200" dirty="0"/>
-              <a:t>kind</a:t>
-            </a:r>
-            <a:r>
-              <a:rPr lang="en-US" altLang="zh-CN" sz="1200" dirty="0"/>
-              <a:t>, </a:t>
-            </a:r>
-            <a:r>
-              <a:rPr lang="en-US" altLang="zh-CN" sz="1200" dirty="0"/>
-              <a:t>service := </a:t>
+              <a:t>kind, service := </a:t>
             </a:r>
             <a:r>
               <a:rPr lang="en-US" altLang="zh-CN" sz="1200" b="1" dirty="0"/>
@@ -6913,17 +6851,7 @@
                   <a:latin typeface="Minion Pro Bold Cond"/>
                   <a:cs typeface="Minion Pro Bold Cond"/>
                 </a:rPr>
-                <a:t>m</a:t>
-              </a:r>
-              <a:r>
-                <a:rPr lang="en-US" altLang="zh-CN" sz="1200" dirty="0" err="1" smtClean="0">
-                  <a:solidFill>
-                    <a:schemeClr val="tx2"/>
-                  </a:solidFill>
-                  <a:latin typeface="Minion Pro Bold Cond"/>
-                  <a:cs typeface="Minion Pro Bold Cond"/>
-                </a:rPr>
-                <a:t>ainLoop</a:t>
+                <a:t>mainLoop</a:t>
               </a:r>
               <a:r>
                 <a:rPr lang="en-US" altLang="zh-CN" sz="1200" dirty="0" smtClean="0">
@@ -7293,17 +7221,7 @@
                       <a:latin typeface="Minion Pro Bold Cond"/>
                       <a:cs typeface="Minion Pro Bold Cond"/>
                     </a:rPr>
-                    <a:t>w.</a:t>
-                  </a:r>
-                  <a:r>
-                    <a:rPr lang="en-US" altLang="zh-CN" sz="1200" dirty="0" err="1" smtClean="0">
-                      <a:solidFill>
-                        <a:schemeClr val="tx2"/>
-                      </a:solidFill>
-                      <a:latin typeface="Minion Pro Bold Cond"/>
-                      <a:cs typeface="Minion Pro Bold Cond"/>
-                    </a:rPr>
-                    <a:t>chainHeadCh</a:t>
+                    <a:t>w.chainHeadCh</a:t>
                   </a:r>
                   <a:endParaRPr lang="en-US" altLang="zh-CN" sz="1200" dirty="0" smtClean="0">
                     <a:solidFill>
@@ -8353,17 +8271,7 @@
                       <a:latin typeface="Minion Pro Bold Cond"/>
                       <a:cs typeface="Minion Pro Bold Cond"/>
                     </a:rPr>
-                    <a:t>w.</a:t>
-                  </a:r>
-                  <a:r>
-                    <a:rPr lang="en-US" altLang="zh-CN" sz="1200" dirty="0" err="1" smtClean="0">
-                      <a:solidFill>
-                        <a:schemeClr val="tx2"/>
-                      </a:solidFill>
-                      <a:latin typeface="Minion Pro Bold Cond"/>
-                      <a:cs typeface="Minion Pro Bold Cond"/>
-                    </a:rPr>
-                    <a:t>taskCh</a:t>
+                    <a:t>w.taskCh</a:t>
                   </a:r>
                   <a:endParaRPr lang="en-US" altLang="zh-CN" sz="1200" dirty="0" smtClean="0">
                     <a:solidFill>
@@ -8468,17 +8376,7 @@
                   <a:latin typeface="Minion Pro Bold Cond"/>
                   <a:cs typeface="Minion Pro Bold Cond"/>
                 </a:rPr>
-                <a:t>(</a:t>
-              </a:r>
-              <a:r>
-                <a:rPr lang="en-US" altLang="zh-CN" sz="1200" dirty="0" smtClean="0">
-                  <a:solidFill>
-                    <a:schemeClr val="tx2"/>
-                  </a:solidFill>
-                  <a:latin typeface="Minion Pro Bold Cond"/>
-                  <a:cs typeface="Minion Pro Bold Cond"/>
-                </a:rPr>
-                <a:t>)</a:t>
+                <a:t>()</a:t>
               </a:r>
               <a:endParaRPr lang="zh-CN" altLang="en-US" sz="1200" dirty="0">
                 <a:solidFill>
@@ -9026,27 +8924,7 @@
                   <a:latin typeface="Minion Pro Bold Cond"/>
                   <a:cs typeface="Minion Pro Bold Cond"/>
                 </a:rPr>
-                <a:t> </a:t>
-              </a:r>
-              <a:r>
-                <a:rPr lang="zh-CN" altLang="en-US" sz="1200" dirty="0" smtClean="0">
-                  <a:solidFill>
-                    <a:schemeClr val="tx2"/>
-                  </a:solidFill>
-                  <a:latin typeface="Minion Pro Bold Cond"/>
-                  <a:cs typeface="Minion Pro Bold Cond"/>
-                </a:rPr>
-                <a:t>多线程挖矿</a:t>
-              </a:r>
-              <a:r>
-                <a:rPr lang="zh-CN" altLang="en-US" sz="1200" dirty="0" smtClean="0">
-                  <a:solidFill>
-                    <a:schemeClr val="tx2"/>
-                  </a:solidFill>
-                  <a:latin typeface="Minion Pro Bold Cond"/>
-                  <a:cs typeface="Minion Pro Bold Cond"/>
-                </a:rPr>
-                <a:t>，真正的挖矿函数</a:t>
+                <a:t> 多线程挖矿，真正的挖矿函数</a:t>
               </a:r>
               <a:endParaRPr lang="zh-CN" altLang="en-US" sz="1200" dirty="0">
                 <a:solidFill>
@@ -10051,6 +9929,197 @@
           </a:fontRef>
         </p:style>
       </p:cxnSp>
+      <p:grpSp>
+        <p:nvGrpSpPr>
+          <p:cNvPr id="148" name="组 403"/>
+          <p:cNvGrpSpPr/>
+          <p:nvPr/>
+        </p:nvGrpSpPr>
+        <p:grpSpPr>
+          <a:xfrm>
+            <a:off x="27820126" y="19906532"/>
+            <a:ext cx="2870960" cy="1642947"/>
+            <a:chOff x="13029439" y="4656253"/>
+            <a:chExt cx="7290841" cy="5573392"/>
+          </a:xfrm>
+        </p:grpSpPr>
+        <p:sp>
+          <p:nvSpPr>
+            <p:cNvPr id="149" name="矩形 148"/>
+            <p:cNvSpPr/>
+            <p:nvPr/>
+          </p:nvSpPr>
+          <p:spPr>
+            <a:xfrm>
+              <a:off x="13029439" y="4656253"/>
+              <a:ext cx="7290841" cy="5573392"/>
+            </a:xfrm>
+            <a:prstGeom prst="rect">
+              <a:avLst/>
+            </a:prstGeom>
+          </p:spPr>
+          <p:style>
+            <a:lnRef idx="1">
+              <a:schemeClr val="accent1"/>
+            </a:lnRef>
+            <a:fillRef idx="2">
+              <a:schemeClr val="accent1"/>
+            </a:fillRef>
+            <a:effectRef idx="1">
+              <a:schemeClr val="accent1"/>
+            </a:effectRef>
+            <a:fontRef idx="minor">
+              <a:schemeClr val="dk1"/>
+            </a:fontRef>
+          </p:style>
+          <p:txBody>
+            <a:bodyPr rtlCol="0" anchor="ctr"/>
+            <a:lstStyle/>
+            <a:p>
+              <a:pPr algn="ctr"/>
+              <a:endParaRPr kumimoji="1" lang="zh-CN" altLang="en-US"/>
+            </a:p>
+          </p:txBody>
+        </p:sp>
+        <p:sp>
+          <p:nvSpPr>
+            <p:cNvPr id="150" name="矩形 149"/>
+            <p:cNvSpPr/>
+            <p:nvPr/>
+          </p:nvSpPr>
+          <p:spPr>
+            <a:xfrm>
+              <a:off x="13029439" y="4656253"/>
+              <a:ext cx="7290841" cy="1175820"/>
+            </a:xfrm>
+            <a:prstGeom prst="rect">
+              <a:avLst/>
+            </a:prstGeom>
+          </p:spPr>
+          <p:style>
+            <a:lnRef idx="1">
+              <a:schemeClr val="accent6"/>
+            </a:lnRef>
+            <a:fillRef idx="2">
+              <a:schemeClr val="accent6"/>
+            </a:fillRef>
+            <a:effectRef idx="1">
+              <a:schemeClr val="accent6"/>
+            </a:effectRef>
+            <a:fontRef idx="minor">
+              <a:schemeClr val="dk1"/>
+            </a:fontRef>
+          </p:style>
+          <p:txBody>
+            <a:bodyPr rtlCol="0" anchor="ctr"/>
+            <a:lstStyle/>
+            <a:p>
+              <a:pPr algn="ctr"/>
+              <a:r>
+                <a:rPr lang="en-US" altLang="zh-CN" sz="1200" dirty="0">
+                  <a:solidFill>
+                    <a:schemeClr val="tx2"/>
+                  </a:solidFill>
+                  <a:latin typeface="Minion Pro Bold Cond"/>
+                  <a:cs typeface="Minion Pro Bold Cond"/>
+                </a:rPr>
+                <a:t>Unconfirmed</a:t>
+              </a:r>
+              <a:r>
+                <a:rPr lang="en-US" altLang="zh-CN" sz="1000" dirty="0" smtClean="0">
+                  <a:solidFill>
+                    <a:schemeClr val="tx2"/>
+                  </a:solidFill>
+                  <a:latin typeface="Minion Pro Bold Cond"/>
+                  <a:cs typeface="Minion Pro Bold Cond"/>
+                </a:rPr>
+                <a:t> - </a:t>
+              </a:r>
+              <a:r>
+                <a:rPr lang="en-US" altLang="zh-CN" sz="1200" dirty="0" err="1">
+                  <a:solidFill>
+                    <a:schemeClr val="tx2"/>
+                  </a:solidFill>
+                  <a:latin typeface="Minion Pro Bold Cond"/>
+                  <a:cs typeface="Minion Pro Bold Cond"/>
+                </a:rPr>
+                <a:t>unconfirmedBlocks</a:t>
+              </a:r>
+              <a:endParaRPr lang="zh-CN" altLang="en-US" sz="1200" dirty="0">
+                <a:solidFill>
+                  <a:schemeClr val="tx2"/>
+                </a:solidFill>
+                <a:latin typeface="Minion Pro Bold Cond"/>
+                <a:cs typeface="Minion Pro Bold Cond"/>
+              </a:endParaRPr>
+            </a:p>
+          </p:txBody>
+        </p:sp>
+        <p:sp>
+          <p:nvSpPr>
+            <p:cNvPr id="151" name="矩形 150"/>
+            <p:cNvSpPr/>
+            <p:nvPr/>
+          </p:nvSpPr>
+          <p:spPr>
+            <a:xfrm>
+              <a:off x="13029439" y="5832073"/>
+              <a:ext cx="7290841" cy="1175820"/>
+            </a:xfrm>
+            <a:prstGeom prst="rect">
+              <a:avLst/>
+            </a:prstGeom>
+          </p:spPr>
+          <p:style>
+            <a:lnRef idx="1">
+              <a:schemeClr val="dk1"/>
+            </a:lnRef>
+            <a:fillRef idx="2">
+              <a:schemeClr val="dk1"/>
+            </a:fillRef>
+            <a:effectRef idx="1">
+              <a:schemeClr val="dk1"/>
+            </a:effectRef>
+            <a:fontRef idx="minor">
+              <a:schemeClr val="dk1"/>
+            </a:fontRef>
+          </p:style>
+          <p:txBody>
+            <a:bodyPr rtlCol="0" anchor="ctr"/>
+            <a:lstStyle/>
+            <a:p>
+              <a:pPr algn="ctr"/>
+              <a:r>
+                <a:rPr lang="en-US" altLang="zh-CN" sz="1200" dirty="0" smtClean="0">
+                  <a:solidFill>
+                    <a:schemeClr val="tx2"/>
+                  </a:solidFill>
+                  <a:latin typeface="Minion Pro Bold Cond"/>
+                  <a:cs typeface="Minion Pro Bold Cond"/>
+                </a:rPr>
+                <a:t>Insert() </a:t>
+              </a:r>
+              <a:r>
+                <a:rPr lang="zh-CN" altLang="en-US" sz="1200" dirty="0" smtClean="0">
+                  <a:solidFill>
+                    <a:schemeClr val="tx2"/>
+                  </a:solidFill>
+                  <a:latin typeface="Minion Pro Bold Cond"/>
+                  <a:cs typeface="Minion Pro Bold Cond"/>
+                </a:rPr>
+                <a:t>插入未确认区块</a:t>
+              </a:r>
+              <a:endParaRPr lang="zh-CN" altLang="en-US" sz="1000" dirty="0">
+                <a:solidFill>
+                  <a:schemeClr val="tx2"/>
+                </a:solidFill>
+                <a:latin typeface="Minion Pro Bold Cond"/>
+                <a:cs typeface="Minion Pro Bold Cond"/>
+              </a:endParaRPr>
+            </a:p>
+          </p:txBody>
+        </p:sp>
+      </p:grpSp>
     </p:spTree>
     <p:extLst>
       <p:ext uri="{BB962C8B-B14F-4D97-AF65-F5344CB8AC3E}">
@@ -10061,6 +10130,13 @@
   <p:clrMapOvr>
     <a:masterClrMapping/>
   </p:clrMapOvr>
+  <p:timing>
+    <p:tnLst>
+      <p:par>
+        <p:cTn id="1" dur="indefinite" restart="never" nodeType="tmRoot"/>
+      </p:par>
+    </p:tnLst>
+  </p:timing>
 </p:sld>
 </file>
 

--- a/ethereum源码.pptx
+++ b/ethereum源码.pptx
@@ -106,7 +106,7 @@
   </p:defaultTextStyle>
   <p:extLst>
     <p:ext uri="{EFAFB233-063F-42B5-8137-9DF3F51BA10A}">
-      <p15:sldGuideLst xmlns:p15="http://schemas.microsoft.com/office/powerpoint/2012/main">
+      <p15:sldGuideLst xmlns:p15="http://schemas.microsoft.com/office/powerpoint/2012/main" xmlns="">
         <p15:guide id="1" orient="horz" pos="10207">
           <p15:clr>
             <a:srgbClr val="A4A3A4"/>
@@ -304,7 +304,7 @@
           <a:p>
             <a:fld id="{0FEC98C1-A7DC-9244-867F-999528E079BC}" type="datetimeFigureOut">
               <a:rPr kumimoji="1" lang="zh-CN" altLang="en-US" smtClean="0"/>
-              <a:t>2019/4/13</a:t>
+              <a:t>19/4/13</a:t>
             </a:fld>
             <a:endParaRPr kumimoji="1" lang="zh-CN" altLang="en-US"/>
           </a:p>
@@ -474,7 +474,7 @@
           <a:p>
             <a:fld id="{0FEC98C1-A7DC-9244-867F-999528E079BC}" type="datetimeFigureOut">
               <a:rPr kumimoji="1" lang="zh-CN" altLang="en-US" smtClean="0"/>
-              <a:t>2019/4/13</a:t>
+              <a:t>19/4/13</a:t>
             </a:fld>
             <a:endParaRPr kumimoji="1" lang="zh-CN" altLang="en-US"/>
           </a:p>
@@ -654,7 +654,7 @@
           <a:p>
             <a:fld id="{0FEC98C1-A7DC-9244-867F-999528E079BC}" type="datetimeFigureOut">
               <a:rPr kumimoji="1" lang="zh-CN" altLang="en-US" smtClean="0"/>
-              <a:t>2019/4/13</a:t>
+              <a:t>19/4/13</a:t>
             </a:fld>
             <a:endParaRPr kumimoji="1" lang="zh-CN" altLang="en-US"/>
           </a:p>
@@ -824,7 +824,7 @@
           <a:p>
             <a:fld id="{0FEC98C1-A7DC-9244-867F-999528E079BC}" type="datetimeFigureOut">
               <a:rPr kumimoji="1" lang="zh-CN" altLang="en-US" smtClean="0"/>
-              <a:t>2019/4/13</a:t>
+              <a:t>19/4/13</a:t>
             </a:fld>
             <a:endParaRPr kumimoji="1" lang="zh-CN" altLang="en-US"/>
           </a:p>
@@ -1070,7 +1070,7 @@
           <a:p>
             <a:fld id="{0FEC98C1-A7DC-9244-867F-999528E079BC}" type="datetimeFigureOut">
               <a:rPr kumimoji="1" lang="zh-CN" altLang="en-US" smtClean="0"/>
-              <a:t>2019/4/13</a:t>
+              <a:t>19/4/13</a:t>
             </a:fld>
             <a:endParaRPr kumimoji="1" lang="zh-CN" altLang="en-US"/>
           </a:p>
@@ -1358,7 +1358,7 @@
           <a:p>
             <a:fld id="{0FEC98C1-A7DC-9244-867F-999528E079BC}" type="datetimeFigureOut">
               <a:rPr kumimoji="1" lang="zh-CN" altLang="en-US" smtClean="0"/>
-              <a:t>2019/4/13</a:t>
+              <a:t>19/4/13</a:t>
             </a:fld>
             <a:endParaRPr kumimoji="1" lang="zh-CN" altLang="en-US"/>
           </a:p>
@@ -1780,7 +1780,7 @@
           <a:p>
             <a:fld id="{0FEC98C1-A7DC-9244-867F-999528E079BC}" type="datetimeFigureOut">
               <a:rPr kumimoji="1" lang="zh-CN" altLang="en-US" smtClean="0"/>
-              <a:t>2019/4/13</a:t>
+              <a:t>19/4/13</a:t>
             </a:fld>
             <a:endParaRPr kumimoji="1" lang="zh-CN" altLang="en-US"/>
           </a:p>
@@ -1898,7 +1898,7 @@
           <a:p>
             <a:fld id="{0FEC98C1-A7DC-9244-867F-999528E079BC}" type="datetimeFigureOut">
               <a:rPr kumimoji="1" lang="zh-CN" altLang="en-US" smtClean="0"/>
-              <a:t>2019/4/13</a:t>
+              <a:t>19/4/13</a:t>
             </a:fld>
             <a:endParaRPr kumimoji="1" lang="zh-CN" altLang="en-US"/>
           </a:p>
@@ -1993,7 +1993,7 @@
           <a:p>
             <a:fld id="{0FEC98C1-A7DC-9244-867F-999528E079BC}" type="datetimeFigureOut">
               <a:rPr kumimoji="1" lang="zh-CN" altLang="en-US" smtClean="0"/>
-              <a:t>2019/4/13</a:t>
+              <a:t>19/4/13</a:t>
             </a:fld>
             <a:endParaRPr kumimoji="1" lang="zh-CN" altLang="en-US"/>
           </a:p>
@@ -2270,7 +2270,7 @@
           <a:p>
             <a:fld id="{0FEC98C1-A7DC-9244-867F-999528E079BC}" type="datetimeFigureOut">
               <a:rPr kumimoji="1" lang="zh-CN" altLang="en-US" smtClean="0"/>
-              <a:t>2019/4/13</a:t>
+              <a:t>19/4/13</a:t>
             </a:fld>
             <a:endParaRPr kumimoji="1" lang="zh-CN" altLang="en-US"/>
           </a:p>
@@ -2523,7 +2523,7 @@
           <a:p>
             <a:fld id="{0FEC98C1-A7DC-9244-867F-999528E079BC}" type="datetimeFigureOut">
               <a:rPr kumimoji="1" lang="zh-CN" altLang="en-US" smtClean="0"/>
-              <a:t>2019/4/13</a:t>
+              <a:t>19/4/13</a:t>
             </a:fld>
             <a:endParaRPr kumimoji="1" lang="zh-CN" altLang="en-US"/>
           </a:p>
@@ -2736,7 +2736,7 @@
           <a:p>
             <a:fld id="{0FEC98C1-A7DC-9244-867F-999528E079BC}" type="datetimeFigureOut">
               <a:rPr kumimoji="1" lang="zh-CN" altLang="en-US" smtClean="0"/>
-              <a:t>2019/4/13</a:t>
+              <a:t>19/4/13</a:t>
             </a:fld>
             <a:endParaRPr kumimoji="1" lang="zh-CN" altLang="en-US"/>
           </a:p>
@@ -3113,16 +3113,17 @@
       </p:grpSpPr>
       <p:cxnSp>
         <p:nvCxnSpPr>
-          <p:cNvPr id="408" name="直线箭头连接符 407"/>
+          <p:cNvPr id="294" name="直线箭头连接符 293"/>
           <p:cNvCxnSpPr>
-            <a:endCxn id="406" idx="1"/>
+            <a:stCxn id="14" idx="3"/>
+            <a:endCxn id="21" idx="1"/>
           </p:cNvCxnSpPr>
           <p:nvPr/>
         </p:nvCxnSpPr>
         <p:spPr>
           <a:xfrm>
-            <a:off x="26528102" y="11513527"/>
-            <a:ext cx="2723700" cy="5975946"/>
+            <a:off x="24002213" y="5439847"/>
+            <a:ext cx="10809795" cy="466335"/>
           </a:xfrm>
           <a:prstGeom prst="straightConnector1">
             <a:avLst/>
@@ -3161,7 +3162,7 @@
         </p:nvCxnSpPr>
         <p:spPr>
           <a:xfrm>
-            <a:off x="16399927" y="4340131"/>
+            <a:off x="24002213" y="5439847"/>
             <a:ext cx="4699000" cy="8492935"/>
           </a:xfrm>
           <a:prstGeom prst="straightConnector1">
@@ -3198,7 +3199,7 @@
         </p:nvGrpSpPr>
         <p:grpSpPr>
           <a:xfrm>
-            <a:off x="18227967" y="9582606"/>
+            <a:off x="25830253" y="10682322"/>
             <a:ext cx="2870960" cy="1642947"/>
             <a:chOff x="13029439" y="4656253"/>
             <a:chExt cx="7290841" cy="5573392"/>
@@ -3305,7 +3306,7 @@
         </p:nvGrpSpPr>
         <p:grpSpPr>
           <a:xfrm>
-            <a:off x="23647281" y="11279444"/>
+            <a:off x="30813163" y="12490410"/>
             <a:ext cx="2880821" cy="3393050"/>
             <a:chOff x="23647281" y="11279444"/>
             <a:chExt cx="2880821" cy="3393050"/>
@@ -3616,6 +3617,16 @@
             <a:p>
               <a:pPr algn="ctr"/>
               <a:r>
+                <a:rPr lang="en-US" altLang="zh-CN" sz="1200" dirty="0" err="1" smtClean="0">
+                  <a:solidFill>
+                    <a:schemeClr val="tx2"/>
+                  </a:solidFill>
+                  <a:latin typeface="Minion Pro Bold Cond"/>
+                  <a:cs typeface="Minion Pro Bold Cond"/>
+                </a:rPr>
+                <a:t>commitTransactions</a:t>
+              </a:r>
+              <a:r>
                 <a:rPr lang="en-US" altLang="zh-CN" sz="1200" dirty="0" smtClean="0">
                   <a:solidFill>
                     <a:schemeClr val="tx2"/>
@@ -3623,7 +3634,17 @@
                   <a:latin typeface="Minion Pro Bold Cond"/>
                   <a:cs typeface="Minion Pro Bold Cond"/>
                 </a:rPr>
-                <a:t>()</a:t>
+                <a:t>(</a:t>
+              </a:r>
+              <a:r>
+                <a:rPr lang="en-US" altLang="zh-CN" sz="1200" dirty="0" smtClean="0">
+                  <a:solidFill>
+                    <a:schemeClr val="tx2"/>
+                  </a:solidFill>
+                  <a:latin typeface="Minion Pro Bold Cond"/>
+                  <a:cs typeface="Minion Pro Bold Cond"/>
+                </a:rPr>
+                <a:t>)</a:t>
               </a:r>
               <a:endParaRPr lang="zh-CN" altLang="en-US" sz="1200" dirty="0">
                 <a:solidFill>
@@ -3670,6 +3691,16 @@
             <a:p>
               <a:pPr algn="ctr"/>
               <a:r>
+                <a:rPr lang="en-US" altLang="zh-CN" sz="1200" dirty="0" err="1" smtClean="0">
+                  <a:solidFill>
+                    <a:schemeClr val="tx2"/>
+                  </a:solidFill>
+                  <a:latin typeface="Minion Pro Bold Cond"/>
+                  <a:cs typeface="Minion Pro Bold Cond"/>
+                </a:rPr>
+                <a:t>commitTransaction</a:t>
+              </a:r>
+              <a:r>
                 <a:rPr lang="en-US" altLang="zh-CN" sz="1200" dirty="0" smtClean="0">
                   <a:solidFill>
                     <a:schemeClr val="tx2"/>
@@ -3677,7 +3708,17 @@
                   <a:latin typeface="Minion Pro Bold Cond"/>
                   <a:cs typeface="Minion Pro Bold Cond"/>
                 </a:rPr>
-                <a:t>()</a:t>
+                <a:t>(</a:t>
+              </a:r>
+              <a:r>
+                <a:rPr lang="en-US" altLang="zh-CN" sz="1200" dirty="0" smtClean="0">
+                  <a:solidFill>
+                    <a:schemeClr val="tx2"/>
+                  </a:solidFill>
+                  <a:latin typeface="Minion Pro Bold Cond"/>
+                  <a:cs typeface="Minion Pro Bold Cond"/>
+                </a:rPr>
+                <a:t>)</a:t>
               </a:r>
               <a:endParaRPr lang="zh-CN" altLang="en-US" sz="1200" dirty="0">
                 <a:solidFill>
@@ -3698,7 +3739,7 @@
         </p:nvSpPr>
         <p:spPr>
           <a:xfrm>
-            <a:off x="30671119" y="4968211"/>
+            <a:off x="38273405" y="6067927"/>
             <a:ext cx="2870960" cy="346613"/>
           </a:xfrm>
           <a:prstGeom prst="rect">
@@ -3752,7 +3793,7 @@
         </p:nvGrpSpPr>
         <p:grpSpPr>
           <a:xfrm>
-            <a:off x="27199562" y="4633159"/>
+            <a:off x="34801848" y="5732875"/>
             <a:ext cx="2881120" cy="1642947"/>
             <a:chOff x="24245450" y="1488932"/>
             <a:chExt cx="2881120" cy="1642947"/>
@@ -3987,10 +4028,10 @@
         </p:nvGrpSpPr>
         <p:grpSpPr>
           <a:xfrm>
-            <a:off x="20628267" y="4034864"/>
-            <a:ext cx="2870960" cy="1642947"/>
+            <a:off x="27874953" y="4323472"/>
+            <a:ext cx="2870960" cy="2866484"/>
             <a:chOff x="13029439" y="4656253"/>
-            <a:chExt cx="7290841" cy="5573392"/>
+            <a:chExt cx="7290841" cy="9724014"/>
           </a:xfrm>
         </p:grpSpPr>
         <p:sp>
@@ -4002,7 +4043,7 @@
           <p:spPr>
             <a:xfrm>
               <a:off x="13029439" y="4656253"/>
-              <a:ext cx="7290841" cy="5573392"/>
+              <a:ext cx="7290841" cy="9724014"/>
             </a:xfrm>
             <a:prstGeom prst="rect">
               <a:avLst/>
@@ -4085,6 +4126,402 @@
             </a:p>
           </p:txBody>
         </p:sp>
+        <p:sp>
+          <p:nvSpPr>
+            <p:cNvPr id="165" name="矩形 164"/>
+            <p:cNvSpPr/>
+            <p:nvPr/>
+          </p:nvSpPr>
+          <p:spPr>
+            <a:xfrm>
+              <a:off x="13029439" y="5799850"/>
+              <a:ext cx="7290841" cy="1175820"/>
+            </a:xfrm>
+            <a:prstGeom prst="rect">
+              <a:avLst/>
+            </a:prstGeom>
+          </p:spPr>
+          <p:style>
+            <a:lnRef idx="1">
+              <a:schemeClr val="dk1"/>
+            </a:lnRef>
+            <a:fillRef idx="2">
+              <a:schemeClr val="dk1"/>
+            </a:fillRef>
+            <a:effectRef idx="1">
+              <a:schemeClr val="dk1"/>
+            </a:effectRef>
+            <a:fontRef idx="minor">
+              <a:schemeClr val="dk1"/>
+            </a:fontRef>
+          </p:style>
+          <p:txBody>
+            <a:bodyPr rtlCol="0" anchor="ctr"/>
+            <a:lstStyle/>
+            <a:p>
+              <a:pPr algn="ctr"/>
+              <a:r>
+                <a:rPr lang="en-US" altLang="zh-CN" sz="1200" dirty="0">
+                  <a:solidFill>
+                    <a:schemeClr val="tx2"/>
+                  </a:solidFill>
+                  <a:latin typeface="Minion Pro Bold Cond"/>
+                  <a:cs typeface="Minion Pro Bold Cond"/>
+                </a:rPr>
+                <a:t>a</a:t>
+              </a:r>
+              <a:r>
+                <a:rPr lang="en-US" altLang="zh-CN" sz="1200" dirty="0" smtClean="0">
+                  <a:solidFill>
+                    <a:schemeClr val="tx2"/>
+                  </a:solidFill>
+                  <a:latin typeface="Minion Pro Bold Cond"/>
+                  <a:cs typeface="Minion Pro Bold Cond"/>
+                </a:rPr>
+                <a:t>dd() - </a:t>
+              </a:r>
+              <a:r>
+                <a:rPr lang="zh-CN" altLang="en-US" sz="1200" dirty="0" smtClean="0">
+                  <a:solidFill>
+                    <a:schemeClr val="tx2"/>
+                  </a:solidFill>
+                  <a:latin typeface="Minion Pro Bold Cond"/>
+                  <a:cs typeface="Minion Pro Bold Cond"/>
+                </a:rPr>
+                <a:t>替换了</a:t>
+              </a:r>
+              <a:r>
+                <a:rPr lang="en-US" altLang="zh-CN" sz="1200" dirty="0" smtClean="0">
+                  <a:solidFill>
+                    <a:schemeClr val="tx2"/>
+                  </a:solidFill>
+                  <a:latin typeface="Minion Pro Bold Cond"/>
+                  <a:cs typeface="Minion Pro Bold Cond"/>
+                </a:rPr>
+                <a:t>pending queue</a:t>
+              </a:r>
+              <a:r>
+                <a:rPr lang="zh-CN" altLang="en-US" sz="1200" dirty="0" smtClean="0">
+                  <a:solidFill>
+                    <a:schemeClr val="tx2"/>
+                  </a:solidFill>
+                  <a:latin typeface="Minion Pro Bold Cond"/>
+                  <a:cs typeface="Minion Pro Bold Cond"/>
+                </a:rPr>
+                <a:t>里的</a:t>
+              </a:r>
+              <a:r>
+                <a:rPr lang="en-US" altLang="zh-CN" sz="1200" dirty="0" err="1" smtClean="0">
+                  <a:solidFill>
+                    <a:schemeClr val="tx2"/>
+                  </a:solidFill>
+                  <a:latin typeface="Minion Pro Bold Cond"/>
+                  <a:cs typeface="Minion Pro Bold Cond"/>
+                </a:rPr>
+                <a:t>tx</a:t>
+              </a:r>
+              <a:r>
+                <a:rPr lang="zh-CN" altLang="en-US" sz="1200" dirty="0" smtClean="0">
+                  <a:solidFill>
+                    <a:schemeClr val="tx2"/>
+                  </a:solidFill>
+                  <a:latin typeface="Minion Pro Bold Cond"/>
+                  <a:cs typeface="Minion Pro Bold Cond"/>
+                </a:rPr>
+                <a:t>才会触发</a:t>
+              </a:r>
+              <a:r>
+                <a:rPr lang="en-US" altLang="zh-CN" sz="1200" dirty="0" err="1" smtClean="0">
+                  <a:solidFill>
+                    <a:schemeClr val="tx2"/>
+                  </a:solidFill>
+                  <a:latin typeface="Minion Pro Bold Cond"/>
+                  <a:cs typeface="Minion Pro Bold Cond"/>
+                </a:rPr>
+                <a:t>txFeed.Send</a:t>
+              </a:r>
+              <a:r>
+                <a:rPr lang="en-US" altLang="zh-CN" sz="1200" dirty="0" smtClean="0">
+                  <a:solidFill>
+                    <a:schemeClr val="tx2"/>
+                  </a:solidFill>
+                  <a:latin typeface="Minion Pro Bold Cond"/>
+                  <a:cs typeface="Minion Pro Bold Cond"/>
+                </a:rPr>
+                <a:t>() </a:t>
+              </a:r>
+              <a:endParaRPr lang="zh-CN" altLang="en-US" sz="1200" dirty="0">
+                <a:solidFill>
+                  <a:schemeClr val="tx2"/>
+                </a:solidFill>
+                <a:latin typeface="Minion Pro Bold Cond"/>
+                <a:cs typeface="Minion Pro Bold Cond"/>
+              </a:endParaRPr>
+            </a:p>
+          </p:txBody>
+        </p:sp>
+        <p:sp>
+          <p:nvSpPr>
+            <p:cNvPr id="171" name="矩形 170"/>
+            <p:cNvSpPr/>
+            <p:nvPr/>
+          </p:nvSpPr>
+          <p:spPr>
+            <a:xfrm>
+              <a:off x="13029439" y="7043954"/>
+              <a:ext cx="7290841" cy="1175820"/>
+            </a:xfrm>
+            <a:prstGeom prst="rect">
+              <a:avLst/>
+            </a:prstGeom>
+          </p:spPr>
+          <p:style>
+            <a:lnRef idx="1">
+              <a:schemeClr val="dk1"/>
+            </a:lnRef>
+            <a:fillRef idx="2">
+              <a:schemeClr val="dk1"/>
+            </a:fillRef>
+            <a:effectRef idx="1">
+              <a:schemeClr val="dk1"/>
+            </a:effectRef>
+            <a:fontRef idx="minor">
+              <a:schemeClr val="dk1"/>
+            </a:fontRef>
+          </p:style>
+          <p:txBody>
+            <a:bodyPr rtlCol="0" anchor="ctr"/>
+            <a:lstStyle/>
+            <a:p>
+              <a:pPr algn="ctr"/>
+              <a:r>
+                <a:rPr lang="en-US" altLang="zh-CN" sz="1200" dirty="0" err="1" smtClean="0">
+                  <a:solidFill>
+                    <a:schemeClr val="tx2"/>
+                  </a:solidFill>
+                  <a:latin typeface="Minion Pro Bold Cond"/>
+                  <a:cs typeface="Minion Pro Bold Cond"/>
+                </a:rPr>
+                <a:t>promoteExecutables</a:t>
+              </a:r>
+              <a:r>
+                <a:rPr lang="en-US" altLang="zh-CN" sz="1200" dirty="0" smtClean="0">
+                  <a:solidFill>
+                    <a:schemeClr val="tx2"/>
+                  </a:solidFill>
+                  <a:latin typeface="Minion Pro Bold Cond"/>
+                  <a:cs typeface="Minion Pro Bold Cond"/>
+                </a:rPr>
+                <a:t>() - promote</a:t>
+              </a:r>
+              <a:r>
+                <a:rPr lang="zh-CN" altLang="en-US" sz="1200" dirty="0" smtClean="0">
+                  <a:solidFill>
+                    <a:schemeClr val="tx2"/>
+                  </a:solidFill>
+                  <a:latin typeface="Minion Pro Bold Cond"/>
+                  <a:cs typeface="Minion Pro Bold Cond"/>
+                </a:rPr>
+                <a:t>的</a:t>
+              </a:r>
+              <a:r>
+                <a:rPr lang="en-US" altLang="zh-CN" sz="1200" dirty="0" err="1" smtClean="0">
+                  <a:solidFill>
+                    <a:schemeClr val="tx2"/>
+                  </a:solidFill>
+                  <a:latin typeface="Minion Pro Bold Cond"/>
+                  <a:cs typeface="Minion Pro Bold Cond"/>
+                </a:rPr>
+                <a:t>tx</a:t>
+              </a:r>
+              <a:r>
+                <a:rPr lang="zh-CN" altLang="en-US" sz="1200" dirty="0" smtClean="0">
+                  <a:solidFill>
+                    <a:schemeClr val="tx2"/>
+                  </a:solidFill>
+                  <a:latin typeface="Minion Pro Bold Cond"/>
+                  <a:cs typeface="Minion Pro Bold Cond"/>
+                </a:rPr>
+                <a:t>数量</a:t>
+              </a:r>
+              <a:r>
+                <a:rPr lang="en-US" altLang="zh-CN" sz="1200" dirty="0" smtClean="0">
+                  <a:solidFill>
+                    <a:schemeClr val="tx2"/>
+                  </a:solidFill>
+                  <a:latin typeface="Minion Pro Bold Cond"/>
+                  <a:cs typeface="Minion Pro Bold Cond"/>
+                </a:rPr>
+                <a:t>&gt;0</a:t>
+              </a:r>
+              <a:r>
+                <a:rPr lang="zh-CN" altLang="en-US" sz="1200" dirty="0" smtClean="0">
+                  <a:solidFill>
+                    <a:schemeClr val="tx2"/>
+                  </a:solidFill>
+                  <a:latin typeface="Minion Pro Bold Cond"/>
+                  <a:cs typeface="Minion Pro Bold Cond"/>
+                </a:rPr>
+                <a:t>时才会触发</a:t>
+              </a:r>
+              <a:r>
+                <a:rPr lang="en-US" altLang="zh-CN" sz="1200" dirty="0" err="1" smtClean="0">
+                  <a:solidFill>
+                    <a:schemeClr val="tx2"/>
+                  </a:solidFill>
+                  <a:latin typeface="Minion Pro Bold Cond"/>
+                  <a:cs typeface="Minion Pro Bold Cond"/>
+                </a:rPr>
+                <a:t>txFeed.Send</a:t>
+              </a:r>
+              <a:r>
+                <a:rPr lang="en-US" altLang="zh-CN" sz="1200" dirty="0" smtClean="0">
+                  <a:solidFill>
+                    <a:schemeClr val="tx2"/>
+                  </a:solidFill>
+                  <a:latin typeface="Minion Pro Bold Cond"/>
+                  <a:cs typeface="Minion Pro Bold Cond"/>
+                </a:rPr>
+                <a:t>()</a:t>
+              </a:r>
+              <a:endParaRPr lang="zh-CN" altLang="en-US" sz="1200" dirty="0">
+                <a:solidFill>
+                  <a:schemeClr val="tx2"/>
+                </a:solidFill>
+                <a:latin typeface="Minion Pro Bold Cond"/>
+                <a:cs typeface="Minion Pro Bold Cond"/>
+              </a:endParaRPr>
+            </a:p>
+          </p:txBody>
+        </p:sp>
+        <p:sp>
+          <p:nvSpPr>
+            <p:cNvPr id="178" name="矩形 177"/>
+            <p:cNvSpPr/>
+            <p:nvPr/>
+          </p:nvSpPr>
+          <p:spPr>
+            <a:xfrm>
+              <a:off x="13029439" y="8261570"/>
+              <a:ext cx="7290841" cy="1175820"/>
+            </a:xfrm>
+            <a:prstGeom prst="rect">
+              <a:avLst/>
+            </a:prstGeom>
+          </p:spPr>
+          <p:style>
+            <a:lnRef idx="1">
+              <a:schemeClr val="dk1"/>
+            </a:lnRef>
+            <a:fillRef idx="2">
+              <a:schemeClr val="dk1"/>
+            </a:fillRef>
+            <a:effectRef idx="1">
+              <a:schemeClr val="dk1"/>
+            </a:effectRef>
+            <a:fontRef idx="minor">
+              <a:schemeClr val="dk1"/>
+            </a:fontRef>
+          </p:style>
+          <p:txBody>
+            <a:bodyPr rtlCol="0" anchor="ctr"/>
+            <a:lstStyle/>
+            <a:p>
+              <a:pPr algn="ctr"/>
+              <a:r>
+                <a:rPr lang="en-US" altLang="zh-CN" sz="1200" dirty="0" err="1" smtClean="0">
+                  <a:solidFill>
+                    <a:schemeClr val="tx2"/>
+                  </a:solidFill>
+                  <a:latin typeface="Minion Pro Bold Cond"/>
+                  <a:cs typeface="Minion Pro Bold Cond"/>
+                </a:rPr>
+                <a:t>addTx</a:t>
+              </a:r>
+              <a:r>
+                <a:rPr lang="en-US" altLang="zh-CN" sz="1200" dirty="0" smtClean="0">
+                  <a:solidFill>
+                    <a:schemeClr val="tx2"/>
+                  </a:solidFill>
+                  <a:latin typeface="Minion Pro Bold Cond"/>
+                  <a:cs typeface="Minion Pro Bold Cond"/>
+                </a:rPr>
+                <a:t>()</a:t>
+              </a:r>
+              <a:endParaRPr lang="zh-CN" altLang="en-US" sz="1200" dirty="0">
+                <a:solidFill>
+                  <a:schemeClr val="tx2"/>
+                </a:solidFill>
+                <a:latin typeface="Minion Pro Bold Cond"/>
+                <a:cs typeface="Minion Pro Bold Cond"/>
+              </a:endParaRPr>
+            </a:p>
+          </p:txBody>
+        </p:sp>
+        <p:sp>
+          <p:nvSpPr>
+            <p:cNvPr id="179" name="矩形 178"/>
+            <p:cNvSpPr/>
+            <p:nvPr/>
+          </p:nvSpPr>
+          <p:spPr>
+            <a:xfrm>
+              <a:off x="13029439" y="9398172"/>
+              <a:ext cx="7290841" cy="1175820"/>
+            </a:xfrm>
+            <a:prstGeom prst="rect">
+              <a:avLst/>
+            </a:prstGeom>
+          </p:spPr>
+          <p:style>
+            <a:lnRef idx="1">
+              <a:schemeClr val="dk1"/>
+            </a:lnRef>
+            <a:fillRef idx="2">
+              <a:schemeClr val="dk1"/>
+            </a:fillRef>
+            <a:effectRef idx="1">
+              <a:schemeClr val="dk1"/>
+            </a:effectRef>
+            <a:fontRef idx="minor">
+              <a:schemeClr val="dk1"/>
+            </a:fontRef>
+          </p:style>
+          <p:txBody>
+            <a:bodyPr rtlCol="0" anchor="ctr"/>
+            <a:lstStyle/>
+            <a:p>
+              <a:pPr algn="ctr"/>
+              <a:r>
+                <a:rPr lang="en-US" altLang="zh-CN" sz="1200" dirty="0" err="1" smtClean="0">
+                  <a:solidFill>
+                    <a:schemeClr val="tx2"/>
+                  </a:solidFill>
+                  <a:latin typeface="Minion Pro Bold Cond"/>
+                  <a:cs typeface="Minion Pro Bold Cond"/>
+                </a:rPr>
+                <a:t>addTxsLocked</a:t>
+              </a:r>
+              <a:r>
+                <a:rPr lang="en-US" altLang="zh-CN" sz="1200" dirty="0" smtClean="0">
+                  <a:solidFill>
+                    <a:schemeClr val="tx2"/>
+                  </a:solidFill>
+                  <a:latin typeface="Minion Pro Bold Cond"/>
+                  <a:cs typeface="Minion Pro Bold Cond"/>
+                </a:rPr>
+                <a:t>()</a:t>
+              </a:r>
+              <a:endParaRPr lang="zh-CN" altLang="en-US" sz="1200" dirty="0">
+                <a:solidFill>
+                  <a:schemeClr val="tx2"/>
+                </a:solidFill>
+                <a:latin typeface="Minion Pro Bold Cond"/>
+                <a:cs typeface="Minion Pro Bold Cond"/>
+              </a:endParaRPr>
+            </a:p>
+          </p:txBody>
+        </p:sp>
       </p:grpSp>
       <p:grpSp>
         <p:nvGrpSpPr>
@@ -4094,7 +4531,7 @@
         </p:nvGrpSpPr>
         <p:grpSpPr>
           <a:xfrm>
-            <a:off x="5392020" y="7175477"/>
+            <a:off x="12994306" y="8275193"/>
             <a:ext cx="2870960" cy="1642947"/>
             <a:chOff x="13029439" y="4656253"/>
             <a:chExt cx="7290841" cy="5573392"/>
@@ -4339,7 +4776,7 @@
         </p:nvGrpSpPr>
         <p:grpSpPr>
           <a:xfrm>
-            <a:off x="7288668" y="4414450"/>
+            <a:off x="14890954" y="5514166"/>
             <a:ext cx="1563620" cy="1642947"/>
             <a:chOff x="13029439" y="4656253"/>
             <a:chExt cx="7290841" cy="5573392"/>
@@ -4503,7 +4940,7 @@
         </p:nvCxnSpPr>
         <p:spPr>
           <a:xfrm flipV="1">
-            <a:off x="8852288" y="4340131"/>
+            <a:off x="16454574" y="5439847"/>
             <a:ext cx="4676679" cy="594239"/>
           </a:xfrm>
           <a:prstGeom prst="straightConnector1">
@@ -4540,7 +4977,7 @@
         </p:nvGrpSpPr>
         <p:grpSpPr>
           <a:xfrm>
-            <a:off x="10260324" y="6527310"/>
+            <a:off x="17862610" y="7627026"/>
             <a:ext cx="2870960" cy="1642947"/>
             <a:chOff x="13029439" y="4656253"/>
             <a:chExt cx="7290841" cy="5573392"/>
@@ -4650,7 +5087,7 @@
         </p:nvCxnSpPr>
         <p:spPr>
           <a:xfrm>
-            <a:off x="8262980" y="8042010"/>
+            <a:off x="15865266" y="9141726"/>
             <a:ext cx="2011984" cy="1502959"/>
           </a:xfrm>
           <a:prstGeom prst="straightConnector1">
@@ -4689,7 +5126,7 @@
         </p:nvGrpSpPr>
         <p:grpSpPr>
           <a:xfrm>
-            <a:off x="8950590" y="9544969"/>
+            <a:off x="16552876" y="10644685"/>
             <a:ext cx="2648747" cy="1529431"/>
             <a:chOff x="8852288" y="9107744"/>
             <a:chExt cx="2615199" cy="1529431"/>
@@ -4879,7 +5316,7 @@
         </p:nvGrpSpPr>
         <p:grpSpPr>
           <a:xfrm>
-            <a:off x="23921253" y="6059909"/>
+            <a:off x="31523539" y="7159625"/>
             <a:ext cx="543739" cy="640708"/>
             <a:chOff x="23493680" y="7079705"/>
             <a:chExt cx="543739" cy="640708"/>
@@ -4974,7 +5411,7 @@
         </p:nvGrpSpPr>
         <p:grpSpPr>
           <a:xfrm>
-            <a:off x="13528967" y="4166824"/>
+            <a:off x="21131253" y="5266540"/>
             <a:ext cx="2870960" cy="1642947"/>
             <a:chOff x="13029439" y="4656253"/>
             <a:chExt cx="7290841" cy="5573392"/>
@@ -5081,7 +5518,7 @@
         </p:nvGrpSpPr>
         <p:grpSpPr>
           <a:xfrm>
-            <a:off x="19476801" y="6896596"/>
+            <a:off x="27079087" y="7996312"/>
             <a:ext cx="2870960" cy="1642947"/>
             <a:chOff x="13029439" y="4656253"/>
             <a:chExt cx="7290841" cy="5573392"/>
@@ -5255,7 +5692,7 @@
         </p:nvCxnSpPr>
         <p:spPr>
           <a:xfrm flipV="1">
-            <a:off x="22347761" y="6527311"/>
+            <a:off x="29950047" y="7627027"/>
             <a:ext cx="1654452" cy="542592"/>
           </a:xfrm>
           <a:prstGeom prst="straightConnector1">
@@ -5292,7 +5729,7 @@
         </p:nvGrpSpPr>
         <p:grpSpPr>
           <a:xfrm>
-            <a:off x="1340067" y="3799769"/>
+            <a:off x="8942353" y="4899485"/>
             <a:ext cx="2883660" cy="2010002"/>
             <a:chOff x="12997187" y="4656253"/>
             <a:chExt cx="7323093" cy="6818558"/>
@@ -5604,7 +6041,7 @@
         </p:nvCxnSpPr>
         <p:spPr>
           <a:xfrm flipV="1">
-            <a:off x="8262980" y="6700617"/>
+            <a:off x="15865266" y="7800333"/>
             <a:ext cx="1997344" cy="994780"/>
           </a:xfrm>
           <a:prstGeom prst="curvedConnector3">
@@ -5645,7 +6082,7 @@
         </p:nvCxnSpPr>
         <p:spPr>
           <a:xfrm flipH="1">
-            <a:off x="22347761" y="6527311"/>
+            <a:off x="29950047" y="7627027"/>
             <a:ext cx="2001065" cy="889205"/>
           </a:xfrm>
           <a:prstGeom prst="curvedConnector3">
@@ -5685,7 +6122,7 @@
         </p:nvSpPr>
         <p:spPr>
           <a:xfrm>
-            <a:off x="23024452" y="8089111"/>
+            <a:off x="30626738" y="9188827"/>
             <a:ext cx="2648747" cy="729313"/>
           </a:xfrm>
           <a:prstGeom prst="rect">
@@ -5798,7 +6235,7 @@
         </p:nvCxnSpPr>
         <p:spPr>
           <a:xfrm>
-            <a:off x="22347761" y="7416516"/>
+            <a:off x="29950047" y="8516232"/>
             <a:ext cx="676691" cy="1037252"/>
           </a:xfrm>
           <a:prstGeom prst="straightConnector1">
@@ -5837,7 +6274,7 @@
         </p:nvSpPr>
         <p:spPr>
           <a:xfrm>
-            <a:off x="941123" y="6090240"/>
+            <a:off x="8543409" y="7189956"/>
             <a:ext cx="2513277" cy="610377"/>
           </a:xfrm>
           <a:prstGeom prst="rect">
@@ -5946,7 +6383,7 @@
         </p:nvCxnSpPr>
         <p:spPr>
           <a:xfrm rot="10800000" flipV="1">
-            <a:off x="941123" y="4708325"/>
+            <a:off x="8543409" y="5808041"/>
             <a:ext cx="411644" cy="1687103"/>
           </a:xfrm>
           <a:prstGeom prst="curvedConnector3">
@@ -5990,7 +6427,7 @@
         </p:nvCxnSpPr>
         <p:spPr>
           <a:xfrm>
-            <a:off x="4223727" y="4708326"/>
+            <a:off x="11826013" y="5808042"/>
             <a:ext cx="12700" cy="338202"/>
           </a:xfrm>
           <a:prstGeom prst="curvedConnector3">
@@ -6030,7 +6467,7 @@
         </p:nvSpPr>
         <p:spPr>
           <a:xfrm>
-            <a:off x="221457" y="2310406"/>
+            <a:off x="7823743" y="3410122"/>
             <a:ext cx="2504810" cy="915342"/>
           </a:xfrm>
           <a:prstGeom prst="rect">
@@ -6177,7 +6614,7 @@
         </p:nvCxnSpPr>
         <p:spPr>
           <a:xfrm>
-            <a:off x="1473862" y="3225748"/>
+            <a:off x="9076148" y="4325464"/>
             <a:ext cx="1301685" cy="574021"/>
           </a:xfrm>
           <a:prstGeom prst="straightConnector1">
@@ -6215,7 +6652,7 @@
         </p:nvSpPr>
         <p:spPr>
           <a:xfrm>
-            <a:off x="269478" y="7002170"/>
+            <a:off x="7871764" y="8101886"/>
             <a:ext cx="4913577" cy="3131491"/>
           </a:xfrm>
           <a:prstGeom prst="rect">
@@ -6494,7 +6931,7 @@
         </p:nvCxnSpPr>
         <p:spPr>
           <a:xfrm rot="10800000" flipV="1">
-            <a:off x="269479" y="4341640"/>
+            <a:off x="7871765" y="5441356"/>
             <a:ext cx="1083289" cy="4226275"/>
           </a:xfrm>
           <a:prstGeom prst="curvedConnector3">
@@ -6538,7 +6975,7 @@
         </p:nvCxnSpPr>
         <p:spPr>
           <a:xfrm>
-            <a:off x="4223727" y="4341641"/>
+            <a:off x="11826013" y="5441357"/>
             <a:ext cx="12700" cy="366685"/>
           </a:xfrm>
           <a:prstGeom prst="curvedConnector3">
@@ -6581,12 +7018,12 @@
         </p:nvCxnSpPr>
         <p:spPr>
           <a:xfrm flipH="1">
-            <a:off x="26520208" y="8593594"/>
-            <a:ext cx="2712707" cy="3213937"/>
+            <a:off x="33686090" y="9693310"/>
+            <a:ext cx="3149111" cy="3325187"/>
           </a:xfrm>
           <a:prstGeom prst="bentConnector3">
             <a:avLst>
-              <a:gd name="adj1" fmla="val -8427"/>
+              <a:gd name="adj1" fmla="val -7259"/>
             </a:avLst>
           </a:prstGeom>
           <a:ln w="12700">
@@ -6621,7 +7058,7 @@
         </p:nvGrpSpPr>
         <p:grpSpPr>
           <a:xfrm>
-            <a:off x="27118839" y="7994917"/>
+            <a:off x="34721125" y="9094633"/>
             <a:ext cx="2188002" cy="2459252"/>
             <a:chOff x="28190613" y="7522090"/>
             <a:chExt cx="2188002" cy="2459252"/>
@@ -6702,9 +7139,9 @@
             <p:grpSpPr>
               <a:xfrm>
                 <a:off x="27092829" y="8646760"/>
-                <a:ext cx="2114075" cy="461665"/>
+                <a:ext cx="2116029" cy="1096681"/>
                 <a:chOff x="21062111" y="7342603"/>
-                <a:chExt cx="2114075" cy="461665"/>
+                <a:chExt cx="2116029" cy="1096681"/>
               </a:xfrm>
             </p:grpSpPr>
             <p:sp>
@@ -6796,7 +7233,178 @@
                       <a:latin typeface="Minion Pro Bold Cond"/>
                       <a:cs typeface="Minion Pro Bold Cond"/>
                     </a:rPr>
-                    <a:t>()</a:t>
+                    <a:t>(</a:t>
+                  </a:r>
+                  <a:r>
+                    <a:rPr lang="zh-CN" altLang="en-US" sz="1200" dirty="0" smtClean="0">
+                      <a:solidFill>
+                        <a:schemeClr val="tx2"/>
+                      </a:solidFill>
+                      <a:latin typeface="Minion Pro Bold Cond"/>
+                      <a:cs typeface="Minion Pro Bold Cond"/>
+                    </a:rPr>
+                    <a:t>接收挖矿任务</a:t>
+                  </a:r>
+                  <a:r>
+                    <a:rPr lang="en-US" altLang="zh-CN" sz="1200" dirty="0" smtClean="0">
+                      <a:solidFill>
+                        <a:schemeClr val="tx2"/>
+                      </a:solidFill>
+                      <a:latin typeface="Minion Pro Bold Cond"/>
+                      <a:cs typeface="Minion Pro Bold Cond"/>
+                    </a:rPr>
+                    <a:t>)</a:t>
+                  </a:r>
+                  <a:endParaRPr lang="en-US" altLang="zh-CN" sz="1200" dirty="0">
+                    <a:solidFill>
+                      <a:schemeClr val="tx2"/>
+                    </a:solidFill>
+                    <a:latin typeface="Minion Pro Bold Cond"/>
+                    <a:cs typeface="Minion Pro Bold Cond"/>
+                  </a:endParaRPr>
+                </a:p>
+              </p:txBody>
+            </p:sp>
+            <p:sp>
+              <p:nvSpPr>
+                <p:cNvPr id="153" name="椭圆 152"/>
+                <p:cNvSpPr/>
+                <p:nvPr/>
+              </p:nvSpPr>
+              <p:spPr>
+                <a:xfrm>
+                  <a:off x="22831527" y="8008816"/>
+                  <a:ext cx="346613" cy="346613"/>
+                </a:xfrm>
+                <a:prstGeom prst="ellipse">
+                  <a:avLst/>
+                </a:prstGeom>
+              </p:spPr>
+              <p:style>
+                <a:lnRef idx="1">
+                  <a:schemeClr val="accent5"/>
+                </a:lnRef>
+                <a:fillRef idx="2">
+                  <a:schemeClr val="accent5"/>
+                </a:fillRef>
+                <a:effectRef idx="1">
+                  <a:schemeClr val="accent5"/>
+                </a:effectRef>
+                <a:fontRef idx="minor">
+                  <a:schemeClr val="dk1"/>
+                </a:fontRef>
+              </p:style>
+              <p:txBody>
+                <a:bodyPr rtlCol="0" anchor="ctr"/>
+                <a:lstStyle/>
+                <a:p>
+                  <a:pPr algn="ctr"/>
+                  <a:endParaRPr kumimoji="1" lang="zh-CN" altLang="en-US" dirty="0"/>
+                </a:p>
+              </p:txBody>
+            </p:sp>
+            <p:sp>
+              <p:nvSpPr>
+                <p:cNvPr id="154" name="文本框 153"/>
+                <p:cNvSpPr txBox="1"/>
+                <p:nvPr/>
+              </p:nvSpPr>
+              <p:spPr>
+                <a:xfrm>
+                  <a:off x="21064065" y="7977619"/>
+                  <a:ext cx="1705402" cy="461665"/>
+                </a:xfrm>
+                <a:prstGeom prst="rect">
+                  <a:avLst/>
+                </a:prstGeom>
+                <a:noFill/>
+              </p:spPr>
+              <p:txBody>
+                <a:bodyPr wrap="square" rtlCol="0">
+                  <a:spAutoFit/>
+                </a:bodyPr>
+                <a:lstStyle/>
+                <a:p>
+                  <a:pPr algn="ctr"/>
+                  <a:r>
+                    <a:rPr lang="en-US" altLang="zh-CN" sz="1200" dirty="0" err="1" smtClean="0">
+                      <a:solidFill>
+                        <a:schemeClr val="tx2"/>
+                      </a:solidFill>
+                      <a:latin typeface="Minion Pro Bold Cond"/>
+                      <a:cs typeface="Minion Pro Bold Cond"/>
+                    </a:rPr>
+                    <a:t>w.</a:t>
+                  </a:r>
+                  <a:r>
+                    <a:rPr lang="en-US" altLang="zh-CN" sz="1200" dirty="0" err="1" smtClean="0">
+                      <a:solidFill>
+                        <a:schemeClr val="tx2"/>
+                      </a:solidFill>
+                      <a:latin typeface="Minion Pro Bold Cond"/>
+                      <a:cs typeface="Minion Pro Bold Cond"/>
+                    </a:rPr>
+                    <a:t>txsCh</a:t>
+                  </a:r>
+                  <a:endParaRPr lang="en-US" altLang="zh-CN" sz="1200" dirty="0" smtClean="0">
+                    <a:solidFill>
+                      <a:schemeClr val="tx2"/>
+                    </a:solidFill>
+                    <a:latin typeface="Minion Pro Bold Cond"/>
+                    <a:cs typeface="Minion Pro Bold Cond"/>
+                  </a:endParaRPr>
+                </a:p>
+                <a:p>
+                  <a:pPr algn="ctr"/>
+                  <a:r>
+                    <a:rPr lang="en-US" altLang="zh-CN" sz="1200" dirty="0" smtClean="0">
+                      <a:solidFill>
+                        <a:schemeClr val="tx2"/>
+                      </a:solidFill>
+                      <a:latin typeface="Minion Pro Bold Cond"/>
+                      <a:cs typeface="Minion Pro Bold Cond"/>
+                    </a:rPr>
+                    <a:t>(</a:t>
+                  </a:r>
+                  <a:r>
+                    <a:rPr lang="en-US" altLang="zh-CN" sz="1200" dirty="0" smtClean="0">
+                      <a:solidFill>
+                        <a:schemeClr val="tx2"/>
+                      </a:solidFill>
+                      <a:latin typeface="Minion Pro Bold Cond"/>
+                      <a:cs typeface="Minion Pro Bold Cond"/>
+                    </a:rPr>
+                    <a:t>pending </a:t>
+                  </a:r>
+                  <a:r>
+                    <a:rPr lang="en-US" altLang="zh-CN" sz="1200" dirty="0" err="1" smtClean="0">
+                      <a:solidFill>
+                        <a:schemeClr val="tx2"/>
+                      </a:solidFill>
+                      <a:latin typeface="Minion Pro Bold Cond"/>
+                      <a:cs typeface="Minion Pro Bold Cond"/>
+                    </a:rPr>
+                    <a:t>tx</a:t>
+                  </a:r>
+                  <a:r>
+                    <a:rPr lang="zh-CN" altLang="en-US" sz="1200" dirty="0" smtClean="0">
+                      <a:solidFill>
+                        <a:schemeClr val="tx2"/>
+                      </a:solidFill>
+                      <a:latin typeface="Minion Pro Bold Cond"/>
+                      <a:cs typeface="Minion Pro Bold Cond"/>
+                    </a:rPr>
+                    <a:t>队列增加</a:t>
+                  </a:r>
+                  <a:r>
+                    <a:rPr lang="en-US" altLang="zh-CN" sz="1200" dirty="0" smtClean="0">
+                      <a:solidFill>
+                        <a:schemeClr val="tx2"/>
+                      </a:solidFill>
+                      <a:latin typeface="Minion Pro Bold Cond"/>
+                      <a:cs typeface="Minion Pro Bold Cond"/>
+                    </a:rPr>
+                    <a:t>)</a:t>
                   </a:r>
                   <a:endParaRPr lang="en-US" altLang="zh-CN" sz="1200" dirty="0">
                     <a:solidFill>
@@ -6882,7 +7490,7 @@
         </p:nvGrpSpPr>
         <p:grpSpPr>
           <a:xfrm>
-            <a:off x="31385669" y="10404598"/>
+            <a:off x="38987955" y="11504314"/>
             <a:ext cx="2230336" cy="2459252"/>
             <a:chOff x="32208895" y="10237124"/>
             <a:chExt cx="2230336" cy="2459252"/>
@@ -7026,9 +7634,9 @@
             <p:grpSpPr>
               <a:xfrm>
                 <a:off x="27160561" y="8672161"/>
-                <a:ext cx="2046343" cy="910362"/>
+                <a:ext cx="2046343" cy="1534060"/>
                 <a:chOff x="21129843" y="7368004"/>
-                <a:chExt cx="2046343" cy="910362"/>
+                <a:chExt cx="2046343" cy="1534060"/>
               </a:xfrm>
             </p:grpSpPr>
             <p:sp>
@@ -7199,7 +7807,88 @@
               <p:spPr>
                 <a:xfrm>
                   <a:off x="21129843" y="7878256"/>
-                  <a:ext cx="1637669" cy="400110"/>
+                  <a:ext cx="1637669" cy="276999"/>
+                </a:xfrm>
+                <a:prstGeom prst="rect">
+                  <a:avLst/>
+                </a:prstGeom>
+                <a:noFill/>
+              </p:spPr>
+              <p:txBody>
+                <a:bodyPr wrap="square" rtlCol="0">
+                  <a:spAutoFit/>
+                </a:bodyPr>
+                <a:lstStyle/>
+                <a:p>
+                  <a:pPr algn="ctr"/>
+                  <a:r>
+                    <a:rPr lang="en-US" altLang="zh-CN" sz="1200" dirty="0" err="1" smtClean="0">
+                      <a:solidFill>
+                        <a:schemeClr val="tx2"/>
+                      </a:solidFill>
+                      <a:latin typeface="Minion Pro Bold Cond"/>
+                      <a:cs typeface="Minion Pro Bold Cond"/>
+                    </a:rPr>
+                    <a:t>w.chainHeadCh</a:t>
+                  </a:r>
+                  <a:endParaRPr lang="en-US" altLang="zh-CN" sz="1200" dirty="0" smtClean="0">
+                    <a:solidFill>
+                      <a:schemeClr val="tx2"/>
+                    </a:solidFill>
+                    <a:latin typeface="Minion Pro Bold Cond"/>
+                    <a:cs typeface="Minion Pro Bold Cond"/>
+                  </a:endParaRPr>
+                </a:p>
+              </p:txBody>
+            </p:sp>
+            <p:sp>
+              <p:nvSpPr>
+                <p:cNvPr id="161" name="椭圆 160"/>
+                <p:cNvSpPr/>
+                <p:nvPr/>
+              </p:nvSpPr>
+              <p:spPr>
+                <a:xfrm>
+                  <a:off x="22829573" y="8446195"/>
+                  <a:ext cx="346613" cy="346613"/>
+                </a:xfrm>
+                <a:prstGeom prst="ellipse">
+                  <a:avLst/>
+                </a:prstGeom>
+              </p:spPr>
+              <p:style>
+                <a:lnRef idx="1">
+                  <a:schemeClr val="accent5"/>
+                </a:lnRef>
+                <a:fillRef idx="2">
+                  <a:schemeClr val="accent5"/>
+                </a:fillRef>
+                <a:effectRef idx="1">
+                  <a:schemeClr val="accent5"/>
+                </a:effectRef>
+                <a:fontRef idx="minor">
+                  <a:schemeClr val="dk1"/>
+                </a:fontRef>
+              </p:style>
+              <p:txBody>
+                <a:bodyPr rtlCol="0" anchor="ctr"/>
+                <a:lstStyle/>
+                <a:p>
+                  <a:pPr algn="ctr"/>
+                  <a:endParaRPr kumimoji="1" lang="zh-CN" altLang="en-US" dirty="0"/>
+                </a:p>
+              </p:txBody>
+            </p:sp>
+            <p:sp>
+              <p:nvSpPr>
+                <p:cNvPr id="162" name="文本框 161"/>
+                <p:cNvSpPr txBox="1"/>
+                <p:nvPr/>
+              </p:nvSpPr>
+              <p:spPr>
+                <a:xfrm>
+                  <a:off x="21129843" y="8440399"/>
+                  <a:ext cx="1637669" cy="461665"/>
                 </a:xfrm>
                 <a:prstGeom prst="rect">
                   <a:avLst/>
@@ -7234,7 +7923,7 @@
                 <a:p>
                   <a:pPr algn="ctr"/>
                   <a:r>
-                    <a:rPr lang="en-US" altLang="zh-CN" sz="800" dirty="0" smtClean="0">
+                    <a:rPr lang="en-US" altLang="zh-CN" sz="1200" dirty="0" smtClean="0">
                       <a:solidFill>
                         <a:schemeClr val="tx2"/>
                       </a:solidFill>
@@ -7244,17 +7933,17 @@
                     <a:t>(</a:t>
                   </a:r>
                   <a:r>
-                    <a:rPr lang="en-US" altLang="zh-CN" sz="800" dirty="0" err="1" smtClean="0">
+                    <a:rPr lang="zh-CN" altLang="en-US" sz="1200" dirty="0" smtClean="0">
                       <a:solidFill>
                         <a:schemeClr val="tx2"/>
                       </a:solidFill>
                       <a:latin typeface="Minion Pro Bold Cond"/>
                       <a:cs typeface="Minion Pro Bold Cond"/>
                     </a:rPr>
-                    <a:t>todo</a:t>
+                    <a:t>定时挖矿任务</a:t>
                   </a:r>
                   <a:r>
-                    <a:rPr lang="en-US" altLang="zh-CN" sz="800" dirty="0" smtClean="0">
+                    <a:rPr lang="en-US" altLang="zh-CN" sz="1200" dirty="0" smtClean="0">
                       <a:solidFill>
                         <a:schemeClr val="tx2"/>
                       </a:solidFill>
@@ -7263,7 +7952,7 @@
                     </a:rPr>
                     <a:t>)</a:t>
                   </a:r>
-                  <a:endParaRPr lang="en-US" altLang="zh-CN" sz="800" dirty="0">
+                  <a:endParaRPr lang="en-US" altLang="zh-CN" sz="1200" dirty="0">
                     <a:solidFill>
                       <a:schemeClr val="tx2"/>
                     </a:solidFill>
@@ -7287,7 +7976,7 @@
         </p:nvCxnSpPr>
         <p:spPr>
           <a:xfrm>
-            <a:off x="33542079" y="5141518"/>
+            <a:off x="41144365" y="6241234"/>
             <a:ext cx="12700" cy="6372009"/>
           </a:xfrm>
           <a:prstGeom prst="curvedConnector3">
@@ -7331,7 +8020,7 @@
         </p:nvCxnSpPr>
         <p:spPr>
           <a:xfrm flipV="1">
-            <a:off x="30072951" y="5141518"/>
+            <a:off x="37675237" y="6241234"/>
             <a:ext cx="598168" cy="11578"/>
           </a:xfrm>
           <a:prstGeom prst="curvedConnector3">
@@ -7375,7 +8064,7 @@
         </p:nvCxnSpPr>
         <p:spPr>
           <a:xfrm rot="10800000" flipH="1">
-            <a:off x="27199561" y="5153097"/>
+            <a:off x="34801847" y="6252813"/>
             <a:ext cx="2429" cy="346613"/>
           </a:xfrm>
           <a:prstGeom prst="curvedConnector3">
@@ -7418,7 +8107,7 @@
         </p:nvCxnSpPr>
         <p:spPr>
           <a:xfrm rot="16200000" flipV="1">
-            <a:off x="29876771" y="8021524"/>
+            <a:off x="37479057" y="9121240"/>
             <a:ext cx="2674840" cy="4064071"/>
           </a:xfrm>
           <a:prstGeom prst="curvedConnector3">
@@ -7462,7 +8151,7 @@
         </p:nvCxnSpPr>
         <p:spPr>
           <a:xfrm rot="16200000" flipV="1">
-            <a:off x="30009351" y="7643852"/>
+            <a:off x="37611637" y="8743568"/>
             <a:ext cx="2409681" cy="4064071"/>
           </a:xfrm>
           <a:prstGeom prst="curvedConnector3">
@@ -7506,7 +8195,7 @@
         </p:nvCxnSpPr>
         <p:spPr>
           <a:xfrm>
-            <a:off x="4211027" y="3973076"/>
+            <a:off x="11813313" y="5072792"/>
             <a:ext cx="3077641" cy="614681"/>
           </a:xfrm>
           <a:prstGeom prst="straightConnector1">
@@ -7546,48 +8235,8 @@
         </p:nvCxnSpPr>
         <p:spPr>
           <a:xfrm>
-            <a:off x="4211027" y="3973076"/>
+            <a:off x="11813313" y="5072792"/>
             <a:ext cx="1180993" cy="3375708"/>
-          </a:xfrm>
-          <a:prstGeom prst="straightConnector1">
-            <a:avLst/>
-          </a:prstGeom>
-          <a:ln w="12700">
-            <a:solidFill>
-              <a:schemeClr val="tx1"/>
-            </a:solidFill>
-            <a:headEnd type="diamond" w="lg" len="lg"/>
-            <a:tailEnd type="triangle" w="lg" len="lg"/>
-          </a:ln>
-        </p:spPr>
-        <p:style>
-          <a:lnRef idx="2">
-            <a:schemeClr val="accent1"/>
-          </a:lnRef>
-          <a:fillRef idx="0">
-            <a:schemeClr val="accent1"/>
-          </a:fillRef>
-          <a:effectRef idx="1">
-            <a:schemeClr val="accent1"/>
-          </a:effectRef>
-          <a:fontRef idx="minor">
-            <a:schemeClr val="tx1"/>
-          </a:fontRef>
-        </p:style>
-      </p:cxnSp>
-      <p:cxnSp>
-        <p:nvCxnSpPr>
-          <p:cNvPr id="294" name="直线箭头连接符 293"/>
-          <p:cNvCxnSpPr>
-            <a:stCxn id="14" idx="3"/>
-            <a:endCxn id="21" idx="1"/>
-          </p:cNvCxnSpPr>
-          <p:nvPr/>
-        </p:nvCxnSpPr>
-        <p:spPr>
-          <a:xfrm>
-            <a:off x="16399927" y="4340131"/>
-            <a:ext cx="10809795" cy="466335"/>
           </a:xfrm>
           <a:prstGeom prst="straightConnector1">
             <a:avLst/>
@@ -7626,8 +8275,8 @@
         </p:nvCxnSpPr>
         <p:spPr>
           <a:xfrm flipV="1">
-            <a:off x="16399927" y="4208171"/>
-            <a:ext cx="4228340" cy="131960"/>
+            <a:off x="24002213" y="4496779"/>
+            <a:ext cx="3872740" cy="943068"/>
           </a:xfrm>
           <a:prstGeom prst="straightConnector1">
             <a:avLst/>
@@ -7666,7 +8315,7 @@
         </p:nvCxnSpPr>
         <p:spPr>
           <a:xfrm>
-            <a:off x="16399927" y="4340131"/>
+            <a:off x="24002213" y="5439847"/>
             <a:ext cx="3076874" cy="2729772"/>
           </a:xfrm>
           <a:prstGeom prst="straightConnector1">
@@ -7706,7 +8355,7 @@
         </p:nvCxnSpPr>
         <p:spPr>
           <a:xfrm>
-            <a:off x="16399927" y="4340131"/>
+            <a:off x="24002213" y="5439847"/>
             <a:ext cx="1828040" cy="5415782"/>
           </a:xfrm>
           <a:prstGeom prst="straightConnector1">
@@ -7739,14 +8388,15 @@
         <p:nvCxnSpPr>
           <p:cNvPr id="306" name="直线箭头连接符 305"/>
           <p:cNvCxnSpPr>
+            <a:stCxn id="5" idx="3"/>
             <a:endCxn id="9" idx="1"/>
           </p:cNvCxnSpPr>
           <p:nvPr/>
         </p:nvCxnSpPr>
         <p:spPr>
           <a:xfrm>
-            <a:off x="21098927" y="9755913"/>
-            <a:ext cx="2558215" cy="1696838"/>
+            <a:off x="28701213" y="10855629"/>
+            <a:ext cx="2121811" cy="1808088"/>
           </a:xfrm>
           <a:prstGeom prst="straightConnector1">
             <a:avLst/>
@@ -7785,7 +8435,7 @@
         </p:nvCxnSpPr>
         <p:spPr>
           <a:xfrm rot="10800000" flipV="1">
-            <a:off x="23647282" y="11807530"/>
+            <a:off x="30813164" y="13018496"/>
             <a:ext cx="1967" cy="346613"/>
           </a:xfrm>
           <a:prstGeom prst="curvedConnector3">
@@ -7825,7 +8475,7 @@
         </p:nvGrpSpPr>
         <p:grpSpPr>
           <a:xfrm>
-            <a:off x="24258684" y="16164635"/>
+            <a:off x="31860970" y="17264351"/>
             <a:ext cx="2188002" cy="2459252"/>
             <a:chOff x="28190613" y="7522090"/>
             <a:chExt cx="2188002" cy="2459252"/>
@@ -8116,7 +8766,7 @@
         </p:nvGrpSpPr>
         <p:grpSpPr>
           <a:xfrm>
-            <a:off x="28750316" y="13442868"/>
+            <a:off x="36352602" y="14542584"/>
             <a:ext cx="2188002" cy="2459252"/>
             <a:chOff x="28190613" y="7522090"/>
             <a:chExt cx="2188002" cy="2459252"/>
@@ -8400,8 +9050,8 @@
         </p:nvCxnSpPr>
         <p:spPr>
           <a:xfrm>
-            <a:off x="26518241" y="12154144"/>
-            <a:ext cx="4172845" cy="1714094"/>
+            <a:off x="33684123" y="13365110"/>
+            <a:ext cx="4609249" cy="1602844"/>
           </a:xfrm>
           <a:prstGeom prst="curvedConnector2">
             <a:avLst/>
@@ -8442,7 +9092,7 @@
         </p:nvCxnSpPr>
         <p:spPr>
           <a:xfrm>
-            <a:off x="16399927" y="4340131"/>
+            <a:off x="24002213" y="5439847"/>
             <a:ext cx="1095294" cy="7640706"/>
           </a:xfrm>
           <a:prstGeom prst="straightConnector1">
@@ -8479,7 +9129,7 @@
         </p:nvGrpSpPr>
         <p:grpSpPr>
           <a:xfrm>
-            <a:off x="14388157" y="14748396"/>
+            <a:off x="21990443" y="15848112"/>
             <a:ext cx="2870960" cy="1642947"/>
             <a:chOff x="13029439" y="4656253"/>
             <a:chExt cx="7290841" cy="5573392"/>
@@ -8660,7 +9310,7 @@
         </p:nvGrpSpPr>
         <p:grpSpPr>
           <a:xfrm>
-            <a:off x="17651466" y="14934296"/>
+            <a:off x="25253752" y="16034012"/>
             <a:ext cx="2870960" cy="1642947"/>
             <a:chOff x="13029439" y="4656253"/>
             <a:chExt cx="7290841" cy="5573392"/>
@@ -8948,7 +9598,7 @@
         </p:nvCxnSpPr>
         <p:spPr>
           <a:xfrm flipV="1">
-            <a:off x="15823637" y="13901090"/>
+            <a:off x="23425923" y="15000806"/>
             <a:ext cx="1647144" cy="847306"/>
           </a:xfrm>
           <a:prstGeom prst="straightConnector1">
@@ -8985,7 +9635,7 @@
         </p:nvGrpSpPr>
         <p:grpSpPr>
           <a:xfrm>
-            <a:off x="16059741" y="11980837"/>
+            <a:off x="23662027" y="13080553"/>
             <a:ext cx="2870960" cy="1920261"/>
             <a:chOff x="16605841" y="13020676"/>
             <a:chExt cx="2870960" cy="1920261"/>
@@ -9283,7 +9933,7 @@
         </p:nvCxnSpPr>
         <p:spPr>
           <a:xfrm flipH="1" flipV="1">
-            <a:off x="17470781" y="13901090"/>
+            <a:off x="25073067" y="15000806"/>
             <a:ext cx="1616165" cy="1033206"/>
           </a:xfrm>
           <a:prstGeom prst="straightConnector1">
@@ -9323,7 +9973,7 @@
         </p:nvCxnSpPr>
         <p:spPr>
           <a:xfrm flipH="1">
-            <a:off x="20522426" y="14041545"/>
+            <a:off x="28124712" y="15141261"/>
             <a:ext cx="10341966" cy="1412671"/>
           </a:xfrm>
           <a:prstGeom prst="bentConnector3">
@@ -9366,7 +10016,7 @@
         </p:nvCxnSpPr>
         <p:spPr>
           <a:xfrm>
-            <a:off x="20522426" y="15800829"/>
+            <a:off x="28124712" y="16900545"/>
             <a:ext cx="5554481" cy="1085029"/>
           </a:xfrm>
           <a:prstGeom prst="curvedConnector4">
@@ -9408,7 +10058,7 @@
         </p:nvGrpSpPr>
         <p:grpSpPr>
           <a:xfrm>
-            <a:off x="19663447" y="12833066"/>
+            <a:off x="27265733" y="13932782"/>
             <a:ext cx="2870960" cy="1642947"/>
             <a:chOff x="13029439" y="4656253"/>
             <a:chExt cx="7290841" cy="5573392"/>
@@ -9622,7 +10272,7 @@
         </p:nvCxnSpPr>
         <p:spPr>
           <a:xfrm flipH="1" flipV="1">
-            <a:off x="22534407" y="13352986"/>
+            <a:off x="30136693" y="14452702"/>
             <a:ext cx="3838353" cy="3410326"/>
           </a:xfrm>
           <a:prstGeom prst="bentConnector3">
@@ -9665,7 +10315,7 @@
         </p:nvCxnSpPr>
         <p:spPr>
           <a:xfrm flipV="1">
-            <a:off x="26372760" y="5153096"/>
+            <a:off x="33975046" y="6252812"/>
             <a:ext cx="829231" cy="11610216"/>
           </a:xfrm>
           <a:prstGeom prst="bentConnector3">
@@ -9705,7 +10355,7 @@
         </p:nvGrpSpPr>
         <p:grpSpPr>
           <a:xfrm>
-            <a:off x="29251802" y="17316166"/>
+            <a:off x="36854088" y="18415882"/>
             <a:ext cx="2870960" cy="1642947"/>
             <a:chOff x="13029439" y="4656253"/>
             <a:chExt cx="7290841" cy="5573392"/>
@@ -9899,7 +10549,7 @@
         </p:nvCxnSpPr>
         <p:spPr>
           <a:xfrm rot="16200000" flipH="1">
-            <a:off x="27311787" y="15896071"/>
+            <a:off x="34914073" y="16995787"/>
             <a:ext cx="950228" cy="2929802"/>
           </a:xfrm>
           <a:prstGeom prst="bentConnector2">
@@ -9929,15 +10579,786 @@
           </a:fontRef>
         </p:style>
       </p:cxnSp>
+      <p:cxnSp>
+        <p:nvCxnSpPr>
+          <p:cNvPr id="408" name="直线箭头连接符 407"/>
+          <p:cNvCxnSpPr>
+            <a:stCxn id="9" idx="3"/>
+            <a:endCxn id="406" idx="1"/>
+          </p:cNvCxnSpPr>
+          <p:nvPr/>
+        </p:nvCxnSpPr>
+        <p:spPr>
+          <a:xfrm>
+            <a:off x="33693984" y="12663717"/>
+            <a:ext cx="3160104" cy="5925472"/>
+          </a:xfrm>
+          <a:prstGeom prst="straightConnector1">
+            <a:avLst/>
+          </a:prstGeom>
+          <a:ln w="12700">
+            <a:solidFill>
+              <a:schemeClr val="tx1"/>
+            </a:solidFill>
+            <a:headEnd type="diamond" w="lg" len="lg"/>
+            <a:tailEnd type="triangle" w="lg" len="lg"/>
+          </a:ln>
+        </p:spPr>
+        <p:style>
+          <a:lnRef idx="2">
+            <a:schemeClr val="accent1"/>
+          </a:lnRef>
+          <a:fillRef idx="0">
+            <a:schemeClr val="accent1"/>
+          </a:fillRef>
+          <a:effectRef idx="1">
+            <a:schemeClr val="accent1"/>
+          </a:effectRef>
+          <a:fontRef idx="minor">
+            <a:schemeClr val="tx1"/>
+          </a:fontRef>
+        </p:style>
+      </p:cxnSp>
+      <p:cxnSp>
+        <p:nvCxnSpPr>
+          <p:cNvPr id="163" name="曲线连接符 162"/>
+          <p:cNvCxnSpPr>
+            <a:stCxn id="161" idx="2"/>
+            <a:endCxn id="146" idx="5"/>
+          </p:cNvCxnSpPr>
+          <p:nvPr/>
+        </p:nvCxnSpPr>
+        <p:spPr>
+          <a:xfrm rot="10800000">
+            <a:off x="36784442" y="9815856"/>
+            <a:ext cx="4013311" cy="3359530"/>
+          </a:xfrm>
+          <a:prstGeom prst="curvedConnector2">
+            <a:avLst/>
+          </a:prstGeom>
+          <a:ln w="12700">
+            <a:solidFill>
+              <a:schemeClr val="bg1">
+                <a:lumMod val="50000"/>
+              </a:schemeClr>
+            </a:solidFill>
+            <a:prstDash val="dashDot"/>
+            <a:tailEnd type="triangle" w="lg" len="lg"/>
+          </a:ln>
+        </p:spPr>
+        <p:style>
+          <a:lnRef idx="2">
+            <a:schemeClr val="accent1"/>
+          </a:lnRef>
+          <a:fillRef idx="0">
+            <a:schemeClr val="accent1"/>
+          </a:fillRef>
+          <a:effectRef idx="1">
+            <a:schemeClr val="accent1"/>
+          </a:effectRef>
+          <a:fontRef idx="minor">
+            <a:schemeClr val="tx1"/>
+          </a:fontRef>
+        </p:style>
+      </p:cxnSp>
+      <p:sp>
+        <p:nvSpPr>
+          <p:cNvPr id="164" name="矩形 163"/>
+          <p:cNvSpPr/>
+          <p:nvPr/>
+        </p:nvSpPr>
+        <p:spPr>
+          <a:xfrm>
+            <a:off x="32243713" y="4173261"/>
+            <a:ext cx="2870960" cy="346613"/>
+          </a:xfrm>
+          <a:prstGeom prst="rect">
+            <a:avLst/>
+          </a:prstGeom>
+        </p:spPr>
+        <p:style>
+          <a:lnRef idx="1">
+            <a:schemeClr val="accent5"/>
+          </a:lnRef>
+          <a:fillRef idx="2">
+            <a:schemeClr val="accent5"/>
+          </a:fillRef>
+          <a:effectRef idx="1">
+            <a:schemeClr val="accent5"/>
+          </a:effectRef>
+          <a:fontRef idx="minor">
+            <a:schemeClr val="dk1"/>
+          </a:fontRef>
+        </p:style>
+        <p:txBody>
+          <a:bodyPr rtlCol="0" anchor="ctr"/>
+          <a:lstStyle/>
+          <a:p>
+            <a:pPr algn="ctr"/>
+            <a:r>
+              <a:rPr lang="en-US" altLang="zh-CN" sz="1200" dirty="0" err="1" smtClean="0">
+                <a:solidFill>
+                  <a:schemeClr val="tx2"/>
+                </a:solidFill>
+                <a:latin typeface="Minion Pro Bold Cond"/>
+                <a:cs typeface="Minion Pro Bold Cond"/>
+              </a:rPr>
+              <a:t>tx</a:t>
+            </a:r>
+            <a:r>
+              <a:rPr lang="en-US" altLang="zh-CN" sz="1200" dirty="0" err="1" smtClean="0">
+                <a:solidFill>
+                  <a:schemeClr val="tx2"/>
+                </a:solidFill>
+                <a:latin typeface="Minion Pro Bold Cond"/>
+                <a:cs typeface="Minion Pro Bold Cond"/>
+              </a:rPr>
+              <a:t>Feed</a:t>
+            </a:r>
+            <a:endParaRPr lang="en-US" altLang="zh-CN" sz="1200" dirty="0" smtClean="0">
+              <a:solidFill>
+                <a:schemeClr val="tx2"/>
+              </a:solidFill>
+              <a:latin typeface="Minion Pro Bold Cond"/>
+              <a:cs typeface="Minion Pro Bold Cond"/>
+            </a:endParaRPr>
+          </a:p>
+          <a:p>
+            <a:pPr algn="ctr"/>
+            <a:r>
+              <a:rPr lang="zh-CN" altLang="en-US" sz="1200" dirty="0" smtClean="0">
+                <a:solidFill>
+                  <a:schemeClr val="tx2"/>
+                </a:solidFill>
+                <a:latin typeface="Minion Pro Bold Cond"/>
+                <a:cs typeface="Minion Pro Bold Cond"/>
+              </a:rPr>
+              <a:t>接收到</a:t>
+            </a:r>
+            <a:r>
+              <a:rPr lang="en-US" altLang="zh-CN" sz="1200" dirty="0" err="1" smtClean="0">
+                <a:solidFill>
+                  <a:schemeClr val="tx2"/>
+                </a:solidFill>
+                <a:latin typeface="Minion Pro Bold Cond"/>
+                <a:cs typeface="Minion Pro Bold Cond"/>
+              </a:rPr>
+              <a:t>tx</a:t>
+            </a:r>
+            <a:r>
+              <a:rPr lang="zh-CN" altLang="en-US" sz="1200" dirty="0" smtClean="0">
+                <a:solidFill>
+                  <a:schemeClr val="tx2"/>
+                </a:solidFill>
+                <a:latin typeface="Minion Pro Bold Cond"/>
+                <a:cs typeface="Minion Pro Bold Cond"/>
+              </a:rPr>
+              <a:t>的都是已经在</a:t>
+            </a:r>
+            <a:r>
+              <a:rPr lang="en-US" altLang="zh-CN" sz="1200" dirty="0" smtClean="0">
+                <a:solidFill>
+                  <a:schemeClr val="tx2"/>
+                </a:solidFill>
+                <a:latin typeface="Minion Pro Bold Cond"/>
+                <a:cs typeface="Minion Pro Bold Cond"/>
+              </a:rPr>
+              <a:t>pending</a:t>
+            </a:r>
+            <a:r>
+              <a:rPr lang="zh-CN" altLang="en-US" sz="1200" dirty="0" smtClean="0">
+                <a:solidFill>
+                  <a:schemeClr val="tx2"/>
+                </a:solidFill>
+                <a:latin typeface="Minion Pro Bold Cond"/>
+                <a:cs typeface="Minion Pro Bold Cond"/>
+              </a:rPr>
+              <a:t>队列中</a:t>
+            </a:r>
+            <a:endParaRPr lang="zh-CN" altLang="en-US" sz="1200" dirty="0">
+              <a:solidFill>
+                <a:schemeClr val="tx2"/>
+              </a:solidFill>
+              <a:latin typeface="Minion Pro Bold Cond"/>
+              <a:cs typeface="Minion Pro Bold Cond"/>
+            </a:endParaRPr>
+          </a:p>
+        </p:txBody>
+      </p:sp>
+      <p:cxnSp>
+        <p:nvCxnSpPr>
+          <p:cNvPr id="167" name="曲线连接符 166"/>
+          <p:cNvCxnSpPr>
+            <a:stCxn id="165" idx="3"/>
+            <a:endCxn id="164" idx="1"/>
+          </p:cNvCxnSpPr>
+          <p:nvPr/>
+        </p:nvCxnSpPr>
+        <p:spPr>
+          <a:xfrm flipV="1">
+            <a:off x="30745913" y="4346568"/>
+            <a:ext cx="1497800" cy="487325"/>
+          </a:xfrm>
+          <a:prstGeom prst="curvedConnector3">
+            <a:avLst>
+              <a:gd name="adj1" fmla="val 50000"/>
+            </a:avLst>
+          </a:prstGeom>
+          <a:ln w="12700">
+            <a:solidFill>
+              <a:schemeClr val="bg1">
+                <a:lumMod val="50000"/>
+              </a:schemeClr>
+            </a:solidFill>
+            <a:prstDash val="dashDot"/>
+            <a:tailEnd type="triangle" w="lg" len="lg"/>
+          </a:ln>
+        </p:spPr>
+        <p:style>
+          <a:lnRef idx="2">
+            <a:schemeClr val="accent1"/>
+          </a:lnRef>
+          <a:fillRef idx="0">
+            <a:schemeClr val="accent1"/>
+          </a:fillRef>
+          <a:effectRef idx="1">
+            <a:schemeClr val="accent1"/>
+          </a:effectRef>
+          <a:fontRef idx="minor">
+            <a:schemeClr val="tx1"/>
+          </a:fontRef>
+        </p:style>
+      </p:cxnSp>
+      <p:cxnSp>
+        <p:nvCxnSpPr>
+          <p:cNvPr id="172" name="曲线连接符 171"/>
+          <p:cNvCxnSpPr>
+            <a:stCxn id="171" idx="3"/>
+            <a:endCxn id="164" idx="1"/>
+          </p:cNvCxnSpPr>
+          <p:nvPr/>
+        </p:nvCxnSpPr>
+        <p:spPr>
+          <a:xfrm flipV="1">
+            <a:off x="30745913" y="4346568"/>
+            <a:ext cx="1497800" cy="854067"/>
+          </a:xfrm>
+          <a:prstGeom prst="curvedConnector3">
+            <a:avLst>
+              <a:gd name="adj1" fmla="val 50000"/>
+            </a:avLst>
+          </a:prstGeom>
+          <a:ln w="12700">
+            <a:solidFill>
+              <a:schemeClr val="bg1">
+                <a:lumMod val="50000"/>
+              </a:schemeClr>
+            </a:solidFill>
+            <a:prstDash val="dashDot"/>
+            <a:tailEnd type="triangle" w="lg" len="lg"/>
+          </a:ln>
+        </p:spPr>
+        <p:style>
+          <a:lnRef idx="2">
+            <a:schemeClr val="accent1"/>
+          </a:lnRef>
+          <a:fillRef idx="0">
+            <a:schemeClr val="accent1"/>
+          </a:fillRef>
+          <a:effectRef idx="1">
+            <a:schemeClr val="accent1"/>
+          </a:effectRef>
+          <a:fontRef idx="minor">
+            <a:schemeClr val="tx1"/>
+          </a:fontRef>
+        </p:style>
+      </p:cxnSp>
+      <p:cxnSp>
+        <p:nvCxnSpPr>
+          <p:cNvPr id="180" name="曲线连接符 179"/>
+          <p:cNvCxnSpPr>
+            <a:stCxn id="178" idx="1"/>
+            <a:endCxn id="165" idx="1"/>
+          </p:cNvCxnSpPr>
+          <p:nvPr/>
+        </p:nvCxnSpPr>
+        <p:spPr>
+          <a:xfrm rot="10800000">
+            <a:off x="27874953" y="4833893"/>
+            <a:ext cx="12700" cy="725676"/>
+          </a:xfrm>
+          <a:prstGeom prst="curvedConnector3">
+            <a:avLst>
+              <a:gd name="adj1" fmla="val 4200000"/>
+            </a:avLst>
+          </a:prstGeom>
+          <a:ln w="12700">
+            <a:solidFill>
+              <a:schemeClr val="bg1">
+                <a:lumMod val="50000"/>
+              </a:schemeClr>
+            </a:solidFill>
+            <a:tailEnd type="arrow"/>
+          </a:ln>
+        </p:spPr>
+        <p:style>
+          <a:lnRef idx="2">
+            <a:schemeClr val="accent1"/>
+          </a:lnRef>
+          <a:fillRef idx="0">
+            <a:schemeClr val="accent1"/>
+          </a:fillRef>
+          <a:effectRef idx="1">
+            <a:schemeClr val="accent1"/>
+          </a:effectRef>
+          <a:fontRef idx="minor">
+            <a:schemeClr val="tx1"/>
+          </a:fontRef>
+        </p:style>
+      </p:cxnSp>
+      <p:cxnSp>
+        <p:nvCxnSpPr>
+          <p:cNvPr id="183" name="曲线连接符 182"/>
+          <p:cNvCxnSpPr>
+            <a:stCxn id="179" idx="1"/>
+            <a:endCxn id="165" idx="1"/>
+          </p:cNvCxnSpPr>
+          <p:nvPr/>
+        </p:nvCxnSpPr>
+        <p:spPr>
+          <a:xfrm rot="10800000">
+            <a:off x="27874953" y="4833893"/>
+            <a:ext cx="12700" cy="1060728"/>
+          </a:xfrm>
+          <a:prstGeom prst="curvedConnector3">
+            <a:avLst>
+              <a:gd name="adj1" fmla="val 7500000"/>
+            </a:avLst>
+          </a:prstGeom>
+          <a:ln w="12700">
+            <a:solidFill>
+              <a:schemeClr val="bg1">
+                <a:lumMod val="50000"/>
+              </a:schemeClr>
+            </a:solidFill>
+            <a:tailEnd type="arrow"/>
+          </a:ln>
+        </p:spPr>
+        <p:style>
+          <a:lnRef idx="2">
+            <a:schemeClr val="accent1"/>
+          </a:lnRef>
+          <a:fillRef idx="0">
+            <a:schemeClr val="accent1"/>
+          </a:fillRef>
+          <a:effectRef idx="1">
+            <a:schemeClr val="accent1"/>
+          </a:effectRef>
+          <a:fontRef idx="minor">
+            <a:schemeClr val="tx1"/>
+          </a:fontRef>
+        </p:style>
+      </p:cxnSp>
+      <p:cxnSp>
+        <p:nvCxnSpPr>
+          <p:cNvPr id="188" name="曲线连接符 187"/>
+          <p:cNvCxnSpPr>
+            <a:stCxn id="164" idx="3"/>
+            <a:endCxn id="153" idx="2"/>
+          </p:cNvCxnSpPr>
+          <p:nvPr/>
+        </p:nvCxnSpPr>
+        <p:spPr>
+          <a:xfrm>
+            <a:off x="35114673" y="4346568"/>
+            <a:ext cx="1375869" cy="5981758"/>
+          </a:xfrm>
+          <a:prstGeom prst="curvedConnector3">
+            <a:avLst>
+              <a:gd name="adj1" fmla="val 50000"/>
+            </a:avLst>
+          </a:prstGeom>
+          <a:ln w="12700">
+            <a:solidFill>
+              <a:schemeClr val="bg1">
+                <a:lumMod val="50000"/>
+              </a:schemeClr>
+            </a:solidFill>
+            <a:prstDash val="dashDot"/>
+            <a:tailEnd type="triangle" w="lg" len="lg"/>
+          </a:ln>
+        </p:spPr>
+        <p:style>
+          <a:lnRef idx="2">
+            <a:schemeClr val="accent1"/>
+          </a:lnRef>
+          <a:fillRef idx="0">
+            <a:schemeClr val="accent1"/>
+          </a:fillRef>
+          <a:effectRef idx="1">
+            <a:schemeClr val="accent1"/>
+          </a:effectRef>
+          <a:fontRef idx="minor">
+            <a:schemeClr val="tx1"/>
+          </a:fontRef>
+        </p:style>
+      </p:cxnSp>
+      <p:cxnSp>
+        <p:nvCxnSpPr>
+          <p:cNvPr id="194" name="曲线连接符 159"/>
+          <p:cNvCxnSpPr>
+            <a:stCxn id="153" idx="4"/>
+            <a:endCxn id="66" idx="3"/>
+          </p:cNvCxnSpPr>
+          <p:nvPr/>
+        </p:nvCxnSpPr>
+        <p:spPr>
+          <a:xfrm rot="5400000">
+            <a:off x="35592762" y="11200981"/>
+            <a:ext cx="1770437" cy="371739"/>
+          </a:xfrm>
+          <a:prstGeom prst="bentConnector2">
+            <a:avLst/>
+          </a:prstGeom>
+          <a:ln w="12700">
+            <a:solidFill>
+              <a:schemeClr val="bg1">
+                <a:lumMod val="50000"/>
+              </a:schemeClr>
+            </a:solidFill>
+            <a:tailEnd type="arrow"/>
+          </a:ln>
+        </p:spPr>
+        <p:style>
+          <a:lnRef idx="2">
+            <a:schemeClr val="accent1"/>
+          </a:lnRef>
+          <a:fillRef idx="0">
+            <a:schemeClr val="accent1"/>
+          </a:fillRef>
+          <a:effectRef idx="1">
+            <a:schemeClr val="accent1"/>
+          </a:effectRef>
+          <a:fontRef idx="minor">
+            <a:schemeClr val="tx1"/>
+          </a:fontRef>
+        </p:style>
+      </p:cxnSp>
+      <p:cxnSp>
+        <p:nvCxnSpPr>
+          <p:cNvPr id="201" name="曲线连接符 159"/>
+          <p:cNvCxnSpPr>
+            <a:stCxn id="66" idx="0"/>
+            <a:endCxn id="156" idx="3"/>
+          </p:cNvCxnSpPr>
+          <p:nvPr/>
+        </p:nvCxnSpPr>
+        <p:spPr>
+          <a:xfrm rot="16200000" flipH="1" flipV="1">
+            <a:off x="34292659" y="11411522"/>
+            <a:ext cx="1000406" cy="2213543"/>
+          </a:xfrm>
+          <a:prstGeom prst="bentConnector4">
+            <a:avLst>
+              <a:gd name="adj1" fmla="val -22851"/>
+              <a:gd name="adj2" fmla="val 58865"/>
+            </a:avLst>
+          </a:prstGeom>
+          <a:ln w="12700">
+            <a:solidFill>
+              <a:schemeClr val="bg1">
+                <a:lumMod val="50000"/>
+              </a:schemeClr>
+            </a:solidFill>
+            <a:tailEnd type="arrow"/>
+          </a:ln>
+        </p:spPr>
+        <p:style>
+          <a:lnRef idx="2">
+            <a:schemeClr val="accent1"/>
+          </a:lnRef>
+          <a:fillRef idx="0">
+            <a:schemeClr val="accent1"/>
+          </a:fillRef>
+          <a:effectRef idx="1">
+            <a:schemeClr val="accent1"/>
+          </a:effectRef>
+          <a:fontRef idx="minor">
+            <a:schemeClr val="tx1"/>
+          </a:fontRef>
+        </p:style>
+      </p:cxnSp>
+      <p:cxnSp>
+        <p:nvCxnSpPr>
+          <p:cNvPr id="203" name="曲线连接符 159"/>
+          <p:cNvCxnSpPr>
+            <a:stCxn id="66" idx="2"/>
+            <a:endCxn id="158" idx="3"/>
+          </p:cNvCxnSpPr>
+          <p:nvPr/>
+        </p:nvCxnSpPr>
+        <p:spPr>
+          <a:xfrm rot="5400000">
+            <a:off x="34199040" y="12011130"/>
+            <a:ext cx="1185676" cy="2215510"/>
+          </a:xfrm>
+          <a:prstGeom prst="bentConnector2">
+            <a:avLst/>
+          </a:prstGeom>
+          <a:ln w="12700">
+            <a:solidFill>
+              <a:schemeClr val="bg1">
+                <a:lumMod val="50000"/>
+              </a:schemeClr>
+            </a:solidFill>
+            <a:tailEnd type="arrow"/>
+          </a:ln>
+        </p:spPr>
+        <p:style>
+          <a:lnRef idx="2">
+            <a:schemeClr val="accent1"/>
+          </a:lnRef>
+          <a:fillRef idx="0">
+            <a:schemeClr val="accent1"/>
+          </a:fillRef>
+          <a:effectRef idx="1">
+            <a:schemeClr val="accent1"/>
+          </a:effectRef>
+          <a:fontRef idx="minor">
+            <a:schemeClr val="tx1"/>
+          </a:fontRef>
+        </p:style>
+      </p:cxnSp>
       <p:grpSp>
         <p:nvGrpSpPr>
-          <p:cNvPr id="148" name="组 403"/>
+          <p:cNvPr id="95" name="组 94"/>
           <p:cNvGrpSpPr/>
           <p:nvPr/>
         </p:nvGrpSpPr>
         <p:grpSpPr>
           <a:xfrm>
-            <a:off x="27820126" y="19906532"/>
+            <a:off x="33972010" y="11897575"/>
+            <a:ext cx="2454518" cy="792940"/>
+            <a:chOff x="26260873" y="10824279"/>
+            <a:chExt cx="2454518" cy="792940"/>
+          </a:xfrm>
+        </p:grpSpPr>
+        <p:sp>
+          <p:nvSpPr>
+            <p:cNvPr id="66" name="菱形 65"/>
+            <p:cNvSpPr/>
+            <p:nvPr/>
+          </p:nvSpPr>
+          <p:spPr>
+            <a:xfrm>
+              <a:off x="27796018" y="10944795"/>
+              <a:ext cx="784955" cy="507956"/>
+            </a:xfrm>
+            <a:prstGeom prst="diamond">
+              <a:avLst/>
+            </a:prstGeom>
+            <a:noFill/>
+          </p:spPr>
+          <p:style>
+            <a:lnRef idx="2">
+              <a:schemeClr val="accent1"/>
+            </a:lnRef>
+            <a:fillRef idx="1">
+              <a:schemeClr val="lt1"/>
+            </a:fillRef>
+            <a:effectRef idx="0">
+              <a:schemeClr val="accent1"/>
+            </a:effectRef>
+            <a:fontRef idx="minor">
+              <a:schemeClr val="dk1"/>
+            </a:fontRef>
+          </p:style>
+          <p:txBody>
+            <a:bodyPr rtlCol="0" anchor="ctr"/>
+            <a:lstStyle/>
+            <a:p>
+              <a:pPr algn="ctr"/>
+              <a:endParaRPr kumimoji="1" lang="zh-CN" altLang="en-US" dirty="0"/>
+            </a:p>
+          </p:txBody>
+        </p:sp>
+        <p:sp>
+          <p:nvSpPr>
+            <p:cNvPr id="91" name="文本框 90"/>
+            <p:cNvSpPr txBox="1"/>
+            <p:nvPr/>
+          </p:nvSpPr>
+          <p:spPr>
+            <a:xfrm>
+              <a:off x="26260873" y="10824279"/>
+              <a:ext cx="2454518" cy="276999"/>
+            </a:xfrm>
+            <a:prstGeom prst="rect">
+              <a:avLst/>
+            </a:prstGeom>
+            <a:noFill/>
+          </p:spPr>
+          <p:txBody>
+            <a:bodyPr wrap="none" rtlCol="0">
+              <a:spAutoFit/>
+            </a:bodyPr>
+            <a:lstStyle/>
+            <a:p>
+              <a:r>
+                <a:rPr lang="zh-CN" altLang="en-US" sz="1200" dirty="0" smtClean="0">
+                  <a:solidFill>
+                    <a:schemeClr val="tx2"/>
+                  </a:solidFill>
+                  <a:latin typeface="Minion Pro Bold Cond"/>
+                  <a:cs typeface="Minion Pro Bold Cond"/>
+                </a:rPr>
+                <a:t>挖矿</a:t>
+              </a:r>
+              <a:r>
+                <a:rPr lang="en-US" altLang="zh-CN" sz="1200" dirty="0" smtClean="0">
+                  <a:solidFill>
+                    <a:schemeClr val="tx2"/>
+                  </a:solidFill>
+                  <a:latin typeface="Minion Pro Bold Cond"/>
+                  <a:cs typeface="Minion Pro Bold Cond"/>
+                </a:rPr>
+                <a:t>not running, </a:t>
+              </a:r>
+              <a:r>
+                <a:rPr lang="zh-CN" altLang="en-US" sz="1200" dirty="0" smtClean="0">
+                  <a:solidFill>
+                    <a:schemeClr val="tx2"/>
+                  </a:solidFill>
+                  <a:latin typeface="Minion Pro Bold Cond"/>
+                  <a:cs typeface="Minion Pro Bold Cond"/>
+                </a:rPr>
+                <a:t>但是使用了</a:t>
+              </a:r>
+              <a:r>
+                <a:rPr lang="en-US" altLang="zh-CN" sz="1200" dirty="0" smtClean="0">
+                  <a:solidFill>
+                    <a:schemeClr val="tx2"/>
+                  </a:solidFill>
+                  <a:latin typeface="Minion Pro Bold Cond"/>
+                  <a:cs typeface="Minion Pro Bold Cond"/>
+                </a:rPr>
+                <a:t>Clique</a:t>
+              </a:r>
+              <a:endParaRPr lang="zh-CN" altLang="en-US" sz="1200" dirty="0">
+                <a:solidFill>
+                  <a:schemeClr val="tx2"/>
+                </a:solidFill>
+                <a:latin typeface="Minion Pro Bold Cond"/>
+                <a:cs typeface="Minion Pro Bold Cond"/>
+              </a:endParaRPr>
+            </a:p>
+          </p:txBody>
+        </p:sp>
+        <p:sp>
+          <p:nvSpPr>
+            <p:cNvPr id="215" name="文本框 214"/>
+            <p:cNvSpPr txBox="1"/>
+            <p:nvPr/>
+          </p:nvSpPr>
+          <p:spPr>
+            <a:xfrm>
+              <a:off x="27350221" y="11340220"/>
+              <a:ext cx="992579" cy="276999"/>
+            </a:xfrm>
+            <a:prstGeom prst="rect">
+              <a:avLst/>
+            </a:prstGeom>
+            <a:noFill/>
+          </p:spPr>
+          <p:txBody>
+            <a:bodyPr wrap="none" rtlCol="0">
+              <a:spAutoFit/>
+            </a:bodyPr>
+            <a:lstStyle/>
+            <a:p>
+              <a:r>
+                <a:rPr lang="zh-CN" altLang="en-US" sz="1200" dirty="0" smtClean="0">
+                  <a:solidFill>
+                    <a:schemeClr val="tx2"/>
+                  </a:solidFill>
+                  <a:latin typeface="Minion Pro Bold Cond"/>
+                  <a:cs typeface="Minion Pro Bold Cond"/>
+                </a:rPr>
+                <a:t>挖矿</a:t>
+              </a:r>
+              <a:r>
+                <a:rPr lang="en-US" altLang="zh-CN" sz="1200" dirty="0" smtClean="0">
+                  <a:solidFill>
+                    <a:schemeClr val="tx2"/>
+                  </a:solidFill>
+                  <a:latin typeface="Minion Pro Bold Cond"/>
+                  <a:cs typeface="Minion Pro Bold Cond"/>
+                </a:rPr>
+                <a:t>running</a:t>
+              </a:r>
+              <a:endParaRPr lang="zh-CN" altLang="en-US" sz="1200" dirty="0">
+                <a:solidFill>
+                  <a:schemeClr val="tx2"/>
+                </a:solidFill>
+                <a:latin typeface="Minion Pro Bold Cond"/>
+                <a:cs typeface="Minion Pro Bold Cond"/>
+              </a:endParaRPr>
+            </a:p>
+          </p:txBody>
+        </p:sp>
+      </p:grpSp>
+      <p:cxnSp>
+        <p:nvCxnSpPr>
+          <p:cNvPr id="217" name="曲线连接符 216"/>
+          <p:cNvCxnSpPr>
+            <a:stCxn id="158" idx="1"/>
+            <a:endCxn id="159" idx="1"/>
+          </p:cNvCxnSpPr>
+          <p:nvPr/>
+        </p:nvCxnSpPr>
+        <p:spPr>
+          <a:xfrm rot="10800000" flipH="1" flipV="1">
+            <a:off x="30813162" y="13711722"/>
+            <a:ext cx="8169" cy="346613"/>
+          </a:xfrm>
+          <a:prstGeom prst="curvedConnector3">
+            <a:avLst>
+              <a:gd name="adj1" fmla="val -2798384"/>
+            </a:avLst>
+          </a:prstGeom>
+          <a:ln w="12700">
+            <a:solidFill>
+              <a:schemeClr val="bg1">
+                <a:lumMod val="50000"/>
+              </a:schemeClr>
+            </a:solidFill>
+            <a:tailEnd type="arrow"/>
+          </a:ln>
+        </p:spPr>
+        <p:style>
+          <a:lnRef idx="2">
+            <a:schemeClr val="accent1"/>
+          </a:lnRef>
+          <a:fillRef idx="0">
+            <a:schemeClr val="accent1"/>
+          </a:fillRef>
+          <a:effectRef idx="1">
+            <a:schemeClr val="accent1"/>
+          </a:effectRef>
+          <a:fontRef idx="minor">
+            <a:schemeClr val="tx1"/>
+          </a:fontRef>
+        </p:style>
+      </p:cxnSp>
+      <p:grpSp>
+        <p:nvGrpSpPr>
+          <p:cNvPr id="228" name="组 227"/>
+          <p:cNvGrpSpPr/>
+          <p:nvPr/>
+        </p:nvGrpSpPr>
+        <p:grpSpPr>
+          <a:xfrm>
+            <a:off x="13583614" y="14889197"/>
             <a:ext cx="2870960" cy="1642947"/>
             <a:chOff x="13029439" y="4656253"/>
             <a:chExt cx="7290841" cy="5573392"/>
@@ -9945,7 +11366,7 @@
         </p:grpSpPr>
         <p:sp>
           <p:nvSpPr>
-            <p:cNvPr id="149" name="矩形 148"/>
+            <p:cNvPr id="230" name="矩形 229"/>
             <p:cNvSpPr/>
             <p:nvPr/>
           </p:nvSpPr>
@@ -9983,14 +11404,299 @@
         </p:sp>
         <p:sp>
           <p:nvSpPr>
-            <p:cNvPr id="150" name="矩形 149"/>
+            <p:cNvPr id="231" name="矩形 230"/>
             <p:cNvSpPr/>
             <p:nvPr/>
           </p:nvSpPr>
           <p:spPr>
             <a:xfrm>
               <a:off x="13029439" y="4656253"/>
+              <a:ext cx="7290841" cy="1175821"/>
+            </a:xfrm>
+            <a:prstGeom prst="rect">
+              <a:avLst/>
+            </a:prstGeom>
+          </p:spPr>
+          <p:style>
+            <a:lnRef idx="1">
+              <a:schemeClr val="accent4"/>
+            </a:lnRef>
+            <a:fillRef idx="2">
+              <a:schemeClr val="accent4"/>
+            </a:fillRef>
+            <a:effectRef idx="1">
+              <a:schemeClr val="accent4"/>
+            </a:effectRef>
+            <a:fontRef idx="minor">
+              <a:schemeClr val="dk1"/>
+            </a:fontRef>
+          </p:style>
+          <p:txBody>
+            <a:bodyPr rtlCol="0" anchor="ctr"/>
+            <a:lstStyle/>
+            <a:p>
+              <a:pPr algn="ctr"/>
+              <a:r>
+                <a:rPr lang="en-US" altLang="zh-CN" sz="1200" dirty="0" smtClean="0">
+                  <a:solidFill>
+                    <a:schemeClr val="tx2"/>
+                  </a:solidFill>
+                  <a:latin typeface="Minion Pro Bold Cond"/>
+                  <a:cs typeface="Minion Pro Bold Cond"/>
+                </a:rPr>
+                <a:t>Core</a:t>
+              </a:r>
+              <a:endParaRPr lang="zh-CN" altLang="en-US" sz="1200" dirty="0">
+                <a:solidFill>
+                  <a:schemeClr val="tx2"/>
+                </a:solidFill>
+                <a:latin typeface="Minion Pro Bold Cond"/>
+                <a:cs typeface="Minion Pro Bold Cond"/>
+              </a:endParaRPr>
+            </a:p>
+          </p:txBody>
+        </p:sp>
+        <p:sp>
+          <p:nvSpPr>
+            <p:cNvPr id="233" name="矩形 232"/>
+            <p:cNvSpPr/>
+            <p:nvPr/>
+          </p:nvSpPr>
+          <p:spPr>
+            <a:xfrm>
+              <a:off x="13029439" y="5832073"/>
               <a:ext cx="7290841" cy="1175820"/>
+            </a:xfrm>
+            <a:prstGeom prst="rect">
+              <a:avLst/>
+            </a:prstGeom>
+          </p:spPr>
+          <p:style>
+            <a:lnRef idx="1">
+              <a:schemeClr val="dk1"/>
+            </a:lnRef>
+            <a:fillRef idx="2">
+              <a:schemeClr val="dk1"/>
+            </a:fillRef>
+            <a:effectRef idx="1">
+              <a:schemeClr val="dk1"/>
+            </a:effectRef>
+            <a:fontRef idx="minor">
+              <a:schemeClr val="dk1"/>
+            </a:fontRef>
+          </p:style>
+          <p:txBody>
+            <a:bodyPr rtlCol="0" anchor="ctr"/>
+            <a:lstStyle/>
+            <a:p>
+              <a:pPr algn="ctr"/>
+              <a:r>
+                <a:rPr lang="en-US" altLang="zh-CN" sz="1200" dirty="0" err="1" smtClean="0">
+                  <a:solidFill>
+                    <a:schemeClr val="tx2"/>
+                  </a:solidFill>
+                  <a:latin typeface="Minion Pro Bold Cond"/>
+                  <a:cs typeface="Minion Pro Bold Cond"/>
+                </a:rPr>
+                <a:t>ApplyTransaction</a:t>
+              </a:r>
+              <a:r>
+                <a:rPr lang="en-US" altLang="zh-CN" sz="1200" dirty="0" smtClean="0">
+                  <a:solidFill>
+                    <a:schemeClr val="tx2"/>
+                  </a:solidFill>
+                  <a:latin typeface="Minion Pro Bold Cond"/>
+                  <a:cs typeface="Minion Pro Bold Cond"/>
+                </a:rPr>
+                <a:t>() </a:t>
+              </a:r>
+              <a:r>
+                <a:rPr lang="mr-IN" altLang="zh-CN" sz="1200" dirty="0" smtClean="0">
+                  <a:solidFill>
+                    <a:schemeClr val="tx2"/>
+                  </a:solidFill>
+                  <a:latin typeface="Minion Pro Bold Cond"/>
+                  <a:cs typeface="Minion Pro Bold Cond"/>
+                </a:rPr>
+                <a:t>–</a:t>
+              </a:r>
+              <a:r>
+                <a:rPr lang="en-US" altLang="zh-CN" sz="1200" dirty="0" smtClean="0">
+                  <a:solidFill>
+                    <a:schemeClr val="tx2"/>
+                  </a:solidFill>
+                  <a:latin typeface="Minion Pro Bold Cond"/>
+                  <a:cs typeface="Minion Pro Bold Cond"/>
+                </a:rPr>
+                <a:t> </a:t>
+              </a:r>
+              <a:r>
+                <a:rPr lang="zh-CN" altLang="en-US" sz="1200" dirty="0" smtClean="0">
+                  <a:solidFill>
+                    <a:schemeClr val="tx2"/>
+                  </a:solidFill>
+                  <a:latin typeface="Minion Pro Bold Cond"/>
+                  <a:cs typeface="Minion Pro Bold Cond"/>
+                </a:rPr>
+                <a:t>应用</a:t>
+              </a:r>
+              <a:r>
+                <a:rPr lang="en-US" altLang="zh-CN" sz="1200" dirty="0" err="1" smtClean="0">
+                  <a:solidFill>
+                    <a:schemeClr val="tx2"/>
+                  </a:solidFill>
+                  <a:latin typeface="Minion Pro Bold Cond"/>
+                  <a:cs typeface="Minion Pro Bold Cond"/>
+                </a:rPr>
+                <a:t>tx</a:t>
+              </a:r>
+              <a:r>
+                <a:rPr lang="zh-CN" altLang="en-US" sz="1200" dirty="0" smtClean="0">
+                  <a:solidFill>
+                    <a:schemeClr val="tx2"/>
+                  </a:solidFill>
+                  <a:latin typeface="Minion Pro Bold Cond"/>
+                  <a:cs typeface="Minion Pro Bold Cond"/>
+                </a:rPr>
+                <a:t>改变世界状态</a:t>
+              </a:r>
+              <a:endParaRPr lang="zh-CN" altLang="en-US" sz="1200" dirty="0">
+                <a:solidFill>
+                  <a:schemeClr val="tx2"/>
+                </a:solidFill>
+                <a:latin typeface="Minion Pro Bold Cond"/>
+                <a:cs typeface="Minion Pro Bold Cond"/>
+              </a:endParaRPr>
+            </a:p>
+          </p:txBody>
+        </p:sp>
+        <p:sp>
+          <p:nvSpPr>
+            <p:cNvPr id="258" name="矩形 257"/>
+            <p:cNvSpPr/>
+            <p:nvPr/>
+          </p:nvSpPr>
+          <p:spPr>
+            <a:xfrm>
+              <a:off x="13029439" y="6985185"/>
+              <a:ext cx="7290841" cy="1175820"/>
+            </a:xfrm>
+            <a:prstGeom prst="rect">
+              <a:avLst/>
+            </a:prstGeom>
+          </p:spPr>
+          <p:style>
+            <a:lnRef idx="1">
+              <a:schemeClr val="dk1"/>
+            </a:lnRef>
+            <a:fillRef idx="2">
+              <a:schemeClr val="dk1"/>
+            </a:fillRef>
+            <a:effectRef idx="1">
+              <a:schemeClr val="dk1"/>
+            </a:effectRef>
+            <a:fontRef idx="minor">
+              <a:schemeClr val="dk1"/>
+            </a:fontRef>
+          </p:style>
+          <p:txBody>
+            <a:bodyPr rtlCol="0" anchor="ctr"/>
+            <a:lstStyle/>
+            <a:p>
+              <a:pPr algn="ctr"/>
+              <a:r>
+                <a:rPr lang="en-US" altLang="zh-CN" sz="1200" dirty="0" err="1" smtClean="0">
+                  <a:solidFill>
+                    <a:schemeClr val="tx2"/>
+                  </a:solidFill>
+                  <a:latin typeface="Minion Pro Bold Cond"/>
+                  <a:cs typeface="Minion Pro Bold Cond"/>
+                </a:rPr>
+                <a:t>ApplyMessage</a:t>
+              </a:r>
+              <a:r>
+                <a:rPr lang="en-US" altLang="zh-CN" sz="1200" dirty="0" smtClean="0">
+                  <a:solidFill>
+                    <a:schemeClr val="tx2"/>
+                  </a:solidFill>
+                  <a:latin typeface="Minion Pro Bold Cond"/>
+                  <a:cs typeface="Minion Pro Bold Cond"/>
+                </a:rPr>
+                <a:t>()</a:t>
+              </a:r>
+              <a:endParaRPr lang="zh-CN" altLang="en-US" sz="1200" dirty="0">
+                <a:solidFill>
+                  <a:schemeClr val="tx2"/>
+                </a:solidFill>
+                <a:latin typeface="Minion Pro Bold Cond"/>
+                <a:cs typeface="Minion Pro Bold Cond"/>
+              </a:endParaRPr>
+            </a:p>
+          </p:txBody>
+        </p:sp>
+      </p:grpSp>
+      <p:grpSp>
+        <p:nvGrpSpPr>
+          <p:cNvPr id="234" name="组 233"/>
+          <p:cNvGrpSpPr/>
+          <p:nvPr/>
+        </p:nvGrpSpPr>
+        <p:grpSpPr>
+          <a:xfrm>
+            <a:off x="20554963" y="18785441"/>
+            <a:ext cx="2870960" cy="1642947"/>
+            <a:chOff x="13029439" y="4656253"/>
+            <a:chExt cx="7290841" cy="5573392"/>
+          </a:xfrm>
+        </p:grpSpPr>
+        <p:sp>
+          <p:nvSpPr>
+            <p:cNvPr id="235" name="矩形 234"/>
+            <p:cNvSpPr/>
+            <p:nvPr/>
+          </p:nvSpPr>
+          <p:spPr>
+            <a:xfrm>
+              <a:off x="13029439" y="4656253"/>
+              <a:ext cx="7290841" cy="5573392"/>
+            </a:xfrm>
+            <a:prstGeom prst="rect">
+              <a:avLst/>
+            </a:prstGeom>
+          </p:spPr>
+          <p:style>
+            <a:lnRef idx="1">
+              <a:schemeClr val="accent1"/>
+            </a:lnRef>
+            <a:fillRef idx="2">
+              <a:schemeClr val="accent1"/>
+            </a:fillRef>
+            <a:effectRef idx="1">
+              <a:schemeClr val="accent1"/>
+            </a:effectRef>
+            <a:fontRef idx="minor">
+              <a:schemeClr val="dk1"/>
+            </a:fontRef>
+          </p:style>
+          <p:txBody>
+            <a:bodyPr rtlCol="0" anchor="ctr"/>
+            <a:lstStyle/>
+            <a:p>
+              <a:pPr algn="ctr"/>
+              <a:endParaRPr kumimoji="1" lang="zh-CN" altLang="en-US"/>
+            </a:p>
+          </p:txBody>
+        </p:sp>
+        <p:sp>
+          <p:nvSpPr>
+            <p:cNvPr id="236" name="矩形 235"/>
+            <p:cNvSpPr/>
+            <p:nvPr/>
+          </p:nvSpPr>
+          <p:spPr>
+            <a:xfrm>
+              <a:off x="13029439" y="4656253"/>
+              <a:ext cx="7290841" cy="1175821"/>
             </a:xfrm>
             <a:prstGeom prst="rect">
               <a:avLst/>
@@ -10016,34 +11722,14 @@
             <a:p>
               <a:pPr algn="ctr"/>
               <a:r>
-                <a:rPr lang="en-US" altLang="zh-CN" sz="1200" dirty="0">
-                  <a:solidFill>
-                    <a:schemeClr val="tx2"/>
-                  </a:solidFill>
-                  <a:latin typeface="Minion Pro Bold Cond"/>
-                  <a:cs typeface="Minion Pro Bold Cond"/>
-                </a:rPr>
-                <a:t>Unconfirmed</a:t>
-              </a:r>
-              <a:r>
-                <a:rPr lang="en-US" altLang="zh-CN" sz="1000" dirty="0" smtClean="0">
-                  <a:solidFill>
-                    <a:schemeClr val="tx2"/>
-                  </a:solidFill>
-                  <a:latin typeface="Minion Pro Bold Cond"/>
-                  <a:cs typeface="Minion Pro Bold Cond"/>
-                </a:rPr>
-                <a:t> - </a:t>
-              </a:r>
-              <a:r>
-                <a:rPr lang="en-US" altLang="zh-CN" sz="1200" dirty="0" err="1">
-                  <a:solidFill>
-                    <a:schemeClr val="tx2"/>
-                  </a:solidFill>
-                  <a:latin typeface="Minion Pro Bold Cond"/>
-                  <a:cs typeface="Minion Pro Bold Cond"/>
-                </a:rPr>
-                <a:t>unconfirmedBlocks</a:t>
+                <a:rPr lang="en-US" altLang="zh-CN" sz="1200" dirty="0" smtClean="0">
+                  <a:solidFill>
+                    <a:schemeClr val="tx2"/>
+                  </a:solidFill>
+                  <a:latin typeface="Minion Pro Bold Cond"/>
+                  <a:cs typeface="Minion Pro Bold Cond"/>
+                </a:rPr>
+                <a:t>Current</a:t>
               </a:r>
               <a:endParaRPr lang="zh-CN" altLang="en-US" sz="1200" dirty="0">
                 <a:solidFill>
@@ -10057,7 +11743,7 @@
         </p:sp>
         <p:sp>
           <p:nvSpPr>
-            <p:cNvPr id="151" name="矩形 150"/>
+            <p:cNvPr id="237" name="矩形 236"/>
             <p:cNvSpPr/>
             <p:nvPr/>
           </p:nvSpPr>
@@ -10097,19 +11783,29 @@
                   <a:latin typeface="Minion Pro Bold Cond"/>
                   <a:cs typeface="Minion Pro Bold Cond"/>
                 </a:rPr>
-                <a:t>Insert() </a:t>
-              </a:r>
-              <a:r>
-                <a:rPr lang="zh-CN" altLang="en-US" sz="1200" dirty="0" smtClean="0">
-                  <a:solidFill>
-                    <a:schemeClr val="tx2"/>
-                  </a:solidFill>
-                  <a:latin typeface="Minion Pro Bold Cond"/>
-                  <a:cs typeface="Minion Pro Bold Cond"/>
-                </a:rPr>
-                <a:t>插入未确认区块</a:t>
-              </a:r>
-              <a:endParaRPr lang="zh-CN" altLang="en-US" sz="1000" dirty="0">
+                <a:t>(</a:t>
+              </a:r>
+              <a:r>
+                <a:rPr lang="mr-IN" altLang="zh-CN" sz="1200" dirty="0" smtClean="0">
+                  <a:solidFill>
+                    <a:schemeClr val="tx2"/>
+                  </a:solidFill>
+                  <a:latin typeface="Minion Pro Bold Cond"/>
+                  <a:cs typeface="Minion Pro Bold Cond"/>
+                </a:rPr>
+                <a:t>…</a:t>
+              </a:r>
+              <a:r>
+                <a:rPr lang="en-US" altLang="zh-CN" sz="1200" dirty="0" smtClean="0">
+                  <a:solidFill>
+                    <a:schemeClr val="tx2"/>
+                  </a:solidFill>
+                  <a:latin typeface="Minion Pro Bold Cond"/>
+                  <a:cs typeface="Minion Pro Bold Cond"/>
+                </a:rPr>
+                <a:t>)</a:t>
+              </a:r>
+              <a:endParaRPr lang="zh-CN" altLang="en-US" sz="1200" dirty="0">
                 <a:solidFill>
                   <a:schemeClr val="tx2"/>
                 </a:solidFill>
@@ -10120,6 +11816,1084 @@
           </p:txBody>
         </p:sp>
       </p:grpSp>
+      <p:grpSp>
+        <p:nvGrpSpPr>
+          <p:cNvPr id="238" name="组 237"/>
+          <p:cNvGrpSpPr/>
+          <p:nvPr/>
+        </p:nvGrpSpPr>
+        <p:grpSpPr>
+          <a:xfrm>
+            <a:off x="16935908" y="19541830"/>
+            <a:ext cx="2870960" cy="1642947"/>
+            <a:chOff x="13029439" y="4656253"/>
+            <a:chExt cx="7290841" cy="5573392"/>
+          </a:xfrm>
+        </p:grpSpPr>
+        <p:sp>
+          <p:nvSpPr>
+            <p:cNvPr id="239" name="矩形 238"/>
+            <p:cNvSpPr/>
+            <p:nvPr/>
+          </p:nvSpPr>
+          <p:spPr>
+            <a:xfrm>
+              <a:off x="13029439" y="4656253"/>
+              <a:ext cx="7290841" cy="5573392"/>
+            </a:xfrm>
+            <a:prstGeom prst="rect">
+              <a:avLst/>
+            </a:prstGeom>
+          </p:spPr>
+          <p:style>
+            <a:lnRef idx="1">
+              <a:schemeClr val="accent1"/>
+            </a:lnRef>
+            <a:fillRef idx="2">
+              <a:schemeClr val="accent1"/>
+            </a:fillRef>
+            <a:effectRef idx="1">
+              <a:schemeClr val="accent1"/>
+            </a:effectRef>
+            <a:fontRef idx="minor">
+              <a:schemeClr val="dk1"/>
+            </a:fontRef>
+          </p:style>
+          <p:txBody>
+            <a:bodyPr rtlCol="0" anchor="ctr"/>
+            <a:lstStyle/>
+            <a:p>
+              <a:pPr algn="ctr"/>
+              <a:endParaRPr kumimoji="1" lang="zh-CN" altLang="en-US"/>
+            </a:p>
+          </p:txBody>
+        </p:sp>
+        <p:sp>
+          <p:nvSpPr>
+            <p:cNvPr id="240" name="矩形 239"/>
+            <p:cNvSpPr/>
+            <p:nvPr/>
+          </p:nvSpPr>
+          <p:spPr>
+            <a:xfrm>
+              <a:off x="13029439" y="4656253"/>
+              <a:ext cx="7290841" cy="1175821"/>
+            </a:xfrm>
+            <a:prstGeom prst="rect">
+              <a:avLst/>
+            </a:prstGeom>
+          </p:spPr>
+          <p:style>
+            <a:lnRef idx="1">
+              <a:schemeClr val="accent6"/>
+            </a:lnRef>
+            <a:fillRef idx="2">
+              <a:schemeClr val="accent6"/>
+            </a:fillRef>
+            <a:effectRef idx="1">
+              <a:schemeClr val="accent6"/>
+            </a:effectRef>
+            <a:fontRef idx="minor">
+              <a:schemeClr val="dk1"/>
+            </a:fontRef>
+          </p:style>
+          <p:txBody>
+            <a:bodyPr rtlCol="0" anchor="ctr"/>
+            <a:lstStyle/>
+            <a:p>
+              <a:pPr algn="ctr"/>
+              <a:r>
+                <a:rPr lang="en-US" altLang="zh-CN" sz="1200" dirty="0" smtClean="0">
+                  <a:solidFill>
+                    <a:schemeClr val="tx2"/>
+                  </a:solidFill>
+                  <a:latin typeface="Minion Pro Bold Cond"/>
+                  <a:cs typeface="Minion Pro Bold Cond"/>
+                </a:rPr>
+                <a:t>state</a:t>
+              </a:r>
+              <a:endParaRPr lang="zh-CN" altLang="en-US" sz="1200" dirty="0">
+                <a:solidFill>
+                  <a:schemeClr val="tx2"/>
+                </a:solidFill>
+                <a:latin typeface="Minion Pro Bold Cond"/>
+                <a:cs typeface="Minion Pro Bold Cond"/>
+              </a:endParaRPr>
+            </a:p>
+          </p:txBody>
+        </p:sp>
+        <p:sp>
+          <p:nvSpPr>
+            <p:cNvPr id="241" name="矩形 240"/>
+            <p:cNvSpPr/>
+            <p:nvPr/>
+          </p:nvSpPr>
+          <p:spPr>
+            <a:xfrm>
+              <a:off x="13029439" y="5832073"/>
+              <a:ext cx="7290841" cy="1175820"/>
+            </a:xfrm>
+            <a:prstGeom prst="rect">
+              <a:avLst/>
+            </a:prstGeom>
+          </p:spPr>
+          <p:style>
+            <a:lnRef idx="1">
+              <a:schemeClr val="dk1"/>
+            </a:lnRef>
+            <a:fillRef idx="2">
+              <a:schemeClr val="dk1"/>
+            </a:fillRef>
+            <a:effectRef idx="1">
+              <a:schemeClr val="dk1"/>
+            </a:effectRef>
+            <a:fontRef idx="minor">
+              <a:schemeClr val="dk1"/>
+            </a:fontRef>
+          </p:style>
+          <p:txBody>
+            <a:bodyPr rtlCol="0" anchor="ctr"/>
+            <a:lstStyle/>
+            <a:p>
+              <a:pPr algn="ctr"/>
+              <a:r>
+                <a:rPr lang="en-US" altLang="zh-CN" sz="1200" dirty="0" smtClean="0">
+                  <a:solidFill>
+                    <a:schemeClr val="tx2"/>
+                  </a:solidFill>
+                  <a:latin typeface="Minion Pro Bold Cond"/>
+                  <a:cs typeface="Minion Pro Bold Cond"/>
+                </a:rPr>
+                <a:t>(</a:t>
+              </a:r>
+              <a:r>
+                <a:rPr lang="mr-IN" altLang="zh-CN" sz="1200" dirty="0" smtClean="0">
+                  <a:solidFill>
+                    <a:schemeClr val="tx2"/>
+                  </a:solidFill>
+                  <a:latin typeface="Minion Pro Bold Cond"/>
+                  <a:cs typeface="Minion Pro Bold Cond"/>
+                </a:rPr>
+                <a:t>…</a:t>
+              </a:r>
+              <a:r>
+                <a:rPr lang="en-US" altLang="zh-CN" sz="1200" dirty="0" smtClean="0">
+                  <a:solidFill>
+                    <a:schemeClr val="tx2"/>
+                  </a:solidFill>
+                  <a:latin typeface="Minion Pro Bold Cond"/>
+                  <a:cs typeface="Minion Pro Bold Cond"/>
+                </a:rPr>
+                <a:t>)</a:t>
+              </a:r>
+              <a:endParaRPr lang="zh-CN" altLang="en-US" sz="1200" dirty="0">
+                <a:solidFill>
+                  <a:schemeClr val="tx2"/>
+                </a:solidFill>
+                <a:latin typeface="Minion Pro Bold Cond"/>
+                <a:cs typeface="Minion Pro Bold Cond"/>
+              </a:endParaRPr>
+            </a:p>
+          </p:txBody>
+        </p:sp>
+      </p:grpSp>
+      <p:cxnSp>
+        <p:nvCxnSpPr>
+          <p:cNvPr id="244" name="直线箭头连接符 243"/>
+          <p:cNvCxnSpPr>
+            <a:stCxn id="8" idx="2"/>
+            <a:endCxn id="236" idx="3"/>
+          </p:cNvCxnSpPr>
+          <p:nvPr/>
+        </p:nvCxnSpPr>
+        <p:spPr>
+          <a:xfrm flipH="1">
+            <a:off x="23425923" y="15883460"/>
+            <a:ext cx="8832581" cy="3075288"/>
+          </a:xfrm>
+          <a:prstGeom prst="straightConnector1">
+            <a:avLst/>
+          </a:prstGeom>
+          <a:ln w="12700">
+            <a:solidFill>
+              <a:schemeClr val="tx1"/>
+            </a:solidFill>
+            <a:headEnd type="diamond" w="lg" len="lg"/>
+            <a:tailEnd type="triangle" w="lg" len="lg"/>
+          </a:ln>
+        </p:spPr>
+        <p:style>
+          <a:lnRef idx="2">
+            <a:schemeClr val="accent1"/>
+          </a:lnRef>
+          <a:fillRef idx="0">
+            <a:schemeClr val="accent1"/>
+          </a:fillRef>
+          <a:effectRef idx="1">
+            <a:schemeClr val="accent1"/>
+          </a:effectRef>
+          <a:fontRef idx="minor">
+            <a:schemeClr val="tx1"/>
+          </a:fontRef>
+        </p:style>
+      </p:cxnSp>
+      <p:cxnSp>
+        <p:nvCxnSpPr>
+          <p:cNvPr id="245" name="直线箭头连接符 244"/>
+          <p:cNvCxnSpPr>
+            <a:stCxn id="236" idx="1"/>
+            <a:endCxn id="240" idx="3"/>
+          </p:cNvCxnSpPr>
+          <p:nvPr/>
+        </p:nvCxnSpPr>
+        <p:spPr>
+          <a:xfrm flipH="1">
+            <a:off x="19806868" y="18958748"/>
+            <a:ext cx="748095" cy="756389"/>
+          </a:xfrm>
+          <a:prstGeom prst="straightConnector1">
+            <a:avLst/>
+          </a:prstGeom>
+          <a:ln w="12700">
+            <a:solidFill>
+              <a:schemeClr val="tx1"/>
+            </a:solidFill>
+            <a:headEnd type="diamond" w="lg" len="lg"/>
+            <a:tailEnd type="triangle" w="lg" len="lg"/>
+          </a:ln>
+        </p:spPr>
+        <p:style>
+          <a:lnRef idx="2">
+            <a:schemeClr val="accent1"/>
+          </a:lnRef>
+          <a:fillRef idx="0">
+            <a:schemeClr val="accent1"/>
+          </a:fillRef>
+          <a:effectRef idx="1">
+            <a:schemeClr val="accent1"/>
+          </a:effectRef>
+          <a:fontRef idx="minor">
+            <a:schemeClr val="tx1"/>
+          </a:fontRef>
+        </p:style>
+      </p:cxnSp>
+      <p:grpSp>
+        <p:nvGrpSpPr>
+          <p:cNvPr id="246" name="组 245"/>
+          <p:cNvGrpSpPr/>
+          <p:nvPr/>
+        </p:nvGrpSpPr>
+        <p:grpSpPr>
+          <a:xfrm>
+            <a:off x="17742987" y="17491059"/>
+            <a:ext cx="1563620" cy="1057033"/>
+            <a:chOff x="13029439" y="4656253"/>
+            <a:chExt cx="7290841" cy="3585787"/>
+          </a:xfrm>
+        </p:grpSpPr>
+        <p:sp>
+          <p:nvSpPr>
+            <p:cNvPr id="247" name="矩形 246"/>
+            <p:cNvSpPr/>
+            <p:nvPr/>
+          </p:nvSpPr>
+          <p:spPr>
+            <a:xfrm>
+              <a:off x="13029439" y="4656256"/>
+              <a:ext cx="7290841" cy="3585784"/>
+            </a:xfrm>
+            <a:prstGeom prst="rect">
+              <a:avLst/>
+            </a:prstGeom>
+          </p:spPr>
+          <p:style>
+            <a:lnRef idx="1">
+              <a:schemeClr val="accent3"/>
+            </a:lnRef>
+            <a:fillRef idx="2">
+              <a:schemeClr val="accent3"/>
+            </a:fillRef>
+            <a:effectRef idx="1">
+              <a:schemeClr val="accent3"/>
+            </a:effectRef>
+            <a:fontRef idx="minor">
+              <a:schemeClr val="dk1"/>
+            </a:fontRef>
+          </p:style>
+          <p:txBody>
+            <a:bodyPr rtlCol="0" anchor="ctr"/>
+            <a:lstStyle/>
+            <a:p>
+              <a:pPr algn="ctr"/>
+              <a:endParaRPr kumimoji="1" lang="zh-CN" altLang="en-US"/>
+            </a:p>
+          </p:txBody>
+        </p:sp>
+        <p:sp>
+          <p:nvSpPr>
+            <p:cNvPr id="248" name="矩形 247"/>
+            <p:cNvSpPr/>
+            <p:nvPr/>
+          </p:nvSpPr>
+          <p:spPr>
+            <a:xfrm>
+              <a:off x="13029439" y="4656253"/>
+              <a:ext cx="7290841" cy="1175820"/>
+            </a:xfrm>
+            <a:prstGeom prst="rect">
+              <a:avLst/>
+            </a:prstGeom>
+          </p:spPr>
+          <p:style>
+            <a:lnRef idx="1">
+              <a:schemeClr val="accent2"/>
+            </a:lnRef>
+            <a:fillRef idx="2">
+              <a:schemeClr val="accent2"/>
+            </a:fillRef>
+            <a:effectRef idx="1">
+              <a:schemeClr val="accent2"/>
+            </a:effectRef>
+            <a:fontRef idx="minor">
+              <a:schemeClr val="dk1"/>
+            </a:fontRef>
+          </p:style>
+          <p:txBody>
+            <a:bodyPr rtlCol="0" anchor="ctr"/>
+            <a:lstStyle/>
+            <a:p>
+              <a:pPr algn="ctr"/>
+              <a:r>
+                <a:rPr lang="en-US" altLang="zh-CN" sz="1200" dirty="0" err="1" smtClean="0">
+                  <a:solidFill>
+                    <a:schemeClr val="tx2"/>
+                  </a:solidFill>
+                  <a:latin typeface="Minion Pro Bold Cond"/>
+                  <a:cs typeface="Minion Pro Bold Cond"/>
+                </a:rPr>
+                <a:t>txs</a:t>
+              </a:r>
+              <a:endParaRPr lang="zh-CN" altLang="en-US" sz="1200" dirty="0">
+                <a:solidFill>
+                  <a:schemeClr val="tx2"/>
+                </a:solidFill>
+                <a:latin typeface="Minion Pro Bold Cond"/>
+                <a:cs typeface="Minion Pro Bold Cond"/>
+              </a:endParaRPr>
+            </a:p>
+          </p:txBody>
+        </p:sp>
+        <p:sp>
+          <p:nvSpPr>
+            <p:cNvPr id="249" name="矩形 248"/>
+            <p:cNvSpPr/>
+            <p:nvPr/>
+          </p:nvSpPr>
+          <p:spPr>
+            <a:xfrm>
+              <a:off x="13029439" y="5832073"/>
+              <a:ext cx="7290841" cy="1175820"/>
+            </a:xfrm>
+            <a:prstGeom prst="rect">
+              <a:avLst/>
+            </a:prstGeom>
+          </p:spPr>
+          <p:style>
+            <a:lnRef idx="1">
+              <a:schemeClr val="accent3"/>
+            </a:lnRef>
+            <a:fillRef idx="2">
+              <a:schemeClr val="accent3"/>
+            </a:fillRef>
+            <a:effectRef idx="1">
+              <a:schemeClr val="accent3"/>
+            </a:effectRef>
+            <a:fontRef idx="minor">
+              <a:schemeClr val="dk1"/>
+            </a:fontRef>
+          </p:style>
+          <p:txBody>
+            <a:bodyPr rtlCol="0" anchor="ctr"/>
+            <a:lstStyle/>
+            <a:p>
+              <a:pPr algn="ctr"/>
+              <a:endParaRPr lang="zh-CN" altLang="en-US" sz="1200" dirty="0">
+                <a:solidFill>
+                  <a:schemeClr val="tx2"/>
+                </a:solidFill>
+                <a:latin typeface="Minion Pro Bold Cond"/>
+                <a:cs typeface="Minion Pro Bold Cond"/>
+              </a:endParaRPr>
+            </a:p>
+          </p:txBody>
+        </p:sp>
+      </p:grpSp>
+      <p:cxnSp>
+        <p:nvCxnSpPr>
+          <p:cNvPr id="250" name="直线箭头连接符 249"/>
+          <p:cNvCxnSpPr>
+            <a:stCxn id="236" idx="1"/>
+            <a:endCxn id="248" idx="3"/>
+          </p:cNvCxnSpPr>
+          <p:nvPr/>
+        </p:nvCxnSpPr>
+        <p:spPr>
+          <a:xfrm flipH="1" flipV="1">
+            <a:off x="19306607" y="17664366"/>
+            <a:ext cx="1248356" cy="1294382"/>
+          </a:xfrm>
+          <a:prstGeom prst="straightConnector1">
+            <a:avLst/>
+          </a:prstGeom>
+          <a:ln w="12700">
+            <a:solidFill>
+              <a:schemeClr val="tx1"/>
+            </a:solidFill>
+            <a:headEnd type="diamond" w="lg" len="lg"/>
+            <a:tailEnd type="triangle" w="lg" len="lg"/>
+          </a:ln>
+        </p:spPr>
+        <p:style>
+          <a:lnRef idx="2">
+            <a:schemeClr val="accent1"/>
+          </a:lnRef>
+          <a:fillRef idx="0">
+            <a:schemeClr val="accent1"/>
+          </a:fillRef>
+          <a:effectRef idx="1">
+            <a:schemeClr val="accent1"/>
+          </a:effectRef>
+          <a:fontRef idx="minor">
+            <a:schemeClr val="tx1"/>
+          </a:fontRef>
+        </p:style>
+      </p:cxnSp>
+      <p:cxnSp>
+        <p:nvCxnSpPr>
+          <p:cNvPr id="253" name="曲线连接符 252"/>
+          <p:cNvCxnSpPr>
+            <a:stCxn id="159" idx="3"/>
+            <a:endCxn id="233" idx="3"/>
+          </p:cNvCxnSpPr>
+          <p:nvPr/>
+        </p:nvCxnSpPr>
+        <p:spPr>
+          <a:xfrm flipH="1">
+            <a:off x="16454574" y="14058336"/>
+            <a:ext cx="17237718" cy="1350781"/>
+          </a:xfrm>
+          <a:prstGeom prst="curvedConnector3">
+            <a:avLst>
+              <a:gd name="adj1" fmla="val -1326"/>
+            </a:avLst>
+          </a:prstGeom>
+          <a:ln w="12700">
+            <a:solidFill>
+              <a:schemeClr val="bg1">
+                <a:lumMod val="50000"/>
+              </a:schemeClr>
+            </a:solidFill>
+            <a:tailEnd type="arrow"/>
+          </a:ln>
+        </p:spPr>
+        <p:style>
+          <a:lnRef idx="2">
+            <a:schemeClr val="accent1"/>
+          </a:lnRef>
+          <a:fillRef idx="0">
+            <a:schemeClr val="accent1"/>
+          </a:fillRef>
+          <a:effectRef idx="1">
+            <a:schemeClr val="accent1"/>
+          </a:effectRef>
+          <a:fontRef idx="minor">
+            <a:schemeClr val="tx1"/>
+          </a:fontRef>
+        </p:style>
+      </p:cxnSp>
+      <p:cxnSp>
+        <p:nvCxnSpPr>
+          <p:cNvPr id="259" name="曲线连接符 258"/>
+          <p:cNvCxnSpPr>
+            <a:stCxn id="233" idx="1"/>
+            <a:endCxn id="230" idx="1"/>
+          </p:cNvCxnSpPr>
+          <p:nvPr/>
+        </p:nvCxnSpPr>
+        <p:spPr>
+          <a:xfrm rot="10800000" flipV="1">
+            <a:off x="13583614" y="15409117"/>
+            <a:ext cx="12700" cy="301554"/>
+          </a:xfrm>
+          <a:prstGeom prst="curvedConnector3">
+            <a:avLst>
+              <a:gd name="adj1" fmla="val 1800000"/>
+            </a:avLst>
+          </a:prstGeom>
+          <a:ln w="12700">
+            <a:solidFill>
+              <a:schemeClr val="bg1">
+                <a:lumMod val="50000"/>
+              </a:schemeClr>
+            </a:solidFill>
+            <a:tailEnd type="arrow"/>
+          </a:ln>
+        </p:spPr>
+        <p:style>
+          <a:lnRef idx="2">
+            <a:schemeClr val="accent1"/>
+          </a:lnRef>
+          <a:fillRef idx="0">
+            <a:schemeClr val="accent1"/>
+          </a:fillRef>
+          <a:effectRef idx="1">
+            <a:schemeClr val="accent1"/>
+          </a:effectRef>
+          <a:fontRef idx="minor">
+            <a:schemeClr val="tx1"/>
+          </a:fontRef>
+        </p:style>
+      </p:cxnSp>
+      <p:grpSp>
+        <p:nvGrpSpPr>
+          <p:cNvPr id="266" name="组 265"/>
+          <p:cNvGrpSpPr/>
+          <p:nvPr/>
+        </p:nvGrpSpPr>
+        <p:grpSpPr>
+          <a:xfrm>
+            <a:off x="12489323" y="16964694"/>
+            <a:ext cx="2870960" cy="1642947"/>
+            <a:chOff x="13029439" y="4656253"/>
+            <a:chExt cx="7290841" cy="5573392"/>
+          </a:xfrm>
+        </p:grpSpPr>
+        <p:sp>
+          <p:nvSpPr>
+            <p:cNvPr id="267" name="矩形 266"/>
+            <p:cNvSpPr/>
+            <p:nvPr/>
+          </p:nvSpPr>
+          <p:spPr>
+            <a:xfrm>
+              <a:off x="13029439" y="4656253"/>
+              <a:ext cx="7290841" cy="5573392"/>
+            </a:xfrm>
+            <a:prstGeom prst="rect">
+              <a:avLst/>
+            </a:prstGeom>
+          </p:spPr>
+          <p:style>
+            <a:lnRef idx="1">
+              <a:schemeClr val="accent1"/>
+            </a:lnRef>
+            <a:fillRef idx="2">
+              <a:schemeClr val="accent1"/>
+            </a:fillRef>
+            <a:effectRef idx="1">
+              <a:schemeClr val="accent1"/>
+            </a:effectRef>
+            <a:fontRef idx="minor">
+              <a:schemeClr val="dk1"/>
+            </a:fontRef>
+          </p:style>
+          <p:txBody>
+            <a:bodyPr rtlCol="0" anchor="ctr"/>
+            <a:lstStyle/>
+            <a:p>
+              <a:pPr algn="ctr"/>
+              <a:endParaRPr kumimoji="1" lang="zh-CN" altLang="en-US"/>
+            </a:p>
+          </p:txBody>
+        </p:sp>
+        <p:sp>
+          <p:nvSpPr>
+            <p:cNvPr id="268" name="矩形 267"/>
+            <p:cNvSpPr/>
+            <p:nvPr/>
+          </p:nvSpPr>
+          <p:spPr>
+            <a:xfrm>
+              <a:off x="13029439" y="4656253"/>
+              <a:ext cx="7290841" cy="1175821"/>
+            </a:xfrm>
+            <a:prstGeom prst="rect">
+              <a:avLst/>
+            </a:prstGeom>
+          </p:spPr>
+          <p:style>
+            <a:lnRef idx="1">
+              <a:schemeClr val="accent6"/>
+            </a:lnRef>
+            <a:fillRef idx="2">
+              <a:schemeClr val="accent6"/>
+            </a:fillRef>
+            <a:effectRef idx="1">
+              <a:schemeClr val="accent6"/>
+            </a:effectRef>
+            <a:fontRef idx="minor">
+              <a:schemeClr val="dk1"/>
+            </a:fontRef>
+          </p:style>
+          <p:txBody>
+            <a:bodyPr rtlCol="0" anchor="ctr"/>
+            <a:lstStyle/>
+            <a:p>
+              <a:pPr algn="ctr"/>
+              <a:r>
+                <a:rPr lang="en-US" altLang="zh-CN" sz="1200" dirty="0" err="1">
+                  <a:solidFill>
+                    <a:schemeClr val="tx2"/>
+                  </a:solidFill>
+                  <a:latin typeface="Minion Pro Bold Cond"/>
+                  <a:cs typeface="Minion Pro Bold Cond"/>
+                </a:rPr>
+                <a:t>S</a:t>
+              </a:r>
+              <a:r>
+                <a:rPr lang="en-US" altLang="zh-CN" sz="1200" dirty="0" err="1" smtClean="0">
+                  <a:solidFill>
+                    <a:schemeClr val="tx2"/>
+                  </a:solidFill>
+                  <a:latin typeface="Minion Pro Bold Cond"/>
+                  <a:cs typeface="Minion Pro Bold Cond"/>
+                </a:rPr>
+                <a:t>tateTransition</a:t>
+              </a:r>
+              <a:endParaRPr lang="zh-CN" altLang="en-US" sz="1200" dirty="0">
+                <a:solidFill>
+                  <a:schemeClr val="tx2"/>
+                </a:solidFill>
+                <a:latin typeface="Minion Pro Bold Cond"/>
+                <a:cs typeface="Minion Pro Bold Cond"/>
+              </a:endParaRPr>
+            </a:p>
+          </p:txBody>
+        </p:sp>
+        <p:sp>
+          <p:nvSpPr>
+            <p:cNvPr id="269" name="矩形 268"/>
+            <p:cNvSpPr/>
+            <p:nvPr/>
+          </p:nvSpPr>
+          <p:spPr>
+            <a:xfrm>
+              <a:off x="13029439" y="5832073"/>
+              <a:ext cx="7290841" cy="1175820"/>
+            </a:xfrm>
+            <a:prstGeom prst="rect">
+              <a:avLst/>
+            </a:prstGeom>
+          </p:spPr>
+          <p:style>
+            <a:lnRef idx="1">
+              <a:schemeClr val="dk1"/>
+            </a:lnRef>
+            <a:fillRef idx="2">
+              <a:schemeClr val="dk1"/>
+            </a:fillRef>
+            <a:effectRef idx="1">
+              <a:schemeClr val="dk1"/>
+            </a:effectRef>
+            <a:fontRef idx="minor">
+              <a:schemeClr val="dk1"/>
+            </a:fontRef>
+          </p:style>
+          <p:txBody>
+            <a:bodyPr rtlCol="0" anchor="ctr"/>
+            <a:lstStyle/>
+            <a:p>
+              <a:pPr algn="ctr"/>
+              <a:r>
+                <a:rPr lang="en-US" altLang="zh-CN" sz="1200" dirty="0" err="1" smtClean="0">
+                  <a:solidFill>
+                    <a:schemeClr val="tx2"/>
+                  </a:solidFill>
+                  <a:latin typeface="Minion Pro Bold Cond"/>
+                  <a:cs typeface="Minion Pro Bold Cond"/>
+                </a:rPr>
+                <a:t>TransitionDb</a:t>
+              </a:r>
+              <a:r>
+                <a:rPr lang="en-US" altLang="zh-CN" sz="1200" dirty="0" smtClean="0">
+                  <a:solidFill>
+                    <a:schemeClr val="tx2"/>
+                  </a:solidFill>
+                  <a:latin typeface="Minion Pro Bold Cond"/>
+                  <a:cs typeface="Minion Pro Bold Cond"/>
+                </a:rPr>
+                <a:t>()</a:t>
+              </a:r>
+              <a:endParaRPr lang="zh-CN" altLang="en-US" sz="1200" dirty="0">
+                <a:solidFill>
+                  <a:schemeClr val="tx2"/>
+                </a:solidFill>
+                <a:latin typeface="Minion Pro Bold Cond"/>
+                <a:cs typeface="Minion Pro Bold Cond"/>
+              </a:endParaRPr>
+            </a:p>
+          </p:txBody>
+        </p:sp>
+      </p:grpSp>
+      <p:cxnSp>
+        <p:nvCxnSpPr>
+          <p:cNvPr id="270" name="曲线连接符 269"/>
+          <p:cNvCxnSpPr>
+            <a:stCxn id="258" idx="3"/>
+            <a:endCxn id="269" idx="1"/>
+          </p:cNvCxnSpPr>
+          <p:nvPr/>
+        </p:nvCxnSpPr>
+        <p:spPr>
+          <a:xfrm flipH="1">
+            <a:off x="12489323" y="15749036"/>
+            <a:ext cx="3965251" cy="1735578"/>
+          </a:xfrm>
+          <a:prstGeom prst="curvedConnector5">
+            <a:avLst>
+              <a:gd name="adj1" fmla="val -5765"/>
+              <a:gd name="adj2" fmla="val 50000"/>
+              <a:gd name="adj3" fmla="val 105765"/>
+            </a:avLst>
+          </a:prstGeom>
+          <a:ln w="12700">
+            <a:solidFill>
+              <a:schemeClr val="bg1">
+                <a:lumMod val="50000"/>
+              </a:schemeClr>
+            </a:solidFill>
+            <a:tailEnd type="arrow"/>
+          </a:ln>
+        </p:spPr>
+        <p:style>
+          <a:lnRef idx="2">
+            <a:schemeClr val="accent1"/>
+          </a:lnRef>
+          <a:fillRef idx="0">
+            <a:schemeClr val="accent1"/>
+          </a:fillRef>
+          <a:effectRef idx="1">
+            <a:schemeClr val="accent1"/>
+          </a:effectRef>
+          <a:fontRef idx="minor">
+            <a:schemeClr val="tx1"/>
+          </a:fontRef>
+        </p:style>
+      </p:cxnSp>
+      <p:grpSp>
+        <p:nvGrpSpPr>
+          <p:cNvPr id="278" name="组 277"/>
+          <p:cNvGrpSpPr/>
+          <p:nvPr/>
+        </p:nvGrpSpPr>
+        <p:grpSpPr>
+          <a:xfrm>
+            <a:off x="12488191" y="19237355"/>
+            <a:ext cx="2870960" cy="1642947"/>
+            <a:chOff x="13029439" y="4656253"/>
+            <a:chExt cx="7290841" cy="5573392"/>
+          </a:xfrm>
+        </p:grpSpPr>
+        <p:sp>
+          <p:nvSpPr>
+            <p:cNvPr id="279" name="矩形 278"/>
+            <p:cNvSpPr/>
+            <p:nvPr/>
+          </p:nvSpPr>
+          <p:spPr>
+            <a:xfrm>
+              <a:off x="13029439" y="4656253"/>
+              <a:ext cx="7290841" cy="5573392"/>
+            </a:xfrm>
+            <a:prstGeom prst="rect">
+              <a:avLst/>
+            </a:prstGeom>
+          </p:spPr>
+          <p:style>
+            <a:lnRef idx="1">
+              <a:schemeClr val="accent1"/>
+            </a:lnRef>
+            <a:fillRef idx="2">
+              <a:schemeClr val="accent1"/>
+            </a:fillRef>
+            <a:effectRef idx="1">
+              <a:schemeClr val="accent1"/>
+            </a:effectRef>
+            <a:fontRef idx="minor">
+              <a:schemeClr val="dk1"/>
+            </a:fontRef>
+          </p:style>
+          <p:txBody>
+            <a:bodyPr rtlCol="0" anchor="ctr"/>
+            <a:lstStyle/>
+            <a:p>
+              <a:pPr algn="ctr"/>
+              <a:endParaRPr kumimoji="1" lang="zh-CN" altLang="en-US"/>
+            </a:p>
+          </p:txBody>
+        </p:sp>
+        <p:sp>
+          <p:nvSpPr>
+            <p:cNvPr id="281" name="矩形 280"/>
+            <p:cNvSpPr/>
+            <p:nvPr/>
+          </p:nvSpPr>
+          <p:spPr>
+            <a:xfrm>
+              <a:off x="13029439" y="4656253"/>
+              <a:ext cx="7290841" cy="1175821"/>
+            </a:xfrm>
+            <a:prstGeom prst="rect">
+              <a:avLst/>
+            </a:prstGeom>
+          </p:spPr>
+          <p:style>
+            <a:lnRef idx="1">
+              <a:schemeClr val="accent6"/>
+            </a:lnRef>
+            <a:fillRef idx="2">
+              <a:schemeClr val="accent6"/>
+            </a:fillRef>
+            <a:effectRef idx="1">
+              <a:schemeClr val="accent6"/>
+            </a:effectRef>
+            <a:fontRef idx="minor">
+              <a:schemeClr val="dk1"/>
+            </a:fontRef>
+          </p:style>
+          <p:txBody>
+            <a:bodyPr rtlCol="0" anchor="ctr"/>
+            <a:lstStyle/>
+            <a:p>
+              <a:pPr algn="ctr"/>
+              <a:r>
+                <a:rPr lang="en-US" altLang="zh-CN" sz="1200" dirty="0" err="1">
+                  <a:solidFill>
+                    <a:schemeClr val="tx2"/>
+                  </a:solidFill>
+                  <a:latin typeface="Minion Pro Bold Cond"/>
+                  <a:cs typeface="Minion Pro Bold Cond"/>
+                </a:rPr>
+                <a:t>e</a:t>
+              </a:r>
+              <a:r>
+                <a:rPr lang="en-US" altLang="zh-CN" sz="1200" dirty="0" err="1" smtClean="0">
+                  <a:solidFill>
+                    <a:schemeClr val="tx2"/>
+                  </a:solidFill>
+                  <a:latin typeface="Minion Pro Bold Cond"/>
+                  <a:cs typeface="Minion Pro Bold Cond"/>
+                </a:rPr>
+                <a:t>vm</a:t>
+              </a:r>
+              <a:r>
+                <a:rPr lang="en-US" altLang="zh-CN" sz="1200" dirty="0" smtClean="0">
+                  <a:solidFill>
+                    <a:schemeClr val="tx2"/>
+                  </a:solidFill>
+                  <a:latin typeface="Minion Pro Bold Cond"/>
+                  <a:cs typeface="Minion Pro Bold Cond"/>
+                </a:rPr>
+                <a:t> - *</a:t>
+              </a:r>
+              <a:r>
+                <a:rPr lang="en-US" altLang="zh-CN" sz="1200" dirty="0" err="1" smtClean="0">
+                  <a:solidFill>
+                    <a:schemeClr val="tx2"/>
+                  </a:solidFill>
+                  <a:latin typeface="Minion Pro Bold Cond"/>
+                  <a:cs typeface="Minion Pro Bold Cond"/>
+                </a:rPr>
+                <a:t>vm.EVM</a:t>
+              </a:r>
+              <a:endParaRPr lang="zh-CN" altLang="en-US" sz="1200" dirty="0">
+                <a:solidFill>
+                  <a:schemeClr val="tx2"/>
+                </a:solidFill>
+                <a:latin typeface="Minion Pro Bold Cond"/>
+                <a:cs typeface="Minion Pro Bold Cond"/>
+              </a:endParaRPr>
+            </a:p>
+          </p:txBody>
+        </p:sp>
+        <p:sp>
+          <p:nvSpPr>
+            <p:cNvPr id="282" name="矩形 281"/>
+            <p:cNvSpPr/>
+            <p:nvPr/>
+          </p:nvSpPr>
+          <p:spPr>
+            <a:xfrm>
+              <a:off x="13029439" y="5832073"/>
+              <a:ext cx="7290841" cy="1175820"/>
+            </a:xfrm>
+            <a:prstGeom prst="rect">
+              <a:avLst/>
+            </a:prstGeom>
+          </p:spPr>
+          <p:style>
+            <a:lnRef idx="1">
+              <a:schemeClr val="dk1"/>
+            </a:lnRef>
+            <a:fillRef idx="2">
+              <a:schemeClr val="dk1"/>
+            </a:fillRef>
+            <a:effectRef idx="1">
+              <a:schemeClr val="dk1"/>
+            </a:effectRef>
+            <a:fontRef idx="minor">
+              <a:schemeClr val="dk1"/>
+            </a:fontRef>
+          </p:style>
+          <p:txBody>
+            <a:bodyPr rtlCol="0" anchor="ctr"/>
+            <a:lstStyle/>
+            <a:p>
+              <a:pPr algn="ctr"/>
+              <a:r>
+                <a:rPr lang="en-US" altLang="zh-CN" sz="1200" dirty="0" smtClean="0">
+                  <a:solidFill>
+                    <a:schemeClr val="tx2"/>
+                  </a:solidFill>
+                  <a:latin typeface="Minion Pro Bold Cond"/>
+                  <a:cs typeface="Minion Pro Bold Cond"/>
+                </a:rPr>
+                <a:t>Call() </a:t>
+              </a:r>
+              <a:r>
+                <a:rPr lang="mr-IN" altLang="zh-CN" sz="1200" dirty="0" smtClean="0">
+                  <a:solidFill>
+                    <a:schemeClr val="tx2"/>
+                  </a:solidFill>
+                  <a:latin typeface="Minion Pro Bold Cond"/>
+                  <a:cs typeface="Minion Pro Bold Cond"/>
+                </a:rPr>
+                <a:t>–</a:t>
+              </a:r>
+              <a:r>
+                <a:rPr lang="en-US" altLang="zh-CN" sz="1200" dirty="0" smtClean="0">
+                  <a:solidFill>
+                    <a:schemeClr val="tx2"/>
+                  </a:solidFill>
+                  <a:latin typeface="Minion Pro Bold Cond"/>
+                  <a:cs typeface="Minion Pro Bold Cond"/>
+                </a:rPr>
+                <a:t> </a:t>
+              </a:r>
+              <a:r>
+                <a:rPr lang="en-US" altLang="zh-CN" sz="1200" dirty="0" smtClean="0">
+                  <a:solidFill>
+                    <a:schemeClr val="tx2"/>
+                  </a:solidFill>
+                  <a:latin typeface="Minion Pro Bold Cond"/>
+                  <a:cs typeface="Minion Pro Bold Cond"/>
+                </a:rPr>
+                <a:t>EVM</a:t>
+              </a:r>
+              <a:r>
+                <a:rPr lang="zh-CN" altLang="en-US" sz="1200" dirty="0" smtClean="0">
+                  <a:solidFill>
+                    <a:schemeClr val="tx2"/>
+                  </a:solidFill>
+                  <a:latin typeface="Minion Pro Bold Cond"/>
+                  <a:cs typeface="Minion Pro Bold Cond"/>
+                </a:rPr>
+                <a:t>执行</a:t>
+              </a:r>
+              <a:endParaRPr lang="zh-CN" altLang="en-US" sz="1200" dirty="0">
+                <a:solidFill>
+                  <a:schemeClr val="tx2"/>
+                </a:solidFill>
+                <a:latin typeface="Minion Pro Bold Cond"/>
+                <a:cs typeface="Minion Pro Bold Cond"/>
+              </a:endParaRPr>
+            </a:p>
+          </p:txBody>
+        </p:sp>
+      </p:grpSp>
+      <p:cxnSp>
+        <p:nvCxnSpPr>
+          <p:cNvPr id="283" name="直线箭头连接符 282"/>
+          <p:cNvCxnSpPr>
+            <a:stCxn id="267" idx="2"/>
+            <a:endCxn id="281" idx="0"/>
+          </p:cNvCxnSpPr>
+          <p:nvPr/>
+        </p:nvCxnSpPr>
+        <p:spPr>
+          <a:xfrm flipH="1">
+            <a:off x="13923671" y="18607641"/>
+            <a:ext cx="1132" cy="629714"/>
+          </a:xfrm>
+          <a:prstGeom prst="straightConnector1">
+            <a:avLst/>
+          </a:prstGeom>
+          <a:ln w="12700">
+            <a:solidFill>
+              <a:schemeClr val="tx1"/>
+            </a:solidFill>
+            <a:headEnd type="diamond" w="lg" len="lg"/>
+            <a:tailEnd type="triangle" w="lg" len="lg"/>
+          </a:ln>
+        </p:spPr>
+        <p:style>
+          <a:lnRef idx="2">
+            <a:schemeClr val="accent1"/>
+          </a:lnRef>
+          <a:fillRef idx="0">
+            <a:schemeClr val="accent1"/>
+          </a:fillRef>
+          <a:effectRef idx="1">
+            <a:schemeClr val="accent1"/>
+          </a:effectRef>
+          <a:fontRef idx="minor">
+            <a:schemeClr val="tx1"/>
+          </a:fontRef>
+        </p:style>
+      </p:cxnSp>
+      <p:cxnSp>
+        <p:nvCxnSpPr>
+          <p:cNvPr id="285" name="曲线连接符 284"/>
+          <p:cNvCxnSpPr>
+            <a:stCxn id="345" idx="1"/>
+            <a:endCxn id="368" idx="1"/>
+          </p:cNvCxnSpPr>
+          <p:nvPr/>
+        </p:nvCxnSpPr>
+        <p:spPr>
+          <a:xfrm rot="10800000" flipV="1">
+            <a:off x="25253752" y="16553931"/>
+            <a:ext cx="12700" cy="346613"/>
+          </a:xfrm>
+          <a:prstGeom prst="curvedConnector3">
+            <a:avLst>
+              <a:gd name="adj1" fmla="val 1800000"/>
+            </a:avLst>
+          </a:prstGeom>
+          <a:ln w="12700">
+            <a:solidFill>
+              <a:schemeClr val="bg1">
+                <a:lumMod val="50000"/>
+              </a:schemeClr>
+            </a:solidFill>
+            <a:tailEnd type="arrow"/>
+          </a:ln>
+        </p:spPr>
+        <p:style>
+          <a:lnRef idx="2">
+            <a:schemeClr val="accent1"/>
+          </a:lnRef>
+          <a:fillRef idx="0">
+            <a:schemeClr val="accent1"/>
+          </a:fillRef>
+          <a:effectRef idx="1">
+            <a:schemeClr val="accent1"/>
+          </a:effectRef>
+          <a:fontRef idx="minor">
+            <a:schemeClr val="tx1"/>
+          </a:fontRef>
+        </p:style>
+      </p:cxnSp>
     </p:spTree>
     <p:extLst>
       <p:ext uri="{BB962C8B-B14F-4D97-AF65-F5344CB8AC3E}">
@@ -10133,7 +12907,7 @@
   <p:timing>
     <p:tnLst>
       <p:par>
-        <p:cTn id="1" dur="indefinite" restart="never" nodeType="tmRoot"/>
+        <p:cTn xmlns:p14="http://schemas.microsoft.com/office/powerpoint/2010/main" id="1" dur="indefinite" restart="never" nodeType="tmRoot"/>
       </p:par>
     </p:tnLst>
   </p:timing>

--- a/ethereum源码.pptx
+++ b/ethereum源码.pptx
@@ -304,7 +304,7 @@
           <a:p>
             <a:fld id="{0FEC98C1-A7DC-9244-867F-999528E079BC}" type="datetimeFigureOut">
               <a:rPr kumimoji="1" lang="zh-CN" altLang="en-US" smtClean="0"/>
-              <a:t>19/4/13</a:t>
+              <a:t>19/4/14</a:t>
             </a:fld>
             <a:endParaRPr kumimoji="1" lang="zh-CN" altLang="en-US"/>
           </a:p>
@@ -474,7 +474,7 @@
           <a:p>
             <a:fld id="{0FEC98C1-A7DC-9244-867F-999528E079BC}" type="datetimeFigureOut">
               <a:rPr kumimoji="1" lang="zh-CN" altLang="en-US" smtClean="0"/>
-              <a:t>19/4/13</a:t>
+              <a:t>19/4/14</a:t>
             </a:fld>
             <a:endParaRPr kumimoji="1" lang="zh-CN" altLang="en-US"/>
           </a:p>
@@ -654,7 +654,7 @@
           <a:p>
             <a:fld id="{0FEC98C1-A7DC-9244-867F-999528E079BC}" type="datetimeFigureOut">
               <a:rPr kumimoji="1" lang="zh-CN" altLang="en-US" smtClean="0"/>
-              <a:t>19/4/13</a:t>
+              <a:t>19/4/14</a:t>
             </a:fld>
             <a:endParaRPr kumimoji="1" lang="zh-CN" altLang="en-US"/>
           </a:p>
@@ -824,7 +824,7 @@
           <a:p>
             <a:fld id="{0FEC98C1-A7DC-9244-867F-999528E079BC}" type="datetimeFigureOut">
               <a:rPr kumimoji="1" lang="zh-CN" altLang="en-US" smtClean="0"/>
-              <a:t>19/4/13</a:t>
+              <a:t>19/4/14</a:t>
             </a:fld>
             <a:endParaRPr kumimoji="1" lang="zh-CN" altLang="en-US"/>
           </a:p>
@@ -1070,7 +1070,7 @@
           <a:p>
             <a:fld id="{0FEC98C1-A7DC-9244-867F-999528E079BC}" type="datetimeFigureOut">
               <a:rPr kumimoji="1" lang="zh-CN" altLang="en-US" smtClean="0"/>
-              <a:t>19/4/13</a:t>
+              <a:t>19/4/14</a:t>
             </a:fld>
             <a:endParaRPr kumimoji="1" lang="zh-CN" altLang="en-US"/>
           </a:p>
@@ -1358,7 +1358,7 @@
           <a:p>
             <a:fld id="{0FEC98C1-A7DC-9244-867F-999528E079BC}" type="datetimeFigureOut">
               <a:rPr kumimoji="1" lang="zh-CN" altLang="en-US" smtClean="0"/>
-              <a:t>19/4/13</a:t>
+              <a:t>19/4/14</a:t>
             </a:fld>
             <a:endParaRPr kumimoji="1" lang="zh-CN" altLang="en-US"/>
           </a:p>
@@ -1780,7 +1780,7 @@
           <a:p>
             <a:fld id="{0FEC98C1-A7DC-9244-867F-999528E079BC}" type="datetimeFigureOut">
               <a:rPr kumimoji="1" lang="zh-CN" altLang="en-US" smtClean="0"/>
-              <a:t>19/4/13</a:t>
+              <a:t>19/4/14</a:t>
             </a:fld>
             <a:endParaRPr kumimoji="1" lang="zh-CN" altLang="en-US"/>
           </a:p>
@@ -1898,7 +1898,7 @@
           <a:p>
             <a:fld id="{0FEC98C1-A7DC-9244-867F-999528E079BC}" type="datetimeFigureOut">
               <a:rPr kumimoji="1" lang="zh-CN" altLang="en-US" smtClean="0"/>
-              <a:t>19/4/13</a:t>
+              <a:t>19/4/14</a:t>
             </a:fld>
             <a:endParaRPr kumimoji="1" lang="zh-CN" altLang="en-US"/>
           </a:p>
@@ -1993,7 +1993,7 @@
           <a:p>
             <a:fld id="{0FEC98C1-A7DC-9244-867F-999528E079BC}" type="datetimeFigureOut">
               <a:rPr kumimoji="1" lang="zh-CN" altLang="en-US" smtClean="0"/>
-              <a:t>19/4/13</a:t>
+              <a:t>19/4/14</a:t>
             </a:fld>
             <a:endParaRPr kumimoji="1" lang="zh-CN" altLang="en-US"/>
           </a:p>
@@ -2270,7 +2270,7 @@
           <a:p>
             <a:fld id="{0FEC98C1-A7DC-9244-867F-999528E079BC}" type="datetimeFigureOut">
               <a:rPr kumimoji="1" lang="zh-CN" altLang="en-US" smtClean="0"/>
-              <a:t>19/4/13</a:t>
+              <a:t>19/4/14</a:t>
             </a:fld>
             <a:endParaRPr kumimoji="1" lang="zh-CN" altLang="en-US"/>
           </a:p>
@@ -2523,7 +2523,7 @@
           <a:p>
             <a:fld id="{0FEC98C1-A7DC-9244-867F-999528E079BC}" type="datetimeFigureOut">
               <a:rPr kumimoji="1" lang="zh-CN" altLang="en-US" smtClean="0"/>
-              <a:t>19/4/13</a:t>
+              <a:t>19/4/14</a:t>
             </a:fld>
             <a:endParaRPr kumimoji="1" lang="zh-CN" altLang="en-US"/>
           </a:p>
@@ -2736,7 +2736,7 @@
           <a:p>
             <a:fld id="{0FEC98C1-A7DC-9244-867F-999528E079BC}" type="datetimeFigureOut">
               <a:rPr kumimoji="1" lang="zh-CN" altLang="en-US" smtClean="0"/>
-              <a:t>19/4/13</a:t>
+              <a:t>19/4/14</a:t>
             </a:fld>
             <a:endParaRPr kumimoji="1" lang="zh-CN" altLang="en-US"/>
           </a:p>
@@ -3115,15 +3115,15 @@
         <p:nvCxnSpPr>
           <p:cNvPr id="294" name="直线箭头连接符 293"/>
           <p:cNvCxnSpPr>
-            <a:stCxn id="14" idx="3"/>
-            <a:endCxn id="21" idx="1"/>
+            <a:stCxn id="13" idx="2"/>
+            <a:endCxn id="21" idx="0"/>
           </p:cNvCxnSpPr>
           <p:nvPr/>
         </p:nvCxnSpPr>
         <p:spPr>
           <a:xfrm>
-            <a:off x="24002213" y="5439847"/>
-            <a:ext cx="10809795" cy="466335"/>
+            <a:off x="22649328" y="10318337"/>
+            <a:ext cx="10171632" cy="15878399"/>
           </a:xfrm>
           <a:prstGeom prst="straightConnector1">
             <a:avLst/>
@@ -3162,7 +3162,7 @@
         </p:nvCxnSpPr>
         <p:spPr>
           <a:xfrm>
-            <a:off x="24002213" y="5439847"/>
+            <a:off x="24084808" y="8848697"/>
             <a:ext cx="4699000" cy="8492935"/>
           </a:xfrm>
           <a:prstGeom prst="straightConnector1">
@@ -3199,7 +3199,7 @@
         </p:nvGrpSpPr>
         <p:grpSpPr>
           <a:xfrm>
-            <a:off x="25830253" y="10682322"/>
+            <a:off x="25912848" y="14091172"/>
             <a:ext cx="2870960" cy="1642947"/>
             <a:chOff x="13029439" y="4656253"/>
             <a:chExt cx="7290841" cy="5573392"/>
@@ -3306,7 +3306,7 @@
         </p:nvGrpSpPr>
         <p:grpSpPr>
           <a:xfrm>
-            <a:off x="30813163" y="12490410"/>
+            <a:off x="30895758" y="15899260"/>
             <a:ext cx="2880821" cy="3393050"/>
             <a:chOff x="23647281" y="11279444"/>
             <a:chExt cx="2880821" cy="3393050"/>
@@ -3634,17 +3634,7 @@
                   <a:latin typeface="Minion Pro Bold Cond"/>
                   <a:cs typeface="Minion Pro Bold Cond"/>
                 </a:rPr>
-                <a:t>(</a:t>
-              </a:r>
-              <a:r>
-                <a:rPr lang="en-US" altLang="zh-CN" sz="1200" dirty="0" smtClean="0">
-                  <a:solidFill>
-                    <a:schemeClr val="tx2"/>
-                  </a:solidFill>
-                  <a:latin typeface="Minion Pro Bold Cond"/>
-                  <a:cs typeface="Minion Pro Bold Cond"/>
-                </a:rPr>
-                <a:t>)</a:t>
+                <a:t>()</a:t>
               </a:r>
               <a:endParaRPr lang="zh-CN" altLang="en-US" sz="1200" dirty="0">
                 <a:solidFill>
@@ -3708,17 +3698,7 @@
                   <a:latin typeface="Minion Pro Bold Cond"/>
                   <a:cs typeface="Minion Pro Bold Cond"/>
                 </a:rPr>
-                <a:t>(</a:t>
-              </a:r>
-              <a:r>
-                <a:rPr lang="en-US" altLang="zh-CN" sz="1200" dirty="0" smtClean="0">
-                  <a:solidFill>
-                    <a:schemeClr val="tx2"/>
-                  </a:solidFill>
-                  <a:latin typeface="Minion Pro Bold Cond"/>
-                  <a:cs typeface="Minion Pro Bold Cond"/>
-                </a:rPr>
-                <a:t>)</a:t>
+                <a:t>()</a:t>
               </a:r>
               <a:endParaRPr lang="zh-CN" altLang="en-US" sz="1200" dirty="0">
                 <a:solidFill>
@@ -3739,7 +3719,7 @@
         </p:nvSpPr>
         <p:spPr>
           <a:xfrm>
-            <a:off x="38273405" y="6067927"/>
+            <a:off x="35082150" y="24598393"/>
             <a:ext cx="2870960" cy="346613"/>
           </a:xfrm>
           <a:prstGeom prst="rect">
@@ -3793,10 +3773,10 @@
         </p:nvGrpSpPr>
         <p:grpSpPr>
           <a:xfrm>
-            <a:off x="34801848" y="5732875"/>
-            <a:ext cx="2881120" cy="1642947"/>
+            <a:off x="31375320" y="26196736"/>
+            <a:ext cx="2881120" cy="2978921"/>
             <a:chOff x="24245450" y="1488932"/>
-            <a:chExt cx="2881120" cy="1642947"/>
+            <a:chExt cx="2881120" cy="2978921"/>
           </a:xfrm>
         </p:grpSpPr>
         <p:sp>
@@ -3808,7 +3788,7 @@
           <p:spPr>
             <a:xfrm>
               <a:off x="24255610" y="1488932"/>
-              <a:ext cx="2870960" cy="1642947"/>
+              <a:ext cx="2870960" cy="2978921"/>
             </a:xfrm>
             <a:prstGeom prst="rect">
               <a:avLst/>
@@ -3899,7 +3879,7 @@
           </p:nvSpPr>
           <p:spPr>
             <a:xfrm>
-              <a:off x="24247879" y="1835562"/>
+              <a:off x="24247879" y="2665279"/>
               <a:ext cx="2870960" cy="346613"/>
             </a:xfrm>
             <a:prstGeom prst="rect">
@@ -3963,7 +3943,7 @@
           </p:nvSpPr>
           <p:spPr>
             <a:xfrm>
-              <a:off x="24245450" y="2182175"/>
+              <a:off x="24245450" y="3011892"/>
               <a:ext cx="2870960" cy="346613"/>
             </a:xfrm>
             <a:prstGeom prst="rect">
@@ -4008,6 +3988,178 @@
                   <a:cs typeface="Minion Pro Bold Cond"/>
                 </a:rPr>
                 <a:t>()</a:t>
+              </a:r>
+              <a:endParaRPr lang="zh-CN" altLang="en-US" sz="1200" dirty="0">
+                <a:solidFill>
+                  <a:schemeClr val="tx2"/>
+                </a:solidFill>
+                <a:latin typeface="Minion Pro Bold Cond"/>
+                <a:cs typeface="Minion Pro Bold Cond"/>
+              </a:endParaRPr>
+            </a:p>
+          </p:txBody>
+        </p:sp>
+        <p:sp>
+          <p:nvSpPr>
+            <p:cNvPr id="390" name="矩形 389"/>
+            <p:cNvSpPr/>
+            <p:nvPr/>
+          </p:nvSpPr>
+          <p:spPr>
+            <a:xfrm>
+              <a:off x="24245450" y="2237719"/>
+              <a:ext cx="2870960" cy="346613"/>
+            </a:xfrm>
+            <a:prstGeom prst="rect">
+              <a:avLst/>
+            </a:prstGeom>
+          </p:spPr>
+          <p:style>
+            <a:lnRef idx="1">
+              <a:schemeClr val="accent3"/>
+            </a:lnRef>
+            <a:fillRef idx="2">
+              <a:schemeClr val="accent3"/>
+            </a:fillRef>
+            <a:effectRef idx="1">
+              <a:schemeClr val="accent3"/>
+            </a:effectRef>
+            <a:fontRef idx="minor">
+              <a:schemeClr val="dk1"/>
+            </a:fontRef>
+          </p:style>
+          <p:txBody>
+            <a:bodyPr rtlCol="0" anchor="ctr"/>
+            <a:lstStyle/>
+            <a:p>
+              <a:pPr algn="ctr"/>
+              <a:r>
+                <a:rPr lang="en-US" altLang="zh-CN" sz="1200" dirty="0" err="1" smtClean="0">
+                  <a:solidFill>
+                    <a:schemeClr val="tx2"/>
+                  </a:solidFill>
+                  <a:latin typeface="Minion Pro Bold Cond"/>
+                  <a:cs typeface="Minion Pro Bold Cond"/>
+                </a:rPr>
+                <a:t>stateCache</a:t>
+              </a:r>
+              <a:endParaRPr lang="zh-CN" altLang="en-US" sz="1200" dirty="0">
+                <a:solidFill>
+                  <a:schemeClr val="tx2"/>
+                </a:solidFill>
+                <a:latin typeface="Minion Pro Bold Cond"/>
+                <a:cs typeface="Minion Pro Bold Cond"/>
+              </a:endParaRPr>
+            </a:p>
+          </p:txBody>
+        </p:sp>
+        <p:sp>
+          <p:nvSpPr>
+            <p:cNvPr id="392" name="矩形 391"/>
+            <p:cNvSpPr/>
+            <p:nvPr/>
+          </p:nvSpPr>
+          <p:spPr>
+            <a:xfrm>
+              <a:off x="24245450" y="3362768"/>
+              <a:ext cx="2870960" cy="346613"/>
+            </a:xfrm>
+            <a:prstGeom prst="rect">
+              <a:avLst/>
+            </a:prstGeom>
+          </p:spPr>
+          <p:style>
+            <a:lnRef idx="1">
+              <a:schemeClr val="dk1"/>
+            </a:lnRef>
+            <a:fillRef idx="2">
+              <a:schemeClr val="dk1"/>
+            </a:fillRef>
+            <a:effectRef idx="1">
+              <a:schemeClr val="dk1"/>
+            </a:effectRef>
+            <a:fontRef idx="minor">
+              <a:schemeClr val="dk1"/>
+            </a:fontRef>
+          </p:style>
+          <p:txBody>
+            <a:bodyPr rtlCol="0" anchor="ctr"/>
+            <a:lstStyle/>
+            <a:p>
+              <a:pPr algn="ctr"/>
+              <a:r>
+                <a:rPr lang="en-US" altLang="zh-CN" sz="1200" dirty="0" err="1" smtClean="0">
+                  <a:solidFill>
+                    <a:schemeClr val="tx2"/>
+                  </a:solidFill>
+                  <a:latin typeface="Minion Pro Bold Cond"/>
+                  <a:cs typeface="Minion Pro Bold Cond"/>
+                </a:rPr>
+                <a:t>StateAt</a:t>
+              </a:r>
+              <a:r>
+                <a:rPr lang="en-US" altLang="zh-CN" sz="1200" dirty="0" smtClean="0">
+                  <a:solidFill>
+                    <a:schemeClr val="tx2"/>
+                  </a:solidFill>
+                  <a:latin typeface="Minion Pro Bold Cond"/>
+                  <a:cs typeface="Minion Pro Bold Cond"/>
+                </a:rPr>
+                <a:t>(root)</a:t>
+              </a:r>
+              <a:endParaRPr lang="zh-CN" altLang="en-US" sz="1200" dirty="0">
+                <a:solidFill>
+                  <a:schemeClr val="tx2"/>
+                </a:solidFill>
+                <a:latin typeface="Minion Pro Bold Cond"/>
+                <a:cs typeface="Minion Pro Bold Cond"/>
+              </a:endParaRPr>
+            </a:p>
+          </p:txBody>
+        </p:sp>
+        <p:sp>
+          <p:nvSpPr>
+            <p:cNvPr id="431" name="矩形 430"/>
+            <p:cNvSpPr/>
+            <p:nvPr/>
+          </p:nvSpPr>
+          <p:spPr>
+            <a:xfrm>
+              <a:off x="24245450" y="1862950"/>
+              <a:ext cx="2870960" cy="346613"/>
+            </a:xfrm>
+            <a:prstGeom prst="rect">
+              <a:avLst/>
+            </a:prstGeom>
+          </p:spPr>
+          <p:style>
+            <a:lnRef idx="1">
+              <a:schemeClr val="accent3"/>
+            </a:lnRef>
+            <a:fillRef idx="2">
+              <a:schemeClr val="accent3"/>
+            </a:fillRef>
+            <a:effectRef idx="1">
+              <a:schemeClr val="accent3"/>
+            </a:effectRef>
+            <a:fontRef idx="minor">
+              <a:schemeClr val="dk1"/>
+            </a:fontRef>
+          </p:style>
+          <p:txBody>
+            <a:bodyPr rtlCol="0" anchor="ctr"/>
+            <a:lstStyle/>
+            <a:p>
+              <a:pPr algn="ctr"/>
+              <a:r>
+                <a:rPr lang="en-US" altLang="zh-CN" sz="1200" dirty="0" err="1" smtClean="0">
+                  <a:solidFill>
+                    <a:schemeClr val="tx2"/>
+                  </a:solidFill>
+                  <a:latin typeface="Minion Pro Bold Cond"/>
+                  <a:cs typeface="Minion Pro Bold Cond"/>
+                </a:rPr>
+                <a:t>db</a:t>
               </a:r>
               <a:endParaRPr lang="zh-CN" altLang="en-US" sz="1200" dirty="0">
                 <a:solidFill>
@@ -4028,10 +4180,10 @@
         </p:nvGrpSpPr>
         <p:grpSpPr>
           <a:xfrm>
-            <a:off x="27874953" y="4323472"/>
-            <a:ext cx="2870960" cy="2866484"/>
-            <a:chOff x="13029439" y="4656253"/>
-            <a:chExt cx="7290841" cy="9724014"/>
+            <a:off x="25925548" y="1562795"/>
+            <a:ext cx="2883660" cy="5581348"/>
+            <a:chOff x="13029439" y="4656250"/>
+            <a:chExt cx="7323093" cy="18933685"/>
           </a:xfrm>
         </p:grpSpPr>
         <p:sp>
@@ -4042,8 +4194,8 @@
           </p:nvSpPr>
           <p:spPr>
             <a:xfrm>
-              <a:off x="13029439" y="4656253"/>
-              <a:ext cx="7290841" cy="9724014"/>
+              <a:off x="13029439" y="4656250"/>
+              <a:ext cx="7290841" cy="18933685"/>
             </a:xfrm>
             <a:prstGeom prst="rect">
               <a:avLst/>
@@ -4466,7 +4618,7 @@
           </p:nvSpPr>
           <p:spPr>
             <a:xfrm>
-              <a:off x="13029439" y="9398172"/>
+              <a:off x="13061691" y="12543187"/>
               <a:ext cx="7290841" cy="1175820"/>
             </a:xfrm>
             <a:prstGeom prst="rect">
@@ -4501,6 +4653,470 @@
                   <a:cs typeface="Minion Pro Bold Cond"/>
                 </a:rPr>
                 <a:t>addTxsLocked</a:t>
+              </a:r>
+              <a:r>
+                <a:rPr lang="en-US" altLang="zh-CN" sz="1200" dirty="0" smtClean="0">
+                  <a:solidFill>
+                    <a:schemeClr val="tx2"/>
+                  </a:solidFill>
+                  <a:latin typeface="Minion Pro Bold Cond"/>
+                  <a:cs typeface="Minion Pro Bold Cond"/>
+                </a:rPr>
+                <a:t>()</a:t>
+              </a:r>
+              <a:endParaRPr lang="zh-CN" altLang="en-US" sz="1200" dirty="0">
+                <a:solidFill>
+                  <a:schemeClr val="tx2"/>
+                </a:solidFill>
+                <a:latin typeface="Minion Pro Bold Cond"/>
+                <a:cs typeface="Minion Pro Bold Cond"/>
+              </a:endParaRPr>
+            </a:p>
+          </p:txBody>
+        </p:sp>
+        <p:sp>
+          <p:nvSpPr>
+            <p:cNvPr id="211" name="矩形 210"/>
+            <p:cNvSpPr/>
+            <p:nvPr/>
+          </p:nvSpPr>
+          <p:spPr>
+            <a:xfrm>
+              <a:off x="13029439" y="18328822"/>
+              <a:ext cx="7290841" cy="1820356"/>
+            </a:xfrm>
+            <a:prstGeom prst="rect">
+              <a:avLst/>
+            </a:prstGeom>
+          </p:spPr>
+          <p:style>
+            <a:lnRef idx="1">
+              <a:schemeClr val="dk1"/>
+            </a:lnRef>
+            <a:fillRef idx="2">
+              <a:schemeClr val="dk1"/>
+            </a:fillRef>
+            <a:effectRef idx="1">
+              <a:schemeClr val="dk1"/>
+            </a:effectRef>
+            <a:fontRef idx="minor">
+              <a:schemeClr val="dk1"/>
+            </a:fontRef>
+          </p:style>
+          <p:txBody>
+            <a:bodyPr rtlCol="0" anchor="ctr"/>
+            <a:lstStyle/>
+            <a:p>
+              <a:pPr algn="ctr"/>
+              <a:r>
+                <a:rPr lang="en-US" altLang="zh-CN" sz="1200" dirty="0" err="1" smtClean="0">
+                  <a:solidFill>
+                    <a:schemeClr val="tx2"/>
+                  </a:solidFill>
+                  <a:latin typeface="Minion Pro Bold Cond"/>
+                  <a:cs typeface="Minion Pro Bold Cond"/>
+                </a:rPr>
+                <a:t>queueTx</a:t>
+              </a:r>
+              <a:r>
+                <a:rPr lang="en-US" altLang="zh-CN" sz="1200" dirty="0" smtClean="0">
+                  <a:solidFill>
+                    <a:schemeClr val="tx2"/>
+                  </a:solidFill>
+                  <a:latin typeface="Minion Pro Bold Cond"/>
+                  <a:cs typeface="Minion Pro Bold Cond"/>
+                </a:rPr>
+                <a:t>()</a:t>
+              </a:r>
+              <a:r>
+                <a:rPr lang="zh-CN" altLang="en-US" sz="1200" dirty="0" smtClean="0">
+                  <a:solidFill>
+                    <a:schemeClr val="tx2"/>
+                  </a:solidFill>
+                  <a:latin typeface="Minion Pro Bold Cond"/>
+                  <a:cs typeface="Minion Pro Bold Cond"/>
+                </a:rPr>
+                <a:t>将新</a:t>
+              </a:r>
+              <a:r>
+                <a:rPr lang="en-US" altLang="zh-CN" sz="1200" dirty="0" err="1" smtClean="0">
+                  <a:solidFill>
+                    <a:schemeClr val="tx2"/>
+                  </a:solidFill>
+                  <a:latin typeface="Minion Pro Bold Cond"/>
+                  <a:cs typeface="Minion Pro Bold Cond"/>
+                </a:rPr>
+                <a:t>tx</a:t>
+              </a:r>
+              <a:r>
+                <a:rPr lang="zh-CN" altLang="en-US" sz="1200" dirty="0" smtClean="0">
+                  <a:solidFill>
+                    <a:schemeClr val="tx2"/>
+                  </a:solidFill>
+                  <a:latin typeface="Minion Pro Bold Cond"/>
+                  <a:cs typeface="Minion Pro Bold Cond"/>
+                </a:rPr>
+                <a:t>存入队列</a:t>
+              </a:r>
+              <a:endParaRPr lang="en-US" altLang="zh-CN" sz="1200" dirty="0">
+                <a:solidFill>
+                  <a:schemeClr val="tx2"/>
+                </a:solidFill>
+                <a:latin typeface="Minion Pro Bold Cond"/>
+                <a:cs typeface="Minion Pro Bold Cond"/>
+              </a:endParaRPr>
+            </a:p>
+            <a:p>
+              <a:pPr algn="ctr"/>
+              <a:r>
+                <a:rPr lang="en-US" altLang="zh-CN" sz="1200" dirty="0" err="1" smtClean="0">
+                  <a:solidFill>
+                    <a:schemeClr val="tx2"/>
+                  </a:solidFill>
+                  <a:latin typeface="Minion Pro Bold Cond"/>
+                  <a:cs typeface="Minion Pro Bold Cond"/>
+                </a:rPr>
+                <a:t>txList.tsx.index</a:t>
+              </a:r>
+              <a:r>
+                <a:rPr lang="zh-CN" altLang="en-US" sz="1200" dirty="0" smtClean="0">
+                  <a:solidFill>
+                    <a:schemeClr val="tx2"/>
+                  </a:solidFill>
+                  <a:latin typeface="Minion Pro Bold Cond"/>
+                  <a:cs typeface="Minion Pro Bold Cond"/>
+                </a:rPr>
+                <a:t>是一个二叉堆，可按由小到大的顺序</a:t>
+              </a:r>
+              <a:r>
+                <a:rPr lang="en-US" altLang="zh-CN" sz="1200" dirty="0" smtClean="0">
+                  <a:solidFill>
+                    <a:schemeClr val="tx2"/>
+                  </a:solidFill>
+                  <a:latin typeface="Minion Pro Bold Cond"/>
+                  <a:cs typeface="Minion Pro Bold Cond"/>
+                </a:rPr>
+                <a:t>pop</a:t>
+              </a:r>
+              <a:r>
+                <a:rPr lang="zh-CN" altLang="en-US" sz="1200" dirty="0" smtClean="0">
+                  <a:solidFill>
+                    <a:schemeClr val="tx2"/>
+                  </a:solidFill>
+                  <a:latin typeface="Minion Pro Bold Cond"/>
+                  <a:cs typeface="Minion Pro Bold Cond"/>
+                </a:rPr>
+                <a:t>出</a:t>
+              </a:r>
+              <a:endParaRPr lang="en-US" altLang="zh-CN" sz="1200" dirty="0" smtClean="0">
+                <a:solidFill>
+                  <a:schemeClr val="tx2"/>
+                </a:solidFill>
+                <a:latin typeface="Minion Pro Bold Cond"/>
+                <a:cs typeface="Minion Pro Bold Cond"/>
+              </a:endParaRPr>
+            </a:p>
+          </p:txBody>
+        </p:sp>
+        <p:sp>
+          <p:nvSpPr>
+            <p:cNvPr id="353" name="矩形 352"/>
+            <p:cNvSpPr/>
+            <p:nvPr/>
+          </p:nvSpPr>
+          <p:spPr>
+            <a:xfrm>
+              <a:off x="13061691" y="9426675"/>
+              <a:ext cx="7290841" cy="1175820"/>
+            </a:xfrm>
+            <a:prstGeom prst="rect">
+              <a:avLst/>
+            </a:prstGeom>
+          </p:spPr>
+          <p:style>
+            <a:lnRef idx="1">
+              <a:schemeClr val="dk1"/>
+            </a:lnRef>
+            <a:fillRef idx="2">
+              <a:schemeClr val="dk1"/>
+            </a:fillRef>
+            <a:effectRef idx="1">
+              <a:schemeClr val="dk1"/>
+            </a:effectRef>
+            <a:fontRef idx="minor">
+              <a:schemeClr val="dk1"/>
+            </a:fontRef>
+          </p:style>
+          <p:txBody>
+            <a:bodyPr rtlCol="0" anchor="ctr"/>
+            <a:lstStyle/>
+            <a:p>
+              <a:pPr algn="ctr"/>
+              <a:r>
+                <a:rPr lang="en-US" altLang="zh-CN" sz="1200" dirty="0" err="1" smtClean="0">
+                  <a:solidFill>
+                    <a:schemeClr val="tx2"/>
+                  </a:solidFill>
+                  <a:latin typeface="Minion Pro Bold Cond"/>
+                  <a:cs typeface="Minion Pro Bold Cond"/>
+                </a:rPr>
+                <a:t>addLocal</a:t>
+              </a:r>
+              <a:r>
+                <a:rPr lang="en-US" altLang="zh-CN" sz="1200" dirty="0" smtClean="0">
+                  <a:solidFill>
+                    <a:schemeClr val="tx2"/>
+                  </a:solidFill>
+                  <a:latin typeface="Minion Pro Bold Cond"/>
+                  <a:cs typeface="Minion Pro Bold Cond"/>
+                </a:rPr>
+                <a:t>()</a:t>
+              </a:r>
+              <a:endParaRPr lang="zh-CN" altLang="en-US" sz="1200" dirty="0">
+                <a:solidFill>
+                  <a:schemeClr val="tx2"/>
+                </a:solidFill>
+                <a:latin typeface="Minion Pro Bold Cond"/>
+                <a:cs typeface="Minion Pro Bold Cond"/>
+              </a:endParaRPr>
+            </a:p>
+          </p:txBody>
+        </p:sp>
+        <p:sp>
+          <p:nvSpPr>
+            <p:cNvPr id="354" name="矩形 353"/>
+            <p:cNvSpPr/>
+            <p:nvPr/>
+          </p:nvSpPr>
+          <p:spPr>
+            <a:xfrm>
+              <a:off x="13061691" y="10602495"/>
+              <a:ext cx="7290841" cy="1175820"/>
+            </a:xfrm>
+            <a:prstGeom prst="rect">
+              <a:avLst/>
+            </a:prstGeom>
+          </p:spPr>
+          <p:style>
+            <a:lnRef idx="1">
+              <a:schemeClr val="dk1"/>
+            </a:lnRef>
+            <a:fillRef idx="2">
+              <a:schemeClr val="dk1"/>
+            </a:fillRef>
+            <a:effectRef idx="1">
+              <a:schemeClr val="dk1"/>
+            </a:effectRef>
+            <a:fontRef idx="minor">
+              <a:schemeClr val="dk1"/>
+            </a:fontRef>
+          </p:style>
+          <p:txBody>
+            <a:bodyPr rtlCol="0" anchor="ctr"/>
+            <a:lstStyle/>
+            <a:p>
+              <a:pPr algn="ctr"/>
+              <a:r>
+                <a:rPr lang="en-US" altLang="zh-CN" sz="1200" dirty="0" err="1" smtClean="0">
+                  <a:solidFill>
+                    <a:schemeClr val="tx2"/>
+                  </a:solidFill>
+                  <a:latin typeface="Minion Pro Bold Cond"/>
+                  <a:cs typeface="Minion Pro Bold Cond"/>
+                </a:rPr>
+                <a:t>addRemote</a:t>
+              </a:r>
+              <a:r>
+                <a:rPr lang="en-US" altLang="zh-CN" sz="1200" dirty="0" smtClean="0">
+                  <a:solidFill>
+                    <a:schemeClr val="tx2"/>
+                  </a:solidFill>
+                  <a:latin typeface="Minion Pro Bold Cond"/>
+                  <a:cs typeface="Minion Pro Bold Cond"/>
+                </a:rPr>
+                <a:t>()</a:t>
+              </a:r>
+              <a:endParaRPr lang="zh-CN" altLang="en-US" sz="1200" dirty="0">
+                <a:solidFill>
+                  <a:schemeClr val="tx2"/>
+                </a:solidFill>
+                <a:latin typeface="Minion Pro Bold Cond"/>
+                <a:cs typeface="Minion Pro Bold Cond"/>
+              </a:endParaRPr>
+            </a:p>
+          </p:txBody>
+        </p:sp>
+        <p:sp>
+          <p:nvSpPr>
+            <p:cNvPr id="357" name="矩形 356"/>
+            <p:cNvSpPr/>
+            <p:nvPr/>
+          </p:nvSpPr>
+          <p:spPr>
+            <a:xfrm>
+              <a:off x="13061691" y="13757323"/>
+              <a:ext cx="7290841" cy="1175820"/>
+            </a:xfrm>
+            <a:prstGeom prst="rect">
+              <a:avLst/>
+            </a:prstGeom>
+          </p:spPr>
+          <p:style>
+            <a:lnRef idx="1">
+              <a:schemeClr val="dk1"/>
+            </a:lnRef>
+            <a:fillRef idx="2">
+              <a:schemeClr val="dk1"/>
+            </a:fillRef>
+            <a:effectRef idx="1">
+              <a:schemeClr val="dk1"/>
+            </a:effectRef>
+            <a:fontRef idx="minor">
+              <a:schemeClr val="dk1"/>
+            </a:fontRef>
+          </p:style>
+          <p:txBody>
+            <a:bodyPr rtlCol="0" anchor="ctr"/>
+            <a:lstStyle/>
+            <a:p>
+              <a:pPr algn="ctr"/>
+              <a:r>
+                <a:rPr lang="en-US" altLang="zh-CN" sz="1200" dirty="0" err="1" smtClean="0">
+                  <a:solidFill>
+                    <a:schemeClr val="tx2"/>
+                  </a:solidFill>
+                  <a:latin typeface="Minion Pro Bold Cond"/>
+                  <a:cs typeface="Minion Pro Bold Cond"/>
+                </a:rPr>
+                <a:t>addTxs</a:t>
+              </a:r>
+              <a:r>
+                <a:rPr lang="en-US" altLang="zh-CN" sz="1200" dirty="0" smtClean="0">
+                  <a:solidFill>
+                    <a:schemeClr val="tx2"/>
+                  </a:solidFill>
+                  <a:latin typeface="Minion Pro Bold Cond"/>
+                  <a:cs typeface="Minion Pro Bold Cond"/>
+                </a:rPr>
+                <a:t>()</a:t>
+              </a:r>
+              <a:endParaRPr lang="zh-CN" altLang="en-US" sz="1200" dirty="0">
+                <a:solidFill>
+                  <a:schemeClr val="tx2"/>
+                </a:solidFill>
+                <a:latin typeface="Minion Pro Bold Cond"/>
+                <a:cs typeface="Minion Pro Bold Cond"/>
+              </a:endParaRPr>
+            </a:p>
+          </p:txBody>
+        </p:sp>
+        <p:sp>
+          <p:nvSpPr>
+            <p:cNvPr id="361" name="矩形 360"/>
+            <p:cNvSpPr/>
+            <p:nvPr/>
+          </p:nvSpPr>
+          <p:spPr>
+            <a:xfrm>
+              <a:off x="13061691" y="14976171"/>
+              <a:ext cx="7290841" cy="1175820"/>
+            </a:xfrm>
+            <a:prstGeom prst="rect">
+              <a:avLst/>
+            </a:prstGeom>
+          </p:spPr>
+          <p:style>
+            <a:lnRef idx="1">
+              <a:schemeClr val="dk1"/>
+            </a:lnRef>
+            <a:fillRef idx="2">
+              <a:schemeClr val="dk1"/>
+            </a:fillRef>
+            <a:effectRef idx="1">
+              <a:schemeClr val="dk1"/>
+            </a:effectRef>
+            <a:fontRef idx="minor">
+              <a:schemeClr val="dk1"/>
+            </a:fontRef>
+          </p:style>
+          <p:txBody>
+            <a:bodyPr rtlCol="0" anchor="ctr"/>
+            <a:lstStyle/>
+            <a:p>
+              <a:pPr algn="ctr"/>
+              <a:r>
+                <a:rPr lang="en-US" altLang="zh-CN" sz="1200" dirty="0" err="1" smtClean="0">
+                  <a:solidFill>
+                    <a:schemeClr val="tx2"/>
+                  </a:solidFill>
+                  <a:latin typeface="Minion Pro Bold Cond"/>
+                  <a:cs typeface="Minion Pro Bold Cond"/>
+                </a:rPr>
+                <a:t>addLocals</a:t>
+              </a:r>
+              <a:r>
+                <a:rPr lang="en-US" altLang="zh-CN" sz="1200" dirty="0" smtClean="0">
+                  <a:solidFill>
+                    <a:schemeClr val="tx2"/>
+                  </a:solidFill>
+                  <a:latin typeface="Minion Pro Bold Cond"/>
+                  <a:cs typeface="Minion Pro Bold Cond"/>
+                </a:rPr>
+                <a:t>()</a:t>
+              </a:r>
+              <a:endParaRPr lang="zh-CN" altLang="en-US" sz="1200" dirty="0">
+                <a:solidFill>
+                  <a:schemeClr val="tx2"/>
+                </a:solidFill>
+                <a:latin typeface="Minion Pro Bold Cond"/>
+                <a:cs typeface="Minion Pro Bold Cond"/>
+              </a:endParaRPr>
+            </a:p>
+          </p:txBody>
+        </p:sp>
+        <p:sp>
+          <p:nvSpPr>
+            <p:cNvPr id="362" name="矩形 361"/>
+            <p:cNvSpPr/>
+            <p:nvPr/>
+          </p:nvSpPr>
+          <p:spPr>
+            <a:xfrm>
+              <a:off x="13061691" y="16151991"/>
+              <a:ext cx="7290841" cy="1175820"/>
+            </a:xfrm>
+            <a:prstGeom prst="rect">
+              <a:avLst/>
+            </a:prstGeom>
+          </p:spPr>
+          <p:style>
+            <a:lnRef idx="1">
+              <a:schemeClr val="dk1"/>
+            </a:lnRef>
+            <a:fillRef idx="2">
+              <a:schemeClr val="dk1"/>
+            </a:fillRef>
+            <a:effectRef idx="1">
+              <a:schemeClr val="dk1"/>
+            </a:effectRef>
+            <a:fontRef idx="minor">
+              <a:schemeClr val="dk1"/>
+            </a:fontRef>
+          </p:style>
+          <p:txBody>
+            <a:bodyPr rtlCol="0" anchor="ctr"/>
+            <a:lstStyle/>
+            <a:p>
+              <a:pPr algn="ctr"/>
+              <a:r>
+                <a:rPr lang="en-US" altLang="zh-CN" sz="1200" dirty="0" err="1" smtClean="0">
+                  <a:solidFill>
+                    <a:schemeClr val="tx2"/>
+                  </a:solidFill>
+                  <a:latin typeface="Minion Pro Bold Cond"/>
+                  <a:cs typeface="Minion Pro Bold Cond"/>
+                </a:rPr>
+                <a:t>addRemotes</a:t>
               </a:r>
               <a:r>
                 <a:rPr lang="en-US" altLang="zh-CN" sz="1200" dirty="0" smtClean="0">
@@ -4531,7 +5147,7 @@
         </p:nvGrpSpPr>
         <p:grpSpPr>
           <a:xfrm>
-            <a:off x="12994306" y="8275193"/>
+            <a:off x="13076901" y="11684043"/>
             <a:ext cx="2870960" cy="1642947"/>
             <a:chOff x="13029439" y="4656253"/>
             <a:chExt cx="7290841" cy="5573392"/>
@@ -4776,7 +5392,7 @@
         </p:nvGrpSpPr>
         <p:grpSpPr>
           <a:xfrm>
-            <a:off x="14890954" y="5514166"/>
+            <a:off x="14973549" y="8923016"/>
             <a:ext cx="1563620" cy="1642947"/>
             <a:chOff x="13029439" y="4656253"/>
             <a:chExt cx="7290841" cy="5573392"/>
@@ -4940,7 +5556,7 @@
         </p:nvCxnSpPr>
         <p:spPr>
           <a:xfrm flipV="1">
-            <a:off x="16454574" y="5439847"/>
+            <a:off x="16537169" y="8848697"/>
             <a:ext cx="4676679" cy="594239"/>
           </a:xfrm>
           <a:prstGeom prst="straightConnector1">
@@ -4977,7 +5593,7 @@
         </p:nvGrpSpPr>
         <p:grpSpPr>
           <a:xfrm>
-            <a:off x="17862610" y="7627026"/>
+            <a:off x="17945205" y="11035876"/>
             <a:ext cx="2870960" cy="1642947"/>
             <a:chOff x="13029439" y="4656253"/>
             <a:chExt cx="7290841" cy="5573392"/>
@@ -5087,8 +5703,8 @@
         </p:nvCxnSpPr>
         <p:spPr>
           <a:xfrm>
-            <a:off x="15865266" y="9141726"/>
-            <a:ext cx="2011984" cy="1502959"/>
+            <a:off x="15947861" y="12550576"/>
+            <a:ext cx="1340238" cy="1540596"/>
           </a:xfrm>
           <a:prstGeom prst="straightConnector1">
             <a:avLst/>
@@ -5126,7 +5742,7 @@
         </p:nvGrpSpPr>
         <p:grpSpPr>
           <a:xfrm>
-            <a:off x="16552876" y="10644685"/>
+            <a:off x="15963725" y="14091172"/>
             <a:ext cx="2648747" cy="1529431"/>
             <a:chOff x="8852288" y="9107744"/>
             <a:chExt cx="2615199" cy="1529431"/>
@@ -5316,7 +5932,7 @@
         </p:nvGrpSpPr>
         <p:grpSpPr>
           <a:xfrm>
-            <a:off x="31523539" y="7159625"/>
+            <a:off x="31606134" y="10568475"/>
             <a:ext cx="543739" cy="640708"/>
             <a:chOff x="23493680" y="7079705"/>
             <a:chExt cx="543739" cy="640708"/>
@@ -5411,7 +6027,7 @@
         </p:nvGrpSpPr>
         <p:grpSpPr>
           <a:xfrm>
-            <a:off x="21131253" y="5266540"/>
+            <a:off x="21213848" y="8675390"/>
             <a:ext cx="2870960" cy="1642947"/>
             <a:chOff x="13029439" y="4656253"/>
             <a:chExt cx="7290841" cy="5573392"/>
@@ -5518,7 +6134,7 @@
         </p:nvGrpSpPr>
         <p:grpSpPr>
           <a:xfrm>
-            <a:off x="27079087" y="7996312"/>
+            <a:off x="27161682" y="11405162"/>
             <a:ext cx="2870960" cy="1642947"/>
             <a:chOff x="13029439" y="4656253"/>
             <a:chExt cx="7290841" cy="5573392"/>
@@ -5692,7 +6308,7 @@
         </p:nvCxnSpPr>
         <p:spPr>
           <a:xfrm flipV="1">
-            <a:off x="29950047" y="7627027"/>
+            <a:off x="30032642" y="11035877"/>
             <a:ext cx="1654452" cy="542592"/>
           </a:xfrm>
           <a:prstGeom prst="straightConnector1">
@@ -5729,7 +6345,7 @@
         </p:nvGrpSpPr>
         <p:grpSpPr>
           <a:xfrm>
-            <a:off x="8942353" y="4899485"/>
+            <a:off x="9024948" y="8308335"/>
             <a:ext cx="2883660" cy="2010002"/>
             <a:chOff x="12997187" y="4656253"/>
             <a:chExt cx="7323093" cy="6818558"/>
@@ -6041,7 +6657,7 @@
         </p:nvCxnSpPr>
         <p:spPr>
           <a:xfrm flipV="1">
-            <a:off x="15865266" y="7800333"/>
+            <a:off x="15947861" y="11209183"/>
             <a:ext cx="1997344" cy="994780"/>
           </a:xfrm>
           <a:prstGeom prst="curvedConnector3">
@@ -6082,7 +6698,7 @@
         </p:nvCxnSpPr>
         <p:spPr>
           <a:xfrm flipH="1">
-            <a:off x="29950047" y="7627027"/>
+            <a:off x="30032642" y="11035877"/>
             <a:ext cx="2001065" cy="889205"/>
           </a:xfrm>
           <a:prstGeom prst="curvedConnector3">
@@ -6122,7 +6738,7 @@
         </p:nvSpPr>
         <p:spPr>
           <a:xfrm>
-            <a:off x="30626738" y="9188827"/>
+            <a:off x="30709333" y="12597677"/>
             <a:ext cx="2648747" cy="729313"/>
           </a:xfrm>
           <a:prstGeom prst="rect">
@@ -6235,7 +6851,7 @@
         </p:nvCxnSpPr>
         <p:spPr>
           <a:xfrm>
-            <a:off x="29950047" y="8516232"/>
+            <a:off x="30032642" y="11925082"/>
             <a:ext cx="676691" cy="1037252"/>
           </a:xfrm>
           <a:prstGeom prst="straightConnector1">
@@ -6274,7 +6890,7 @@
         </p:nvSpPr>
         <p:spPr>
           <a:xfrm>
-            <a:off x="8543409" y="7189956"/>
+            <a:off x="8626004" y="10598806"/>
             <a:ext cx="2513277" cy="610377"/>
           </a:xfrm>
           <a:prstGeom prst="rect">
@@ -6383,7 +6999,7 @@
         </p:nvCxnSpPr>
         <p:spPr>
           <a:xfrm rot="10800000" flipV="1">
-            <a:off x="8543409" y="5808041"/>
+            <a:off x="8626004" y="9216891"/>
             <a:ext cx="411644" cy="1687103"/>
           </a:xfrm>
           <a:prstGeom prst="curvedConnector3">
@@ -6427,7 +7043,7 @@
         </p:nvCxnSpPr>
         <p:spPr>
           <a:xfrm>
-            <a:off x="11826013" y="5808042"/>
+            <a:off x="11908608" y="9216892"/>
             <a:ext cx="12700" cy="338202"/>
           </a:xfrm>
           <a:prstGeom prst="curvedConnector3">
@@ -6467,7 +7083,7 @@
         </p:nvSpPr>
         <p:spPr>
           <a:xfrm>
-            <a:off x="7823743" y="3410122"/>
+            <a:off x="7906338" y="6818972"/>
             <a:ext cx="2504810" cy="915342"/>
           </a:xfrm>
           <a:prstGeom prst="rect">
@@ -6614,7 +7230,7 @@
         </p:nvCxnSpPr>
         <p:spPr>
           <a:xfrm>
-            <a:off x="9076148" y="4325464"/>
+            <a:off x="9158743" y="7734314"/>
             <a:ext cx="1301685" cy="574021"/>
           </a:xfrm>
           <a:prstGeom prst="straightConnector1">
@@ -6652,7 +7268,7 @@
         </p:nvSpPr>
         <p:spPr>
           <a:xfrm>
-            <a:off x="7871764" y="8101886"/>
+            <a:off x="7954359" y="11510736"/>
             <a:ext cx="4913577" cy="3131491"/>
           </a:xfrm>
           <a:prstGeom prst="rect">
@@ -6931,7 +7547,7 @@
         </p:nvCxnSpPr>
         <p:spPr>
           <a:xfrm rot="10800000" flipV="1">
-            <a:off x="7871765" y="5441356"/>
+            <a:off x="7954360" y="8850206"/>
             <a:ext cx="1083289" cy="4226275"/>
           </a:xfrm>
           <a:prstGeom prst="curvedConnector3">
@@ -6975,7 +7591,7 @@
         </p:nvCxnSpPr>
         <p:spPr>
           <a:xfrm>
-            <a:off x="11826013" y="5441357"/>
+            <a:off x="11908608" y="8850207"/>
             <a:ext cx="12700" cy="366685"/>
           </a:xfrm>
           <a:prstGeom prst="curvedConnector3">
@@ -7018,7 +7634,7 @@
         </p:nvCxnSpPr>
         <p:spPr>
           <a:xfrm flipH="1">
-            <a:off x="33686090" y="9693310"/>
+            <a:off x="33768685" y="13102160"/>
             <a:ext cx="3149111" cy="3325187"/>
           </a:xfrm>
           <a:prstGeom prst="bentConnector3">
@@ -7058,7 +7674,7 @@
         </p:nvGrpSpPr>
         <p:grpSpPr>
           <a:xfrm>
-            <a:off x="34721125" y="9094633"/>
+            <a:off x="34803720" y="12503483"/>
             <a:ext cx="2188002" cy="2459252"/>
             <a:chOff x="28190613" y="7522090"/>
             <a:chExt cx="2188002" cy="2459252"/>
@@ -7334,17 +7950,7 @@
                       <a:latin typeface="Minion Pro Bold Cond"/>
                       <a:cs typeface="Minion Pro Bold Cond"/>
                     </a:rPr>
-                    <a:t>w.</a:t>
-                  </a:r>
-                  <a:r>
-                    <a:rPr lang="en-US" altLang="zh-CN" sz="1200" dirty="0" err="1" smtClean="0">
-                      <a:solidFill>
-                        <a:schemeClr val="tx2"/>
-                      </a:solidFill>
-                      <a:latin typeface="Minion Pro Bold Cond"/>
-                      <a:cs typeface="Minion Pro Bold Cond"/>
-                    </a:rPr>
-                    <a:t>txsCh</a:t>
+                    <a:t>w.txsCh</a:t>
                   </a:r>
                   <a:endParaRPr lang="en-US" altLang="zh-CN" sz="1200" dirty="0" smtClean="0">
                     <a:solidFill>
@@ -7364,17 +7970,7 @@
                       <a:latin typeface="Minion Pro Bold Cond"/>
                       <a:cs typeface="Minion Pro Bold Cond"/>
                     </a:rPr>
-                    <a:t>(</a:t>
-                  </a:r>
-                  <a:r>
-                    <a:rPr lang="en-US" altLang="zh-CN" sz="1200" dirty="0" smtClean="0">
-                      <a:solidFill>
-                        <a:schemeClr val="tx2"/>
-                      </a:solidFill>
-                      <a:latin typeface="Minion Pro Bold Cond"/>
-                      <a:cs typeface="Minion Pro Bold Cond"/>
-                    </a:rPr>
-                    <a:t>pending </a:t>
+                    <a:t>(pending </a:t>
                   </a:r>
                   <a:r>
                     <a:rPr lang="en-US" altLang="zh-CN" sz="1200" dirty="0" err="1" smtClean="0">
@@ -7490,7 +8086,7 @@
         </p:nvGrpSpPr>
         <p:grpSpPr>
           <a:xfrm>
-            <a:off x="38987955" y="11504314"/>
+            <a:off x="39070550" y="14913164"/>
             <a:ext cx="2230336" cy="2459252"/>
             <a:chOff x="32208895" y="10237124"/>
             <a:chExt cx="2230336" cy="2459252"/>
@@ -7975,13 +8571,13 @@
           <p:nvPr/>
         </p:nvCxnSpPr>
         <p:spPr>
-          <a:xfrm>
-            <a:off x="41144365" y="6241234"/>
-            <a:ext cx="12700" cy="6372009"/>
+          <a:xfrm flipV="1">
+            <a:off x="37953110" y="16022093"/>
+            <a:ext cx="3273850" cy="8749607"/>
           </a:xfrm>
           <a:prstGeom prst="curvedConnector3">
             <a:avLst>
-              <a:gd name="adj1" fmla="val 1800000"/>
+              <a:gd name="adj1" fmla="val 106983"/>
             </a:avLst>
           </a:prstGeom>
           <a:ln w="12700">
@@ -8020,8 +8616,8 @@
         </p:nvCxnSpPr>
         <p:spPr>
           <a:xfrm flipV="1">
-            <a:off x="37675237" y="6241234"/>
-            <a:ext cx="598168" cy="11578"/>
+            <a:off x="34248709" y="24771700"/>
+            <a:ext cx="833441" cy="2774690"/>
           </a:xfrm>
           <a:prstGeom prst="curvedConnector3">
             <a:avLst>
@@ -8064,7 +8660,7 @@
         </p:nvCxnSpPr>
         <p:spPr>
           <a:xfrm rot="10800000" flipH="1">
-            <a:off x="34801847" y="6252813"/>
+            <a:off x="31375319" y="27546391"/>
             <a:ext cx="2429" cy="346613"/>
           </a:xfrm>
           <a:prstGeom prst="curvedConnector3">
@@ -8107,7 +8703,7 @@
         </p:nvCxnSpPr>
         <p:spPr>
           <a:xfrm rot="16200000" flipV="1">
-            <a:off x="37479057" y="9121240"/>
+            <a:off x="37561652" y="12530090"/>
             <a:ext cx="2674840" cy="4064071"/>
           </a:xfrm>
           <a:prstGeom prst="curvedConnector3">
@@ -8151,7 +8747,7 @@
         </p:nvCxnSpPr>
         <p:spPr>
           <a:xfrm rot="16200000" flipV="1">
-            <a:off x="37611637" y="8743568"/>
+            <a:off x="37694232" y="12152418"/>
             <a:ext cx="2409681" cy="4064071"/>
           </a:xfrm>
           <a:prstGeom prst="curvedConnector3">
@@ -8195,7 +8791,7 @@
         </p:nvCxnSpPr>
         <p:spPr>
           <a:xfrm>
-            <a:off x="11813313" y="5072792"/>
+            <a:off x="11895908" y="8481642"/>
             <a:ext cx="3077641" cy="614681"/>
           </a:xfrm>
           <a:prstGeom prst="straightConnector1">
@@ -8235,7 +8831,7 @@
         </p:nvCxnSpPr>
         <p:spPr>
           <a:xfrm>
-            <a:off x="11813313" y="5072792"/>
+            <a:off x="11895908" y="8481642"/>
             <a:ext cx="1180993" cy="3375708"/>
           </a:xfrm>
           <a:prstGeom prst="straightConnector1">
@@ -8275,8 +8871,8 @@
         </p:nvCxnSpPr>
         <p:spPr>
           <a:xfrm flipV="1">
-            <a:off x="24002213" y="4496779"/>
-            <a:ext cx="3872740" cy="943068"/>
+            <a:off x="24084808" y="1736103"/>
+            <a:ext cx="1840740" cy="7112594"/>
           </a:xfrm>
           <a:prstGeom prst="straightConnector1">
             <a:avLst/>
@@ -8315,7 +8911,7 @@
         </p:nvCxnSpPr>
         <p:spPr>
           <a:xfrm>
-            <a:off x="24002213" y="5439847"/>
+            <a:off x="24084808" y="8848697"/>
             <a:ext cx="3076874" cy="2729772"/>
           </a:xfrm>
           <a:prstGeom prst="straightConnector1">
@@ -8355,7 +8951,7 @@
         </p:nvCxnSpPr>
         <p:spPr>
           <a:xfrm>
-            <a:off x="24002213" y="5439847"/>
+            <a:off x="24084808" y="8848697"/>
             <a:ext cx="1828040" cy="5415782"/>
           </a:xfrm>
           <a:prstGeom prst="straightConnector1">
@@ -8395,7 +8991,7 @@
         </p:nvCxnSpPr>
         <p:spPr>
           <a:xfrm>
-            <a:off x="28701213" y="10855629"/>
+            <a:off x="28783808" y="14264479"/>
             <a:ext cx="2121811" cy="1808088"/>
           </a:xfrm>
           <a:prstGeom prst="straightConnector1">
@@ -8435,7 +9031,7 @@
         </p:nvCxnSpPr>
         <p:spPr>
           <a:xfrm rot="10800000" flipV="1">
-            <a:off x="30813164" y="13018496"/>
+            <a:off x="30895759" y="16427346"/>
             <a:ext cx="1967" cy="346613"/>
           </a:xfrm>
           <a:prstGeom prst="curvedConnector3">
@@ -8475,7 +9071,7 @@
         </p:nvGrpSpPr>
         <p:grpSpPr>
           <a:xfrm>
-            <a:off x="31860970" y="17264351"/>
+            <a:off x="31943565" y="20673201"/>
             <a:ext cx="2188002" cy="2459252"/>
             <a:chOff x="28190613" y="7522090"/>
             <a:chExt cx="2188002" cy="2459252"/>
@@ -8766,7 +9362,7 @@
         </p:nvGrpSpPr>
         <p:grpSpPr>
           <a:xfrm>
-            <a:off x="36352602" y="14542584"/>
+            <a:off x="36435197" y="17951434"/>
             <a:ext cx="2188002" cy="2459252"/>
             <a:chOff x="28190613" y="7522090"/>
             <a:chExt cx="2188002" cy="2459252"/>
@@ -9050,7 +9646,7 @@
         </p:nvCxnSpPr>
         <p:spPr>
           <a:xfrm>
-            <a:off x="33684123" y="13365110"/>
+            <a:off x="33766718" y="16773960"/>
             <a:ext cx="4609249" cy="1602844"/>
           </a:xfrm>
           <a:prstGeom prst="curvedConnector2">
@@ -9092,7 +9688,7 @@
         </p:nvCxnSpPr>
         <p:spPr>
           <a:xfrm>
-            <a:off x="24002213" y="5439847"/>
+            <a:off x="24084808" y="8848697"/>
             <a:ext cx="1095294" cy="7640706"/>
           </a:xfrm>
           <a:prstGeom prst="straightConnector1">
@@ -9129,7 +9725,7 @@
         </p:nvGrpSpPr>
         <p:grpSpPr>
           <a:xfrm>
-            <a:off x="21990443" y="15848112"/>
+            <a:off x="22073038" y="19256962"/>
             <a:ext cx="2870960" cy="1642947"/>
             <a:chOff x="13029439" y="4656253"/>
             <a:chExt cx="7290841" cy="5573392"/>
@@ -9310,7 +9906,7 @@
         </p:nvGrpSpPr>
         <p:grpSpPr>
           <a:xfrm>
-            <a:off x="25253752" y="16034012"/>
+            <a:off x="25336347" y="19442862"/>
             <a:ext cx="2870960" cy="1642947"/>
             <a:chOff x="13029439" y="4656253"/>
             <a:chExt cx="7290841" cy="5573392"/>
@@ -9598,7 +10194,7 @@
         </p:nvCxnSpPr>
         <p:spPr>
           <a:xfrm flipV="1">
-            <a:off x="23425923" y="15000806"/>
+            <a:off x="23508518" y="18409656"/>
             <a:ext cx="1647144" cy="847306"/>
           </a:xfrm>
           <a:prstGeom prst="straightConnector1">
@@ -9635,7 +10231,7 @@
         </p:nvGrpSpPr>
         <p:grpSpPr>
           <a:xfrm>
-            <a:off x="23662027" y="13080553"/>
+            <a:off x="23744622" y="16489403"/>
             <a:ext cx="2870960" cy="1920261"/>
             <a:chOff x="16605841" y="13020676"/>
             <a:chExt cx="2870960" cy="1920261"/>
@@ -9933,7 +10529,7 @@
         </p:nvCxnSpPr>
         <p:spPr>
           <a:xfrm flipH="1" flipV="1">
-            <a:off x="25073067" y="15000806"/>
+            <a:off x="25155662" y="18409656"/>
             <a:ext cx="1616165" cy="1033206"/>
           </a:xfrm>
           <a:prstGeom prst="straightConnector1">
@@ -9973,7 +10569,7 @@
         </p:nvCxnSpPr>
         <p:spPr>
           <a:xfrm flipH="1">
-            <a:off x="28124712" y="15141261"/>
+            <a:off x="28207307" y="18550111"/>
             <a:ext cx="10341966" cy="1412671"/>
           </a:xfrm>
           <a:prstGeom prst="bentConnector3">
@@ -10016,7 +10612,7 @@
         </p:nvCxnSpPr>
         <p:spPr>
           <a:xfrm>
-            <a:off x="28124712" y="16900545"/>
+            <a:off x="28207307" y="20309395"/>
             <a:ext cx="5554481" cy="1085029"/>
           </a:xfrm>
           <a:prstGeom prst="curvedConnector4">
@@ -10058,7 +10654,7 @@
         </p:nvGrpSpPr>
         <p:grpSpPr>
           <a:xfrm>
-            <a:off x="27265733" y="13932782"/>
+            <a:off x="27348328" y="17341632"/>
             <a:ext cx="2870960" cy="1642947"/>
             <a:chOff x="13029439" y="4656253"/>
             <a:chExt cx="7290841" cy="5573392"/>
@@ -10272,7 +10868,7 @@
         </p:nvCxnSpPr>
         <p:spPr>
           <a:xfrm flipH="1" flipV="1">
-            <a:off x="30136693" y="14452702"/>
+            <a:off x="30219288" y="17861552"/>
             <a:ext cx="3838353" cy="3410326"/>
           </a:xfrm>
           <a:prstGeom prst="bentConnector3">
@@ -10314,13 +10910,15 @@
           <p:nvPr/>
         </p:nvCxnSpPr>
         <p:spPr>
-          <a:xfrm flipV="1">
-            <a:off x="33975046" y="6252812"/>
-            <a:ext cx="829231" cy="11610216"/>
+          <a:xfrm flipH="1">
+            <a:off x="31377749" y="21271878"/>
+            <a:ext cx="2679892" cy="6274512"/>
           </a:xfrm>
-          <a:prstGeom prst="bentConnector3">
+          <a:prstGeom prst="bentConnector5">
             <a:avLst>
-              <a:gd name="adj1" fmla="val 50000"/>
+              <a:gd name="adj1" fmla="val -8530"/>
+              <a:gd name="adj2" fmla="val 50000"/>
+              <a:gd name="adj3" fmla="val 108530"/>
             </a:avLst>
           </a:prstGeom>
           <a:ln w="12700">
@@ -10355,7 +10953,7 @@
         </p:nvGrpSpPr>
         <p:grpSpPr>
           <a:xfrm>
-            <a:off x="36854088" y="18415882"/>
+            <a:off x="36936683" y="21824732"/>
             <a:ext cx="2870960" cy="1642947"/>
             <a:chOff x="13029439" y="4656253"/>
             <a:chExt cx="7290841" cy="5573392"/>
@@ -10549,7 +11147,7 @@
         </p:nvCxnSpPr>
         <p:spPr>
           <a:xfrm rot="16200000" flipH="1">
-            <a:off x="34914073" y="16995787"/>
+            <a:off x="34996668" y="20404637"/>
             <a:ext cx="950228" cy="2929802"/>
           </a:xfrm>
           <a:prstGeom prst="bentConnector2">
@@ -10590,7 +11188,7 @@
         </p:nvCxnSpPr>
         <p:spPr>
           <a:xfrm>
-            <a:off x="33693984" y="12663717"/>
+            <a:off x="33776579" y="16072567"/>
             <a:ext cx="3160104" cy="5925472"/>
           </a:xfrm>
           <a:prstGeom prst="straightConnector1">
@@ -10630,7 +11228,7 @@
         </p:nvCxnSpPr>
         <p:spPr>
           <a:xfrm rot="10800000">
-            <a:off x="36784442" y="9815856"/>
+            <a:off x="36867037" y="13224706"/>
             <a:ext cx="4013311" cy="3359530"/>
           </a:xfrm>
           <a:prstGeom prst="curvedConnector2">
@@ -10669,7 +11267,7 @@
         </p:nvSpPr>
         <p:spPr>
           <a:xfrm>
-            <a:off x="32243713" y="4173261"/>
+            <a:off x="34897529" y="6203576"/>
             <a:ext cx="2870960" cy="346613"/>
           </a:xfrm>
           <a:prstGeom prst="rect">
@@ -10703,17 +11301,7 @@
                 <a:latin typeface="Minion Pro Bold Cond"/>
                 <a:cs typeface="Minion Pro Bold Cond"/>
               </a:rPr>
-              <a:t>tx</a:t>
-            </a:r>
-            <a:r>
-              <a:rPr lang="en-US" altLang="zh-CN" sz="1200" dirty="0" err="1" smtClean="0">
-                <a:solidFill>
-                  <a:schemeClr val="tx2"/>
-                </a:solidFill>
-                <a:latin typeface="Minion Pro Bold Cond"/>
-                <a:cs typeface="Minion Pro Bold Cond"/>
-              </a:rPr>
-              <a:t>Feed</a:t>
+              <a:t>txFeed</a:t>
             </a:r>
             <a:endParaRPr lang="en-US" altLang="zh-CN" sz="1200" dirty="0" smtClean="0">
               <a:solidFill>
@@ -10795,9 +11383,9 @@
           <p:nvPr/>
         </p:nvCxnSpPr>
         <p:spPr>
-          <a:xfrm flipV="1">
-            <a:off x="30745913" y="4346568"/>
-            <a:ext cx="1497800" cy="487325"/>
+          <a:xfrm>
+            <a:off x="28796508" y="2073217"/>
+            <a:ext cx="6101021" cy="4303666"/>
           </a:xfrm>
           <a:prstGeom prst="curvedConnector3">
             <a:avLst>
@@ -10839,9 +11427,9 @@
           <p:nvPr/>
         </p:nvCxnSpPr>
         <p:spPr>
-          <a:xfrm flipV="1">
-            <a:off x="30745913" y="4346568"/>
-            <a:ext cx="1497800" cy="854067"/>
+          <a:xfrm>
+            <a:off x="28796508" y="2439959"/>
+            <a:ext cx="6101021" cy="3936924"/>
           </a:xfrm>
           <a:prstGeom prst="curvedConnector3">
             <a:avLst>
@@ -10875,92 +11463,6 @@
       </p:cxnSp>
       <p:cxnSp>
         <p:nvCxnSpPr>
-          <p:cNvPr id="180" name="曲线连接符 179"/>
-          <p:cNvCxnSpPr>
-            <a:stCxn id="178" idx="1"/>
-            <a:endCxn id="165" idx="1"/>
-          </p:cNvCxnSpPr>
-          <p:nvPr/>
-        </p:nvCxnSpPr>
-        <p:spPr>
-          <a:xfrm rot="10800000">
-            <a:off x="27874953" y="4833893"/>
-            <a:ext cx="12700" cy="725676"/>
-          </a:xfrm>
-          <a:prstGeom prst="curvedConnector3">
-            <a:avLst>
-              <a:gd name="adj1" fmla="val 4200000"/>
-            </a:avLst>
-          </a:prstGeom>
-          <a:ln w="12700">
-            <a:solidFill>
-              <a:schemeClr val="bg1">
-                <a:lumMod val="50000"/>
-              </a:schemeClr>
-            </a:solidFill>
-            <a:tailEnd type="arrow"/>
-          </a:ln>
-        </p:spPr>
-        <p:style>
-          <a:lnRef idx="2">
-            <a:schemeClr val="accent1"/>
-          </a:lnRef>
-          <a:fillRef idx="0">
-            <a:schemeClr val="accent1"/>
-          </a:fillRef>
-          <a:effectRef idx="1">
-            <a:schemeClr val="accent1"/>
-          </a:effectRef>
-          <a:fontRef idx="minor">
-            <a:schemeClr val="tx1"/>
-          </a:fontRef>
-        </p:style>
-      </p:cxnSp>
-      <p:cxnSp>
-        <p:nvCxnSpPr>
-          <p:cNvPr id="183" name="曲线连接符 182"/>
-          <p:cNvCxnSpPr>
-            <a:stCxn id="179" idx="1"/>
-            <a:endCxn id="165" idx="1"/>
-          </p:cNvCxnSpPr>
-          <p:nvPr/>
-        </p:nvCxnSpPr>
-        <p:spPr>
-          <a:xfrm rot="10800000">
-            <a:off x="27874953" y="4833893"/>
-            <a:ext cx="12700" cy="1060728"/>
-          </a:xfrm>
-          <a:prstGeom prst="curvedConnector3">
-            <a:avLst>
-              <a:gd name="adj1" fmla="val 7500000"/>
-            </a:avLst>
-          </a:prstGeom>
-          <a:ln w="12700">
-            <a:solidFill>
-              <a:schemeClr val="bg1">
-                <a:lumMod val="50000"/>
-              </a:schemeClr>
-            </a:solidFill>
-            <a:tailEnd type="arrow"/>
-          </a:ln>
-        </p:spPr>
-        <p:style>
-          <a:lnRef idx="2">
-            <a:schemeClr val="accent1"/>
-          </a:lnRef>
-          <a:fillRef idx="0">
-            <a:schemeClr val="accent1"/>
-          </a:fillRef>
-          <a:effectRef idx="1">
-            <a:schemeClr val="accent1"/>
-          </a:effectRef>
-          <a:fontRef idx="minor">
-            <a:schemeClr val="tx1"/>
-          </a:fontRef>
-        </p:style>
-      </p:cxnSp>
-      <p:cxnSp>
-        <p:nvCxnSpPr>
           <p:cNvPr id="188" name="曲线连接符 187"/>
           <p:cNvCxnSpPr>
             <a:stCxn id="164" idx="3"/>
@@ -10969,13 +11471,15 @@
           <p:nvPr/>
         </p:nvCxnSpPr>
         <p:spPr>
-          <a:xfrm>
-            <a:off x="35114673" y="4346568"/>
-            <a:ext cx="1375869" cy="5981758"/>
+          <a:xfrm flipH="1">
+            <a:off x="36573137" y="6376883"/>
+            <a:ext cx="1195352" cy="7360293"/>
           </a:xfrm>
-          <a:prstGeom prst="curvedConnector3">
+          <a:prstGeom prst="curvedConnector5">
             <a:avLst>
-              <a:gd name="adj1" fmla="val 50000"/>
+              <a:gd name="adj1" fmla="val -19124"/>
+              <a:gd name="adj2" fmla="val 50000"/>
+              <a:gd name="adj3" fmla="val 119124"/>
             </a:avLst>
           </a:prstGeom>
           <a:ln w="12700">
@@ -11014,7 +11518,7 @@
         </p:nvCxnSpPr>
         <p:spPr>
           <a:xfrm rot="5400000">
-            <a:off x="35592762" y="11200981"/>
+            <a:off x="35675357" y="14609831"/>
             <a:ext cx="1770437" cy="371739"/>
           </a:xfrm>
           <a:prstGeom prst="bentConnector2">
@@ -11055,7 +11559,7 @@
         </p:nvCxnSpPr>
         <p:spPr>
           <a:xfrm rot="16200000" flipH="1" flipV="1">
-            <a:off x="34292659" y="11411522"/>
+            <a:off x="34375254" y="14820372"/>
             <a:ext cx="1000406" cy="2213543"/>
           </a:xfrm>
           <a:prstGeom prst="bentConnector4">
@@ -11099,7 +11603,7 @@
         </p:nvCxnSpPr>
         <p:spPr>
           <a:xfrm rot="5400000">
-            <a:off x="34199040" y="12011130"/>
+            <a:off x="34281635" y="15419980"/>
             <a:ext cx="1185676" cy="2215510"/>
           </a:xfrm>
           <a:prstGeom prst="bentConnector2">
@@ -11137,7 +11641,7 @@
         </p:nvGrpSpPr>
         <p:grpSpPr>
           <a:xfrm>
-            <a:off x="33972010" y="11897575"/>
+            <a:off x="34054605" y="15306425"/>
             <a:ext cx="2454518" cy="792940"/>
             <a:chOff x="26260873" y="10824279"/>
             <a:chExt cx="2454518" cy="792940"/>
@@ -11318,7 +11822,7 @@
         </p:nvCxnSpPr>
         <p:spPr>
           <a:xfrm rot="10800000" flipH="1" flipV="1">
-            <a:off x="30813162" y="13711722"/>
+            <a:off x="30895757" y="17120572"/>
             <a:ext cx="8169" cy="346613"/>
           </a:xfrm>
           <a:prstGeom prst="curvedConnector3">
@@ -11358,7 +11862,7 @@
         </p:nvGrpSpPr>
         <p:grpSpPr>
           <a:xfrm>
-            <a:off x="13583614" y="14889197"/>
+            <a:off x="9699826" y="18385002"/>
             <a:ext cx="2870960" cy="1642947"/>
             <a:chOff x="13029439" y="4656253"/>
             <a:chExt cx="7290841" cy="5573392"/>
@@ -11643,7 +12147,7 @@
         </p:nvGrpSpPr>
         <p:grpSpPr>
           <a:xfrm>
-            <a:off x="20554963" y="18785441"/>
+            <a:off x="20637558" y="22194291"/>
             <a:ext cx="2870960" cy="1642947"/>
             <a:chOff x="13029439" y="4656253"/>
             <a:chExt cx="7290841" cy="5573392"/>
@@ -11824,7 +12328,7 @@
         </p:nvGrpSpPr>
         <p:grpSpPr>
           <a:xfrm>
-            <a:off x="16935908" y="19541830"/>
+            <a:off x="17018503" y="22950680"/>
             <a:ext cx="2870960" cy="1642947"/>
             <a:chOff x="13029439" y="4656253"/>
             <a:chExt cx="7290841" cy="5573392"/>
@@ -12008,7 +12512,7 @@
         </p:nvCxnSpPr>
         <p:spPr>
           <a:xfrm flipH="1">
-            <a:off x="23425923" y="15883460"/>
+            <a:off x="23508518" y="19292310"/>
             <a:ext cx="8832581" cy="3075288"/>
           </a:xfrm>
           <a:prstGeom prst="straightConnector1">
@@ -12048,7 +12552,7 @@
         </p:nvCxnSpPr>
         <p:spPr>
           <a:xfrm flipH="1">
-            <a:off x="19806868" y="18958748"/>
+            <a:off x="19889463" y="22367598"/>
             <a:ext cx="748095" cy="756389"/>
           </a:xfrm>
           <a:prstGeom prst="straightConnector1">
@@ -12085,7 +12589,7 @@
         </p:nvGrpSpPr>
         <p:grpSpPr>
           <a:xfrm>
-            <a:off x="17742987" y="17491059"/>
+            <a:off x="17825582" y="20899909"/>
             <a:ext cx="1563620" cy="1057033"/>
             <a:chOff x="13029439" y="4656253"/>
             <a:chExt cx="7290841" cy="3585787"/>
@@ -12239,7 +12743,7 @@
         </p:nvCxnSpPr>
         <p:spPr>
           <a:xfrm flipH="1" flipV="1">
-            <a:off x="19306607" y="17664366"/>
+            <a:off x="19389202" y="21073216"/>
             <a:ext cx="1248356" cy="1294382"/>
           </a:xfrm>
           <a:prstGeom prst="straightConnector1">
@@ -12279,12 +12783,12 @@
         </p:nvCxnSpPr>
         <p:spPr>
           <a:xfrm flipH="1">
-            <a:off x="16454574" y="14058336"/>
-            <a:ext cx="17237718" cy="1350781"/>
+            <a:off x="12570786" y="17467186"/>
+            <a:ext cx="21204101" cy="1437736"/>
           </a:xfrm>
           <a:prstGeom prst="curvedConnector3">
             <a:avLst>
-              <a:gd name="adj1" fmla="val -1326"/>
+              <a:gd name="adj1" fmla="val -1078"/>
             </a:avLst>
           </a:prstGeom>
           <a:ln w="12700">
@@ -12322,7 +12826,7 @@
         </p:nvCxnSpPr>
         <p:spPr>
           <a:xfrm rot="10800000" flipV="1">
-            <a:off x="13583614" y="15409117"/>
+            <a:off x="9699826" y="18904922"/>
             <a:ext cx="12700" cy="301554"/>
           </a:xfrm>
           <a:prstGeom prst="curvedConnector3">
@@ -12362,7 +12866,7 @@
         </p:nvGrpSpPr>
         <p:grpSpPr>
           <a:xfrm>
-            <a:off x="12489323" y="16964694"/>
+            <a:off x="8605535" y="20460499"/>
             <a:ext cx="2870960" cy="1642947"/>
             <a:chOff x="13029439" y="4656253"/>
             <a:chExt cx="7290841" cy="5573392"/>
@@ -12546,7 +13050,7 @@
         </p:nvCxnSpPr>
         <p:spPr>
           <a:xfrm flipH="1">
-            <a:off x="12489323" y="15749036"/>
+            <a:off x="8605535" y="19244841"/>
             <a:ext cx="3965251" cy="1735578"/>
           </a:xfrm>
           <a:prstGeom prst="curvedConnector5">
@@ -12588,7 +13092,7 @@
         </p:nvGrpSpPr>
         <p:grpSpPr>
           <a:xfrm>
-            <a:off x="12488191" y="19237355"/>
+            <a:off x="8604403" y="22733160"/>
             <a:ext cx="2870960" cy="1642947"/>
             <a:chOff x="13029439" y="4656253"/>
             <a:chExt cx="7290841" cy="5573392"/>
@@ -12778,17 +13282,7 @@
                   <a:latin typeface="Minion Pro Bold Cond"/>
                   <a:cs typeface="Minion Pro Bold Cond"/>
                 </a:rPr>
-                <a:t> </a:t>
-              </a:r>
-              <a:r>
-                <a:rPr lang="en-US" altLang="zh-CN" sz="1200" dirty="0" smtClean="0">
-                  <a:solidFill>
-                    <a:schemeClr val="tx2"/>
-                  </a:solidFill>
-                  <a:latin typeface="Minion Pro Bold Cond"/>
-                  <a:cs typeface="Minion Pro Bold Cond"/>
-                </a:rPr>
-                <a:t>EVM</a:t>
+                <a:t> EVM</a:t>
               </a:r>
               <a:r>
                 <a:rPr lang="zh-CN" altLang="en-US" sz="1200" dirty="0" smtClean="0">
@@ -12822,7 +13316,7 @@
         </p:nvCxnSpPr>
         <p:spPr>
           <a:xfrm flipH="1">
-            <a:off x="13923671" y="18607641"/>
+            <a:off x="10039883" y="22103446"/>
             <a:ext cx="1132" cy="629714"/>
           </a:xfrm>
           <a:prstGeom prst="straightConnector1">
@@ -12862,7 +13356,7 @@
         </p:nvCxnSpPr>
         <p:spPr>
           <a:xfrm rot="10800000" flipV="1">
-            <a:off x="25253752" y="16553931"/>
+            <a:off x="25336347" y="19962781"/>
             <a:ext cx="12700" cy="346613"/>
           </a:xfrm>
           <a:prstGeom prst="curvedConnector3">
@@ -12877,6 +13371,4558 @@
               </a:schemeClr>
             </a:solidFill>
             <a:tailEnd type="arrow"/>
+          </a:ln>
+        </p:spPr>
+        <p:style>
+          <a:lnRef idx="2">
+            <a:schemeClr val="accent1"/>
+          </a:lnRef>
+          <a:fillRef idx="0">
+            <a:schemeClr val="accent1"/>
+          </a:fillRef>
+          <a:effectRef idx="1">
+            <a:schemeClr val="accent1"/>
+          </a:effectRef>
+          <a:fontRef idx="minor">
+            <a:schemeClr val="tx1"/>
+          </a:fontRef>
+        </p:style>
+      </p:cxnSp>
+      <p:grpSp>
+        <p:nvGrpSpPr>
+          <p:cNvPr id="212" name="组 211"/>
+          <p:cNvGrpSpPr/>
+          <p:nvPr/>
+        </p:nvGrpSpPr>
+        <p:grpSpPr>
+          <a:xfrm>
+            <a:off x="32341099" y="1609103"/>
+            <a:ext cx="1563620" cy="1642947"/>
+            <a:chOff x="13029439" y="4656253"/>
+            <a:chExt cx="7290841" cy="5573392"/>
+          </a:xfrm>
+        </p:grpSpPr>
+        <p:sp>
+          <p:nvSpPr>
+            <p:cNvPr id="213" name="矩形 212"/>
+            <p:cNvSpPr/>
+            <p:nvPr/>
+          </p:nvSpPr>
+          <p:spPr>
+            <a:xfrm>
+              <a:off x="13029439" y="4656253"/>
+              <a:ext cx="7290841" cy="5573392"/>
+            </a:xfrm>
+            <a:prstGeom prst="rect">
+              <a:avLst/>
+            </a:prstGeom>
+          </p:spPr>
+          <p:style>
+            <a:lnRef idx="1">
+              <a:schemeClr val="accent3"/>
+            </a:lnRef>
+            <a:fillRef idx="2">
+              <a:schemeClr val="accent3"/>
+            </a:fillRef>
+            <a:effectRef idx="1">
+              <a:schemeClr val="accent3"/>
+            </a:effectRef>
+            <a:fontRef idx="minor">
+              <a:schemeClr val="dk1"/>
+            </a:fontRef>
+          </p:style>
+          <p:txBody>
+            <a:bodyPr rtlCol="0" anchor="ctr"/>
+            <a:lstStyle/>
+            <a:p>
+              <a:pPr algn="ctr"/>
+              <a:endParaRPr kumimoji="1" lang="zh-CN" altLang="en-US"/>
+            </a:p>
+          </p:txBody>
+        </p:sp>
+        <p:sp>
+          <p:nvSpPr>
+            <p:cNvPr id="214" name="矩形 213"/>
+            <p:cNvSpPr/>
+            <p:nvPr/>
+          </p:nvSpPr>
+          <p:spPr>
+            <a:xfrm>
+              <a:off x="13029439" y="4656253"/>
+              <a:ext cx="7290841" cy="1175820"/>
+            </a:xfrm>
+            <a:prstGeom prst="rect">
+              <a:avLst/>
+            </a:prstGeom>
+          </p:spPr>
+          <p:style>
+            <a:lnRef idx="1">
+              <a:schemeClr val="accent2"/>
+            </a:lnRef>
+            <a:fillRef idx="2">
+              <a:schemeClr val="accent2"/>
+            </a:fillRef>
+            <a:effectRef idx="1">
+              <a:schemeClr val="accent2"/>
+            </a:effectRef>
+            <a:fontRef idx="minor">
+              <a:schemeClr val="dk1"/>
+            </a:fontRef>
+          </p:style>
+          <p:txBody>
+            <a:bodyPr rtlCol="0" anchor="ctr"/>
+            <a:lstStyle/>
+            <a:p>
+              <a:pPr algn="ctr"/>
+              <a:r>
+                <a:rPr lang="en-US" altLang="zh-CN" sz="1200" dirty="0">
+                  <a:solidFill>
+                    <a:schemeClr val="tx2"/>
+                  </a:solidFill>
+                  <a:latin typeface="Minion Pro Bold Cond"/>
+                  <a:cs typeface="Minion Pro Bold Cond"/>
+                </a:rPr>
+                <a:t>q</a:t>
+              </a:r>
+              <a:r>
+                <a:rPr lang="en-US" altLang="zh-CN" sz="1200" dirty="0" smtClean="0">
+                  <a:solidFill>
+                    <a:schemeClr val="tx2"/>
+                  </a:solidFill>
+                  <a:latin typeface="Minion Pro Bold Cond"/>
+                  <a:cs typeface="Minion Pro Bold Cond"/>
+                </a:rPr>
+                <a:t>ueue - map</a:t>
+              </a:r>
+              <a:endParaRPr lang="zh-CN" altLang="en-US" sz="1200" dirty="0">
+                <a:solidFill>
+                  <a:schemeClr val="tx2"/>
+                </a:solidFill>
+                <a:latin typeface="Minion Pro Bold Cond"/>
+                <a:cs typeface="Minion Pro Bold Cond"/>
+              </a:endParaRPr>
+            </a:p>
+          </p:txBody>
+        </p:sp>
+        <p:sp>
+          <p:nvSpPr>
+            <p:cNvPr id="216" name="矩形 215"/>
+            <p:cNvSpPr/>
+            <p:nvPr/>
+          </p:nvSpPr>
+          <p:spPr>
+            <a:xfrm>
+              <a:off x="13029439" y="5832073"/>
+              <a:ext cx="7290841" cy="1175820"/>
+            </a:xfrm>
+            <a:prstGeom prst="rect">
+              <a:avLst/>
+            </a:prstGeom>
+          </p:spPr>
+          <p:style>
+            <a:lnRef idx="1">
+              <a:schemeClr val="accent3"/>
+            </a:lnRef>
+            <a:fillRef idx="2">
+              <a:schemeClr val="accent3"/>
+            </a:fillRef>
+            <a:effectRef idx="1">
+              <a:schemeClr val="accent3"/>
+            </a:effectRef>
+            <a:fontRef idx="minor">
+              <a:schemeClr val="dk1"/>
+            </a:fontRef>
+          </p:style>
+          <p:txBody>
+            <a:bodyPr rtlCol="0" anchor="ctr"/>
+            <a:lstStyle/>
+            <a:p>
+              <a:pPr algn="ctr"/>
+              <a:r>
+                <a:rPr lang="en-US" altLang="zh-CN" sz="1200" dirty="0">
+                  <a:solidFill>
+                    <a:schemeClr val="tx2"/>
+                  </a:solidFill>
+                  <a:latin typeface="Minion Pro Bold Cond"/>
+                  <a:cs typeface="Minion Pro Bold Cond"/>
+                </a:rPr>
+                <a:t>a</a:t>
+              </a:r>
+              <a:r>
+                <a:rPr lang="en-US" altLang="zh-CN" sz="1200" dirty="0" smtClean="0">
+                  <a:solidFill>
+                    <a:schemeClr val="tx2"/>
+                  </a:solidFill>
+                  <a:latin typeface="Minion Pro Bold Cond"/>
+                  <a:cs typeface="Minion Pro Bold Cond"/>
+                </a:rPr>
+                <a:t>ccount - </a:t>
+              </a:r>
+              <a:r>
+                <a:rPr lang="en-US" altLang="zh-CN" sz="1200" dirty="0" err="1" smtClean="0">
+                  <a:solidFill>
+                    <a:schemeClr val="tx2"/>
+                  </a:solidFill>
+                  <a:latin typeface="Minion Pro Bold Cond"/>
+                  <a:cs typeface="Minion Pro Bold Cond"/>
+                </a:rPr>
+                <a:t>txList</a:t>
+              </a:r>
+              <a:endParaRPr lang="zh-CN" altLang="en-US" sz="1200" dirty="0">
+                <a:solidFill>
+                  <a:schemeClr val="tx2"/>
+                </a:solidFill>
+                <a:latin typeface="Minion Pro Bold Cond"/>
+                <a:cs typeface="Minion Pro Bold Cond"/>
+              </a:endParaRPr>
+            </a:p>
+          </p:txBody>
+        </p:sp>
+      </p:grpSp>
+      <p:cxnSp>
+        <p:nvCxnSpPr>
+          <p:cNvPr id="218" name="直线箭头连接符 217"/>
+          <p:cNvCxnSpPr>
+            <a:stCxn id="24" idx="3"/>
+            <a:endCxn id="214" idx="1"/>
+          </p:cNvCxnSpPr>
+          <p:nvPr/>
+        </p:nvCxnSpPr>
+        <p:spPr>
+          <a:xfrm>
+            <a:off x="28796508" y="1736103"/>
+            <a:ext cx="3544591" cy="46307"/>
+          </a:xfrm>
+          <a:prstGeom prst="straightConnector1">
+            <a:avLst/>
+          </a:prstGeom>
+          <a:ln w="12700">
+            <a:solidFill>
+              <a:schemeClr val="tx1"/>
+            </a:solidFill>
+            <a:headEnd type="diamond" w="lg" len="lg"/>
+            <a:tailEnd type="triangle" w="lg" len="lg"/>
+          </a:ln>
+        </p:spPr>
+        <p:style>
+          <a:lnRef idx="2">
+            <a:schemeClr val="accent1"/>
+          </a:lnRef>
+          <a:fillRef idx="0">
+            <a:schemeClr val="accent1"/>
+          </a:fillRef>
+          <a:effectRef idx="1">
+            <a:schemeClr val="accent1"/>
+          </a:effectRef>
+          <a:fontRef idx="minor">
+            <a:schemeClr val="tx1"/>
+          </a:fontRef>
+        </p:style>
+      </p:cxnSp>
+      <p:cxnSp>
+        <p:nvCxnSpPr>
+          <p:cNvPr id="224" name="直线箭头连接符 223"/>
+          <p:cNvCxnSpPr>
+            <a:stCxn id="24" idx="3"/>
+            <a:endCxn id="255" idx="0"/>
+          </p:cNvCxnSpPr>
+          <p:nvPr/>
+        </p:nvCxnSpPr>
+        <p:spPr>
+          <a:xfrm>
+            <a:off x="28796508" y="1736103"/>
+            <a:ext cx="2211273" cy="4714814"/>
+          </a:xfrm>
+          <a:prstGeom prst="straightConnector1">
+            <a:avLst/>
+          </a:prstGeom>
+          <a:ln w="12700">
+            <a:solidFill>
+              <a:schemeClr val="tx1"/>
+            </a:solidFill>
+            <a:headEnd type="diamond" w="lg" len="lg"/>
+            <a:tailEnd type="triangle" w="lg" len="lg"/>
+          </a:ln>
+        </p:spPr>
+        <p:style>
+          <a:lnRef idx="2">
+            <a:schemeClr val="accent1"/>
+          </a:lnRef>
+          <a:fillRef idx="0">
+            <a:schemeClr val="accent1"/>
+          </a:fillRef>
+          <a:effectRef idx="1">
+            <a:schemeClr val="accent1"/>
+          </a:effectRef>
+          <a:fontRef idx="minor">
+            <a:schemeClr val="tx1"/>
+          </a:fontRef>
+        </p:style>
+      </p:cxnSp>
+      <p:grpSp>
+        <p:nvGrpSpPr>
+          <p:cNvPr id="251" name="组 250"/>
+          <p:cNvGrpSpPr/>
+          <p:nvPr/>
+        </p:nvGrpSpPr>
+        <p:grpSpPr>
+          <a:xfrm>
+            <a:off x="29572301" y="6450917"/>
+            <a:ext cx="2870960" cy="1089593"/>
+            <a:chOff x="13029439" y="4656253"/>
+            <a:chExt cx="7290841" cy="3696241"/>
+          </a:xfrm>
+        </p:grpSpPr>
+        <p:sp>
+          <p:nvSpPr>
+            <p:cNvPr id="254" name="矩形 253"/>
+            <p:cNvSpPr/>
+            <p:nvPr/>
+          </p:nvSpPr>
+          <p:spPr>
+            <a:xfrm>
+              <a:off x="13029439" y="4656256"/>
+              <a:ext cx="7290841" cy="3696238"/>
+            </a:xfrm>
+            <a:prstGeom prst="rect">
+              <a:avLst/>
+            </a:prstGeom>
+          </p:spPr>
+          <p:style>
+            <a:lnRef idx="1">
+              <a:schemeClr val="accent1"/>
+            </a:lnRef>
+            <a:fillRef idx="2">
+              <a:schemeClr val="accent1"/>
+            </a:fillRef>
+            <a:effectRef idx="1">
+              <a:schemeClr val="accent1"/>
+            </a:effectRef>
+            <a:fontRef idx="minor">
+              <a:schemeClr val="dk1"/>
+            </a:fontRef>
+          </p:style>
+          <p:txBody>
+            <a:bodyPr rtlCol="0" anchor="ctr"/>
+            <a:lstStyle/>
+            <a:p>
+              <a:pPr algn="ctr"/>
+              <a:endParaRPr kumimoji="1" lang="zh-CN" altLang="en-US"/>
+            </a:p>
+          </p:txBody>
+        </p:sp>
+        <p:sp>
+          <p:nvSpPr>
+            <p:cNvPr id="255" name="矩形 254"/>
+            <p:cNvSpPr/>
+            <p:nvPr/>
+          </p:nvSpPr>
+          <p:spPr>
+            <a:xfrm>
+              <a:off x="13029439" y="4656253"/>
+              <a:ext cx="7290841" cy="1175820"/>
+            </a:xfrm>
+            <a:prstGeom prst="rect">
+              <a:avLst/>
+            </a:prstGeom>
+          </p:spPr>
+          <p:style>
+            <a:lnRef idx="1">
+              <a:schemeClr val="accent6"/>
+            </a:lnRef>
+            <a:fillRef idx="2">
+              <a:schemeClr val="accent6"/>
+            </a:fillRef>
+            <a:effectRef idx="1">
+              <a:schemeClr val="accent6"/>
+            </a:effectRef>
+            <a:fontRef idx="minor">
+              <a:schemeClr val="dk1"/>
+            </a:fontRef>
+          </p:style>
+          <p:txBody>
+            <a:bodyPr rtlCol="0" anchor="ctr"/>
+            <a:lstStyle/>
+            <a:p>
+              <a:pPr algn="ctr"/>
+              <a:r>
+                <a:rPr lang="en-US" altLang="zh-CN" sz="1200" dirty="0">
+                  <a:solidFill>
+                    <a:schemeClr val="tx2"/>
+                  </a:solidFill>
+                  <a:latin typeface="Minion Pro Bold Cond"/>
+                  <a:cs typeface="Minion Pro Bold Cond"/>
+                </a:rPr>
+                <a:t>a</a:t>
+              </a:r>
+              <a:r>
+                <a:rPr lang="en-US" altLang="zh-CN" sz="1200" dirty="0" smtClean="0">
+                  <a:solidFill>
+                    <a:schemeClr val="tx2"/>
+                  </a:solidFill>
+                  <a:latin typeface="Minion Pro Bold Cond"/>
+                  <a:cs typeface="Minion Pro Bold Cond"/>
+                </a:rPr>
+                <a:t>ll - </a:t>
+              </a:r>
+              <a:r>
+                <a:rPr lang="en-US" altLang="zh-CN" sz="1200" dirty="0" err="1" smtClean="0">
+                  <a:solidFill>
+                    <a:schemeClr val="tx2"/>
+                  </a:solidFill>
+                  <a:latin typeface="Minion Pro Bold Cond"/>
+                  <a:cs typeface="Minion Pro Bold Cond"/>
+                </a:rPr>
+                <a:t>txLookup</a:t>
+              </a:r>
+              <a:endParaRPr lang="zh-CN" altLang="en-US" sz="1200" dirty="0">
+                <a:solidFill>
+                  <a:schemeClr val="tx2"/>
+                </a:solidFill>
+                <a:latin typeface="Minion Pro Bold Cond"/>
+                <a:cs typeface="Minion Pro Bold Cond"/>
+              </a:endParaRPr>
+            </a:p>
+          </p:txBody>
+        </p:sp>
+        <p:sp>
+          <p:nvSpPr>
+            <p:cNvPr id="256" name="矩形 255"/>
+            <p:cNvSpPr/>
+            <p:nvPr/>
+          </p:nvSpPr>
+          <p:spPr>
+            <a:xfrm>
+              <a:off x="13029439" y="5832073"/>
+              <a:ext cx="7290841" cy="1175820"/>
+            </a:xfrm>
+            <a:prstGeom prst="rect">
+              <a:avLst/>
+            </a:prstGeom>
+          </p:spPr>
+          <p:style>
+            <a:lnRef idx="1">
+              <a:schemeClr val="dk1"/>
+            </a:lnRef>
+            <a:fillRef idx="2">
+              <a:schemeClr val="dk1"/>
+            </a:fillRef>
+            <a:effectRef idx="1">
+              <a:schemeClr val="dk1"/>
+            </a:effectRef>
+            <a:fontRef idx="minor">
+              <a:schemeClr val="dk1"/>
+            </a:fontRef>
+          </p:style>
+          <p:txBody>
+            <a:bodyPr rtlCol="0" anchor="ctr"/>
+            <a:lstStyle/>
+            <a:p>
+              <a:pPr algn="ctr"/>
+              <a:r>
+                <a:rPr lang="en-US" altLang="zh-CN" sz="1200" dirty="0" smtClean="0">
+                  <a:solidFill>
+                    <a:schemeClr val="tx2"/>
+                  </a:solidFill>
+                  <a:latin typeface="Minion Pro Bold Cond"/>
+                  <a:cs typeface="Minion Pro Bold Cond"/>
+                </a:rPr>
+                <a:t>()</a:t>
+              </a:r>
+              <a:endParaRPr lang="zh-CN" altLang="en-US" sz="1200" dirty="0">
+                <a:solidFill>
+                  <a:schemeClr val="tx2"/>
+                </a:solidFill>
+                <a:latin typeface="Minion Pro Bold Cond"/>
+                <a:cs typeface="Minion Pro Bold Cond"/>
+              </a:endParaRPr>
+            </a:p>
+          </p:txBody>
+        </p:sp>
+      </p:grpSp>
+      <p:grpSp>
+        <p:nvGrpSpPr>
+          <p:cNvPr id="257" name="组 256"/>
+          <p:cNvGrpSpPr/>
+          <p:nvPr/>
+        </p:nvGrpSpPr>
+        <p:grpSpPr>
+          <a:xfrm>
+            <a:off x="32867158" y="6847283"/>
+            <a:ext cx="1563620" cy="1642947"/>
+            <a:chOff x="13029439" y="4656253"/>
+            <a:chExt cx="7290841" cy="5573392"/>
+          </a:xfrm>
+        </p:grpSpPr>
+        <p:sp>
+          <p:nvSpPr>
+            <p:cNvPr id="262" name="矩形 261"/>
+            <p:cNvSpPr/>
+            <p:nvPr/>
+          </p:nvSpPr>
+          <p:spPr>
+            <a:xfrm>
+              <a:off x="13029439" y="4656253"/>
+              <a:ext cx="7290841" cy="5573392"/>
+            </a:xfrm>
+            <a:prstGeom prst="rect">
+              <a:avLst/>
+            </a:prstGeom>
+          </p:spPr>
+          <p:style>
+            <a:lnRef idx="1">
+              <a:schemeClr val="accent3"/>
+            </a:lnRef>
+            <a:fillRef idx="2">
+              <a:schemeClr val="accent3"/>
+            </a:fillRef>
+            <a:effectRef idx="1">
+              <a:schemeClr val="accent3"/>
+            </a:effectRef>
+            <a:fontRef idx="minor">
+              <a:schemeClr val="dk1"/>
+            </a:fontRef>
+          </p:style>
+          <p:txBody>
+            <a:bodyPr rtlCol="0" anchor="ctr"/>
+            <a:lstStyle/>
+            <a:p>
+              <a:pPr algn="ctr"/>
+              <a:endParaRPr kumimoji="1" lang="zh-CN" altLang="en-US"/>
+            </a:p>
+          </p:txBody>
+        </p:sp>
+        <p:sp>
+          <p:nvSpPr>
+            <p:cNvPr id="263" name="矩形 262"/>
+            <p:cNvSpPr/>
+            <p:nvPr/>
+          </p:nvSpPr>
+          <p:spPr>
+            <a:xfrm>
+              <a:off x="13029439" y="4656253"/>
+              <a:ext cx="7290841" cy="1175820"/>
+            </a:xfrm>
+            <a:prstGeom prst="rect">
+              <a:avLst/>
+            </a:prstGeom>
+          </p:spPr>
+          <p:style>
+            <a:lnRef idx="1">
+              <a:schemeClr val="accent2"/>
+            </a:lnRef>
+            <a:fillRef idx="2">
+              <a:schemeClr val="accent2"/>
+            </a:fillRef>
+            <a:effectRef idx="1">
+              <a:schemeClr val="accent2"/>
+            </a:effectRef>
+            <a:fontRef idx="minor">
+              <a:schemeClr val="dk1"/>
+            </a:fontRef>
+          </p:style>
+          <p:txBody>
+            <a:bodyPr rtlCol="0" anchor="ctr"/>
+            <a:lstStyle/>
+            <a:p>
+              <a:pPr algn="ctr"/>
+              <a:r>
+                <a:rPr lang="en-US" altLang="zh-CN" sz="1200" dirty="0">
+                  <a:solidFill>
+                    <a:schemeClr val="tx2"/>
+                  </a:solidFill>
+                  <a:latin typeface="Minion Pro Bold Cond"/>
+                  <a:cs typeface="Minion Pro Bold Cond"/>
+                </a:rPr>
+                <a:t>a</a:t>
+              </a:r>
+              <a:r>
+                <a:rPr lang="en-US" altLang="zh-CN" sz="1200" dirty="0" smtClean="0">
+                  <a:solidFill>
+                    <a:schemeClr val="tx2"/>
+                  </a:solidFill>
+                  <a:latin typeface="Minion Pro Bold Cond"/>
+                  <a:cs typeface="Minion Pro Bold Cond"/>
+                </a:rPr>
+                <a:t>ll - map</a:t>
+              </a:r>
+              <a:endParaRPr lang="zh-CN" altLang="en-US" sz="1200" dirty="0">
+                <a:solidFill>
+                  <a:schemeClr val="tx2"/>
+                </a:solidFill>
+                <a:latin typeface="Minion Pro Bold Cond"/>
+                <a:cs typeface="Minion Pro Bold Cond"/>
+              </a:endParaRPr>
+            </a:p>
+          </p:txBody>
+        </p:sp>
+        <p:sp>
+          <p:nvSpPr>
+            <p:cNvPr id="264" name="矩形 263"/>
+            <p:cNvSpPr/>
+            <p:nvPr/>
+          </p:nvSpPr>
+          <p:spPr>
+            <a:xfrm>
+              <a:off x="13029439" y="5832073"/>
+              <a:ext cx="7290841" cy="1175820"/>
+            </a:xfrm>
+            <a:prstGeom prst="rect">
+              <a:avLst/>
+            </a:prstGeom>
+          </p:spPr>
+          <p:style>
+            <a:lnRef idx="1">
+              <a:schemeClr val="accent3"/>
+            </a:lnRef>
+            <a:fillRef idx="2">
+              <a:schemeClr val="accent3"/>
+            </a:fillRef>
+            <a:effectRef idx="1">
+              <a:schemeClr val="accent3"/>
+            </a:effectRef>
+            <a:fontRef idx="minor">
+              <a:schemeClr val="dk1"/>
+            </a:fontRef>
+          </p:style>
+          <p:txBody>
+            <a:bodyPr rtlCol="0" anchor="ctr"/>
+            <a:lstStyle/>
+            <a:p>
+              <a:pPr algn="ctr"/>
+              <a:r>
+                <a:rPr lang="en-US" altLang="zh-CN" sz="1200" dirty="0">
+                  <a:solidFill>
+                    <a:schemeClr val="tx2"/>
+                  </a:solidFill>
+                  <a:latin typeface="Minion Pro Bold Cond"/>
+                  <a:cs typeface="Minion Pro Bold Cond"/>
+                </a:rPr>
+                <a:t>h</a:t>
+              </a:r>
+              <a:r>
+                <a:rPr lang="en-US" altLang="zh-CN" sz="1200" dirty="0" smtClean="0">
+                  <a:solidFill>
+                    <a:schemeClr val="tx2"/>
+                  </a:solidFill>
+                  <a:latin typeface="Minion Pro Bold Cond"/>
+                  <a:cs typeface="Minion Pro Bold Cond"/>
+                </a:rPr>
+                <a:t>ash - </a:t>
+              </a:r>
+              <a:r>
+                <a:rPr lang="en-US" altLang="zh-CN" sz="1200" dirty="0" err="1" smtClean="0">
+                  <a:solidFill>
+                    <a:schemeClr val="tx2"/>
+                  </a:solidFill>
+                  <a:latin typeface="Minion Pro Bold Cond"/>
+                  <a:cs typeface="Minion Pro Bold Cond"/>
+                </a:rPr>
+                <a:t>tx</a:t>
+              </a:r>
+              <a:endParaRPr lang="zh-CN" altLang="en-US" sz="1200" dirty="0">
+                <a:solidFill>
+                  <a:schemeClr val="tx2"/>
+                </a:solidFill>
+                <a:latin typeface="Minion Pro Bold Cond"/>
+                <a:cs typeface="Minion Pro Bold Cond"/>
+              </a:endParaRPr>
+            </a:p>
+          </p:txBody>
+        </p:sp>
+      </p:grpSp>
+      <p:cxnSp>
+        <p:nvCxnSpPr>
+          <p:cNvPr id="265" name="直线箭头连接符 264"/>
+          <p:cNvCxnSpPr>
+            <a:stCxn id="255" idx="3"/>
+            <a:endCxn id="263" idx="1"/>
+          </p:cNvCxnSpPr>
+          <p:nvPr/>
+        </p:nvCxnSpPr>
+        <p:spPr>
+          <a:xfrm>
+            <a:off x="32443261" y="6624224"/>
+            <a:ext cx="423897" cy="396366"/>
+          </a:xfrm>
+          <a:prstGeom prst="straightConnector1">
+            <a:avLst/>
+          </a:prstGeom>
+          <a:ln w="12700">
+            <a:solidFill>
+              <a:schemeClr val="tx1"/>
+            </a:solidFill>
+            <a:headEnd type="diamond" w="lg" len="lg"/>
+            <a:tailEnd type="triangle" w="lg" len="lg"/>
+          </a:ln>
+        </p:spPr>
+        <p:style>
+          <a:lnRef idx="2">
+            <a:schemeClr val="accent1"/>
+          </a:lnRef>
+          <a:fillRef idx="0">
+            <a:schemeClr val="accent1"/>
+          </a:fillRef>
+          <a:effectRef idx="1">
+            <a:schemeClr val="accent1"/>
+          </a:effectRef>
+          <a:fontRef idx="minor">
+            <a:schemeClr val="tx1"/>
+          </a:fontRef>
+        </p:style>
+      </p:cxnSp>
+      <p:grpSp>
+        <p:nvGrpSpPr>
+          <p:cNvPr id="271" name="组 270"/>
+          <p:cNvGrpSpPr/>
+          <p:nvPr/>
+        </p:nvGrpSpPr>
+        <p:grpSpPr>
+          <a:xfrm>
+            <a:off x="26180614" y="7670302"/>
+            <a:ext cx="2870960" cy="1089593"/>
+            <a:chOff x="13029439" y="4656253"/>
+            <a:chExt cx="7290841" cy="3696241"/>
+          </a:xfrm>
+        </p:grpSpPr>
+        <p:sp>
+          <p:nvSpPr>
+            <p:cNvPr id="272" name="矩形 271"/>
+            <p:cNvSpPr/>
+            <p:nvPr/>
+          </p:nvSpPr>
+          <p:spPr>
+            <a:xfrm>
+              <a:off x="13029439" y="4656256"/>
+              <a:ext cx="7290841" cy="3696238"/>
+            </a:xfrm>
+            <a:prstGeom prst="rect">
+              <a:avLst/>
+            </a:prstGeom>
+          </p:spPr>
+          <p:style>
+            <a:lnRef idx="1">
+              <a:schemeClr val="accent1"/>
+            </a:lnRef>
+            <a:fillRef idx="2">
+              <a:schemeClr val="accent1"/>
+            </a:fillRef>
+            <a:effectRef idx="1">
+              <a:schemeClr val="accent1"/>
+            </a:effectRef>
+            <a:fontRef idx="minor">
+              <a:schemeClr val="dk1"/>
+            </a:fontRef>
+          </p:style>
+          <p:txBody>
+            <a:bodyPr rtlCol="0" anchor="ctr"/>
+            <a:lstStyle/>
+            <a:p>
+              <a:pPr algn="ctr"/>
+              <a:endParaRPr kumimoji="1" lang="zh-CN" altLang="en-US"/>
+            </a:p>
+          </p:txBody>
+        </p:sp>
+        <p:sp>
+          <p:nvSpPr>
+            <p:cNvPr id="274" name="矩形 273"/>
+            <p:cNvSpPr/>
+            <p:nvPr/>
+          </p:nvSpPr>
+          <p:spPr>
+            <a:xfrm>
+              <a:off x="13029439" y="4656253"/>
+              <a:ext cx="7290841" cy="1175820"/>
+            </a:xfrm>
+            <a:prstGeom prst="rect">
+              <a:avLst/>
+            </a:prstGeom>
+          </p:spPr>
+          <p:style>
+            <a:lnRef idx="1">
+              <a:schemeClr val="accent6"/>
+            </a:lnRef>
+            <a:fillRef idx="2">
+              <a:schemeClr val="accent6"/>
+            </a:fillRef>
+            <a:effectRef idx="1">
+              <a:schemeClr val="accent6"/>
+            </a:effectRef>
+            <a:fontRef idx="minor">
+              <a:schemeClr val="dk1"/>
+            </a:fontRef>
+          </p:style>
+          <p:txBody>
+            <a:bodyPr rtlCol="0" anchor="ctr"/>
+            <a:lstStyle/>
+            <a:p>
+              <a:pPr algn="ctr"/>
+              <a:r>
+                <a:rPr lang="en-US" altLang="zh-CN" sz="1200" dirty="0" smtClean="0">
+                  <a:solidFill>
+                    <a:schemeClr val="tx2"/>
+                  </a:solidFill>
+                  <a:latin typeface="Minion Pro Bold Cond"/>
+                  <a:cs typeface="Minion Pro Bold Cond"/>
+                </a:rPr>
+                <a:t>priced - </a:t>
+              </a:r>
+              <a:r>
+                <a:rPr lang="en-US" altLang="zh-CN" sz="1200" dirty="0" err="1" smtClean="0">
+                  <a:solidFill>
+                    <a:schemeClr val="tx2"/>
+                  </a:solidFill>
+                  <a:latin typeface="Minion Pro Bold Cond"/>
+                  <a:cs typeface="Minion Pro Bold Cond"/>
+                </a:rPr>
+                <a:t>txPricedList</a:t>
+              </a:r>
+              <a:endParaRPr lang="zh-CN" altLang="en-US" sz="1200" dirty="0">
+                <a:solidFill>
+                  <a:schemeClr val="tx2"/>
+                </a:solidFill>
+                <a:latin typeface="Minion Pro Bold Cond"/>
+                <a:cs typeface="Minion Pro Bold Cond"/>
+              </a:endParaRPr>
+            </a:p>
+          </p:txBody>
+        </p:sp>
+        <p:sp>
+          <p:nvSpPr>
+            <p:cNvPr id="275" name="矩形 274"/>
+            <p:cNvSpPr/>
+            <p:nvPr/>
+          </p:nvSpPr>
+          <p:spPr>
+            <a:xfrm>
+              <a:off x="13029439" y="5832073"/>
+              <a:ext cx="7290841" cy="1175820"/>
+            </a:xfrm>
+            <a:prstGeom prst="rect">
+              <a:avLst/>
+            </a:prstGeom>
+          </p:spPr>
+          <p:style>
+            <a:lnRef idx="1">
+              <a:schemeClr val="dk1"/>
+            </a:lnRef>
+            <a:fillRef idx="2">
+              <a:schemeClr val="dk1"/>
+            </a:fillRef>
+            <a:effectRef idx="1">
+              <a:schemeClr val="dk1"/>
+            </a:effectRef>
+            <a:fontRef idx="minor">
+              <a:schemeClr val="dk1"/>
+            </a:fontRef>
+          </p:style>
+          <p:txBody>
+            <a:bodyPr rtlCol="0" anchor="ctr"/>
+            <a:lstStyle/>
+            <a:p>
+              <a:pPr algn="ctr"/>
+              <a:r>
+                <a:rPr lang="en-US" altLang="zh-CN" sz="1200" dirty="0" smtClean="0">
+                  <a:solidFill>
+                    <a:schemeClr val="tx2"/>
+                  </a:solidFill>
+                  <a:latin typeface="Minion Pro Bold Cond"/>
+                  <a:cs typeface="Minion Pro Bold Cond"/>
+                </a:rPr>
+                <a:t>()</a:t>
+              </a:r>
+              <a:endParaRPr lang="zh-CN" altLang="en-US" sz="1200" dirty="0">
+                <a:solidFill>
+                  <a:schemeClr val="tx2"/>
+                </a:solidFill>
+                <a:latin typeface="Minion Pro Bold Cond"/>
+                <a:cs typeface="Minion Pro Bold Cond"/>
+              </a:endParaRPr>
+            </a:p>
+          </p:txBody>
+        </p:sp>
+      </p:grpSp>
+      <p:cxnSp>
+        <p:nvCxnSpPr>
+          <p:cNvPr id="287" name="直线箭头连接符 286"/>
+          <p:cNvCxnSpPr>
+            <a:stCxn id="23" idx="2"/>
+            <a:endCxn id="274" idx="0"/>
+          </p:cNvCxnSpPr>
+          <p:nvPr/>
+        </p:nvCxnSpPr>
+        <p:spPr>
+          <a:xfrm>
+            <a:off x="27361028" y="7144143"/>
+            <a:ext cx="255066" cy="526159"/>
+          </a:xfrm>
+          <a:prstGeom prst="straightConnector1">
+            <a:avLst/>
+          </a:prstGeom>
+          <a:ln w="12700">
+            <a:solidFill>
+              <a:schemeClr val="tx1"/>
+            </a:solidFill>
+            <a:headEnd type="diamond" w="lg" len="lg"/>
+            <a:tailEnd type="triangle" w="lg" len="lg"/>
+          </a:ln>
+        </p:spPr>
+        <p:style>
+          <a:lnRef idx="2">
+            <a:schemeClr val="accent1"/>
+          </a:lnRef>
+          <a:fillRef idx="0">
+            <a:schemeClr val="accent1"/>
+          </a:fillRef>
+          <a:effectRef idx="1">
+            <a:schemeClr val="accent1"/>
+          </a:effectRef>
+          <a:fontRef idx="minor">
+            <a:schemeClr val="tx1"/>
+          </a:fontRef>
+        </p:style>
+      </p:cxnSp>
+      <p:cxnSp>
+        <p:nvCxnSpPr>
+          <p:cNvPr id="288" name="直线箭头连接符 287"/>
+          <p:cNvCxnSpPr>
+            <a:stCxn id="274" idx="3"/>
+            <a:endCxn id="292" idx="1"/>
+          </p:cNvCxnSpPr>
+          <p:nvPr/>
+        </p:nvCxnSpPr>
+        <p:spPr>
+          <a:xfrm>
+            <a:off x="29051574" y="7843609"/>
+            <a:ext cx="875949" cy="951160"/>
+          </a:xfrm>
+          <a:prstGeom prst="straightConnector1">
+            <a:avLst/>
+          </a:prstGeom>
+          <a:ln w="12700">
+            <a:solidFill>
+              <a:schemeClr val="tx1"/>
+            </a:solidFill>
+            <a:headEnd type="diamond" w="lg" len="lg"/>
+            <a:tailEnd type="triangle" w="lg" len="lg"/>
+          </a:ln>
+        </p:spPr>
+        <p:style>
+          <a:lnRef idx="2">
+            <a:schemeClr val="accent1"/>
+          </a:lnRef>
+          <a:fillRef idx="0">
+            <a:schemeClr val="accent1"/>
+          </a:fillRef>
+          <a:effectRef idx="1">
+            <a:schemeClr val="accent1"/>
+          </a:effectRef>
+          <a:fontRef idx="minor">
+            <a:schemeClr val="tx1"/>
+          </a:fontRef>
+        </p:style>
+      </p:cxnSp>
+      <p:grpSp>
+        <p:nvGrpSpPr>
+          <p:cNvPr id="289" name="组 288"/>
+          <p:cNvGrpSpPr/>
+          <p:nvPr/>
+        </p:nvGrpSpPr>
+        <p:grpSpPr>
+          <a:xfrm>
+            <a:off x="29927523" y="8621462"/>
+            <a:ext cx="2413576" cy="1642947"/>
+            <a:chOff x="13029439" y="4656253"/>
+            <a:chExt cx="7290841" cy="5573392"/>
+          </a:xfrm>
+        </p:grpSpPr>
+        <p:sp>
+          <p:nvSpPr>
+            <p:cNvPr id="290" name="矩形 289"/>
+            <p:cNvSpPr/>
+            <p:nvPr/>
+          </p:nvSpPr>
+          <p:spPr>
+            <a:xfrm>
+              <a:off x="13029439" y="4656253"/>
+              <a:ext cx="7290841" cy="5573392"/>
+            </a:xfrm>
+            <a:prstGeom prst="rect">
+              <a:avLst/>
+            </a:prstGeom>
+          </p:spPr>
+          <p:style>
+            <a:lnRef idx="1">
+              <a:schemeClr val="accent3"/>
+            </a:lnRef>
+            <a:fillRef idx="2">
+              <a:schemeClr val="accent3"/>
+            </a:fillRef>
+            <a:effectRef idx="1">
+              <a:schemeClr val="accent3"/>
+            </a:effectRef>
+            <a:fontRef idx="minor">
+              <a:schemeClr val="dk1"/>
+            </a:fontRef>
+          </p:style>
+          <p:txBody>
+            <a:bodyPr rtlCol="0" anchor="ctr"/>
+            <a:lstStyle/>
+            <a:p>
+              <a:pPr algn="ctr"/>
+              <a:endParaRPr kumimoji="1" lang="zh-CN" altLang="en-US"/>
+            </a:p>
+          </p:txBody>
+        </p:sp>
+        <p:sp>
+          <p:nvSpPr>
+            <p:cNvPr id="292" name="矩形 291"/>
+            <p:cNvSpPr/>
+            <p:nvPr/>
+          </p:nvSpPr>
+          <p:spPr>
+            <a:xfrm>
+              <a:off x="13029439" y="4656253"/>
+              <a:ext cx="7290841" cy="1175820"/>
+            </a:xfrm>
+            <a:prstGeom prst="rect">
+              <a:avLst/>
+            </a:prstGeom>
+          </p:spPr>
+          <p:style>
+            <a:lnRef idx="1">
+              <a:schemeClr val="accent2"/>
+            </a:lnRef>
+            <a:fillRef idx="2">
+              <a:schemeClr val="accent2"/>
+            </a:fillRef>
+            <a:effectRef idx="1">
+              <a:schemeClr val="accent2"/>
+            </a:effectRef>
+            <a:fontRef idx="minor">
+              <a:schemeClr val="dk1"/>
+            </a:fontRef>
+          </p:style>
+          <p:txBody>
+            <a:bodyPr rtlCol="0" anchor="ctr"/>
+            <a:lstStyle/>
+            <a:p>
+              <a:pPr algn="ctr"/>
+              <a:r>
+                <a:rPr lang="en-US" altLang="zh-CN" sz="1200" dirty="0" smtClean="0">
+                  <a:solidFill>
+                    <a:schemeClr val="tx2"/>
+                  </a:solidFill>
+                  <a:latin typeface="Minion Pro Bold Cond"/>
+                  <a:cs typeface="Minion Pro Bold Cond"/>
+                </a:rPr>
+                <a:t>items</a:t>
+              </a:r>
+              <a:r>
+                <a:rPr lang="en-US" altLang="zh-CN" sz="1200" dirty="0">
+                  <a:solidFill>
+                    <a:schemeClr val="tx2"/>
+                  </a:solidFill>
+                  <a:latin typeface="Minion Pro Bold Cond"/>
+                  <a:cs typeface="Minion Pro Bold Cond"/>
+                </a:rPr>
+                <a:t>- </a:t>
+              </a:r>
+              <a:r>
+                <a:rPr lang="zh-CN" altLang="en-US" sz="1200" dirty="0" smtClean="0">
+                  <a:solidFill>
+                    <a:schemeClr val="tx2"/>
+                  </a:solidFill>
+                  <a:latin typeface="Minion Pro Bold Cond"/>
+                  <a:cs typeface="Minion Pro Bold Cond"/>
+                </a:rPr>
+                <a:t>*</a:t>
+              </a:r>
+              <a:r>
+                <a:rPr lang="en-US" altLang="zh-CN" sz="1200" dirty="0" err="1" smtClean="0">
+                  <a:solidFill>
+                    <a:schemeClr val="tx2"/>
+                  </a:solidFill>
+                  <a:latin typeface="Minion Pro Bold Cond"/>
+                  <a:cs typeface="Minion Pro Bold Cond"/>
+                </a:rPr>
+                <a:t>priceheap</a:t>
+              </a:r>
+              <a:r>
+                <a:rPr lang="en-US" altLang="zh-CN" sz="1200" dirty="0" smtClean="0">
+                  <a:solidFill>
+                    <a:schemeClr val="tx2"/>
+                  </a:solidFill>
+                  <a:latin typeface="Minion Pro Bold Cond"/>
+                  <a:cs typeface="Minion Pro Bold Cond"/>
+                </a:rPr>
+                <a:t> - *[]Transaction</a:t>
+              </a:r>
+              <a:endParaRPr lang="zh-CN" altLang="en-US" sz="1200" dirty="0">
+                <a:solidFill>
+                  <a:schemeClr val="tx2"/>
+                </a:solidFill>
+                <a:latin typeface="Minion Pro Bold Cond"/>
+                <a:cs typeface="Minion Pro Bold Cond"/>
+              </a:endParaRPr>
+            </a:p>
+          </p:txBody>
+        </p:sp>
+        <p:sp>
+          <p:nvSpPr>
+            <p:cNvPr id="293" name="矩形 292"/>
+            <p:cNvSpPr/>
+            <p:nvPr/>
+          </p:nvSpPr>
+          <p:spPr>
+            <a:xfrm>
+              <a:off x="13029439" y="5832073"/>
+              <a:ext cx="7290841" cy="1175820"/>
+            </a:xfrm>
+            <a:prstGeom prst="rect">
+              <a:avLst/>
+            </a:prstGeom>
+          </p:spPr>
+          <p:style>
+            <a:lnRef idx="1">
+              <a:schemeClr val="accent3"/>
+            </a:lnRef>
+            <a:fillRef idx="2">
+              <a:schemeClr val="accent3"/>
+            </a:fillRef>
+            <a:effectRef idx="1">
+              <a:schemeClr val="accent3"/>
+            </a:effectRef>
+            <a:fontRef idx="minor">
+              <a:schemeClr val="dk1"/>
+            </a:fontRef>
+          </p:style>
+          <p:txBody>
+            <a:bodyPr rtlCol="0" anchor="ctr"/>
+            <a:lstStyle/>
+            <a:p>
+              <a:pPr algn="ctr"/>
+              <a:r>
+                <a:rPr lang="en-US" altLang="zh-CN" sz="1200" dirty="0" err="1" smtClean="0">
+                  <a:solidFill>
+                    <a:schemeClr val="tx2"/>
+                  </a:solidFill>
+                  <a:latin typeface="Minion Pro Bold Cond"/>
+                  <a:cs typeface="Minion Pro Bold Cond"/>
+                </a:rPr>
+                <a:t>tx</a:t>
+              </a:r>
+              <a:endParaRPr lang="zh-CN" altLang="en-US" sz="1200" dirty="0">
+                <a:solidFill>
+                  <a:schemeClr val="tx2"/>
+                </a:solidFill>
+                <a:latin typeface="Minion Pro Bold Cond"/>
+                <a:cs typeface="Minion Pro Bold Cond"/>
+              </a:endParaRPr>
+            </a:p>
+          </p:txBody>
+        </p:sp>
+      </p:grpSp>
+      <p:cxnSp>
+        <p:nvCxnSpPr>
+          <p:cNvPr id="295" name="直线箭头连接符 294"/>
+          <p:cNvCxnSpPr>
+            <a:stCxn id="274" idx="3"/>
+            <a:endCxn id="255" idx="1"/>
+          </p:cNvCxnSpPr>
+          <p:nvPr/>
+        </p:nvCxnSpPr>
+        <p:spPr>
+          <a:xfrm flipV="1">
+            <a:off x="29051574" y="6624224"/>
+            <a:ext cx="520727" cy="1219385"/>
+          </a:xfrm>
+          <a:prstGeom prst="straightConnector1">
+            <a:avLst/>
+          </a:prstGeom>
+          <a:ln w="12700">
+            <a:solidFill>
+              <a:schemeClr val="tx1"/>
+            </a:solidFill>
+            <a:headEnd type="diamond" w="lg" len="lg"/>
+            <a:tailEnd type="triangle" w="lg" len="lg"/>
+          </a:ln>
+        </p:spPr>
+        <p:style>
+          <a:lnRef idx="2">
+            <a:schemeClr val="accent1"/>
+          </a:lnRef>
+          <a:fillRef idx="0">
+            <a:schemeClr val="accent1"/>
+          </a:fillRef>
+          <a:effectRef idx="1">
+            <a:schemeClr val="accent1"/>
+          </a:effectRef>
+          <a:fontRef idx="minor">
+            <a:schemeClr val="tx1"/>
+          </a:fontRef>
+        </p:style>
+      </p:cxnSp>
+      <p:grpSp>
+        <p:nvGrpSpPr>
+          <p:cNvPr id="296" name="组 295"/>
+          <p:cNvGrpSpPr/>
+          <p:nvPr/>
+        </p:nvGrpSpPr>
+        <p:grpSpPr>
+          <a:xfrm>
+            <a:off x="34803720" y="4072757"/>
+            <a:ext cx="2870960" cy="1089593"/>
+            <a:chOff x="13029439" y="4656253"/>
+            <a:chExt cx="7290841" cy="3696241"/>
+          </a:xfrm>
+        </p:grpSpPr>
+        <p:sp>
+          <p:nvSpPr>
+            <p:cNvPr id="298" name="矩形 297"/>
+            <p:cNvSpPr/>
+            <p:nvPr/>
+          </p:nvSpPr>
+          <p:spPr>
+            <a:xfrm>
+              <a:off x="13029439" y="4656256"/>
+              <a:ext cx="7290841" cy="3696238"/>
+            </a:xfrm>
+            <a:prstGeom prst="rect">
+              <a:avLst/>
+            </a:prstGeom>
+          </p:spPr>
+          <p:style>
+            <a:lnRef idx="1">
+              <a:schemeClr val="accent1"/>
+            </a:lnRef>
+            <a:fillRef idx="2">
+              <a:schemeClr val="accent1"/>
+            </a:fillRef>
+            <a:effectRef idx="1">
+              <a:schemeClr val="accent1"/>
+            </a:effectRef>
+            <a:fontRef idx="minor">
+              <a:schemeClr val="dk1"/>
+            </a:fontRef>
+          </p:style>
+          <p:txBody>
+            <a:bodyPr rtlCol="0" anchor="ctr"/>
+            <a:lstStyle/>
+            <a:p>
+              <a:pPr algn="ctr"/>
+              <a:endParaRPr kumimoji="1" lang="zh-CN" altLang="en-US"/>
+            </a:p>
+          </p:txBody>
+        </p:sp>
+        <p:sp>
+          <p:nvSpPr>
+            <p:cNvPr id="299" name="矩形 298"/>
+            <p:cNvSpPr/>
+            <p:nvPr/>
+          </p:nvSpPr>
+          <p:spPr>
+            <a:xfrm>
+              <a:off x="13029439" y="4656253"/>
+              <a:ext cx="7290841" cy="1175820"/>
+            </a:xfrm>
+            <a:prstGeom prst="rect">
+              <a:avLst/>
+            </a:prstGeom>
+          </p:spPr>
+          <p:style>
+            <a:lnRef idx="1">
+              <a:schemeClr val="accent6"/>
+            </a:lnRef>
+            <a:fillRef idx="2">
+              <a:schemeClr val="accent6"/>
+            </a:fillRef>
+            <a:effectRef idx="1">
+              <a:schemeClr val="accent6"/>
+            </a:effectRef>
+            <a:fontRef idx="minor">
+              <a:schemeClr val="dk1"/>
+            </a:fontRef>
+          </p:style>
+          <p:txBody>
+            <a:bodyPr rtlCol="0" anchor="ctr"/>
+            <a:lstStyle/>
+            <a:p>
+              <a:pPr algn="ctr"/>
+              <a:r>
+                <a:rPr lang="en-US" altLang="zh-CN" sz="1200" dirty="0" err="1" smtClean="0">
+                  <a:solidFill>
+                    <a:schemeClr val="tx2"/>
+                  </a:solidFill>
+                  <a:latin typeface="Minion Pro Bold Cond"/>
+                  <a:cs typeface="Minion Pro Bold Cond"/>
+                </a:rPr>
+                <a:t>txList</a:t>
+              </a:r>
+              <a:endParaRPr lang="zh-CN" altLang="en-US" sz="1200" dirty="0">
+                <a:solidFill>
+                  <a:schemeClr val="tx2"/>
+                </a:solidFill>
+                <a:latin typeface="Minion Pro Bold Cond"/>
+                <a:cs typeface="Minion Pro Bold Cond"/>
+              </a:endParaRPr>
+            </a:p>
+          </p:txBody>
+        </p:sp>
+        <p:sp>
+          <p:nvSpPr>
+            <p:cNvPr id="301" name="矩形 300"/>
+            <p:cNvSpPr/>
+            <p:nvPr/>
+          </p:nvSpPr>
+          <p:spPr>
+            <a:xfrm>
+              <a:off x="13029439" y="5832073"/>
+              <a:ext cx="7290841" cy="1175820"/>
+            </a:xfrm>
+            <a:prstGeom prst="rect">
+              <a:avLst/>
+            </a:prstGeom>
+          </p:spPr>
+          <p:style>
+            <a:lnRef idx="1">
+              <a:schemeClr val="dk1"/>
+            </a:lnRef>
+            <a:fillRef idx="2">
+              <a:schemeClr val="dk1"/>
+            </a:fillRef>
+            <a:effectRef idx="1">
+              <a:schemeClr val="dk1"/>
+            </a:effectRef>
+            <a:fontRef idx="minor">
+              <a:schemeClr val="dk1"/>
+            </a:fontRef>
+          </p:style>
+          <p:txBody>
+            <a:bodyPr rtlCol="0" anchor="ctr"/>
+            <a:lstStyle/>
+            <a:p>
+              <a:pPr algn="ctr"/>
+              <a:r>
+                <a:rPr lang="en-US" altLang="zh-CN" sz="1200" dirty="0" smtClean="0">
+                  <a:solidFill>
+                    <a:schemeClr val="tx2"/>
+                  </a:solidFill>
+                  <a:latin typeface="Minion Pro Bold Cond"/>
+                  <a:cs typeface="Minion Pro Bold Cond"/>
+                </a:rPr>
+                <a:t>Add(</a:t>
+              </a:r>
+              <a:r>
+                <a:rPr lang="mr-IN" altLang="zh-CN" sz="1200" dirty="0" smtClean="0">
+                  <a:solidFill>
+                    <a:schemeClr val="tx2"/>
+                  </a:solidFill>
+                  <a:latin typeface="Minion Pro Bold Cond"/>
+                  <a:cs typeface="Minion Pro Bold Cond"/>
+                </a:rPr>
+                <a:t>…</a:t>
+              </a:r>
+              <a:r>
+                <a:rPr lang="en-US" altLang="zh-CN" sz="1200" dirty="0" smtClean="0">
+                  <a:solidFill>
+                    <a:schemeClr val="tx2"/>
+                  </a:solidFill>
+                  <a:latin typeface="Minion Pro Bold Cond"/>
+                  <a:cs typeface="Minion Pro Bold Cond"/>
+                </a:rPr>
+                <a:t>)</a:t>
+              </a:r>
+              <a:endParaRPr lang="zh-CN" altLang="en-US" sz="1200" dirty="0">
+                <a:solidFill>
+                  <a:schemeClr val="tx2"/>
+                </a:solidFill>
+                <a:latin typeface="Minion Pro Bold Cond"/>
+                <a:cs typeface="Minion Pro Bold Cond"/>
+              </a:endParaRPr>
+            </a:p>
+          </p:txBody>
+        </p:sp>
+      </p:grpSp>
+      <p:cxnSp>
+        <p:nvCxnSpPr>
+          <p:cNvPr id="302" name="直线箭头连接符 301"/>
+          <p:cNvCxnSpPr>
+            <a:stCxn id="216" idx="3"/>
+            <a:endCxn id="299" idx="1"/>
+          </p:cNvCxnSpPr>
+          <p:nvPr/>
+        </p:nvCxnSpPr>
+        <p:spPr>
+          <a:xfrm>
+            <a:off x="33904719" y="2129023"/>
+            <a:ext cx="899001" cy="2117041"/>
+          </a:xfrm>
+          <a:prstGeom prst="straightConnector1">
+            <a:avLst/>
+          </a:prstGeom>
+          <a:ln w="12700">
+            <a:solidFill>
+              <a:schemeClr val="bg1">
+                <a:lumMod val="50000"/>
+              </a:schemeClr>
+            </a:solidFill>
+            <a:prstDash val="dash"/>
+            <a:tailEnd type="none"/>
+          </a:ln>
+        </p:spPr>
+        <p:style>
+          <a:lnRef idx="2">
+            <a:schemeClr val="accent1"/>
+          </a:lnRef>
+          <a:fillRef idx="0">
+            <a:schemeClr val="accent1"/>
+          </a:fillRef>
+          <a:effectRef idx="1">
+            <a:schemeClr val="accent1"/>
+          </a:effectRef>
+          <a:fontRef idx="minor">
+            <a:schemeClr val="tx1"/>
+          </a:fontRef>
+        </p:style>
+      </p:cxnSp>
+      <p:grpSp>
+        <p:nvGrpSpPr>
+          <p:cNvPr id="304" name="组 303"/>
+          <p:cNvGrpSpPr/>
+          <p:nvPr/>
+        </p:nvGrpSpPr>
+        <p:grpSpPr>
+          <a:xfrm>
+            <a:off x="38778820" y="4072528"/>
+            <a:ext cx="2870960" cy="1089593"/>
+            <a:chOff x="13029439" y="4656253"/>
+            <a:chExt cx="7290841" cy="3696241"/>
+          </a:xfrm>
+        </p:grpSpPr>
+        <p:sp>
+          <p:nvSpPr>
+            <p:cNvPr id="305" name="矩形 304"/>
+            <p:cNvSpPr/>
+            <p:nvPr/>
+          </p:nvSpPr>
+          <p:spPr>
+            <a:xfrm>
+              <a:off x="13029439" y="4656256"/>
+              <a:ext cx="7290841" cy="3696238"/>
+            </a:xfrm>
+            <a:prstGeom prst="rect">
+              <a:avLst/>
+            </a:prstGeom>
+          </p:spPr>
+          <p:style>
+            <a:lnRef idx="1">
+              <a:schemeClr val="accent1"/>
+            </a:lnRef>
+            <a:fillRef idx="2">
+              <a:schemeClr val="accent1"/>
+            </a:fillRef>
+            <a:effectRef idx="1">
+              <a:schemeClr val="accent1"/>
+            </a:effectRef>
+            <a:fontRef idx="minor">
+              <a:schemeClr val="dk1"/>
+            </a:fontRef>
+          </p:style>
+          <p:txBody>
+            <a:bodyPr rtlCol="0" anchor="ctr"/>
+            <a:lstStyle/>
+            <a:p>
+              <a:pPr algn="ctr"/>
+              <a:endParaRPr kumimoji="1" lang="zh-CN" altLang="en-US"/>
+            </a:p>
+          </p:txBody>
+        </p:sp>
+        <p:sp>
+          <p:nvSpPr>
+            <p:cNvPr id="307" name="矩形 306"/>
+            <p:cNvSpPr/>
+            <p:nvPr/>
+          </p:nvSpPr>
+          <p:spPr>
+            <a:xfrm>
+              <a:off x="13029439" y="4656253"/>
+              <a:ext cx="7290841" cy="1175820"/>
+            </a:xfrm>
+            <a:prstGeom prst="rect">
+              <a:avLst/>
+            </a:prstGeom>
+          </p:spPr>
+          <p:style>
+            <a:lnRef idx="1">
+              <a:schemeClr val="accent6"/>
+            </a:lnRef>
+            <a:fillRef idx="2">
+              <a:schemeClr val="accent6"/>
+            </a:fillRef>
+            <a:effectRef idx="1">
+              <a:schemeClr val="accent6"/>
+            </a:effectRef>
+            <a:fontRef idx="minor">
+              <a:schemeClr val="dk1"/>
+            </a:fontRef>
+          </p:style>
+          <p:txBody>
+            <a:bodyPr rtlCol="0" anchor="ctr"/>
+            <a:lstStyle/>
+            <a:p>
+              <a:pPr algn="ctr"/>
+              <a:r>
+                <a:rPr lang="en-US" altLang="zh-CN" sz="1200" dirty="0" err="1">
+                  <a:solidFill>
+                    <a:schemeClr val="tx2"/>
+                  </a:solidFill>
+                  <a:latin typeface="Minion Pro Bold Cond"/>
+                  <a:cs typeface="Minion Pro Bold Cond"/>
+                </a:rPr>
+                <a:t>t</a:t>
+              </a:r>
+              <a:r>
+                <a:rPr lang="en-US" altLang="zh-CN" sz="1200" dirty="0" err="1" smtClean="0">
+                  <a:solidFill>
+                    <a:schemeClr val="tx2"/>
+                  </a:solidFill>
+                  <a:latin typeface="Minion Pro Bold Cond"/>
+                  <a:cs typeface="Minion Pro Bold Cond"/>
+                </a:rPr>
+                <a:t>sx</a:t>
+              </a:r>
+              <a:r>
+                <a:rPr lang="en-US" altLang="zh-CN" sz="1200" dirty="0" smtClean="0">
+                  <a:solidFill>
+                    <a:schemeClr val="tx2"/>
+                  </a:solidFill>
+                  <a:latin typeface="Minion Pro Bold Cond"/>
+                  <a:cs typeface="Minion Pro Bold Cond"/>
+                </a:rPr>
+                <a:t> - *</a:t>
+              </a:r>
+              <a:r>
+                <a:rPr lang="en-US" altLang="zh-CN" sz="1200" dirty="0" err="1" smtClean="0">
+                  <a:solidFill>
+                    <a:schemeClr val="tx2"/>
+                  </a:solidFill>
+                  <a:latin typeface="Minion Pro Bold Cond"/>
+                  <a:cs typeface="Minion Pro Bold Cond"/>
+                </a:rPr>
+                <a:t>txSortedMap</a:t>
+              </a:r>
+              <a:endParaRPr lang="zh-CN" altLang="en-US" sz="1200" dirty="0">
+                <a:solidFill>
+                  <a:schemeClr val="tx2"/>
+                </a:solidFill>
+                <a:latin typeface="Minion Pro Bold Cond"/>
+                <a:cs typeface="Minion Pro Bold Cond"/>
+              </a:endParaRPr>
+            </a:p>
+          </p:txBody>
+        </p:sp>
+        <p:sp>
+          <p:nvSpPr>
+            <p:cNvPr id="308" name="矩形 307"/>
+            <p:cNvSpPr/>
+            <p:nvPr/>
+          </p:nvSpPr>
+          <p:spPr>
+            <a:xfrm>
+              <a:off x="13029439" y="5832073"/>
+              <a:ext cx="7290841" cy="1175820"/>
+            </a:xfrm>
+            <a:prstGeom prst="rect">
+              <a:avLst/>
+            </a:prstGeom>
+          </p:spPr>
+          <p:style>
+            <a:lnRef idx="1">
+              <a:schemeClr val="dk1"/>
+            </a:lnRef>
+            <a:fillRef idx="2">
+              <a:schemeClr val="dk1"/>
+            </a:fillRef>
+            <a:effectRef idx="1">
+              <a:schemeClr val="dk1"/>
+            </a:effectRef>
+            <a:fontRef idx="minor">
+              <a:schemeClr val="dk1"/>
+            </a:fontRef>
+          </p:style>
+          <p:txBody>
+            <a:bodyPr rtlCol="0" anchor="ctr"/>
+            <a:lstStyle/>
+            <a:p>
+              <a:pPr algn="ctr"/>
+              <a:r>
+                <a:rPr lang="en-US" altLang="zh-CN" sz="1200" dirty="0" smtClean="0">
+                  <a:solidFill>
+                    <a:schemeClr val="tx2"/>
+                  </a:solidFill>
+                  <a:latin typeface="Minion Pro Bold Cond"/>
+                  <a:cs typeface="Minion Pro Bold Cond"/>
+                </a:rPr>
+                <a:t>Put(</a:t>
+              </a:r>
+              <a:r>
+                <a:rPr lang="mr-IN" altLang="zh-CN" sz="1200" dirty="0" smtClean="0">
+                  <a:solidFill>
+                    <a:schemeClr val="tx2"/>
+                  </a:solidFill>
+                  <a:latin typeface="Minion Pro Bold Cond"/>
+                  <a:cs typeface="Minion Pro Bold Cond"/>
+                </a:rPr>
+                <a:t>…</a:t>
+              </a:r>
+              <a:r>
+                <a:rPr lang="en-US" altLang="zh-CN" sz="1200" dirty="0" smtClean="0">
+                  <a:solidFill>
+                    <a:schemeClr val="tx2"/>
+                  </a:solidFill>
+                  <a:latin typeface="Minion Pro Bold Cond"/>
+                  <a:cs typeface="Minion Pro Bold Cond"/>
+                </a:rPr>
+                <a:t>)</a:t>
+              </a:r>
+              <a:endParaRPr lang="zh-CN" altLang="en-US" sz="1200" dirty="0">
+                <a:solidFill>
+                  <a:schemeClr val="tx2"/>
+                </a:solidFill>
+                <a:latin typeface="Minion Pro Bold Cond"/>
+                <a:cs typeface="Minion Pro Bold Cond"/>
+              </a:endParaRPr>
+            </a:p>
+          </p:txBody>
+        </p:sp>
+      </p:grpSp>
+      <p:cxnSp>
+        <p:nvCxnSpPr>
+          <p:cNvPr id="309" name="直线箭头连接符 308"/>
+          <p:cNvCxnSpPr>
+            <a:stCxn id="299" idx="3"/>
+            <a:endCxn id="307" idx="1"/>
+          </p:cNvCxnSpPr>
+          <p:nvPr/>
+        </p:nvCxnSpPr>
+        <p:spPr>
+          <a:xfrm flipV="1">
+            <a:off x="37674680" y="4245835"/>
+            <a:ext cx="1104140" cy="229"/>
+          </a:xfrm>
+          <a:prstGeom prst="straightConnector1">
+            <a:avLst/>
+          </a:prstGeom>
+          <a:ln w="12700">
+            <a:solidFill>
+              <a:schemeClr val="tx1"/>
+            </a:solidFill>
+            <a:headEnd type="diamond" w="lg" len="lg"/>
+            <a:tailEnd type="triangle" w="lg" len="lg"/>
+          </a:ln>
+        </p:spPr>
+        <p:style>
+          <a:lnRef idx="2">
+            <a:schemeClr val="accent1"/>
+          </a:lnRef>
+          <a:fillRef idx="0">
+            <a:schemeClr val="accent1"/>
+          </a:fillRef>
+          <a:effectRef idx="1">
+            <a:schemeClr val="accent1"/>
+          </a:effectRef>
+          <a:fontRef idx="minor">
+            <a:schemeClr val="tx1"/>
+          </a:fontRef>
+        </p:style>
+      </p:cxnSp>
+      <p:cxnSp>
+        <p:nvCxnSpPr>
+          <p:cNvPr id="311" name="曲线连接符 310"/>
+          <p:cNvCxnSpPr>
+            <a:stCxn id="301" idx="3"/>
+            <a:endCxn id="308" idx="1"/>
+          </p:cNvCxnSpPr>
+          <p:nvPr/>
+        </p:nvCxnSpPr>
+        <p:spPr>
+          <a:xfrm flipV="1">
+            <a:off x="37674680" y="4592448"/>
+            <a:ext cx="1104140" cy="229"/>
+          </a:xfrm>
+          <a:prstGeom prst="curvedConnector3">
+            <a:avLst>
+              <a:gd name="adj1" fmla="val 50000"/>
+            </a:avLst>
+          </a:prstGeom>
+          <a:ln w="12700">
+            <a:solidFill>
+              <a:schemeClr val="bg1">
+                <a:lumMod val="50000"/>
+              </a:schemeClr>
+            </a:solidFill>
+            <a:tailEnd type="arrow"/>
+          </a:ln>
+        </p:spPr>
+        <p:style>
+          <a:lnRef idx="2">
+            <a:schemeClr val="accent1"/>
+          </a:lnRef>
+          <a:fillRef idx="0">
+            <a:schemeClr val="accent1"/>
+          </a:fillRef>
+          <a:effectRef idx="1">
+            <a:schemeClr val="accent1"/>
+          </a:effectRef>
+          <a:fontRef idx="minor">
+            <a:schemeClr val="tx1"/>
+          </a:fontRef>
+        </p:style>
+      </p:cxnSp>
+      <p:grpSp>
+        <p:nvGrpSpPr>
+          <p:cNvPr id="312" name="组 311"/>
+          <p:cNvGrpSpPr/>
+          <p:nvPr/>
+        </p:nvGrpSpPr>
+        <p:grpSpPr>
+          <a:xfrm>
+            <a:off x="43183742" y="3036252"/>
+            <a:ext cx="1563620" cy="1642947"/>
+            <a:chOff x="13029439" y="4656253"/>
+            <a:chExt cx="7290841" cy="5573392"/>
+          </a:xfrm>
+        </p:grpSpPr>
+        <p:sp>
+          <p:nvSpPr>
+            <p:cNvPr id="328" name="矩形 327"/>
+            <p:cNvSpPr/>
+            <p:nvPr/>
+          </p:nvSpPr>
+          <p:spPr>
+            <a:xfrm>
+              <a:off x="13029439" y="4656253"/>
+              <a:ext cx="7290841" cy="5573392"/>
+            </a:xfrm>
+            <a:prstGeom prst="rect">
+              <a:avLst/>
+            </a:prstGeom>
+          </p:spPr>
+          <p:style>
+            <a:lnRef idx="1">
+              <a:schemeClr val="accent3"/>
+            </a:lnRef>
+            <a:fillRef idx="2">
+              <a:schemeClr val="accent3"/>
+            </a:fillRef>
+            <a:effectRef idx="1">
+              <a:schemeClr val="accent3"/>
+            </a:effectRef>
+            <a:fontRef idx="minor">
+              <a:schemeClr val="dk1"/>
+            </a:fontRef>
+          </p:style>
+          <p:txBody>
+            <a:bodyPr rtlCol="0" anchor="ctr"/>
+            <a:lstStyle/>
+            <a:p>
+              <a:pPr algn="ctr"/>
+              <a:endParaRPr kumimoji="1" lang="zh-CN" altLang="en-US"/>
+            </a:p>
+          </p:txBody>
+        </p:sp>
+        <p:sp>
+          <p:nvSpPr>
+            <p:cNvPr id="329" name="矩形 328"/>
+            <p:cNvSpPr/>
+            <p:nvPr/>
+          </p:nvSpPr>
+          <p:spPr>
+            <a:xfrm>
+              <a:off x="13029439" y="4656253"/>
+              <a:ext cx="7290841" cy="1175820"/>
+            </a:xfrm>
+            <a:prstGeom prst="rect">
+              <a:avLst/>
+            </a:prstGeom>
+          </p:spPr>
+          <p:style>
+            <a:lnRef idx="1">
+              <a:schemeClr val="accent2"/>
+            </a:lnRef>
+            <a:fillRef idx="2">
+              <a:schemeClr val="accent2"/>
+            </a:fillRef>
+            <a:effectRef idx="1">
+              <a:schemeClr val="accent2"/>
+            </a:effectRef>
+            <a:fontRef idx="minor">
+              <a:schemeClr val="dk1"/>
+            </a:fontRef>
+          </p:style>
+          <p:txBody>
+            <a:bodyPr rtlCol="0" anchor="ctr"/>
+            <a:lstStyle/>
+            <a:p>
+              <a:pPr algn="ctr"/>
+              <a:r>
+                <a:rPr lang="en-US" altLang="zh-CN" sz="1200" dirty="0" smtClean="0">
+                  <a:solidFill>
+                    <a:schemeClr val="tx2"/>
+                  </a:solidFill>
+                  <a:latin typeface="Minion Pro Bold Cond"/>
+                  <a:cs typeface="Minion Pro Bold Cond"/>
+                </a:rPr>
+                <a:t>items- map</a:t>
+              </a:r>
+              <a:endParaRPr lang="zh-CN" altLang="en-US" sz="1200" dirty="0">
+                <a:solidFill>
+                  <a:schemeClr val="tx2"/>
+                </a:solidFill>
+                <a:latin typeface="Minion Pro Bold Cond"/>
+                <a:cs typeface="Minion Pro Bold Cond"/>
+              </a:endParaRPr>
+            </a:p>
+          </p:txBody>
+        </p:sp>
+        <p:sp>
+          <p:nvSpPr>
+            <p:cNvPr id="334" name="矩形 333"/>
+            <p:cNvSpPr/>
+            <p:nvPr/>
+          </p:nvSpPr>
+          <p:spPr>
+            <a:xfrm>
+              <a:off x="13029439" y="5832073"/>
+              <a:ext cx="7290841" cy="1175820"/>
+            </a:xfrm>
+            <a:prstGeom prst="rect">
+              <a:avLst/>
+            </a:prstGeom>
+          </p:spPr>
+          <p:style>
+            <a:lnRef idx="1">
+              <a:schemeClr val="accent3"/>
+            </a:lnRef>
+            <a:fillRef idx="2">
+              <a:schemeClr val="accent3"/>
+            </a:fillRef>
+            <a:effectRef idx="1">
+              <a:schemeClr val="accent3"/>
+            </a:effectRef>
+            <a:fontRef idx="minor">
+              <a:schemeClr val="dk1"/>
+            </a:fontRef>
+          </p:style>
+          <p:txBody>
+            <a:bodyPr rtlCol="0" anchor="ctr"/>
+            <a:lstStyle/>
+            <a:p>
+              <a:pPr algn="ctr"/>
+              <a:r>
+                <a:rPr lang="en-US" altLang="zh-CN" sz="1200" dirty="0" smtClean="0">
+                  <a:solidFill>
+                    <a:schemeClr val="tx2"/>
+                  </a:solidFill>
+                  <a:latin typeface="Minion Pro Bold Cond"/>
+                  <a:cs typeface="Minion Pro Bold Cond"/>
+                </a:rPr>
+                <a:t>nonce- *Transaction</a:t>
+              </a:r>
+              <a:endParaRPr lang="zh-CN" altLang="en-US" sz="1200" dirty="0">
+                <a:solidFill>
+                  <a:schemeClr val="tx2"/>
+                </a:solidFill>
+                <a:latin typeface="Minion Pro Bold Cond"/>
+                <a:cs typeface="Minion Pro Bold Cond"/>
+              </a:endParaRPr>
+            </a:p>
+          </p:txBody>
+        </p:sp>
+      </p:grpSp>
+      <p:grpSp>
+        <p:nvGrpSpPr>
+          <p:cNvPr id="335" name="组 334"/>
+          <p:cNvGrpSpPr/>
+          <p:nvPr/>
+        </p:nvGrpSpPr>
+        <p:grpSpPr>
+          <a:xfrm>
+            <a:off x="42776204" y="5917222"/>
+            <a:ext cx="2413576" cy="1642947"/>
+            <a:chOff x="13029439" y="4656253"/>
+            <a:chExt cx="7290841" cy="5573392"/>
+          </a:xfrm>
+        </p:grpSpPr>
+        <p:sp>
+          <p:nvSpPr>
+            <p:cNvPr id="336" name="矩形 335"/>
+            <p:cNvSpPr/>
+            <p:nvPr/>
+          </p:nvSpPr>
+          <p:spPr>
+            <a:xfrm>
+              <a:off x="13029439" y="4656253"/>
+              <a:ext cx="7290841" cy="5573392"/>
+            </a:xfrm>
+            <a:prstGeom prst="rect">
+              <a:avLst/>
+            </a:prstGeom>
+          </p:spPr>
+          <p:style>
+            <a:lnRef idx="1">
+              <a:schemeClr val="accent3"/>
+            </a:lnRef>
+            <a:fillRef idx="2">
+              <a:schemeClr val="accent3"/>
+            </a:fillRef>
+            <a:effectRef idx="1">
+              <a:schemeClr val="accent3"/>
+            </a:effectRef>
+            <a:fontRef idx="minor">
+              <a:schemeClr val="dk1"/>
+            </a:fontRef>
+          </p:style>
+          <p:txBody>
+            <a:bodyPr rtlCol="0" anchor="ctr"/>
+            <a:lstStyle/>
+            <a:p>
+              <a:pPr algn="ctr"/>
+              <a:endParaRPr kumimoji="1" lang="zh-CN" altLang="en-US"/>
+            </a:p>
+          </p:txBody>
+        </p:sp>
+        <p:sp>
+          <p:nvSpPr>
+            <p:cNvPr id="347" name="矩形 346"/>
+            <p:cNvSpPr/>
+            <p:nvPr/>
+          </p:nvSpPr>
+          <p:spPr>
+            <a:xfrm>
+              <a:off x="13029439" y="4656253"/>
+              <a:ext cx="7290841" cy="1175820"/>
+            </a:xfrm>
+            <a:prstGeom prst="rect">
+              <a:avLst/>
+            </a:prstGeom>
+          </p:spPr>
+          <p:style>
+            <a:lnRef idx="1">
+              <a:schemeClr val="accent2"/>
+            </a:lnRef>
+            <a:fillRef idx="2">
+              <a:schemeClr val="accent2"/>
+            </a:fillRef>
+            <a:effectRef idx="1">
+              <a:schemeClr val="accent2"/>
+            </a:effectRef>
+            <a:fontRef idx="minor">
+              <a:schemeClr val="dk1"/>
+            </a:fontRef>
+          </p:style>
+          <p:txBody>
+            <a:bodyPr rtlCol="0" anchor="ctr"/>
+            <a:lstStyle/>
+            <a:p>
+              <a:pPr algn="ctr"/>
+              <a:r>
+                <a:rPr lang="en-US" altLang="zh-CN" sz="1200" dirty="0">
+                  <a:solidFill>
+                    <a:schemeClr val="tx2"/>
+                  </a:solidFill>
+                  <a:latin typeface="Minion Pro Bold Cond"/>
+                  <a:cs typeface="Minion Pro Bold Cond"/>
+                </a:rPr>
+                <a:t>i</a:t>
+              </a:r>
+              <a:r>
+                <a:rPr lang="en-US" altLang="zh-CN" sz="1200" dirty="0" smtClean="0">
+                  <a:solidFill>
+                    <a:schemeClr val="tx2"/>
+                  </a:solidFill>
+                  <a:latin typeface="Minion Pro Bold Cond"/>
+                  <a:cs typeface="Minion Pro Bold Cond"/>
+                </a:rPr>
+                <a:t>ndex - *</a:t>
+              </a:r>
+              <a:r>
+                <a:rPr lang="en-US" altLang="zh-CN" sz="1200" dirty="0" err="1" smtClean="0">
+                  <a:solidFill>
+                    <a:schemeClr val="tx2"/>
+                  </a:solidFill>
+                  <a:latin typeface="Minion Pro Bold Cond"/>
+                  <a:cs typeface="Minion Pro Bold Cond"/>
+                </a:rPr>
+                <a:t>nonceheap</a:t>
+              </a:r>
+              <a:r>
+                <a:rPr lang="en-US" altLang="zh-CN" sz="1200" dirty="0" smtClean="0">
+                  <a:solidFill>
+                    <a:schemeClr val="tx2"/>
+                  </a:solidFill>
+                  <a:latin typeface="Minion Pro Bold Cond"/>
+                  <a:cs typeface="Minion Pro Bold Cond"/>
+                </a:rPr>
+                <a:t> </a:t>
+              </a:r>
+              <a:r>
+                <a:rPr lang="mr-IN" altLang="zh-CN" sz="1200" dirty="0" smtClean="0">
+                  <a:solidFill>
+                    <a:schemeClr val="tx2"/>
+                  </a:solidFill>
+                  <a:latin typeface="Minion Pro Bold Cond"/>
+                  <a:cs typeface="Minion Pro Bold Cond"/>
+                </a:rPr>
+                <a:t>–</a:t>
+              </a:r>
+              <a:r>
+                <a:rPr lang="en-US" altLang="zh-CN" sz="1200" dirty="0" smtClean="0">
+                  <a:solidFill>
+                    <a:schemeClr val="tx2"/>
+                  </a:solidFill>
+                  <a:latin typeface="Minion Pro Bold Cond"/>
+                  <a:cs typeface="Minion Pro Bold Cond"/>
+                </a:rPr>
+                <a:t> []uint64</a:t>
+              </a:r>
+              <a:endParaRPr lang="zh-CN" altLang="en-US" sz="1200" dirty="0">
+                <a:solidFill>
+                  <a:schemeClr val="tx2"/>
+                </a:solidFill>
+                <a:latin typeface="Minion Pro Bold Cond"/>
+                <a:cs typeface="Minion Pro Bold Cond"/>
+              </a:endParaRPr>
+            </a:p>
+          </p:txBody>
+        </p:sp>
+        <p:sp>
+          <p:nvSpPr>
+            <p:cNvPr id="348" name="矩形 347"/>
+            <p:cNvSpPr/>
+            <p:nvPr/>
+          </p:nvSpPr>
+          <p:spPr>
+            <a:xfrm>
+              <a:off x="13029439" y="5832073"/>
+              <a:ext cx="7290841" cy="1175820"/>
+            </a:xfrm>
+            <a:prstGeom prst="rect">
+              <a:avLst/>
+            </a:prstGeom>
+          </p:spPr>
+          <p:style>
+            <a:lnRef idx="1">
+              <a:schemeClr val="accent3"/>
+            </a:lnRef>
+            <a:fillRef idx="2">
+              <a:schemeClr val="accent3"/>
+            </a:fillRef>
+            <a:effectRef idx="1">
+              <a:schemeClr val="accent3"/>
+            </a:effectRef>
+            <a:fontRef idx="minor">
+              <a:schemeClr val="dk1"/>
+            </a:fontRef>
+          </p:style>
+          <p:txBody>
+            <a:bodyPr rtlCol="0" anchor="ctr"/>
+            <a:lstStyle/>
+            <a:p>
+              <a:pPr algn="ctr"/>
+              <a:r>
+                <a:rPr lang="en-US" altLang="zh-CN" sz="1200" dirty="0" smtClean="0">
+                  <a:solidFill>
+                    <a:schemeClr val="tx2"/>
+                  </a:solidFill>
+                  <a:latin typeface="Minion Pro Bold Cond"/>
+                  <a:cs typeface="Minion Pro Bold Cond"/>
+                </a:rPr>
+                <a:t>nonce</a:t>
+              </a:r>
+              <a:endParaRPr lang="zh-CN" altLang="en-US" sz="1200" dirty="0">
+                <a:solidFill>
+                  <a:schemeClr val="tx2"/>
+                </a:solidFill>
+                <a:latin typeface="Minion Pro Bold Cond"/>
+                <a:cs typeface="Minion Pro Bold Cond"/>
+              </a:endParaRPr>
+            </a:p>
+          </p:txBody>
+        </p:sp>
+      </p:grpSp>
+      <p:cxnSp>
+        <p:nvCxnSpPr>
+          <p:cNvPr id="350" name="直线箭头连接符 349"/>
+          <p:cNvCxnSpPr>
+            <a:stCxn id="307" idx="3"/>
+            <a:endCxn id="329" idx="1"/>
+          </p:cNvCxnSpPr>
+          <p:nvPr/>
+        </p:nvCxnSpPr>
+        <p:spPr>
+          <a:xfrm flipV="1">
+            <a:off x="41649780" y="3209559"/>
+            <a:ext cx="1533962" cy="1036276"/>
+          </a:xfrm>
+          <a:prstGeom prst="straightConnector1">
+            <a:avLst/>
+          </a:prstGeom>
+          <a:ln w="12700">
+            <a:solidFill>
+              <a:schemeClr val="tx1"/>
+            </a:solidFill>
+            <a:headEnd type="diamond" w="lg" len="lg"/>
+            <a:tailEnd type="triangle" w="lg" len="lg"/>
+          </a:ln>
+        </p:spPr>
+        <p:style>
+          <a:lnRef idx="2">
+            <a:schemeClr val="accent1"/>
+          </a:lnRef>
+          <a:fillRef idx="0">
+            <a:schemeClr val="accent1"/>
+          </a:fillRef>
+          <a:effectRef idx="1">
+            <a:schemeClr val="accent1"/>
+          </a:effectRef>
+          <a:fontRef idx="minor">
+            <a:schemeClr val="tx1"/>
+          </a:fontRef>
+        </p:style>
+      </p:cxnSp>
+      <p:cxnSp>
+        <p:nvCxnSpPr>
+          <p:cNvPr id="351" name="直线箭头连接符 350"/>
+          <p:cNvCxnSpPr>
+            <a:stCxn id="307" idx="3"/>
+            <a:endCxn id="347" idx="1"/>
+          </p:cNvCxnSpPr>
+          <p:nvPr/>
+        </p:nvCxnSpPr>
+        <p:spPr>
+          <a:xfrm>
+            <a:off x="41649780" y="4245835"/>
+            <a:ext cx="1126424" cy="1844694"/>
+          </a:xfrm>
+          <a:prstGeom prst="straightConnector1">
+            <a:avLst/>
+          </a:prstGeom>
+          <a:ln w="12700">
+            <a:solidFill>
+              <a:schemeClr val="tx1"/>
+            </a:solidFill>
+            <a:headEnd type="diamond" w="lg" len="lg"/>
+            <a:tailEnd type="triangle" w="lg" len="lg"/>
+          </a:ln>
+        </p:spPr>
+        <p:style>
+          <a:lnRef idx="2">
+            <a:schemeClr val="accent1"/>
+          </a:lnRef>
+          <a:fillRef idx="0">
+            <a:schemeClr val="accent1"/>
+          </a:fillRef>
+          <a:effectRef idx="1">
+            <a:schemeClr val="accent1"/>
+          </a:effectRef>
+          <a:fontRef idx="minor">
+            <a:schemeClr val="tx1"/>
+          </a:fontRef>
+        </p:style>
+      </p:cxnSp>
+      <p:cxnSp>
+        <p:nvCxnSpPr>
+          <p:cNvPr id="352" name="曲线连接符 351"/>
+          <p:cNvCxnSpPr>
+            <a:stCxn id="211" idx="3"/>
+            <a:endCxn id="301" idx="1"/>
+          </p:cNvCxnSpPr>
+          <p:nvPr/>
+        </p:nvCxnSpPr>
+        <p:spPr>
+          <a:xfrm flipV="1">
+            <a:off x="28796508" y="4592677"/>
+            <a:ext cx="6007212" cy="1268880"/>
+          </a:xfrm>
+          <a:prstGeom prst="curvedConnector3">
+            <a:avLst>
+              <a:gd name="adj1" fmla="val 50000"/>
+            </a:avLst>
+          </a:prstGeom>
+          <a:ln w="12700">
+            <a:solidFill>
+              <a:schemeClr val="bg1">
+                <a:lumMod val="50000"/>
+              </a:schemeClr>
+            </a:solidFill>
+            <a:tailEnd type="arrow"/>
+          </a:ln>
+        </p:spPr>
+        <p:style>
+          <a:lnRef idx="2">
+            <a:schemeClr val="accent1"/>
+          </a:lnRef>
+          <a:fillRef idx="0">
+            <a:schemeClr val="accent1"/>
+          </a:fillRef>
+          <a:effectRef idx="1">
+            <a:schemeClr val="accent1"/>
+          </a:effectRef>
+          <a:fontRef idx="minor">
+            <a:schemeClr val="tx1"/>
+          </a:fontRef>
+        </p:style>
+      </p:cxnSp>
+      <p:cxnSp>
+        <p:nvCxnSpPr>
+          <p:cNvPr id="355" name="曲线连接符 354"/>
+          <p:cNvCxnSpPr>
+            <a:stCxn id="353" idx="3"/>
+            <a:endCxn id="178" idx="3"/>
+          </p:cNvCxnSpPr>
+          <p:nvPr/>
+        </p:nvCxnSpPr>
+        <p:spPr>
+          <a:xfrm flipH="1" flipV="1">
+            <a:off x="28796508" y="2798893"/>
+            <a:ext cx="12700" cy="343454"/>
+          </a:xfrm>
+          <a:prstGeom prst="curvedConnector3">
+            <a:avLst>
+              <a:gd name="adj1" fmla="val -1800000"/>
+            </a:avLst>
+          </a:prstGeom>
+          <a:ln w="12700">
+            <a:solidFill>
+              <a:schemeClr val="bg1">
+                <a:lumMod val="50000"/>
+              </a:schemeClr>
+            </a:solidFill>
+            <a:tailEnd type="arrow"/>
+          </a:ln>
+        </p:spPr>
+        <p:style>
+          <a:lnRef idx="2">
+            <a:schemeClr val="accent1"/>
+          </a:lnRef>
+          <a:fillRef idx="0">
+            <a:schemeClr val="accent1"/>
+          </a:fillRef>
+          <a:effectRef idx="1">
+            <a:schemeClr val="accent1"/>
+          </a:effectRef>
+          <a:fontRef idx="minor">
+            <a:schemeClr val="tx1"/>
+          </a:fontRef>
+        </p:style>
+      </p:cxnSp>
+      <p:cxnSp>
+        <p:nvCxnSpPr>
+          <p:cNvPr id="356" name="曲线连接符 355"/>
+          <p:cNvCxnSpPr>
+            <a:stCxn id="354" idx="3"/>
+            <a:endCxn id="178" idx="3"/>
+          </p:cNvCxnSpPr>
+          <p:nvPr/>
+        </p:nvCxnSpPr>
+        <p:spPr>
+          <a:xfrm flipH="1" flipV="1">
+            <a:off x="28796508" y="2798893"/>
+            <a:ext cx="12700" cy="690067"/>
+          </a:xfrm>
+          <a:prstGeom prst="curvedConnector3">
+            <a:avLst>
+              <a:gd name="adj1" fmla="val -1800000"/>
+            </a:avLst>
+          </a:prstGeom>
+          <a:ln w="12700" cap="flat">
+            <a:solidFill>
+              <a:schemeClr val="bg1">
+                <a:lumMod val="50000"/>
+              </a:schemeClr>
+            </a:solidFill>
+            <a:round/>
+            <a:tailEnd type="arrow"/>
+          </a:ln>
+        </p:spPr>
+        <p:style>
+          <a:lnRef idx="2">
+            <a:schemeClr val="accent1"/>
+          </a:lnRef>
+          <a:fillRef idx="0">
+            <a:schemeClr val="accent1"/>
+          </a:fillRef>
+          <a:effectRef idx="1">
+            <a:schemeClr val="accent1"/>
+          </a:effectRef>
+          <a:fontRef idx="minor">
+            <a:schemeClr val="tx1"/>
+          </a:fontRef>
+        </p:style>
+      </p:cxnSp>
+      <p:cxnSp>
+        <p:nvCxnSpPr>
+          <p:cNvPr id="358" name="曲线连接符 357"/>
+          <p:cNvCxnSpPr>
+            <a:stCxn id="357" idx="3"/>
+            <a:endCxn id="179" idx="3"/>
+          </p:cNvCxnSpPr>
+          <p:nvPr/>
+        </p:nvCxnSpPr>
+        <p:spPr>
+          <a:xfrm flipV="1">
+            <a:off x="28809208" y="4061045"/>
+            <a:ext cx="12700" cy="357908"/>
+          </a:xfrm>
+          <a:prstGeom prst="curvedConnector3">
+            <a:avLst>
+              <a:gd name="adj1" fmla="val 1800000"/>
+            </a:avLst>
+          </a:prstGeom>
+          <a:ln w="12700" cap="flat">
+            <a:solidFill>
+              <a:schemeClr val="bg1">
+                <a:lumMod val="50000"/>
+              </a:schemeClr>
+            </a:solidFill>
+            <a:round/>
+            <a:tailEnd type="arrow"/>
+          </a:ln>
+        </p:spPr>
+        <p:style>
+          <a:lnRef idx="2">
+            <a:schemeClr val="accent1"/>
+          </a:lnRef>
+          <a:fillRef idx="0">
+            <a:schemeClr val="accent1"/>
+          </a:fillRef>
+          <a:effectRef idx="1">
+            <a:schemeClr val="accent1"/>
+          </a:effectRef>
+          <a:fontRef idx="minor">
+            <a:schemeClr val="tx1"/>
+          </a:fontRef>
+        </p:style>
+      </p:cxnSp>
+      <p:cxnSp>
+        <p:nvCxnSpPr>
+          <p:cNvPr id="364" name="曲线连接符 363"/>
+          <p:cNvCxnSpPr>
+            <a:stCxn id="362" idx="3"/>
+            <a:endCxn id="357" idx="3"/>
+          </p:cNvCxnSpPr>
+          <p:nvPr/>
+        </p:nvCxnSpPr>
+        <p:spPr>
+          <a:xfrm flipV="1">
+            <a:off x="28809208" y="4418953"/>
+            <a:ext cx="12700" cy="705910"/>
+          </a:xfrm>
+          <a:prstGeom prst="curvedConnector3">
+            <a:avLst>
+              <a:gd name="adj1" fmla="val 1800000"/>
+            </a:avLst>
+          </a:prstGeom>
+          <a:ln w="12700" cap="flat">
+            <a:solidFill>
+              <a:schemeClr val="bg1">
+                <a:lumMod val="50000"/>
+              </a:schemeClr>
+            </a:solidFill>
+            <a:round/>
+            <a:tailEnd type="arrow"/>
+          </a:ln>
+        </p:spPr>
+        <p:style>
+          <a:lnRef idx="2">
+            <a:schemeClr val="accent1"/>
+          </a:lnRef>
+          <a:fillRef idx="0">
+            <a:schemeClr val="accent1"/>
+          </a:fillRef>
+          <a:effectRef idx="1">
+            <a:schemeClr val="accent1"/>
+          </a:effectRef>
+          <a:fontRef idx="minor">
+            <a:schemeClr val="tx1"/>
+          </a:fontRef>
+        </p:style>
+      </p:cxnSp>
+      <p:cxnSp>
+        <p:nvCxnSpPr>
+          <p:cNvPr id="365" name="曲线连接符 364"/>
+          <p:cNvCxnSpPr>
+            <a:stCxn id="361" idx="3"/>
+            <a:endCxn id="357" idx="3"/>
+          </p:cNvCxnSpPr>
+          <p:nvPr/>
+        </p:nvCxnSpPr>
+        <p:spPr>
+          <a:xfrm flipV="1">
+            <a:off x="28809208" y="4418953"/>
+            <a:ext cx="12700" cy="359297"/>
+          </a:xfrm>
+          <a:prstGeom prst="curvedConnector3">
+            <a:avLst>
+              <a:gd name="adj1" fmla="val 1800000"/>
+            </a:avLst>
+          </a:prstGeom>
+          <a:ln w="12700" cap="flat">
+            <a:solidFill>
+              <a:schemeClr val="bg1">
+                <a:lumMod val="50000"/>
+              </a:schemeClr>
+            </a:solidFill>
+            <a:round/>
+            <a:tailEnd type="arrow"/>
+          </a:ln>
+        </p:spPr>
+        <p:style>
+          <a:lnRef idx="2">
+            <a:schemeClr val="accent1"/>
+          </a:lnRef>
+          <a:fillRef idx="0">
+            <a:schemeClr val="accent1"/>
+          </a:fillRef>
+          <a:effectRef idx="1">
+            <a:schemeClr val="accent1"/>
+          </a:effectRef>
+          <a:fontRef idx="minor">
+            <a:schemeClr val="tx1"/>
+          </a:fontRef>
+        </p:style>
+      </p:cxnSp>
+      <p:cxnSp>
+        <p:nvCxnSpPr>
+          <p:cNvPr id="366" name="曲线连接符 365"/>
+          <p:cNvCxnSpPr>
+            <a:stCxn id="165" idx="1"/>
+            <a:endCxn id="211" idx="1"/>
+          </p:cNvCxnSpPr>
+          <p:nvPr/>
+        </p:nvCxnSpPr>
+        <p:spPr>
+          <a:xfrm rot="10800000" flipV="1">
+            <a:off x="25925548" y="2073217"/>
+            <a:ext cx="12700" cy="3788340"/>
+          </a:xfrm>
+          <a:prstGeom prst="bentConnector3">
+            <a:avLst>
+              <a:gd name="adj1" fmla="val 4900000"/>
+            </a:avLst>
+          </a:prstGeom>
+          <a:ln w="12700">
+            <a:solidFill>
+              <a:schemeClr val="bg1">
+                <a:lumMod val="50000"/>
+              </a:schemeClr>
+            </a:solidFill>
+            <a:tailEnd type="arrow"/>
+          </a:ln>
+        </p:spPr>
+        <p:style>
+          <a:lnRef idx="2">
+            <a:schemeClr val="accent1"/>
+          </a:lnRef>
+          <a:fillRef idx="0">
+            <a:schemeClr val="accent1"/>
+          </a:fillRef>
+          <a:effectRef idx="1">
+            <a:schemeClr val="accent1"/>
+          </a:effectRef>
+          <a:fontRef idx="minor">
+            <a:schemeClr val="tx1"/>
+          </a:fontRef>
+        </p:style>
+      </p:cxnSp>
+      <p:cxnSp>
+        <p:nvCxnSpPr>
+          <p:cNvPr id="180" name="曲线连接符 179"/>
+          <p:cNvCxnSpPr>
+            <a:stCxn id="178" idx="1"/>
+            <a:endCxn id="165" idx="1"/>
+          </p:cNvCxnSpPr>
+          <p:nvPr/>
+        </p:nvCxnSpPr>
+        <p:spPr>
+          <a:xfrm rot="10800000">
+            <a:off x="25925548" y="2073217"/>
+            <a:ext cx="12700" cy="725676"/>
+          </a:xfrm>
+          <a:prstGeom prst="curvedConnector3">
+            <a:avLst>
+              <a:gd name="adj1" fmla="val 3200000"/>
+            </a:avLst>
+          </a:prstGeom>
+          <a:ln w="12700">
+            <a:solidFill>
+              <a:schemeClr val="bg1">
+                <a:lumMod val="50000"/>
+              </a:schemeClr>
+            </a:solidFill>
+            <a:tailEnd type="arrow"/>
+          </a:ln>
+        </p:spPr>
+        <p:style>
+          <a:lnRef idx="2">
+            <a:schemeClr val="accent1"/>
+          </a:lnRef>
+          <a:fillRef idx="0">
+            <a:schemeClr val="accent1"/>
+          </a:fillRef>
+          <a:effectRef idx="1">
+            <a:schemeClr val="accent1"/>
+          </a:effectRef>
+          <a:fontRef idx="minor">
+            <a:schemeClr val="tx1"/>
+          </a:fontRef>
+        </p:style>
+      </p:cxnSp>
+      <p:cxnSp>
+        <p:nvCxnSpPr>
+          <p:cNvPr id="183" name="曲线连接符 182"/>
+          <p:cNvCxnSpPr>
+            <a:stCxn id="179" idx="1"/>
+            <a:endCxn id="165" idx="1"/>
+          </p:cNvCxnSpPr>
+          <p:nvPr/>
+        </p:nvCxnSpPr>
+        <p:spPr>
+          <a:xfrm rot="10800000">
+            <a:off x="25925548" y="2073217"/>
+            <a:ext cx="12700" cy="1987828"/>
+          </a:xfrm>
+          <a:prstGeom prst="curvedConnector3">
+            <a:avLst>
+              <a:gd name="adj1" fmla="val 8800000"/>
+            </a:avLst>
+          </a:prstGeom>
+          <a:ln w="12700">
+            <a:solidFill>
+              <a:schemeClr val="bg1">
+                <a:lumMod val="50000"/>
+              </a:schemeClr>
+            </a:solidFill>
+            <a:tailEnd type="arrow"/>
+          </a:ln>
+        </p:spPr>
+        <p:style>
+          <a:lnRef idx="2">
+            <a:schemeClr val="accent1"/>
+          </a:lnRef>
+          <a:fillRef idx="0">
+            <a:schemeClr val="accent1"/>
+          </a:fillRef>
+          <a:effectRef idx="1">
+            <a:schemeClr val="accent1"/>
+          </a:effectRef>
+          <a:fontRef idx="minor">
+            <a:schemeClr val="tx1"/>
+          </a:fontRef>
+        </p:style>
+      </p:cxnSp>
+      <p:cxnSp>
+        <p:nvCxnSpPr>
+          <p:cNvPr id="369" name="曲线连接符 368"/>
+          <p:cNvCxnSpPr>
+            <a:stCxn id="178" idx="1"/>
+            <a:endCxn id="171" idx="1"/>
+          </p:cNvCxnSpPr>
+          <p:nvPr/>
+        </p:nvCxnSpPr>
+        <p:spPr>
+          <a:xfrm rot="10800000">
+            <a:off x="25925548" y="2439959"/>
+            <a:ext cx="12700" cy="358934"/>
+          </a:xfrm>
+          <a:prstGeom prst="curvedConnector3">
+            <a:avLst>
+              <a:gd name="adj1" fmla="val 1800000"/>
+            </a:avLst>
+          </a:prstGeom>
+          <a:ln w="12700">
+            <a:solidFill>
+              <a:schemeClr val="bg1">
+                <a:lumMod val="50000"/>
+              </a:schemeClr>
+            </a:solidFill>
+            <a:tailEnd type="arrow"/>
+          </a:ln>
+        </p:spPr>
+        <p:style>
+          <a:lnRef idx="2">
+            <a:schemeClr val="accent1"/>
+          </a:lnRef>
+          <a:fillRef idx="0">
+            <a:schemeClr val="accent1"/>
+          </a:fillRef>
+          <a:effectRef idx="1">
+            <a:schemeClr val="accent1"/>
+          </a:effectRef>
+          <a:fontRef idx="minor">
+            <a:schemeClr val="tx1"/>
+          </a:fontRef>
+        </p:style>
+      </p:cxnSp>
+      <p:cxnSp>
+        <p:nvCxnSpPr>
+          <p:cNvPr id="370" name="曲线连接符 369"/>
+          <p:cNvCxnSpPr>
+            <a:stCxn id="179" idx="1"/>
+            <a:endCxn id="171" idx="1"/>
+          </p:cNvCxnSpPr>
+          <p:nvPr/>
+        </p:nvCxnSpPr>
+        <p:spPr>
+          <a:xfrm rot="10800000">
+            <a:off x="25925548" y="2439959"/>
+            <a:ext cx="12700" cy="1621086"/>
+          </a:xfrm>
+          <a:prstGeom prst="curvedConnector3">
+            <a:avLst>
+              <a:gd name="adj1" fmla="val 6800000"/>
+            </a:avLst>
+          </a:prstGeom>
+          <a:ln w="12700">
+            <a:solidFill>
+              <a:schemeClr val="bg1">
+                <a:lumMod val="50000"/>
+              </a:schemeClr>
+            </a:solidFill>
+            <a:tailEnd type="arrow"/>
+          </a:ln>
+        </p:spPr>
+        <p:style>
+          <a:lnRef idx="2">
+            <a:schemeClr val="accent1"/>
+          </a:lnRef>
+          <a:fillRef idx="0">
+            <a:schemeClr val="accent1"/>
+          </a:fillRef>
+          <a:effectRef idx="1">
+            <a:schemeClr val="accent1"/>
+          </a:effectRef>
+          <a:fontRef idx="minor">
+            <a:schemeClr val="tx1"/>
+          </a:fontRef>
+        </p:style>
+      </p:cxnSp>
+      <p:grpSp>
+        <p:nvGrpSpPr>
+          <p:cNvPr id="371" name="组 370"/>
+          <p:cNvGrpSpPr/>
+          <p:nvPr/>
+        </p:nvGrpSpPr>
+        <p:grpSpPr>
+          <a:xfrm>
+            <a:off x="18612472" y="28411481"/>
+            <a:ext cx="2870960" cy="1642947"/>
+            <a:chOff x="13029439" y="4656253"/>
+            <a:chExt cx="7290841" cy="5573392"/>
+          </a:xfrm>
+        </p:grpSpPr>
+        <p:sp>
+          <p:nvSpPr>
+            <p:cNvPr id="373" name="矩形 372"/>
+            <p:cNvSpPr/>
+            <p:nvPr/>
+          </p:nvSpPr>
+          <p:spPr>
+            <a:xfrm>
+              <a:off x="13029439" y="4656253"/>
+              <a:ext cx="7290841" cy="5573392"/>
+            </a:xfrm>
+            <a:prstGeom prst="rect">
+              <a:avLst/>
+            </a:prstGeom>
+          </p:spPr>
+          <p:style>
+            <a:lnRef idx="1">
+              <a:schemeClr val="accent1"/>
+            </a:lnRef>
+            <a:fillRef idx="2">
+              <a:schemeClr val="accent1"/>
+            </a:fillRef>
+            <a:effectRef idx="1">
+              <a:schemeClr val="accent1"/>
+            </a:effectRef>
+            <a:fontRef idx="minor">
+              <a:schemeClr val="dk1"/>
+            </a:fontRef>
+          </p:style>
+          <p:txBody>
+            <a:bodyPr rtlCol="0" anchor="ctr"/>
+            <a:lstStyle/>
+            <a:p>
+              <a:pPr algn="ctr"/>
+              <a:endParaRPr kumimoji="1" lang="zh-CN" altLang="en-US"/>
+            </a:p>
+          </p:txBody>
+        </p:sp>
+        <p:sp>
+          <p:nvSpPr>
+            <p:cNvPr id="374" name="矩形 373"/>
+            <p:cNvSpPr/>
+            <p:nvPr/>
+          </p:nvSpPr>
+          <p:spPr>
+            <a:xfrm>
+              <a:off x="13029439" y="4656253"/>
+              <a:ext cx="7290841" cy="1175821"/>
+            </a:xfrm>
+            <a:prstGeom prst="rect">
+              <a:avLst/>
+            </a:prstGeom>
+            <a:gradFill flip="none" rotWithShape="1">
+              <a:gsLst>
+                <a:gs pos="0">
+                  <a:schemeClr val="accent6">
+                    <a:tint val="50000"/>
+                    <a:satMod val="300000"/>
+                  </a:schemeClr>
+                </a:gs>
+                <a:gs pos="35000">
+                  <a:schemeClr val="accent6">
+                    <a:tint val="37000"/>
+                    <a:satMod val="300000"/>
+                  </a:schemeClr>
+                </a:gs>
+                <a:gs pos="100000">
+                  <a:schemeClr val="accent6">
+                    <a:tint val="15000"/>
+                    <a:satMod val="350000"/>
+                  </a:schemeClr>
+                </a:gs>
+              </a:gsLst>
+              <a:lin ang="16200000" scaled="1"/>
+              <a:tileRect/>
+            </a:gradFill>
+          </p:spPr>
+          <p:style>
+            <a:lnRef idx="1">
+              <a:schemeClr val="accent6"/>
+            </a:lnRef>
+            <a:fillRef idx="2">
+              <a:schemeClr val="accent6"/>
+            </a:fillRef>
+            <a:effectRef idx="1">
+              <a:schemeClr val="accent6"/>
+            </a:effectRef>
+            <a:fontRef idx="minor">
+              <a:schemeClr val="dk1"/>
+            </a:fontRef>
+          </p:style>
+          <p:txBody>
+            <a:bodyPr rtlCol="0" anchor="ctr"/>
+            <a:lstStyle/>
+            <a:p>
+              <a:pPr algn="ctr"/>
+              <a:r>
+                <a:rPr lang="en-US" altLang="zh-CN" sz="1200" dirty="0" smtClean="0">
+                  <a:solidFill>
+                    <a:schemeClr val="tx2"/>
+                  </a:solidFill>
+                  <a:latin typeface="Minion Pro Bold Cond"/>
+                  <a:cs typeface="Minion Pro Bold Cond"/>
+                </a:rPr>
+                <a:t>Database</a:t>
+              </a:r>
+              <a:endParaRPr lang="zh-CN" altLang="en-US" sz="1200" dirty="0">
+                <a:solidFill>
+                  <a:schemeClr val="tx2"/>
+                </a:solidFill>
+                <a:latin typeface="Minion Pro Bold Cond"/>
+                <a:cs typeface="Minion Pro Bold Cond"/>
+              </a:endParaRPr>
+            </a:p>
+          </p:txBody>
+        </p:sp>
+        <p:sp>
+          <p:nvSpPr>
+            <p:cNvPr id="375" name="矩形 374"/>
+            <p:cNvSpPr/>
+            <p:nvPr/>
+          </p:nvSpPr>
+          <p:spPr>
+            <a:xfrm>
+              <a:off x="13029439" y="5832073"/>
+              <a:ext cx="7290841" cy="1175820"/>
+            </a:xfrm>
+            <a:prstGeom prst="rect">
+              <a:avLst/>
+            </a:prstGeom>
+          </p:spPr>
+          <p:style>
+            <a:lnRef idx="1">
+              <a:schemeClr val="accent3"/>
+            </a:lnRef>
+            <a:fillRef idx="2">
+              <a:schemeClr val="accent3"/>
+            </a:fillRef>
+            <a:effectRef idx="1">
+              <a:schemeClr val="accent3"/>
+            </a:effectRef>
+            <a:fontRef idx="minor">
+              <a:schemeClr val="dk1"/>
+            </a:fontRef>
+          </p:style>
+          <p:txBody>
+            <a:bodyPr rtlCol="0" anchor="ctr"/>
+            <a:lstStyle/>
+            <a:p>
+              <a:pPr algn="ctr"/>
+              <a:r>
+                <a:rPr lang="en-US" altLang="zh-CN" sz="1200" dirty="0" err="1" smtClean="0">
+                  <a:solidFill>
+                    <a:schemeClr val="tx2"/>
+                  </a:solidFill>
+                  <a:latin typeface="Minion Pro Bold Cond"/>
+                  <a:cs typeface="Minion Pro Bold Cond"/>
+                </a:rPr>
+                <a:t>diskdb</a:t>
+              </a:r>
+              <a:endParaRPr lang="zh-CN" altLang="en-US" sz="1200" dirty="0">
+                <a:solidFill>
+                  <a:schemeClr val="tx2"/>
+                </a:solidFill>
+                <a:latin typeface="Minion Pro Bold Cond"/>
+                <a:cs typeface="Minion Pro Bold Cond"/>
+              </a:endParaRPr>
+            </a:p>
+          </p:txBody>
+        </p:sp>
+        <p:sp>
+          <p:nvSpPr>
+            <p:cNvPr id="387" name="矩形 386"/>
+            <p:cNvSpPr/>
+            <p:nvPr/>
+          </p:nvSpPr>
+          <p:spPr>
+            <a:xfrm>
+              <a:off x="13029439" y="7007893"/>
+              <a:ext cx="7290841" cy="1175820"/>
+            </a:xfrm>
+            <a:prstGeom prst="rect">
+              <a:avLst/>
+            </a:prstGeom>
+          </p:spPr>
+          <p:style>
+            <a:lnRef idx="1">
+              <a:schemeClr val="accent3"/>
+            </a:lnRef>
+            <a:fillRef idx="2">
+              <a:schemeClr val="accent3"/>
+            </a:fillRef>
+            <a:effectRef idx="1">
+              <a:schemeClr val="accent3"/>
+            </a:effectRef>
+            <a:fontRef idx="minor">
+              <a:schemeClr val="dk1"/>
+            </a:fontRef>
+          </p:style>
+          <p:txBody>
+            <a:bodyPr rtlCol="0" anchor="ctr"/>
+            <a:lstStyle/>
+            <a:p>
+              <a:pPr algn="ctr"/>
+              <a:r>
+                <a:rPr lang="en-US" altLang="zh-CN" sz="1200" dirty="0">
+                  <a:solidFill>
+                    <a:schemeClr val="tx2"/>
+                  </a:solidFill>
+                  <a:latin typeface="Minion Pro Bold Cond"/>
+                  <a:cs typeface="Minion Pro Bold Cond"/>
+                </a:rPr>
+                <a:t>nodes:     map[</a:t>
+              </a:r>
+              <a:r>
+                <a:rPr lang="en-US" altLang="zh-CN" sz="1200" dirty="0" err="1">
+                  <a:solidFill>
+                    <a:schemeClr val="tx2"/>
+                  </a:solidFill>
+                  <a:latin typeface="Minion Pro Bold Cond"/>
+                  <a:cs typeface="Minion Pro Bold Cond"/>
+                </a:rPr>
+                <a:t>common.Hash</a:t>
+              </a:r>
+              <a:r>
+                <a:rPr lang="en-US" altLang="zh-CN" sz="1200" dirty="0">
+                  <a:solidFill>
+                    <a:schemeClr val="tx2"/>
+                  </a:solidFill>
+                  <a:latin typeface="Minion Pro Bold Cond"/>
+                  <a:cs typeface="Minion Pro Bold Cond"/>
+                </a:rPr>
+                <a:t>]*</a:t>
+              </a:r>
+              <a:r>
+                <a:rPr lang="en-US" altLang="zh-CN" sz="1200" dirty="0" err="1">
+                  <a:solidFill>
+                    <a:schemeClr val="tx2"/>
+                  </a:solidFill>
+                  <a:latin typeface="Minion Pro Bold Cond"/>
+                  <a:cs typeface="Minion Pro Bold Cond"/>
+                </a:rPr>
+                <a:t>cachedNode</a:t>
+              </a:r>
+              <a:r>
+                <a:rPr lang="en-US" altLang="zh-CN" sz="1200" dirty="0">
+                  <a:solidFill>
+                    <a:schemeClr val="tx2"/>
+                  </a:solidFill>
+                  <a:latin typeface="Minion Pro Bold Cond"/>
+                  <a:cs typeface="Minion Pro Bold Cond"/>
+                </a:rPr>
+                <a:t>{{}: {}},</a:t>
+              </a:r>
+              <a:endParaRPr lang="zh-CN" altLang="en-US" sz="1200" dirty="0">
+                <a:solidFill>
+                  <a:schemeClr val="tx2"/>
+                </a:solidFill>
+                <a:latin typeface="Minion Pro Bold Cond"/>
+                <a:cs typeface="Minion Pro Bold Cond"/>
+              </a:endParaRPr>
+            </a:p>
+          </p:txBody>
+        </p:sp>
+      </p:grpSp>
+      <p:cxnSp>
+        <p:nvCxnSpPr>
+          <p:cNvPr id="380" name="直线箭头连接符 379"/>
+          <p:cNvCxnSpPr>
+            <a:stCxn id="375" idx="3"/>
+            <a:endCxn id="429" idx="1"/>
+          </p:cNvCxnSpPr>
+          <p:nvPr/>
+        </p:nvCxnSpPr>
+        <p:spPr>
+          <a:xfrm>
+            <a:off x="21483432" y="28931401"/>
+            <a:ext cx="1045682" cy="1954495"/>
+          </a:xfrm>
+          <a:prstGeom prst="straightConnector1">
+            <a:avLst/>
+          </a:prstGeom>
+          <a:ln w="12700">
+            <a:solidFill>
+              <a:schemeClr val="tx1"/>
+            </a:solidFill>
+            <a:headEnd type="diamond" w="lg" len="lg"/>
+            <a:tailEnd type="triangle" w="lg" len="lg"/>
+          </a:ln>
+        </p:spPr>
+        <p:style>
+          <a:lnRef idx="2">
+            <a:schemeClr val="accent1"/>
+          </a:lnRef>
+          <a:fillRef idx="0">
+            <a:schemeClr val="accent1"/>
+          </a:fillRef>
+          <a:effectRef idx="1">
+            <a:schemeClr val="accent1"/>
+          </a:effectRef>
+          <a:fontRef idx="minor">
+            <a:schemeClr val="tx1"/>
+          </a:fontRef>
+        </p:style>
+      </p:cxnSp>
+      <p:grpSp>
+        <p:nvGrpSpPr>
+          <p:cNvPr id="276" name="组 275"/>
+          <p:cNvGrpSpPr/>
+          <p:nvPr/>
+        </p:nvGrpSpPr>
+        <p:grpSpPr>
+          <a:xfrm>
+            <a:off x="24084808" y="25026279"/>
+            <a:ext cx="2870960" cy="1642947"/>
+            <a:chOff x="13029439" y="4656253"/>
+            <a:chExt cx="7290841" cy="5573392"/>
+          </a:xfrm>
+        </p:grpSpPr>
+        <p:sp>
+          <p:nvSpPr>
+            <p:cNvPr id="277" name="矩形 276"/>
+            <p:cNvSpPr/>
+            <p:nvPr/>
+          </p:nvSpPr>
+          <p:spPr>
+            <a:xfrm>
+              <a:off x="13029439" y="4656253"/>
+              <a:ext cx="7290841" cy="5573392"/>
+            </a:xfrm>
+            <a:prstGeom prst="rect">
+              <a:avLst/>
+            </a:prstGeom>
+          </p:spPr>
+          <p:style>
+            <a:lnRef idx="1">
+              <a:schemeClr val="accent1"/>
+            </a:lnRef>
+            <a:fillRef idx="2">
+              <a:schemeClr val="accent1"/>
+            </a:fillRef>
+            <a:effectRef idx="1">
+              <a:schemeClr val="accent1"/>
+            </a:effectRef>
+            <a:fontRef idx="minor">
+              <a:schemeClr val="dk1"/>
+            </a:fontRef>
+          </p:style>
+          <p:txBody>
+            <a:bodyPr rtlCol="0" anchor="ctr"/>
+            <a:lstStyle/>
+            <a:p>
+              <a:pPr algn="ctr"/>
+              <a:endParaRPr kumimoji="1" lang="zh-CN" altLang="en-US"/>
+            </a:p>
+          </p:txBody>
+        </p:sp>
+        <p:sp>
+          <p:nvSpPr>
+            <p:cNvPr id="284" name="矩形 283"/>
+            <p:cNvSpPr/>
+            <p:nvPr/>
+          </p:nvSpPr>
+          <p:spPr>
+            <a:xfrm>
+              <a:off x="13029439" y="4656253"/>
+              <a:ext cx="7290841" cy="1175821"/>
+            </a:xfrm>
+            <a:prstGeom prst="rect">
+              <a:avLst/>
+            </a:prstGeom>
+          </p:spPr>
+          <p:style>
+            <a:lnRef idx="1">
+              <a:schemeClr val="accent6"/>
+            </a:lnRef>
+            <a:fillRef idx="2">
+              <a:schemeClr val="accent6"/>
+            </a:fillRef>
+            <a:effectRef idx="1">
+              <a:schemeClr val="accent6"/>
+            </a:effectRef>
+            <a:fontRef idx="minor">
+              <a:schemeClr val="dk1"/>
+            </a:fontRef>
+          </p:style>
+          <p:txBody>
+            <a:bodyPr rtlCol="0" anchor="ctr"/>
+            <a:lstStyle/>
+            <a:p>
+              <a:pPr algn="ctr"/>
+              <a:r>
+                <a:rPr lang="en-US" altLang="zh-CN" sz="1200" dirty="0" err="1" smtClean="0">
+                  <a:solidFill>
+                    <a:schemeClr val="tx2"/>
+                  </a:solidFill>
+                  <a:latin typeface="Minion Pro Bold Cond"/>
+                  <a:cs typeface="Minion Pro Bold Cond"/>
+                </a:rPr>
+                <a:t>cachingDB</a:t>
+              </a:r>
+              <a:endParaRPr lang="zh-CN" altLang="en-US" sz="1200" dirty="0">
+                <a:solidFill>
+                  <a:schemeClr val="tx2"/>
+                </a:solidFill>
+                <a:latin typeface="Minion Pro Bold Cond"/>
+                <a:cs typeface="Minion Pro Bold Cond"/>
+              </a:endParaRPr>
+            </a:p>
+          </p:txBody>
+        </p:sp>
+        <p:sp>
+          <p:nvSpPr>
+            <p:cNvPr id="286" name="矩形 285"/>
+            <p:cNvSpPr/>
+            <p:nvPr/>
+          </p:nvSpPr>
+          <p:spPr>
+            <a:xfrm>
+              <a:off x="13029439" y="5832073"/>
+              <a:ext cx="7290841" cy="1175820"/>
+            </a:xfrm>
+            <a:prstGeom prst="rect">
+              <a:avLst/>
+            </a:prstGeom>
+          </p:spPr>
+          <p:style>
+            <a:lnRef idx="1">
+              <a:schemeClr val="accent3"/>
+            </a:lnRef>
+            <a:fillRef idx="2">
+              <a:schemeClr val="accent3"/>
+            </a:fillRef>
+            <a:effectRef idx="1">
+              <a:schemeClr val="accent3"/>
+            </a:effectRef>
+            <a:fontRef idx="minor">
+              <a:schemeClr val="dk1"/>
+            </a:fontRef>
+          </p:style>
+          <p:txBody>
+            <a:bodyPr rtlCol="0" anchor="ctr"/>
+            <a:lstStyle/>
+            <a:p>
+              <a:pPr algn="ctr"/>
+              <a:r>
+                <a:rPr lang="en-US" altLang="zh-CN" sz="1200" dirty="0" err="1" smtClean="0">
+                  <a:solidFill>
+                    <a:schemeClr val="tx2"/>
+                  </a:solidFill>
+                  <a:latin typeface="Minion Pro Bold Cond"/>
+                  <a:cs typeface="Minion Pro Bold Cond"/>
+                </a:rPr>
+                <a:t>db</a:t>
+              </a:r>
+              <a:endParaRPr lang="zh-CN" altLang="en-US" sz="1200" dirty="0">
+                <a:solidFill>
+                  <a:schemeClr val="tx2"/>
+                </a:solidFill>
+                <a:latin typeface="Minion Pro Bold Cond"/>
+                <a:cs typeface="Minion Pro Bold Cond"/>
+              </a:endParaRPr>
+            </a:p>
+          </p:txBody>
+        </p:sp>
+        <p:sp>
+          <p:nvSpPr>
+            <p:cNvPr id="393" name="矩形 392"/>
+            <p:cNvSpPr/>
+            <p:nvPr/>
+          </p:nvSpPr>
+          <p:spPr>
+            <a:xfrm>
+              <a:off x="13029439" y="7905971"/>
+              <a:ext cx="7290841" cy="1175820"/>
+            </a:xfrm>
+            <a:prstGeom prst="rect">
+              <a:avLst/>
+            </a:prstGeom>
+          </p:spPr>
+          <p:style>
+            <a:lnRef idx="1">
+              <a:schemeClr val="dk1"/>
+            </a:lnRef>
+            <a:fillRef idx="2">
+              <a:schemeClr val="dk1"/>
+            </a:fillRef>
+            <a:effectRef idx="1">
+              <a:schemeClr val="dk1"/>
+            </a:effectRef>
+            <a:fontRef idx="minor">
+              <a:schemeClr val="dk1"/>
+            </a:fontRef>
+          </p:style>
+          <p:txBody>
+            <a:bodyPr rtlCol="0" anchor="ctr"/>
+            <a:lstStyle/>
+            <a:p>
+              <a:pPr algn="ctr"/>
+              <a:r>
+                <a:rPr lang="en-US" altLang="zh-CN" sz="1200" dirty="0" err="1" smtClean="0">
+                  <a:solidFill>
+                    <a:schemeClr val="tx2"/>
+                  </a:solidFill>
+                  <a:latin typeface="Minion Pro Bold Cond"/>
+                  <a:cs typeface="Minion Pro Bold Cond"/>
+                </a:rPr>
+                <a:t>OpenTrie</a:t>
+              </a:r>
+              <a:r>
+                <a:rPr lang="en-US" altLang="zh-CN" sz="1200" dirty="0" smtClean="0">
+                  <a:solidFill>
+                    <a:schemeClr val="tx2"/>
+                  </a:solidFill>
+                  <a:latin typeface="Minion Pro Bold Cond"/>
+                  <a:cs typeface="Minion Pro Bold Cond"/>
+                </a:rPr>
+                <a:t>()</a:t>
+              </a:r>
+              <a:endParaRPr lang="zh-CN" altLang="en-US" sz="1200" dirty="0">
+                <a:solidFill>
+                  <a:schemeClr val="tx2"/>
+                </a:solidFill>
+                <a:latin typeface="Minion Pro Bold Cond"/>
+                <a:cs typeface="Minion Pro Bold Cond"/>
+              </a:endParaRPr>
+            </a:p>
+          </p:txBody>
+        </p:sp>
+      </p:grpSp>
+      <p:cxnSp>
+        <p:nvCxnSpPr>
+          <p:cNvPr id="367" name="直线箭头连接符 366"/>
+          <p:cNvCxnSpPr>
+            <a:stCxn id="286" idx="1"/>
+            <a:endCxn id="374" idx="0"/>
+          </p:cNvCxnSpPr>
+          <p:nvPr/>
+        </p:nvCxnSpPr>
+        <p:spPr>
+          <a:xfrm flipH="1">
+            <a:off x="20047952" y="25546199"/>
+            <a:ext cx="4036856" cy="2865282"/>
+          </a:xfrm>
+          <a:prstGeom prst="straightConnector1">
+            <a:avLst/>
+          </a:prstGeom>
+          <a:ln w="12700">
+            <a:solidFill>
+              <a:schemeClr val="tx1"/>
+            </a:solidFill>
+            <a:headEnd type="diamond" w="lg" len="lg"/>
+            <a:tailEnd type="triangle" w="lg" len="lg"/>
+          </a:ln>
+        </p:spPr>
+        <p:style>
+          <a:lnRef idx="2">
+            <a:schemeClr val="accent1"/>
+          </a:lnRef>
+          <a:fillRef idx="0">
+            <a:schemeClr val="accent1"/>
+          </a:fillRef>
+          <a:effectRef idx="1">
+            <a:schemeClr val="accent1"/>
+          </a:effectRef>
+          <a:fontRef idx="minor">
+            <a:schemeClr val="tx1"/>
+          </a:fontRef>
+        </p:style>
+      </p:cxnSp>
+      <p:cxnSp>
+        <p:nvCxnSpPr>
+          <p:cNvPr id="391" name="直线箭头连接符 390"/>
+          <p:cNvCxnSpPr>
+            <a:stCxn id="390" idx="1"/>
+            <a:endCxn id="284" idx="3"/>
+          </p:cNvCxnSpPr>
+          <p:nvPr/>
+        </p:nvCxnSpPr>
+        <p:spPr>
+          <a:xfrm flipH="1" flipV="1">
+            <a:off x="26955768" y="25199586"/>
+            <a:ext cx="4419552" cy="1919244"/>
+          </a:xfrm>
+          <a:prstGeom prst="straightConnector1">
+            <a:avLst/>
+          </a:prstGeom>
+          <a:ln w="12700">
+            <a:solidFill>
+              <a:schemeClr val="tx1"/>
+            </a:solidFill>
+            <a:headEnd type="diamond" w="lg" len="lg"/>
+            <a:tailEnd type="triangle" w="lg" len="lg"/>
+          </a:ln>
+        </p:spPr>
+        <p:style>
+          <a:lnRef idx="2">
+            <a:schemeClr val="accent1"/>
+          </a:lnRef>
+          <a:fillRef idx="0">
+            <a:schemeClr val="accent1"/>
+          </a:fillRef>
+          <a:effectRef idx="1">
+            <a:schemeClr val="accent1"/>
+          </a:effectRef>
+          <a:fontRef idx="minor">
+            <a:schemeClr val="tx1"/>
+          </a:fontRef>
+        </p:style>
+      </p:cxnSp>
+      <p:cxnSp>
+        <p:nvCxnSpPr>
+          <p:cNvPr id="394" name="曲线连接符 393"/>
+          <p:cNvCxnSpPr>
+            <a:stCxn id="392" idx="1"/>
+            <a:endCxn id="393" idx="3"/>
+          </p:cNvCxnSpPr>
+          <p:nvPr/>
+        </p:nvCxnSpPr>
+        <p:spPr>
+          <a:xfrm rot="10800000">
+            <a:off x="26955768" y="26157551"/>
+            <a:ext cx="4419552" cy="2086328"/>
+          </a:xfrm>
+          <a:prstGeom prst="curvedConnector3">
+            <a:avLst>
+              <a:gd name="adj1" fmla="val 50000"/>
+            </a:avLst>
+          </a:prstGeom>
+          <a:ln w="12700">
+            <a:solidFill>
+              <a:schemeClr val="bg1">
+                <a:lumMod val="50000"/>
+              </a:schemeClr>
+            </a:solidFill>
+            <a:tailEnd type="arrow"/>
+          </a:ln>
+        </p:spPr>
+        <p:style>
+          <a:lnRef idx="2">
+            <a:schemeClr val="accent1"/>
+          </a:lnRef>
+          <a:fillRef idx="0">
+            <a:schemeClr val="accent1"/>
+          </a:fillRef>
+          <a:effectRef idx="1">
+            <a:schemeClr val="accent1"/>
+          </a:effectRef>
+          <a:fontRef idx="minor">
+            <a:schemeClr val="tx1"/>
+          </a:fontRef>
+        </p:style>
+      </p:cxnSp>
+      <p:grpSp>
+        <p:nvGrpSpPr>
+          <p:cNvPr id="395" name="组 394"/>
+          <p:cNvGrpSpPr/>
+          <p:nvPr/>
+        </p:nvGrpSpPr>
+        <p:grpSpPr>
+          <a:xfrm>
+            <a:off x="18453983" y="25105161"/>
+            <a:ext cx="2870960" cy="1642947"/>
+            <a:chOff x="13029439" y="4656253"/>
+            <a:chExt cx="7290841" cy="5573392"/>
+          </a:xfrm>
+        </p:grpSpPr>
+        <p:sp>
+          <p:nvSpPr>
+            <p:cNvPr id="396" name="矩形 395"/>
+            <p:cNvSpPr/>
+            <p:nvPr/>
+          </p:nvSpPr>
+          <p:spPr>
+            <a:xfrm>
+              <a:off x="13029439" y="4656253"/>
+              <a:ext cx="7290841" cy="5573392"/>
+            </a:xfrm>
+            <a:prstGeom prst="rect">
+              <a:avLst/>
+            </a:prstGeom>
+          </p:spPr>
+          <p:style>
+            <a:lnRef idx="1">
+              <a:schemeClr val="accent1"/>
+            </a:lnRef>
+            <a:fillRef idx="2">
+              <a:schemeClr val="accent1"/>
+            </a:fillRef>
+            <a:effectRef idx="1">
+              <a:schemeClr val="accent1"/>
+            </a:effectRef>
+            <a:fontRef idx="minor">
+              <a:schemeClr val="dk1"/>
+            </a:fontRef>
+          </p:style>
+          <p:txBody>
+            <a:bodyPr rtlCol="0" anchor="ctr"/>
+            <a:lstStyle/>
+            <a:p>
+              <a:pPr algn="ctr"/>
+              <a:endParaRPr kumimoji="1" lang="zh-CN" altLang="en-US"/>
+            </a:p>
+          </p:txBody>
+        </p:sp>
+        <p:sp>
+          <p:nvSpPr>
+            <p:cNvPr id="397" name="矩形 396"/>
+            <p:cNvSpPr/>
+            <p:nvPr/>
+          </p:nvSpPr>
+          <p:spPr>
+            <a:xfrm>
+              <a:off x="13029439" y="4656253"/>
+              <a:ext cx="7290841" cy="1175821"/>
+            </a:xfrm>
+            <a:prstGeom prst="rect">
+              <a:avLst/>
+            </a:prstGeom>
+          </p:spPr>
+          <p:style>
+            <a:lnRef idx="1">
+              <a:schemeClr val="accent6"/>
+            </a:lnRef>
+            <a:fillRef idx="2">
+              <a:schemeClr val="accent6"/>
+            </a:fillRef>
+            <a:effectRef idx="1">
+              <a:schemeClr val="accent6"/>
+            </a:effectRef>
+            <a:fontRef idx="minor">
+              <a:schemeClr val="dk1"/>
+            </a:fontRef>
+          </p:style>
+          <p:txBody>
+            <a:bodyPr rtlCol="0" anchor="ctr"/>
+            <a:lstStyle/>
+            <a:p>
+              <a:pPr algn="ctr"/>
+              <a:r>
+                <a:rPr lang="en-US" altLang="zh-CN" sz="1200" dirty="0" err="1" smtClean="0">
+                  <a:solidFill>
+                    <a:schemeClr val="tx2"/>
+                  </a:solidFill>
+                  <a:latin typeface="Minion Pro Bold Cond"/>
+                  <a:cs typeface="Minion Pro Bold Cond"/>
+                </a:rPr>
+                <a:t>StateDB</a:t>
+              </a:r>
+              <a:endParaRPr lang="zh-CN" altLang="en-US" sz="1200" dirty="0">
+                <a:solidFill>
+                  <a:schemeClr val="tx2"/>
+                </a:solidFill>
+                <a:latin typeface="Minion Pro Bold Cond"/>
+                <a:cs typeface="Minion Pro Bold Cond"/>
+              </a:endParaRPr>
+            </a:p>
+          </p:txBody>
+        </p:sp>
+        <p:sp>
+          <p:nvSpPr>
+            <p:cNvPr id="398" name="矩形 397"/>
+            <p:cNvSpPr/>
+            <p:nvPr/>
+          </p:nvSpPr>
+          <p:spPr>
+            <a:xfrm>
+              <a:off x="13029439" y="5832073"/>
+              <a:ext cx="7290841" cy="1175820"/>
+            </a:xfrm>
+            <a:prstGeom prst="rect">
+              <a:avLst/>
+            </a:prstGeom>
+          </p:spPr>
+          <p:style>
+            <a:lnRef idx="1">
+              <a:schemeClr val="accent3"/>
+            </a:lnRef>
+            <a:fillRef idx="2">
+              <a:schemeClr val="accent3"/>
+            </a:fillRef>
+            <a:effectRef idx="1">
+              <a:schemeClr val="accent3"/>
+            </a:effectRef>
+            <a:fontRef idx="minor">
+              <a:schemeClr val="dk1"/>
+            </a:fontRef>
+          </p:style>
+          <p:txBody>
+            <a:bodyPr rtlCol="0" anchor="ctr"/>
+            <a:lstStyle/>
+            <a:p>
+              <a:pPr algn="ctr"/>
+              <a:r>
+                <a:rPr lang="en-US" altLang="zh-CN" sz="1200" dirty="0" err="1" smtClean="0">
+                  <a:solidFill>
+                    <a:schemeClr val="tx2"/>
+                  </a:solidFill>
+                  <a:latin typeface="Minion Pro Bold Cond"/>
+                  <a:cs typeface="Minion Pro Bold Cond"/>
+                </a:rPr>
+                <a:t>db</a:t>
+              </a:r>
+              <a:endParaRPr lang="zh-CN" altLang="en-US" sz="1200" dirty="0">
+                <a:solidFill>
+                  <a:schemeClr val="tx2"/>
+                </a:solidFill>
+                <a:latin typeface="Minion Pro Bold Cond"/>
+                <a:cs typeface="Minion Pro Bold Cond"/>
+              </a:endParaRPr>
+            </a:p>
+          </p:txBody>
+        </p:sp>
+        <p:sp>
+          <p:nvSpPr>
+            <p:cNvPr id="399" name="矩形 398"/>
+            <p:cNvSpPr/>
+            <p:nvPr/>
+          </p:nvSpPr>
+          <p:spPr>
+            <a:xfrm>
+              <a:off x="13029439" y="7007893"/>
+              <a:ext cx="7290841" cy="1175820"/>
+            </a:xfrm>
+            <a:prstGeom prst="rect">
+              <a:avLst/>
+            </a:prstGeom>
+          </p:spPr>
+          <p:style>
+            <a:lnRef idx="1">
+              <a:schemeClr val="accent3"/>
+            </a:lnRef>
+            <a:fillRef idx="2">
+              <a:schemeClr val="accent3"/>
+            </a:fillRef>
+            <a:effectRef idx="1">
+              <a:schemeClr val="accent3"/>
+            </a:effectRef>
+            <a:fontRef idx="minor">
+              <a:schemeClr val="dk1"/>
+            </a:fontRef>
+          </p:style>
+          <p:txBody>
+            <a:bodyPr rtlCol="0" anchor="ctr"/>
+            <a:lstStyle/>
+            <a:p>
+              <a:pPr algn="ctr"/>
+              <a:r>
+                <a:rPr lang="en-US" altLang="zh-CN" sz="1200" dirty="0" err="1" smtClean="0">
+                  <a:solidFill>
+                    <a:schemeClr val="tx2"/>
+                  </a:solidFill>
+                  <a:latin typeface="Minion Pro Bold Cond"/>
+                  <a:cs typeface="Minion Pro Bold Cond"/>
+                </a:rPr>
+                <a:t>trie</a:t>
+              </a:r>
+              <a:endParaRPr lang="zh-CN" altLang="en-US" sz="1200" dirty="0">
+                <a:solidFill>
+                  <a:schemeClr val="tx2"/>
+                </a:solidFill>
+                <a:latin typeface="Minion Pro Bold Cond"/>
+                <a:cs typeface="Minion Pro Bold Cond"/>
+              </a:endParaRPr>
+            </a:p>
+          </p:txBody>
+        </p:sp>
+      </p:grpSp>
+      <p:cxnSp>
+        <p:nvCxnSpPr>
+          <p:cNvPr id="400" name="直线箭头连接符 399"/>
+          <p:cNvCxnSpPr>
+            <a:stCxn id="398" idx="3"/>
+            <a:endCxn id="284" idx="1"/>
+          </p:cNvCxnSpPr>
+          <p:nvPr/>
+        </p:nvCxnSpPr>
+        <p:spPr>
+          <a:xfrm flipV="1">
+            <a:off x="21324943" y="25199586"/>
+            <a:ext cx="2759865" cy="425495"/>
+          </a:xfrm>
+          <a:prstGeom prst="straightConnector1">
+            <a:avLst/>
+          </a:prstGeom>
+          <a:ln w="12700">
+            <a:solidFill>
+              <a:schemeClr val="tx1"/>
+            </a:solidFill>
+            <a:headEnd type="diamond" w="lg" len="lg"/>
+            <a:tailEnd type="triangle" w="lg" len="lg"/>
+          </a:ln>
+        </p:spPr>
+        <p:style>
+          <a:lnRef idx="2">
+            <a:schemeClr val="accent1"/>
+          </a:lnRef>
+          <a:fillRef idx="0">
+            <a:schemeClr val="accent1"/>
+          </a:fillRef>
+          <a:effectRef idx="1">
+            <a:schemeClr val="accent1"/>
+          </a:effectRef>
+          <a:fontRef idx="minor">
+            <a:schemeClr val="tx1"/>
+          </a:fontRef>
+        </p:style>
+      </p:cxnSp>
+      <p:grpSp>
+        <p:nvGrpSpPr>
+          <p:cNvPr id="401" name="组 400"/>
+          <p:cNvGrpSpPr/>
+          <p:nvPr/>
+        </p:nvGrpSpPr>
+        <p:grpSpPr>
+          <a:xfrm>
+            <a:off x="22649328" y="28154985"/>
+            <a:ext cx="2870960" cy="1642947"/>
+            <a:chOff x="13029439" y="4656253"/>
+            <a:chExt cx="7290841" cy="5573392"/>
+          </a:xfrm>
+        </p:grpSpPr>
+        <p:sp>
+          <p:nvSpPr>
+            <p:cNvPr id="402" name="矩形 401"/>
+            <p:cNvSpPr/>
+            <p:nvPr/>
+          </p:nvSpPr>
+          <p:spPr>
+            <a:xfrm>
+              <a:off x="13029439" y="4656253"/>
+              <a:ext cx="7290841" cy="5573392"/>
+            </a:xfrm>
+            <a:prstGeom prst="rect">
+              <a:avLst/>
+            </a:prstGeom>
+          </p:spPr>
+          <p:style>
+            <a:lnRef idx="1">
+              <a:schemeClr val="accent1"/>
+            </a:lnRef>
+            <a:fillRef idx="2">
+              <a:schemeClr val="accent1"/>
+            </a:fillRef>
+            <a:effectRef idx="1">
+              <a:schemeClr val="accent1"/>
+            </a:effectRef>
+            <a:fontRef idx="minor">
+              <a:schemeClr val="dk1"/>
+            </a:fontRef>
+          </p:style>
+          <p:txBody>
+            <a:bodyPr rtlCol="0" anchor="ctr"/>
+            <a:lstStyle/>
+            <a:p>
+              <a:pPr algn="ctr"/>
+              <a:endParaRPr kumimoji="1" lang="zh-CN" altLang="en-US"/>
+            </a:p>
+          </p:txBody>
+        </p:sp>
+        <p:sp>
+          <p:nvSpPr>
+            <p:cNvPr id="403" name="矩形 402"/>
+            <p:cNvSpPr/>
+            <p:nvPr/>
+          </p:nvSpPr>
+          <p:spPr>
+            <a:xfrm>
+              <a:off x="13029439" y="4656253"/>
+              <a:ext cx="7290841" cy="1175821"/>
+            </a:xfrm>
+            <a:prstGeom prst="rect">
+              <a:avLst/>
+            </a:prstGeom>
+          </p:spPr>
+          <p:style>
+            <a:lnRef idx="1">
+              <a:schemeClr val="accent6"/>
+            </a:lnRef>
+            <a:fillRef idx="2">
+              <a:schemeClr val="accent6"/>
+            </a:fillRef>
+            <a:effectRef idx="1">
+              <a:schemeClr val="accent6"/>
+            </a:effectRef>
+            <a:fontRef idx="minor">
+              <a:schemeClr val="dk1"/>
+            </a:fontRef>
+          </p:style>
+          <p:txBody>
+            <a:bodyPr rtlCol="0" anchor="ctr"/>
+            <a:lstStyle/>
+            <a:p>
+              <a:pPr algn="ctr"/>
+              <a:r>
+                <a:rPr lang="en-US" altLang="zh-CN" sz="1200" dirty="0" err="1" smtClean="0">
+                  <a:solidFill>
+                    <a:schemeClr val="tx2"/>
+                  </a:solidFill>
+                  <a:latin typeface="Minion Pro Bold Cond"/>
+                  <a:cs typeface="Minion Pro Bold Cond"/>
+                </a:rPr>
+                <a:t>Trie</a:t>
+              </a:r>
+              <a:endParaRPr lang="zh-CN" altLang="en-US" sz="1200" dirty="0">
+                <a:solidFill>
+                  <a:schemeClr val="tx2"/>
+                </a:solidFill>
+                <a:latin typeface="Minion Pro Bold Cond"/>
+                <a:cs typeface="Minion Pro Bold Cond"/>
+              </a:endParaRPr>
+            </a:p>
+          </p:txBody>
+        </p:sp>
+        <p:sp>
+          <p:nvSpPr>
+            <p:cNvPr id="409" name="矩形 408"/>
+            <p:cNvSpPr/>
+            <p:nvPr/>
+          </p:nvSpPr>
+          <p:spPr>
+            <a:xfrm>
+              <a:off x="13029439" y="5832073"/>
+              <a:ext cx="7290841" cy="1175820"/>
+            </a:xfrm>
+            <a:prstGeom prst="rect">
+              <a:avLst/>
+            </a:prstGeom>
+          </p:spPr>
+          <p:style>
+            <a:lnRef idx="1">
+              <a:schemeClr val="accent3"/>
+            </a:lnRef>
+            <a:fillRef idx="2">
+              <a:schemeClr val="accent3"/>
+            </a:fillRef>
+            <a:effectRef idx="1">
+              <a:schemeClr val="accent3"/>
+            </a:effectRef>
+            <a:fontRef idx="minor">
+              <a:schemeClr val="dk1"/>
+            </a:fontRef>
+          </p:style>
+          <p:txBody>
+            <a:bodyPr rtlCol="0" anchor="ctr"/>
+            <a:lstStyle/>
+            <a:p>
+              <a:pPr algn="ctr"/>
+              <a:r>
+                <a:rPr lang="en-US" altLang="zh-CN" sz="1200" dirty="0" err="1" smtClean="0">
+                  <a:solidFill>
+                    <a:schemeClr val="tx2"/>
+                  </a:solidFill>
+                  <a:latin typeface="Minion Pro Bold Cond"/>
+                  <a:cs typeface="Minion Pro Bold Cond"/>
+                </a:rPr>
+                <a:t>db</a:t>
+              </a:r>
+              <a:endParaRPr lang="zh-CN" altLang="en-US" sz="1200" dirty="0">
+                <a:solidFill>
+                  <a:schemeClr val="tx2"/>
+                </a:solidFill>
+                <a:latin typeface="Minion Pro Bold Cond"/>
+                <a:cs typeface="Minion Pro Bold Cond"/>
+              </a:endParaRPr>
+            </a:p>
+          </p:txBody>
+        </p:sp>
+      </p:grpSp>
+      <p:cxnSp>
+        <p:nvCxnSpPr>
+          <p:cNvPr id="410" name="直线箭头连接符 409"/>
+          <p:cNvCxnSpPr>
+            <a:stCxn id="409" idx="1"/>
+            <a:endCxn id="374" idx="3"/>
+          </p:cNvCxnSpPr>
+          <p:nvPr/>
+        </p:nvCxnSpPr>
+        <p:spPr>
+          <a:xfrm flipH="1" flipV="1">
+            <a:off x="21483432" y="28584788"/>
+            <a:ext cx="1165896" cy="90117"/>
+          </a:xfrm>
+          <a:prstGeom prst="straightConnector1">
+            <a:avLst/>
+          </a:prstGeom>
+          <a:ln w="12700">
+            <a:solidFill>
+              <a:schemeClr val="tx1"/>
+            </a:solidFill>
+            <a:headEnd type="diamond" w="lg" len="lg"/>
+            <a:tailEnd type="triangle" w="lg" len="lg"/>
+          </a:ln>
+        </p:spPr>
+        <p:style>
+          <a:lnRef idx="2">
+            <a:schemeClr val="accent1"/>
+          </a:lnRef>
+          <a:fillRef idx="0">
+            <a:schemeClr val="accent1"/>
+          </a:fillRef>
+          <a:effectRef idx="1">
+            <a:schemeClr val="accent1"/>
+          </a:effectRef>
+          <a:fontRef idx="minor">
+            <a:schemeClr val="tx1"/>
+          </a:fontRef>
+        </p:style>
+      </p:cxnSp>
+      <p:grpSp>
+        <p:nvGrpSpPr>
+          <p:cNvPr id="412" name="组 411"/>
+          <p:cNvGrpSpPr/>
+          <p:nvPr/>
+        </p:nvGrpSpPr>
+        <p:grpSpPr>
+          <a:xfrm>
+            <a:off x="26853162" y="30177735"/>
+            <a:ext cx="2870960" cy="1642947"/>
+            <a:chOff x="13029439" y="4656253"/>
+            <a:chExt cx="7290841" cy="5573392"/>
+          </a:xfrm>
+        </p:grpSpPr>
+        <p:sp>
+          <p:nvSpPr>
+            <p:cNvPr id="413" name="矩形 412"/>
+            <p:cNvSpPr/>
+            <p:nvPr/>
+          </p:nvSpPr>
+          <p:spPr>
+            <a:xfrm>
+              <a:off x="13029439" y="4656253"/>
+              <a:ext cx="7290841" cy="5573392"/>
+            </a:xfrm>
+            <a:prstGeom prst="rect">
+              <a:avLst/>
+            </a:prstGeom>
+          </p:spPr>
+          <p:style>
+            <a:lnRef idx="1">
+              <a:schemeClr val="accent1"/>
+            </a:lnRef>
+            <a:fillRef idx="2">
+              <a:schemeClr val="accent1"/>
+            </a:fillRef>
+            <a:effectRef idx="1">
+              <a:schemeClr val="accent1"/>
+            </a:effectRef>
+            <a:fontRef idx="minor">
+              <a:schemeClr val="dk1"/>
+            </a:fontRef>
+          </p:style>
+          <p:txBody>
+            <a:bodyPr rtlCol="0" anchor="ctr"/>
+            <a:lstStyle/>
+            <a:p>
+              <a:pPr algn="ctr"/>
+              <a:endParaRPr kumimoji="1" lang="zh-CN" altLang="en-US"/>
+            </a:p>
+          </p:txBody>
+        </p:sp>
+        <p:sp>
+          <p:nvSpPr>
+            <p:cNvPr id="414" name="矩形 413"/>
+            <p:cNvSpPr/>
+            <p:nvPr/>
+          </p:nvSpPr>
+          <p:spPr>
+            <a:xfrm>
+              <a:off x="13029439" y="4656253"/>
+              <a:ext cx="7290841" cy="1175821"/>
+            </a:xfrm>
+            <a:prstGeom prst="rect">
+              <a:avLst/>
+            </a:prstGeom>
+          </p:spPr>
+          <p:style>
+            <a:lnRef idx="1">
+              <a:schemeClr val="accent6"/>
+            </a:lnRef>
+            <a:fillRef idx="2">
+              <a:schemeClr val="accent6"/>
+            </a:fillRef>
+            <a:effectRef idx="1">
+              <a:schemeClr val="accent6"/>
+            </a:effectRef>
+            <a:fontRef idx="minor">
+              <a:schemeClr val="dk1"/>
+            </a:fontRef>
+          </p:style>
+          <p:txBody>
+            <a:bodyPr rtlCol="0" anchor="ctr"/>
+            <a:lstStyle/>
+            <a:p>
+              <a:pPr algn="ctr"/>
+              <a:r>
+                <a:rPr lang="en-US" altLang="zh-CN" sz="1200" dirty="0" err="1" smtClean="0">
+                  <a:solidFill>
+                    <a:schemeClr val="tx2"/>
+                  </a:solidFill>
+                  <a:latin typeface="Minion Pro Bold Cond"/>
+                  <a:cs typeface="Minion Pro Bold Cond"/>
+                </a:rPr>
+                <a:t>SecureTrie</a:t>
+              </a:r>
+              <a:endParaRPr lang="zh-CN" altLang="en-US" sz="1200" dirty="0">
+                <a:solidFill>
+                  <a:schemeClr val="tx2"/>
+                </a:solidFill>
+                <a:latin typeface="Minion Pro Bold Cond"/>
+                <a:cs typeface="Minion Pro Bold Cond"/>
+              </a:endParaRPr>
+            </a:p>
+          </p:txBody>
+        </p:sp>
+        <p:sp>
+          <p:nvSpPr>
+            <p:cNvPr id="415" name="矩形 414"/>
+            <p:cNvSpPr/>
+            <p:nvPr/>
+          </p:nvSpPr>
+          <p:spPr>
+            <a:xfrm>
+              <a:off x="13029439" y="5832073"/>
+              <a:ext cx="7290841" cy="1175820"/>
+            </a:xfrm>
+            <a:prstGeom prst="rect">
+              <a:avLst/>
+            </a:prstGeom>
+          </p:spPr>
+          <p:style>
+            <a:lnRef idx="1">
+              <a:schemeClr val="accent3"/>
+            </a:lnRef>
+            <a:fillRef idx="2">
+              <a:schemeClr val="accent3"/>
+            </a:fillRef>
+            <a:effectRef idx="1">
+              <a:schemeClr val="accent3"/>
+            </a:effectRef>
+            <a:fontRef idx="minor">
+              <a:schemeClr val="dk1"/>
+            </a:fontRef>
+          </p:style>
+          <p:txBody>
+            <a:bodyPr rtlCol="0" anchor="ctr"/>
+            <a:lstStyle/>
+            <a:p>
+              <a:pPr algn="ctr"/>
+              <a:r>
+                <a:rPr lang="en-US" altLang="zh-CN" sz="1200" dirty="0" err="1" smtClean="0">
+                  <a:solidFill>
+                    <a:schemeClr val="tx2"/>
+                  </a:solidFill>
+                  <a:latin typeface="Minion Pro Bold Cond"/>
+                  <a:cs typeface="Minion Pro Bold Cond"/>
+                </a:rPr>
+                <a:t>trie</a:t>
+              </a:r>
+              <a:endParaRPr lang="zh-CN" altLang="en-US" sz="1200" dirty="0">
+                <a:solidFill>
+                  <a:schemeClr val="tx2"/>
+                </a:solidFill>
+                <a:latin typeface="Minion Pro Bold Cond"/>
+                <a:cs typeface="Minion Pro Bold Cond"/>
+              </a:endParaRPr>
+            </a:p>
+          </p:txBody>
+        </p:sp>
+      </p:grpSp>
+      <p:cxnSp>
+        <p:nvCxnSpPr>
+          <p:cNvPr id="417" name="直线箭头连接符 416"/>
+          <p:cNvCxnSpPr>
+            <a:stCxn id="415" idx="1"/>
+            <a:endCxn id="403" idx="3"/>
+          </p:cNvCxnSpPr>
+          <p:nvPr/>
+        </p:nvCxnSpPr>
+        <p:spPr>
+          <a:xfrm flipH="1" flipV="1">
+            <a:off x="25520288" y="28328292"/>
+            <a:ext cx="1332874" cy="2369363"/>
+          </a:xfrm>
+          <a:prstGeom prst="straightConnector1">
+            <a:avLst/>
+          </a:prstGeom>
+          <a:ln w="12700">
+            <a:solidFill>
+              <a:schemeClr val="tx1"/>
+            </a:solidFill>
+            <a:headEnd type="diamond" w="lg" len="lg"/>
+            <a:tailEnd type="triangle" w="lg" len="lg"/>
+          </a:ln>
+        </p:spPr>
+        <p:style>
+          <a:lnRef idx="2">
+            <a:schemeClr val="accent1"/>
+          </a:lnRef>
+          <a:fillRef idx="0">
+            <a:schemeClr val="accent1"/>
+          </a:fillRef>
+          <a:effectRef idx="1">
+            <a:schemeClr val="accent1"/>
+          </a:effectRef>
+          <a:fontRef idx="minor">
+            <a:schemeClr val="tx1"/>
+          </a:fontRef>
+        </p:style>
+      </p:cxnSp>
+      <p:grpSp>
+        <p:nvGrpSpPr>
+          <p:cNvPr id="418" name="组 417"/>
+          <p:cNvGrpSpPr/>
+          <p:nvPr/>
+        </p:nvGrpSpPr>
+        <p:grpSpPr>
+          <a:xfrm>
+            <a:off x="31375318" y="29922982"/>
+            <a:ext cx="2870960" cy="1642947"/>
+            <a:chOff x="13029439" y="4656253"/>
+            <a:chExt cx="7290841" cy="5573392"/>
+          </a:xfrm>
+        </p:grpSpPr>
+        <p:sp>
+          <p:nvSpPr>
+            <p:cNvPr id="419" name="矩形 418"/>
+            <p:cNvSpPr/>
+            <p:nvPr/>
+          </p:nvSpPr>
+          <p:spPr>
+            <a:xfrm>
+              <a:off x="13029439" y="4656253"/>
+              <a:ext cx="7290841" cy="5573392"/>
+            </a:xfrm>
+            <a:prstGeom prst="rect">
+              <a:avLst/>
+            </a:prstGeom>
+          </p:spPr>
+          <p:style>
+            <a:lnRef idx="1">
+              <a:schemeClr val="accent1"/>
+            </a:lnRef>
+            <a:fillRef idx="2">
+              <a:schemeClr val="accent1"/>
+            </a:fillRef>
+            <a:effectRef idx="1">
+              <a:schemeClr val="accent1"/>
+            </a:effectRef>
+            <a:fontRef idx="minor">
+              <a:schemeClr val="dk1"/>
+            </a:fontRef>
+          </p:style>
+          <p:txBody>
+            <a:bodyPr rtlCol="0" anchor="ctr"/>
+            <a:lstStyle/>
+            <a:p>
+              <a:pPr algn="ctr"/>
+              <a:endParaRPr kumimoji="1" lang="zh-CN" altLang="en-US"/>
+            </a:p>
+          </p:txBody>
+        </p:sp>
+        <p:sp>
+          <p:nvSpPr>
+            <p:cNvPr id="420" name="矩形 419"/>
+            <p:cNvSpPr/>
+            <p:nvPr/>
+          </p:nvSpPr>
+          <p:spPr>
+            <a:xfrm>
+              <a:off x="13029439" y="4656253"/>
+              <a:ext cx="7290841" cy="1175821"/>
+            </a:xfrm>
+            <a:prstGeom prst="rect">
+              <a:avLst/>
+            </a:prstGeom>
+          </p:spPr>
+          <p:style>
+            <a:lnRef idx="1">
+              <a:schemeClr val="accent6"/>
+            </a:lnRef>
+            <a:fillRef idx="2">
+              <a:schemeClr val="accent6"/>
+            </a:fillRef>
+            <a:effectRef idx="1">
+              <a:schemeClr val="accent6"/>
+            </a:effectRef>
+            <a:fontRef idx="minor">
+              <a:schemeClr val="dk1"/>
+            </a:fontRef>
+          </p:style>
+          <p:txBody>
+            <a:bodyPr rtlCol="0" anchor="ctr"/>
+            <a:lstStyle/>
+            <a:p>
+              <a:pPr algn="ctr"/>
+              <a:r>
+                <a:rPr lang="en-US" altLang="zh-CN" sz="1200" dirty="0" err="1" smtClean="0">
+                  <a:solidFill>
+                    <a:schemeClr val="tx2"/>
+                  </a:solidFill>
+                  <a:latin typeface="Minion Pro Bold Cond"/>
+                  <a:cs typeface="Minion Pro Bold Cond"/>
+                </a:rPr>
+                <a:t>cached</a:t>
+              </a:r>
+              <a:r>
+                <a:rPr lang="en-US" altLang="zh-CN" sz="1200" dirty="0" err="1" smtClean="0">
+                  <a:solidFill>
+                    <a:schemeClr val="tx2"/>
+                  </a:solidFill>
+                  <a:latin typeface="Minion Pro Bold Cond"/>
+                  <a:cs typeface="Minion Pro Bold Cond"/>
+                </a:rPr>
+                <a:t>Trie</a:t>
+              </a:r>
+              <a:endParaRPr lang="zh-CN" altLang="en-US" sz="1200" dirty="0">
+                <a:solidFill>
+                  <a:schemeClr val="tx2"/>
+                </a:solidFill>
+                <a:latin typeface="Minion Pro Bold Cond"/>
+                <a:cs typeface="Minion Pro Bold Cond"/>
+              </a:endParaRPr>
+            </a:p>
+          </p:txBody>
+        </p:sp>
+        <p:sp>
+          <p:nvSpPr>
+            <p:cNvPr id="421" name="矩形 420"/>
+            <p:cNvSpPr/>
+            <p:nvPr/>
+          </p:nvSpPr>
+          <p:spPr>
+            <a:xfrm>
+              <a:off x="13029439" y="5832073"/>
+              <a:ext cx="7290841" cy="1175820"/>
+            </a:xfrm>
+            <a:prstGeom prst="rect">
+              <a:avLst/>
+            </a:prstGeom>
+          </p:spPr>
+          <p:style>
+            <a:lnRef idx="1">
+              <a:schemeClr val="accent3"/>
+            </a:lnRef>
+            <a:fillRef idx="2">
+              <a:schemeClr val="accent3"/>
+            </a:fillRef>
+            <a:effectRef idx="1">
+              <a:schemeClr val="accent3"/>
+            </a:effectRef>
+            <a:fontRef idx="minor">
+              <a:schemeClr val="dk1"/>
+            </a:fontRef>
+          </p:style>
+          <p:txBody>
+            <a:bodyPr rtlCol="0" anchor="ctr"/>
+            <a:lstStyle/>
+            <a:p>
+              <a:pPr algn="ctr"/>
+              <a:r>
+                <a:rPr lang="en-US" altLang="zh-CN" sz="1200" dirty="0" err="1" smtClean="0">
+                  <a:solidFill>
+                    <a:schemeClr val="tx2"/>
+                  </a:solidFill>
+                  <a:latin typeface="Minion Pro Bold Cond"/>
+                  <a:cs typeface="Minion Pro Bold Cond"/>
+                </a:rPr>
+                <a:t>trie</a:t>
+              </a:r>
+              <a:endParaRPr lang="zh-CN" altLang="en-US" sz="1200" dirty="0">
+                <a:solidFill>
+                  <a:schemeClr val="tx2"/>
+                </a:solidFill>
+                <a:latin typeface="Minion Pro Bold Cond"/>
+                <a:cs typeface="Minion Pro Bold Cond"/>
+              </a:endParaRPr>
+            </a:p>
+          </p:txBody>
+        </p:sp>
+        <p:sp>
+          <p:nvSpPr>
+            <p:cNvPr id="423" name="矩形 422"/>
+            <p:cNvSpPr/>
+            <p:nvPr/>
+          </p:nvSpPr>
+          <p:spPr>
+            <a:xfrm>
+              <a:off x="13029439" y="6939457"/>
+              <a:ext cx="7290841" cy="1175820"/>
+            </a:xfrm>
+            <a:prstGeom prst="rect">
+              <a:avLst/>
+            </a:prstGeom>
+          </p:spPr>
+          <p:style>
+            <a:lnRef idx="1">
+              <a:schemeClr val="accent3"/>
+            </a:lnRef>
+            <a:fillRef idx="2">
+              <a:schemeClr val="accent3"/>
+            </a:fillRef>
+            <a:effectRef idx="1">
+              <a:schemeClr val="accent3"/>
+            </a:effectRef>
+            <a:fontRef idx="minor">
+              <a:schemeClr val="dk1"/>
+            </a:fontRef>
+          </p:style>
+          <p:txBody>
+            <a:bodyPr rtlCol="0" anchor="ctr"/>
+            <a:lstStyle/>
+            <a:p>
+              <a:pPr algn="ctr"/>
+              <a:r>
+                <a:rPr lang="en-US" altLang="zh-CN" sz="1200" dirty="0" err="1" smtClean="0">
+                  <a:solidFill>
+                    <a:schemeClr val="tx2"/>
+                  </a:solidFill>
+                  <a:latin typeface="Minion Pro Bold Cond"/>
+                  <a:cs typeface="Minion Pro Bold Cond"/>
+                </a:rPr>
+                <a:t>db</a:t>
+              </a:r>
+              <a:endParaRPr lang="zh-CN" altLang="en-US" sz="1200" dirty="0">
+                <a:solidFill>
+                  <a:schemeClr val="tx2"/>
+                </a:solidFill>
+                <a:latin typeface="Minion Pro Bold Cond"/>
+                <a:cs typeface="Minion Pro Bold Cond"/>
+              </a:endParaRPr>
+            </a:p>
+          </p:txBody>
+        </p:sp>
+      </p:grpSp>
+      <p:cxnSp>
+        <p:nvCxnSpPr>
+          <p:cNvPr id="422" name="直线箭头连接符 421"/>
+          <p:cNvCxnSpPr>
+            <a:stCxn id="421" idx="1"/>
+            <a:endCxn id="414" idx="3"/>
+          </p:cNvCxnSpPr>
+          <p:nvPr/>
+        </p:nvCxnSpPr>
+        <p:spPr>
+          <a:xfrm flipH="1" flipV="1">
+            <a:off x="29724122" y="30351042"/>
+            <a:ext cx="1651196" cy="91860"/>
+          </a:xfrm>
+          <a:prstGeom prst="straightConnector1">
+            <a:avLst/>
+          </a:prstGeom>
+          <a:ln w="12700">
+            <a:solidFill>
+              <a:schemeClr val="tx1"/>
+            </a:solidFill>
+            <a:headEnd type="diamond" w="lg" len="lg"/>
+            <a:tailEnd type="triangle" w="lg" len="lg"/>
+          </a:ln>
+        </p:spPr>
+        <p:style>
+          <a:lnRef idx="2">
+            <a:schemeClr val="accent1"/>
+          </a:lnRef>
+          <a:fillRef idx="0">
+            <a:schemeClr val="accent1"/>
+          </a:fillRef>
+          <a:effectRef idx="1">
+            <a:schemeClr val="accent1"/>
+          </a:effectRef>
+          <a:fontRef idx="minor">
+            <a:schemeClr val="tx1"/>
+          </a:fontRef>
+        </p:style>
+      </p:cxnSp>
+      <p:cxnSp>
+        <p:nvCxnSpPr>
+          <p:cNvPr id="424" name="直线箭头连接符 423"/>
+          <p:cNvCxnSpPr>
+            <a:stCxn id="423" idx="1"/>
+            <a:endCxn id="284" idx="3"/>
+          </p:cNvCxnSpPr>
+          <p:nvPr/>
+        </p:nvCxnSpPr>
+        <p:spPr>
+          <a:xfrm flipH="1" flipV="1">
+            <a:off x="26955768" y="25199586"/>
+            <a:ext cx="4419550" cy="5569755"/>
+          </a:xfrm>
+          <a:prstGeom prst="straightConnector1">
+            <a:avLst/>
+          </a:prstGeom>
+          <a:ln w="12700">
+            <a:solidFill>
+              <a:schemeClr val="tx1"/>
+            </a:solidFill>
+            <a:headEnd type="diamond" w="lg" len="lg"/>
+            <a:tailEnd type="triangle" w="lg" len="lg"/>
+          </a:ln>
+        </p:spPr>
+        <p:style>
+          <a:lnRef idx="2">
+            <a:schemeClr val="accent1"/>
+          </a:lnRef>
+          <a:fillRef idx="0">
+            <a:schemeClr val="accent1"/>
+          </a:fillRef>
+          <a:effectRef idx="1">
+            <a:schemeClr val="accent1"/>
+          </a:effectRef>
+          <a:fontRef idx="minor">
+            <a:schemeClr val="tx1"/>
+          </a:fontRef>
+        </p:style>
+      </p:cxnSp>
+      <p:cxnSp>
+        <p:nvCxnSpPr>
+          <p:cNvPr id="425" name="直线箭头连接符 424"/>
+          <p:cNvCxnSpPr>
+            <a:stCxn id="399" idx="3"/>
+            <a:endCxn id="420" idx="1"/>
+          </p:cNvCxnSpPr>
+          <p:nvPr/>
+        </p:nvCxnSpPr>
+        <p:spPr>
+          <a:xfrm>
+            <a:off x="21324943" y="25971694"/>
+            <a:ext cx="10050375" cy="4124595"/>
+          </a:xfrm>
+          <a:prstGeom prst="straightConnector1">
+            <a:avLst/>
+          </a:prstGeom>
+          <a:ln w="12700">
+            <a:solidFill>
+              <a:schemeClr val="tx1"/>
+            </a:solidFill>
+            <a:headEnd type="diamond" w="lg" len="lg"/>
+            <a:tailEnd type="triangle" w="lg" len="lg"/>
+          </a:ln>
+        </p:spPr>
+        <p:style>
+          <a:lnRef idx="2">
+            <a:schemeClr val="accent1"/>
+          </a:lnRef>
+          <a:fillRef idx="0">
+            <a:schemeClr val="accent1"/>
+          </a:fillRef>
+          <a:effectRef idx="1">
+            <a:schemeClr val="accent1"/>
+          </a:effectRef>
+          <a:fontRef idx="minor">
+            <a:schemeClr val="tx1"/>
+          </a:fontRef>
+        </p:style>
+      </p:cxnSp>
+      <p:cxnSp>
+        <p:nvCxnSpPr>
+          <p:cNvPr id="426" name="曲线连接符 425"/>
+          <p:cNvCxnSpPr>
+            <a:stCxn id="393" idx="2"/>
+            <a:endCxn id="420" idx="0"/>
+          </p:cNvCxnSpPr>
+          <p:nvPr/>
+        </p:nvCxnSpPr>
+        <p:spPr>
+          <a:xfrm rot="16200000" flipH="1">
+            <a:off x="27369481" y="24481664"/>
+            <a:ext cx="3592125" cy="7290510"/>
+          </a:xfrm>
+          <a:prstGeom prst="curvedConnector3">
+            <a:avLst>
+              <a:gd name="adj1" fmla="val 50000"/>
+            </a:avLst>
+          </a:prstGeom>
+          <a:ln w="12700">
+            <a:solidFill>
+              <a:schemeClr val="bg1">
+                <a:lumMod val="50000"/>
+              </a:schemeClr>
+            </a:solidFill>
+            <a:tailEnd type="arrow"/>
+          </a:ln>
+        </p:spPr>
+        <p:style>
+          <a:lnRef idx="2">
+            <a:schemeClr val="accent1"/>
+          </a:lnRef>
+          <a:fillRef idx="0">
+            <a:schemeClr val="accent1"/>
+          </a:fillRef>
+          <a:effectRef idx="1">
+            <a:schemeClr val="accent1"/>
+          </a:effectRef>
+          <a:fontRef idx="minor">
+            <a:schemeClr val="tx1"/>
+          </a:fontRef>
+        </p:style>
+      </p:cxnSp>
+      <p:grpSp>
+        <p:nvGrpSpPr>
+          <p:cNvPr id="427" name="组 426"/>
+          <p:cNvGrpSpPr/>
+          <p:nvPr/>
+        </p:nvGrpSpPr>
+        <p:grpSpPr>
+          <a:xfrm>
+            <a:off x="22529114" y="30712589"/>
+            <a:ext cx="2870960" cy="1642947"/>
+            <a:chOff x="13029439" y="4656253"/>
+            <a:chExt cx="7290841" cy="5573392"/>
+          </a:xfrm>
+        </p:grpSpPr>
+        <p:sp>
+          <p:nvSpPr>
+            <p:cNvPr id="428" name="矩形 427"/>
+            <p:cNvSpPr/>
+            <p:nvPr/>
+          </p:nvSpPr>
+          <p:spPr>
+            <a:xfrm>
+              <a:off x="13029439" y="4656253"/>
+              <a:ext cx="7290841" cy="5573392"/>
+            </a:xfrm>
+            <a:prstGeom prst="rect">
+              <a:avLst/>
+            </a:prstGeom>
+          </p:spPr>
+          <p:style>
+            <a:lnRef idx="1">
+              <a:schemeClr val="accent1"/>
+            </a:lnRef>
+            <a:fillRef idx="2">
+              <a:schemeClr val="accent1"/>
+            </a:fillRef>
+            <a:effectRef idx="1">
+              <a:schemeClr val="accent1"/>
+            </a:effectRef>
+            <a:fontRef idx="minor">
+              <a:schemeClr val="dk1"/>
+            </a:fontRef>
+          </p:style>
+          <p:txBody>
+            <a:bodyPr rtlCol="0" anchor="ctr"/>
+            <a:lstStyle/>
+            <a:p>
+              <a:pPr algn="ctr"/>
+              <a:endParaRPr kumimoji="1" lang="zh-CN" altLang="en-US"/>
+            </a:p>
+          </p:txBody>
+        </p:sp>
+        <p:sp>
+          <p:nvSpPr>
+            <p:cNvPr id="429" name="矩形 428"/>
+            <p:cNvSpPr/>
+            <p:nvPr/>
+          </p:nvSpPr>
+          <p:spPr>
+            <a:xfrm>
+              <a:off x="13029439" y="4656253"/>
+              <a:ext cx="7290841" cy="1175821"/>
+            </a:xfrm>
+            <a:prstGeom prst="rect">
+              <a:avLst/>
+            </a:prstGeom>
+          </p:spPr>
+          <p:style>
+            <a:lnRef idx="1">
+              <a:schemeClr val="accent6"/>
+            </a:lnRef>
+            <a:fillRef idx="2">
+              <a:schemeClr val="accent6"/>
+            </a:fillRef>
+            <a:effectRef idx="1">
+              <a:schemeClr val="accent6"/>
+            </a:effectRef>
+            <a:fontRef idx="minor">
+              <a:schemeClr val="dk1"/>
+            </a:fontRef>
+          </p:style>
+          <p:txBody>
+            <a:bodyPr rtlCol="0" anchor="ctr"/>
+            <a:lstStyle/>
+            <a:p>
+              <a:pPr algn="ctr"/>
+              <a:r>
+                <a:rPr lang="en-US" altLang="zh-CN" sz="1200" dirty="0" err="1"/>
+                <a:t>ethdb.</a:t>
+              </a:r>
+              <a:r>
+                <a:rPr lang="en-US" altLang="zh-CN" sz="1200" dirty="0" err="1"/>
+                <a:t>LDBDatabase</a:t>
+              </a:r>
+              <a:endParaRPr lang="zh-CN" altLang="en-US" sz="1200" dirty="0">
+                <a:solidFill>
+                  <a:schemeClr val="tx2"/>
+                </a:solidFill>
+                <a:latin typeface="Minion Pro Bold Cond"/>
+                <a:cs typeface="Minion Pro Bold Cond"/>
+              </a:endParaRPr>
+            </a:p>
+          </p:txBody>
+        </p:sp>
+        <p:sp>
+          <p:nvSpPr>
+            <p:cNvPr id="430" name="矩形 429"/>
+            <p:cNvSpPr/>
+            <p:nvPr/>
+          </p:nvSpPr>
+          <p:spPr>
+            <a:xfrm>
+              <a:off x="13029439" y="5832073"/>
+              <a:ext cx="7290841" cy="1175820"/>
+            </a:xfrm>
+            <a:prstGeom prst="rect">
+              <a:avLst/>
+            </a:prstGeom>
+          </p:spPr>
+          <p:style>
+            <a:lnRef idx="1">
+              <a:schemeClr val="accent3"/>
+            </a:lnRef>
+            <a:fillRef idx="2">
+              <a:schemeClr val="accent3"/>
+            </a:fillRef>
+            <a:effectRef idx="1">
+              <a:schemeClr val="accent3"/>
+            </a:effectRef>
+            <a:fontRef idx="minor">
+              <a:schemeClr val="dk1"/>
+            </a:fontRef>
+          </p:style>
+          <p:txBody>
+            <a:bodyPr rtlCol="0" anchor="ctr"/>
+            <a:lstStyle/>
+            <a:p>
+              <a:pPr algn="ctr"/>
+              <a:r>
+                <a:rPr lang="en-US" altLang="zh-CN" sz="1200" dirty="0" err="1" smtClean="0">
+                  <a:solidFill>
+                    <a:schemeClr val="tx2"/>
+                  </a:solidFill>
+                  <a:latin typeface="Minion Pro Bold Cond"/>
+                  <a:cs typeface="Minion Pro Bold Cond"/>
+                </a:rPr>
+                <a:t>db</a:t>
+              </a:r>
+              <a:r>
+                <a:rPr lang="en-US" altLang="zh-CN" sz="1200" dirty="0" smtClean="0">
+                  <a:solidFill>
+                    <a:schemeClr val="tx2"/>
+                  </a:solidFill>
+                  <a:latin typeface="Minion Pro Bold Cond"/>
+                  <a:cs typeface="Minion Pro Bold Cond"/>
+                </a:rPr>
+                <a:t> - </a:t>
+              </a:r>
+              <a:r>
+                <a:rPr lang="en-US" altLang="zh-CN" sz="1200" dirty="0" err="1" smtClean="0">
+                  <a:solidFill>
+                    <a:schemeClr val="tx2"/>
+                  </a:solidFill>
+                  <a:latin typeface="Minion Pro Bold Cond"/>
+                  <a:cs typeface="Minion Pro Bold Cond"/>
+                </a:rPr>
+                <a:t>levelDB</a:t>
+              </a:r>
+              <a:endParaRPr lang="zh-CN" altLang="en-US" sz="1200" dirty="0">
+                <a:solidFill>
+                  <a:schemeClr val="tx2"/>
+                </a:solidFill>
+                <a:latin typeface="Minion Pro Bold Cond"/>
+                <a:cs typeface="Minion Pro Bold Cond"/>
+              </a:endParaRPr>
+            </a:p>
+          </p:txBody>
+        </p:sp>
+      </p:grpSp>
+      <p:cxnSp>
+        <p:nvCxnSpPr>
+          <p:cNvPr id="432" name="直线箭头连接符 431"/>
+          <p:cNvCxnSpPr>
+            <a:stCxn id="431" idx="1"/>
+            <a:endCxn id="429" idx="3"/>
+          </p:cNvCxnSpPr>
+          <p:nvPr/>
+        </p:nvCxnSpPr>
+        <p:spPr>
+          <a:xfrm flipH="1">
+            <a:off x="25400074" y="26744061"/>
+            <a:ext cx="5975246" cy="4141835"/>
+          </a:xfrm>
+          <a:prstGeom prst="straightConnector1">
+            <a:avLst/>
+          </a:prstGeom>
+          <a:ln w="12700">
+            <a:solidFill>
+              <a:schemeClr val="tx1"/>
+            </a:solidFill>
+            <a:headEnd type="diamond" w="lg" len="lg"/>
+            <a:tailEnd type="triangle" w="lg" len="lg"/>
           </a:ln>
         </p:spPr>
         <p:style>
@@ -13211,7 +18257,17 @@
       </a:style>
     </a:spDef>
     <a:lnDef>
-      <a:spPr/>
+      <a:spPr>
+        <a:ln w="12700" cap="flat">
+          <a:solidFill>
+            <a:schemeClr val="bg1">
+              <a:lumMod val="50000"/>
+            </a:schemeClr>
+          </a:solidFill>
+          <a:round/>
+          <a:tailEnd type="arrow"/>
+        </a:ln>
+      </a:spPr>
       <a:bodyPr/>
       <a:lstStyle/>
       <a:style>
